--- a/Sesión_4/Sistemas de segundo orden Discretos.pptx
+++ b/Sesión_4/Sistemas de segundo orden Discretos.pptx
@@ -5,10 +5,10 @@
     <p:sldMasterId id="2147483778" r:id="rId4"/>
   </p:sldMasterIdLst>
   <p:notesMasterIdLst>
-    <p:notesMasterId r:id="rId23"/>
+    <p:notesMasterId r:id="rId21"/>
   </p:notesMasterIdLst>
   <p:handoutMasterIdLst>
-    <p:handoutMasterId r:id="rId24"/>
+    <p:handoutMasterId r:id="rId22"/>
   </p:handoutMasterIdLst>
   <p:sldIdLst>
     <p:sldId id="256" r:id="rId5"/>
@@ -25,10 +25,8 @@
     <p:sldId id="294" r:id="rId16"/>
     <p:sldId id="292" r:id="rId17"/>
     <p:sldId id="293" r:id="rId18"/>
-    <p:sldId id="283" r:id="rId19"/>
-    <p:sldId id="280" r:id="rId20"/>
-    <p:sldId id="284" r:id="rId21"/>
-    <p:sldId id="286" r:id="rId22"/>
+    <p:sldId id="280" r:id="rId19"/>
+    <p:sldId id="284" r:id="rId20"/>
   </p:sldIdLst>
   <p:sldSz cx="9144000" cy="6858000" type="letter"/>
   <p:notesSz cx="6858000" cy="9144000"/>
@@ -146,10 +144,8 @@
             <p14:sldId id="294"/>
             <p14:sldId id="292"/>
             <p14:sldId id="293"/>
-            <p14:sldId id="283"/>
             <p14:sldId id="280"/>
             <p14:sldId id="284"/>
-            <p14:sldId id="286"/>
           </p14:sldIdLst>
         </p14:section>
       </p14:sectionLst>
@@ -186,6 +182,14 @@
 </p:presentation>
 </file>
 
+<file path=ppt/revisionInfo.xml><?xml version="1.0" encoding="utf-8"?>
+<p1510:revInfo xmlns:a="http://schemas.openxmlformats.org/drawingml/2006/main" xmlns:r="http://schemas.openxmlformats.org/officeDocument/2006/relationships" xmlns:p1510="http://schemas.microsoft.com/office/powerpoint/2015/10/main">
+  <p1510:revLst>
+    <p1510:client id="{8D5B9C9A-4A92-4012-8653-FF8E3D8ACF65}" v="1" dt="2025-01-13T19:24:20.339"/>
+  </p1510:revLst>
+</p1510:revInfo>
+</file>
+
 <file path=ppt/changesInfos/changesInfo1.xml><?xml version="1.0" encoding="utf-8"?>
 <pc:chgInfo xmlns:a="http://schemas.openxmlformats.org/drawingml/2006/main" xmlns:r="http://schemas.openxmlformats.org/officeDocument/2006/relationships" xmlns:ac="http://schemas.microsoft.com/office/drawing/2013/main/command" xmlns:pc="http://schemas.microsoft.com/office/powerpoint/2013/main/command">
   <pc:docChgLst>
@@ -201,14 +205,52 @@
           <pc:docMk/>
           <pc:sldMk cId="677326449" sldId="285"/>
         </pc:sldMkLst>
-        <pc:spChg chg="del">
-          <ac:chgData name="JHEYSON FABIAN VILLAVISAN BUITRAGO" userId="e5ced5c2-d787-455d-b115-4f08a699b8c8" providerId="ADAL" clId="{A917EF99-4963-45EF-AFB8-A4BED98A7D26}" dt="2024-10-18T13:38:21.117" v="0" actId="478"/>
-          <ac:spMkLst>
+      </pc:sldChg>
+    </pc:docChg>
+  </pc:docChgLst>
+  <pc:docChgLst>
+    <pc:chgData name="JHEYSON FABIAN VILLAVISAN BUITRAGO" userId="e5ced5c2-d787-455d-b115-4f08a699b8c8" providerId="ADAL" clId="{8D5B9C9A-4A92-4012-8653-FF8E3D8ACF65}"/>
+    <pc:docChg chg="custSel delSld modSld modSection">
+      <pc:chgData name="JHEYSON FABIAN VILLAVISAN BUITRAGO" userId="e5ced5c2-d787-455d-b115-4f08a699b8c8" providerId="ADAL" clId="{8D5B9C9A-4A92-4012-8653-FF8E3D8ACF65}" dt="2025-01-13T19:56:41.611" v="3" actId="47"/>
+      <pc:docMkLst>
+        <pc:docMk/>
+      </pc:docMkLst>
+      <pc:sldChg chg="addSp delSp modSp mod">
+        <pc:chgData name="JHEYSON FABIAN VILLAVISAN BUITRAGO" userId="e5ced5c2-d787-455d-b115-4f08a699b8c8" providerId="ADAL" clId="{8D5B9C9A-4A92-4012-8653-FF8E3D8ACF65}" dt="2025-01-13T19:24:20.339" v="1"/>
+        <pc:sldMkLst>
+          <pc:docMk/>
+          <pc:sldMk cId="2505371292" sldId="270"/>
+        </pc:sldMkLst>
+        <pc:graphicFrameChg chg="del">
+          <ac:chgData name="JHEYSON FABIAN VILLAVISAN BUITRAGO" userId="e5ced5c2-d787-455d-b115-4f08a699b8c8" providerId="ADAL" clId="{8D5B9C9A-4A92-4012-8653-FF8E3D8ACF65}" dt="2025-01-13T19:24:19.988" v="0" actId="478"/>
+          <ac:graphicFrameMkLst>
             <pc:docMk/>
-            <pc:sldMk cId="677326449" sldId="285"/>
-            <ac:spMk id="2" creationId="{F8F2172F-5B2A-3260-075C-890C6C21438C}"/>
-          </ac:spMkLst>
-        </pc:spChg>
+            <pc:sldMk cId="2505371292" sldId="270"/>
+            <ac:graphicFrameMk id="2" creationId="{F3F82246-C76E-451D-EA87-CDDDEC715557}"/>
+          </ac:graphicFrameMkLst>
+        </pc:graphicFrameChg>
+        <pc:graphicFrameChg chg="add mod">
+          <ac:chgData name="JHEYSON FABIAN VILLAVISAN BUITRAGO" userId="e5ced5c2-d787-455d-b115-4f08a699b8c8" providerId="ADAL" clId="{8D5B9C9A-4A92-4012-8653-FF8E3D8ACF65}" dt="2025-01-13T19:24:20.339" v="1"/>
+          <ac:graphicFrameMkLst>
+            <pc:docMk/>
+            <pc:sldMk cId="2505371292" sldId="270"/>
+            <ac:graphicFrameMk id="6" creationId="{8950EDF3-379C-88CD-7A55-6848E0D67E3A}"/>
+          </ac:graphicFrameMkLst>
+        </pc:graphicFrameChg>
+      </pc:sldChg>
+      <pc:sldChg chg="del">
+        <pc:chgData name="JHEYSON FABIAN VILLAVISAN BUITRAGO" userId="e5ced5c2-d787-455d-b115-4f08a699b8c8" providerId="ADAL" clId="{8D5B9C9A-4A92-4012-8653-FF8E3D8ACF65}" dt="2025-01-13T19:56:31.432" v="2" actId="47"/>
+        <pc:sldMkLst>
+          <pc:docMk/>
+          <pc:sldMk cId="0" sldId="283"/>
+        </pc:sldMkLst>
+      </pc:sldChg>
+      <pc:sldChg chg="del">
+        <pc:chgData name="JHEYSON FABIAN VILLAVISAN BUITRAGO" userId="e5ced5c2-d787-455d-b115-4f08a699b8c8" providerId="ADAL" clId="{8D5B9C9A-4A92-4012-8653-FF8E3D8ACF65}" dt="2025-01-13T19:56:41.611" v="3" actId="47"/>
+        <pc:sldMkLst>
+          <pc:docMk/>
+          <pc:sldMk cId="2611572295" sldId="286"/>
+        </pc:sldMkLst>
       </pc:sldChg>
     </pc:docChg>
   </pc:docChgLst>
@@ -339,7 +381,7 @@
               <a:pPr>
                 <a:defRPr/>
               </a:pPr>
-              <a:t>18/10/2024</a:t>
+              <a:t>13/01/2025</a:t>
             </a:fld>
             <a:endParaRPr lang="es-CO"/>
           </a:p>
@@ -582,7 +624,7 @@
               <a:pPr>
                 <a:defRPr/>
               </a:pPr>
-              <a:t>18/10/2024</a:t>
+              <a:t>13/01/2025</a:t>
             </a:fld>
             <a:endParaRPr lang="es-CO"/>
           </a:p>
@@ -1848,7 +1890,7 @@
               <a:pPr>
                 <a:defRPr/>
               </a:pPr>
-              <a:t>17</a:t>
+              <a:t>16</a:t>
             </a:fld>
             <a:endParaRPr lang="es-CO" altLang="es-CO"/>
           </a:p>
@@ -1858,739 +1900,6 @@
     <p:extLst>
       <p:ext uri="{BB962C8B-B14F-4D97-AF65-F5344CB8AC3E}">
         <p14:creationId xmlns:p14="http://schemas.microsoft.com/office/powerpoint/2010/main" val="3603369197"/>
-      </p:ext>
-    </p:extLst>
-  </p:cSld>
-  <p:clrMapOvr>
-    <a:masterClrMapping/>
-  </p:clrMapOvr>
-</p:notes>
-</file>
-
-<file path=ppt/notesSlides/notesSlide11.xml><?xml version="1.0" encoding="utf-8"?>
-<p:notes xmlns:a="http://schemas.openxmlformats.org/drawingml/2006/main" xmlns:r="http://schemas.openxmlformats.org/officeDocument/2006/relationships" xmlns:p="http://schemas.openxmlformats.org/presentationml/2006/main">
-  <p:cSld>
-    <p:spTree>
-      <p:nvGrpSpPr>
-        <p:cNvPr id="1" name=""/>
-        <p:cNvGrpSpPr/>
-        <p:nvPr/>
-      </p:nvGrpSpPr>
-      <p:grpSpPr>
-        <a:xfrm>
-          <a:off x="0" y="0"/>
-          <a:ext cx="0" cy="0"/>
-          <a:chOff x="0" y="0"/>
-          <a:chExt cx="0" cy="0"/>
-        </a:xfrm>
-      </p:grpSpPr>
-      <p:sp>
-        <p:nvSpPr>
-          <p:cNvPr id="2" name="Marcador de imagen de diapositiva 1"/>
-          <p:cNvSpPr>
-            <a:spLocks noGrp="1" noRot="1" noChangeAspect="1"/>
-          </p:cNvSpPr>
-          <p:nvPr>
-            <p:ph type="sldImg"/>
-          </p:nvPr>
-        </p:nvSpPr>
-        <p:spPr/>
-      </p:sp>
-      <p:sp>
-        <p:nvSpPr>
-          <p:cNvPr id="3" name="Marcador de notas 2"/>
-          <p:cNvSpPr>
-            <a:spLocks noGrp="1"/>
-          </p:cNvSpPr>
-          <p:nvPr>
-            <p:ph type="body" idx="1"/>
-          </p:nvPr>
-        </p:nvSpPr>
-        <p:spPr/>
-        <p:txBody>
-          <a:bodyPr>
-            <a:normAutofit fontScale="47500" lnSpcReduction="20000"/>
-          </a:bodyPr>
-          <a:lstStyle/>
-          <a:p>
-            <a:r>
-              <a:rPr lang="es-ES" sz="1800" b="0" i="0" dirty="0">
-                <a:solidFill>
-                  <a:srgbClr val="008013"/>
-                </a:solidFill>
-                <a:effectLst/>
-                <a:latin typeface="Menlo"/>
-              </a:rPr>
-              <a:t>% Definir la ecuación en diferencias</a:t>
-            </a:r>
-            <a:endParaRPr lang="es-ES" sz="1800" b="0" i="0" dirty="0">
-              <a:effectLst/>
-              <a:latin typeface="Menlo"/>
-            </a:endParaRPr>
-          </a:p>
-          <a:p>
-            <a:r>
-              <a:rPr lang="es-ES" sz="1800" b="0" i="0" dirty="0" err="1">
-                <a:effectLst/>
-                <a:latin typeface="Menlo"/>
-              </a:rPr>
-              <a:t>numerator</a:t>
-            </a:r>
-            <a:r>
-              <a:rPr lang="es-ES" sz="1800" b="0" i="0" dirty="0">
-                <a:effectLst/>
-                <a:latin typeface="Menlo"/>
-              </a:rPr>
-              <a:t> = [1]; </a:t>
-            </a:r>
-            <a:r>
-              <a:rPr lang="es-ES" sz="1800" b="0" i="0" dirty="0">
-                <a:solidFill>
-                  <a:srgbClr val="008013"/>
-                </a:solidFill>
-                <a:effectLst/>
-                <a:latin typeface="Menlo"/>
-              </a:rPr>
-              <a:t>% Coeficiente del numerador (1)</a:t>
-            </a:r>
-            <a:endParaRPr lang="es-ES" sz="1800" b="0" i="0" dirty="0">
-              <a:effectLst/>
-              <a:latin typeface="Menlo"/>
-            </a:endParaRPr>
-          </a:p>
-          <a:p>
-            <a:r>
-              <a:rPr lang="es-ES" sz="1800" b="0" i="0" dirty="0" err="1">
-                <a:effectLst/>
-                <a:latin typeface="Menlo"/>
-              </a:rPr>
-              <a:t>denominator</a:t>
-            </a:r>
-            <a:r>
-              <a:rPr lang="es-ES" sz="1800" b="0" i="0" dirty="0">
-                <a:effectLst/>
-                <a:latin typeface="Menlo"/>
-              </a:rPr>
-              <a:t> = [1, 1]; </a:t>
-            </a:r>
-            <a:r>
-              <a:rPr lang="es-ES" sz="1800" b="0" i="0" dirty="0">
-                <a:solidFill>
-                  <a:srgbClr val="008013"/>
-                </a:solidFill>
-                <a:effectLst/>
-                <a:latin typeface="Menlo"/>
-              </a:rPr>
-              <a:t>% Coeficientes del denominador (z + 1)</a:t>
-            </a:r>
-            <a:endParaRPr lang="es-ES" sz="1800" b="0" i="0" dirty="0">
-              <a:effectLst/>
-              <a:latin typeface="Menlo"/>
-            </a:endParaRPr>
-          </a:p>
-          <a:p>
-            <a:br>
-              <a:rPr lang="es-ES" sz="1800" b="0" i="0" dirty="0">
-                <a:effectLst/>
-                <a:latin typeface="Menlo"/>
-              </a:rPr>
-            </a:br>
-            <a:endParaRPr lang="es-ES" sz="1800" b="0" i="0" dirty="0">
-              <a:effectLst/>
-              <a:latin typeface="Menlo"/>
-            </a:endParaRPr>
-          </a:p>
-          <a:p>
-            <a:r>
-              <a:rPr lang="es-ES" sz="1800" b="0" i="0" dirty="0">
-                <a:solidFill>
-                  <a:srgbClr val="008013"/>
-                </a:solidFill>
-                <a:effectLst/>
-                <a:latin typeface="Menlo"/>
-              </a:rPr>
-              <a:t>% Crear la función de transferencia en el dominio Z</a:t>
-            </a:r>
-            <a:endParaRPr lang="es-ES" sz="1800" b="0" i="0" dirty="0">
-              <a:effectLst/>
-              <a:latin typeface="Menlo"/>
-            </a:endParaRPr>
-          </a:p>
-          <a:p>
-            <a:r>
-              <a:rPr lang="es-ES" sz="1800" b="0" i="0" dirty="0">
-                <a:effectLst/>
-                <a:latin typeface="Menlo"/>
-              </a:rPr>
-              <a:t>H = </a:t>
-            </a:r>
-            <a:r>
-              <a:rPr lang="es-ES" sz="1800" b="0" i="0" dirty="0" err="1">
-                <a:effectLst/>
-                <a:latin typeface="Menlo"/>
-              </a:rPr>
-              <a:t>tf</a:t>
-            </a:r>
-            <a:r>
-              <a:rPr lang="es-ES" sz="1800" b="0" i="0" dirty="0">
-                <a:effectLst/>
-                <a:latin typeface="Menlo"/>
-              </a:rPr>
-              <a:t>(</a:t>
-            </a:r>
-            <a:r>
-              <a:rPr lang="es-ES" sz="1800" b="0" i="0" dirty="0" err="1">
-                <a:effectLst/>
-                <a:latin typeface="Menlo"/>
-              </a:rPr>
-              <a:t>numerator</a:t>
-            </a:r>
-            <a:r>
-              <a:rPr lang="es-ES" sz="1800" b="0" i="0" dirty="0">
-                <a:effectLst/>
-                <a:latin typeface="Menlo"/>
-              </a:rPr>
-              <a:t>, </a:t>
-            </a:r>
-            <a:r>
-              <a:rPr lang="es-ES" sz="1800" b="0" i="0" dirty="0" err="1">
-                <a:effectLst/>
-                <a:latin typeface="Menlo"/>
-              </a:rPr>
-              <a:t>denominator</a:t>
-            </a:r>
-            <a:r>
-              <a:rPr lang="es-ES" sz="1800" b="0" i="0" dirty="0">
-                <a:effectLst/>
-                <a:latin typeface="Menlo"/>
-              </a:rPr>
-              <a:t>, 1, </a:t>
-            </a:r>
-            <a:r>
-              <a:rPr lang="es-ES" sz="1800" b="0" i="0" dirty="0">
-                <a:solidFill>
-                  <a:srgbClr val="A709F5"/>
-                </a:solidFill>
-                <a:effectLst/>
-                <a:latin typeface="Menlo"/>
-              </a:rPr>
-              <a:t>'Variable'</a:t>
-            </a:r>
-            <a:r>
-              <a:rPr lang="es-ES" sz="1800" b="0" i="0" dirty="0">
-                <a:effectLst/>
-                <a:latin typeface="Menlo"/>
-              </a:rPr>
-              <a:t>, </a:t>
-            </a:r>
-            <a:r>
-              <a:rPr lang="es-ES" sz="1800" b="0" i="0" dirty="0">
-                <a:solidFill>
-                  <a:srgbClr val="A709F5"/>
-                </a:solidFill>
-                <a:effectLst/>
-                <a:latin typeface="Menlo"/>
-              </a:rPr>
-              <a:t>'z'</a:t>
-            </a:r>
-            <a:r>
-              <a:rPr lang="es-ES" sz="1800" b="0" i="0" dirty="0">
-                <a:effectLst/>
-                <a:latin typeface="Menlo"/>
-              </a:rPr>
-              <a:t>, </a:t>
-            </a:r>
-            <a:r>
-              <a:rPr lang="es-ES" sz="1800" b="0" i="0" dirty="0">
-                <a:solidFill>
-                  <a:srgbClr val="A709F5"/>
-                </a:solidFill>
-                <a:effectLst/>
-                <a:latin typeface="Menlo"/>
-              </a:rPr>
-              <a:t>'</a:t>
-            </a:r>
-            <a:r>
-              <a:rPr lang="es-ES" sz="1800" b="0" i="0" dirty="0" err="1">
-                <a:solidFill>
-                  <a:srgbClr val="A709F5"/>
-                </a:solidFill>
-                <a:effectLst/>
-                <a:latin typeface="Menlo"/>
-              </a:rPr>
-              <a:t>InputDelay</a:t>
-            </a:r>
-            <a:r>
-              <a:rPr lang="es-ES" sz="1800" b="0" i="0" dirty="0">
-                <a:solidFill>
-                  <a:srgbClr val="A709F5"/>
-                </a:solidFill>
-                <a:effectLst/>
-                <a:latin typeface="Menlo"/>
-              </a:rPr>
-              <a:t>'</a:t>
-            </a:r>
-            <a:r>
-              <a:rPr lang="es-ES" sz="1800" b="0" i="0" dirty="0">
-                <a:effectLst/>
-                <a:latin typeface="Menlo"/>
-              </a:rPr>
-              <a:t>, 0);</a:t>
-            </a:r>
-          </a:p>
-          <a:p>
-            <a:br>
-              <a:rPr lang="es-ES" sz="1800" b="0" i="0" dirty="0">
-                <a:effectLst/>
-                <a:latin typeface="Menlo"/>
-              </a:rPr>
-            </a:br>
-            <a:endParaRPr lang="es-ES" sz="1800" b="0" i="0" dirty="0">
-              <a:effectLst/>
-              <a:latin typeface="Menlo"/>
-            </a:endParaRPr>
-          </a:p>
-          <a:p>
-            <a:r>
-              <a:rPr lang="es-ES" sz="1800" b="0" i="0" dirty="0">
-                <a:solidFill>
-                  <a:srgbClr val="008013"/>
-                </a:solidFill>
-                <a:effectLst/>
-                <a:latin typeface="Menlo"/>
-              </a:rPr>
-              <a:t>% Definir la entrada discreta u[k]</a:t>
-            </a:r>
-            <a:endParaRPr lang="es-ES" sz="1800" b="0" i="0" dirty="0">
-              <a:effectLst/>
-              <a:latin typeface="Menlo"/>
-            </a:endParaRPr>
-          </a:p>
-          <a:p>
-            <a:r>
-              <a:rPr lang="es-ES" sz="1800" b="0" i="0" dirty="0">
-                <a:effectLst/>
-                <a:latin typeface="Menlo"/>
-              </a:rPr>
-              <a:t>k = 0:1:10; </a:t>
-            </a:r>
-            <a:r>
-              <a:rPr lang="es-ES" sz="1800" b="0" i="0" dirty="0">
-                <a:solidFill>
-                  <a:srgbClr val="008013"/>
-                </a:solidFill>
-                <a:effectLst/>
-                <a:latin typeface="Menlo"/>
-              </a:rPr>
-              <a:t>% Vector de índices de tiempo discreto</a:t>
-            </a:r>
-            <a:endParaRPr lang="es-ES" sz="1800" b="0" i="0" dirty="0">
-              <a:effectLst/>
-              <a:latin typeface="Menlo"/>
-            </a:endParaRPr>
-          </a:p>
-          <a:p>
-            <a:r>
-              <a:rPr lang="es-ES" sz="1800" b="0" i="0" dirty="0">
-                <a:effectLst/>
-                <a:latin typeface="Menlo"/>
-              </a:rPr>
-              <a:t>u = </a:t>
-            </a:r>
-            <a:r>
-              <a:rPr lang="es-ES" sz="1800" b="0" i="0" dirty="0" err="1">
-                <a:effectLst/>
-                <a:latin typeface="Menlo"/>
-              </a:rPr>
-              <a:t>ones</a:t>
-            </a:r>
-            <a:r>
-              <a:rPr lang="es-ES" sz="1800" b="0" i="0" dirty="0">
-                <a:effectLst/>
-                <a:latin typeface="Menlo"/>
-              </a:rPr>
-              <a:t>(</a:t>
-            </a:r>
-            <a:r>
-              <a:rPr lang="es-ES" sz="1800" b="0" i="0" dirty="0" err="1">
-                <a:effectLst/>
-                <a:latin typeface="Menlo"/>
-              </a:rPr>
-              <a:t>size</a:t>
-            </a:r>
-            <a:r>
-              <a:rPr lang="es-ES" sz="1800" b="0" i="0" dirty="0">
-                <a:effectLst/>
-                <a:latin typeface="Menlo"/>
-              </a:rPr>
-              <a:t>(k)); </a:t>
-            </a:r>
-            <a:r>
-              <a:rPr lang="es-ES" sz="1800" b="0" i="0" dirty="0">
-                <a:solidFill>
-                  <a:srgbClr val="008013"/>
-                </a:solidFill>
-                <a:effectLst/>
-                <a:latin typeface="Menlo"/>
-              </a:rPr>
-              <a:t>% Entrada escalón unitario discreto</a:t>
-            </a:r>
-            <a:endParaRPr lang="es-ES" sz="1800" b="0" i="0" dirty="0">
-              <a:effectLst/>
-              <a:latin typeface="Menlo"/>
-            </a:endParaRPr>
-          </a:p>
-          <a:p>
-            <a:br>
-              <a:rPr lang="es-ES" sz="1800" b="0" i="0" dirty="0">
-                <a:effectLst/>
-                <a:latin typeface="Menlo"/>
-              </a:rPr>
-            </a:br>
-            <a:endParaRPr lang="es-ES" sz="1800" b="0" i="0" dirty="0">
-              <a:effectLst/>
-              <a:latin typeface="Menlo"/>
-            </a:endParaRPr>
-          </a:p>
-          <a:p>
-            <a:r>
-              <a:rPr lang="es-ES" sz="1800" b="0" i="0" dirty="0">
-                <a:solidFill>
-                  <a:srgbClr val="008013"/>
-                </a:solidFill>
-                <a:effectLst/>
-                <a:latin typeface="Menlo"/>
-              </a:rPr>
-              <a:t>% Obtener la respuesta en el dominio discreto</a:t>
-            </a:r>
-            <a:endParaRPr lang="es-ES" sz="1800" b="0" i="0" dirty="0">
-              <a:effectLst/>
-              <a:latin typeface="Menlo"/>
-            </a:endParaRPr>
-          </a:p>
-          <a:p>
-            <a:r>
-              <a:rPr lang="es-ES" sz="1800" b="0" i="0" dirty="0">
-                <a:effectLst/>
-                <a:latin typeface="Menlo"/>
-              </a:rPr>
-              <a:t>[y, k] = </a:t>
-            </a:r>
-            <a:r>
-              <a:rPr lang="es-ES" sz="1800" b="0" i="0" dirty="0" err="1">
-                <a:effectLst/>
-                <a:latin typeface="Menlo"/>
-              </a:rPr>
-              <a:t>lsim</a:t>
-            </a:r>
-            <a:r>
-              <a:rPr lang="es-ES" sz="1800" b="0" i="0" dirty="0">
-                <a:effectLst/>
-                <a:latin typeface="Menlo"/>
-              </a:rPr>
-              <a:t>(H, u, k);</a:t>
-            </a:r>
-          </a:p>
-          <a:p>
-            <a:br>
-              <a:rPr lang="es-ES" sz="1800" b="0" i="0" dirty="0">
-                <a:effectLst/>
-                <a:latin typeface="Menlo"/>
-              </a:rPr>
-            </a:br>
-            <a:endParaRPr lang="es-ES" sz="1800" b="0" i="0" dirty="0">
-              <a:effectLst/>
-              <a:latin typeface="Menlo"/>
-            </a:endParaRPr>
-          </a:p>
-          <a:p>
-            <a:r>
-              <a:rPr lang="es-ES" sz="1800" b="0" i="0" dirty="0">
-                <a:solidFill>
-                  <a:srgbClr val="008013"/>
-                </a:solidFill>
-                <a:effectLst/>
-                <a:latin typeface="Menlo"/>
-              </a:rPr>
-              <a:t>% Graficar la respuesta en el dominio discreto</a:t>
-            </a:r>
-            <a:endParaRPr lang="es-ES" sz="1800" b="0" i="0" dirty="0">
-              <a:effectLst/>
-              <a:latin typeface="Menlo"/>
-            </a:endParaRPr>
-          </a:p>
-          <a:p>
-            <a:r>
-              <a:rPr lang="es-ES" sz="1800" b="0" i="0" dirty="0" err="1">
-                <a:effectLst/>
-                <a:latin typeface="Menlo"/>
-              </a:rPr>
-              <a:t>stem</a:t>
-            </a:r>
-            <a:r>
-              <a:rPr lang="es-ES" sz="1800" b="0" i="0" dirty="0">
-                <a:effectLst/>
-                <a:latin typeface="Menlo"/>
-              </a:rPr>
-              <a:t>(k, y, </a:t>
-            </a:r>
-            <a:r>
-              <a:rPr lang="es-ES" sz="1800" b="0" i="0" dirty="0">
-                <a:solidFill>
-                  <a:srgbClr val="A709F5"/>
-                </a:solidFill>
-                <a:effectLst/>
-                <a:latin typeface="Menlo"/>
-              </a:rPr>
-              <a:t>'</a:t>
-            </a:r>
-            <a:r>
-              <a:rPr lang="es-ES" sz="1800" b="0" i="0" dirty="0" err="1">
-                <a:solidFill>
-                  <a:srgbClr val="A709F5"/>
-                </a:solidFill>
-                <a:effectLst/>
-                <a:latin typeface="Menlo"/>
-              </a:rPr>
-              <a:t>filled</a:t>
-            </a:r>
-            <a:r>
-              <a:rPr lang="es-ES" sz="1800" b="0" i="0" dirty="0">
-                <a:solidFill>
-                  <a:srgbClr val="A709F5"/>
-                </a:solidFill>
-                <a:effectLst/>
-                <a:latin typeface="Menlo"/>
-              </a:rPr>
-              <a:t>'</a:t>
-            </a:r>
-            <a:r>
-              <a:rPr lang="es-ES" sz="1800" b="0" i="0" dirty="0">
-                <a:effectLst/>
-                <a:latin typeface="Menlo"/>
-              </a:rPr>
-              <a:t>, </a:t>
-            </a:r>
-            <a:r>
-              <a:rPr lang="es-ES" sz="1800" b="0" i="0" dirty="0">
-                <a:solidFill>
-                  <a:srgbClr val="A709F5"/>
-                </a:solidFill>
-                <a:effectLst/>
-                <a:latin typeface="Menlo"/>
-              </a:rPr>
-              <a:t>'</a:t>
-            </a:r>
-            <a:r>
-              <a:rPr lang="es-ES" sz="1800" b="0" i="0" dirty="0" err="1">
-                <a:solidFill>
-                  <a:srgbClr val="A709F5"/>
-                </a:solidFill>
-                <a:effectLst/>
-                <a:latin typeface="Menlo"/>
-              </a:rPr>
-              <a:t>LineWidth</a:t>
-            </a:r>
-            <a:r>
-              <a:rPr lang="es-ES" sz="1800" b="0" i="0" dirty="0">
-                <a:solidFill>
-                  <a:srgbClr val="A709F5"/>
-                </a:solidFill>
-                <a:effectLst/>
-                <a:latin typeface="Menlo"/>
-              </a:rPr>
-              <a:t>'</a:t>
-            </a:r>
-            <a:r>
-              <a:rPr lang="es-ES" sz="1800" b="0" i="0" dirty="0">
-                <a:effectLst/>
-                <a:latin typeface="Menlo"/>
-              </a:rPr>
-              <a:t>, 2);</a:t>
-            </a:r>
-          </a:p>
-          <a:p>
-            <a:r>
-              <a:rPr lang="es-ES" sz="1800" b="0" i="0" dirty="0" err="1">
-                <a:effectLst/>
-                <a:latin typeface="Menlo"/>
-              </a:rPr>
-              <a:t>title</a:t>
-            </a:r>
-            <a:r>
-              <a:rPr lang="es-ES" sz="1800" b="0" i="0" dirty="0">
-                <a:effectLst/>
-                <a:latin typeface="Menlo"/>
-              </a:rPr>
-              <a:t>(</a:t>
-            </a:r>
-            <a:r>
-              <a:rPr lang="es-ES" sz="1800" b="0" i="0" dirty="0">
-                <a:solidFill>
-                  <a:srgbClr val="A709F5"/>
-                </a:solidFill>
-                <a:effectLst/>
-                <a:latin typeface="Menlo"/>
-              </a:rPr>
-              <a:t>'Respuesta en el Dominio Discreto de la Ecuación en Diferencias'</a:t>
-            </a:r>
-            <a:r>
-              <a:rPr lang="es-ES" sz="1800" b="0" i="0" dirty="0">
-                <a:effectLst/>
-                <a:latin typeface="Menlo"/>
-              </a:rPr>
-              <a:t>);</a:t>
-            </a:r>
-          </a:p>
-          <a:p>
-            <a:r>
-              <a:rPr lang="es-ES" sz="1800" b="0" i="0" dirty="0" err="1">
-                <a:effectLst/>
-                <a:latin typeface="Menlo"/>
-              </a:rPr>
-              <a:t>xlabel</a:t>
-            </a:r>
-            <a:r>
-              <a:rPr lang="es-ES" sz="1800" b="0" i="0" dirty="0">
-                <a:effectLst/>
-                <a:latin typeface="Menlo"/>
-              </a:rPr>
-              <a:t>(</a:t>
-            </a:r>
-            <a:r>
-              <a:rPr lang="es-ES" sz="1800" b="0" i="0" dirty="0">
-                <a:solidFill>
-                  <a:srgbClr val="A709F5"/>
-                </a:solidFill>
-                <a:effectLst/>
-                <a:latin typeface="Menlo"/>
-              </a:rPr>
-              <a:t>'k (Índice de tiempo discreto)'</a:t>
-            </a:r>
-            <a:r>
-              <a:rPr lang="es-ES" sz="1800" b="0" i="0" dirty="0">
-                <a:effectLst/>
-                <a:latin typeface="Menlo"/>
-              </a:rPr>
-              <a:t>);</a:t>
-            </a:r>
-          </a:p>
-          <a:p>
-            <a:r>
-              <a:rPr lang="es-ES" sz="1800" b="0" i="0" dirty="0" err="1">
-                <a:effectLst/>
-                <a:latin typeface="Menlo"/>
-              </a:rPr>
-              <a:t>ylabel</a:t>
-            </a:r>
-            <a:r>
-              <a:rPr lang="es-ES" sz="1800" b="0" i="0" dirty="0">
-                <a:effectLst/>
-                <a:latin typeface="Menlo"/>
-              </a:rPr>
-              <a:t>(</a:t>
-            </a:r>
-            <a:r>
-              <a:rPr lang="es-ES" sz="1800" b="0" i="0" dirty="0">
-                <a:solidFill>
-                  <a:srgbClr val="A709F5"/>
-                </a:solidFill>
-                <a:effectLst/>
-                <a:latin typeface="Menlo"/>
-              </a:rPr>
-              <a:t>'y[k]'</a:t>
-            </a:r>
-            <a:r>
-              <a:rPr lang="es-ES" sz="1800" b="0" i="0" dirty="0">
-                <a:effectLst/>
-                <a:latin typeface="Menlo"/>
-              </a:rPr>
-              <a:t>);</a:t>
-            </a:r>
-          </a:p>
-          <a:p>
-            <a:r>
-              <a:rPr lang="es-ES" sz="1800" b="0" i="0" dirty="0" err="1">
-                <a:effectLst/>
-                <a:latin typeface="Menlo"/>
-              </a:rPr>
-              <a:t>grid</a:t>
-            </a:r>
-            <a:r>
-              <a:rPr lang="es-ES" sz="1800" b="0" i="0" dirty="0">
-                <a:effectLst/>
-                <a:latin typeface="Menlo"/>
-              </a:rPr>
-              <a:t> </a:t>
-            </a:r>
-            <a:r>
-              <a:rPr lang="es-ES" sz="1800" b="0" i="0" dirty="0" err="1">
-                <a:solidFill>
-                  <a:srgbClr val="A709F5"/>
-                </a:solidFill>
-                <a:effectLst/>
-                <a:latin typeface="Menlo"/>
-              </a:rPr>
-              <a:t>on</a:t>
-            </a:r>
-            <a:r>
-              <a:rPr lang="es-ES" sz="1800" b="0" i="0" dirty="0">
-                <a:effectLst/>
-                <a:latin typeface="Menlo"/>
-              </a:rPr>
-              <a:t>;</a:t>
-            </a:r>
-          </a:p>
-          <a:p>
-            <a:br>
-              <a:rPr lang="es-ES" sz="1800" b="0" i="0" dirty="0">
-                <a:effectLst/>
-                <a:latin typeface="Menlo"/>
-              </a:rPr>
-            </a:br>
-            <a:endParaRPr lang="es-ES" sz="1800" b="0" i="0" dirty="0">
-              <a:effectLst/>
-              <a:latin typeface="Menlo"/>
-            </a:endParaRPr>
-          </a:p>
-          <a:p>
-            <a:endParaRPr lang="en-US" dirty="0"/>
-          </a:p>
-        </p:txBody>
-      </p:sp>
-      <p:sp>
-        <p:nvSpPr>
-          <p:cNvPr id="4" name="Marcador de número de diapositiva 3"/>
-          <p:cNvSpPr>
-            <a:spLocks noGrp="1"/>
-          </p:cNvSpPr>
-          <p:nvPr>
-            <p:ph type="sldNum" sz="quarter" idx="5"/>
-          </p:nvPr>
-        </p:nvSpPr>
-        <p:spPr/>
-        <p:txBody>
-          <a:bodyPr/>
-          <a:lstStyle/>
-          <a:p>
-            <a:pPr>
-              <a:defRPr/>
-            </a:pPr>
-            <a:fld id="{2D1E0FDF-8C6F-43B4-8722-700C06D0C414}" type="slidenum">
-              <a:rPr lang="es-CO" altLang="es-CO" smtClean="0"/>
-              <a:pPr>
-                <a:defRPr/>
-              </a:pPr>
-              <a:t>18</a:t>
-            </a:fld>
-            <a:endParaRPr lang="es-CO" altLang="es-CO"/>
-          </a:p>
-        </p:txBody>
-      </p:sp>
-    </p:spTree>
-    <p:extLst>
-      <p:ext uri="{BB962C8B-B14F-4D97-AF65-F5344CB8AC3E}">
-        <p14:creationId xmlns:p14="http://schemas.microsoft.com/office/powerpoint/2010/main" val="1221787298"/>
       </p:ext>
     </p:extLst>
   </p:cSld>
@@ -9592,7 +8901,7 @@
               <a:pPr>
                 <a:defRPr/>
               </a:pPr>
-              <a:t>16</a:t>
+              <a:t>15</a:t>
             </a:fld>
             <a:endParaRPr lang="es-CO" altLang="es-CO"/>
           </a:p>
@@ -9760,7 +9069,7 @@
           <a:p>
             <a:fld id="{9CF7635E-2D71-42E7-9E6C-FBB85A15A85F}" type="datetimeFigureOut">
               <a:rPr lang="es-CO" smtClean="0"/>
-              <a:t>18/10/2024</a:t>
+              <a:t>13/01/2025</a:t>
             </a:fld>
             <a:endParaRPr lang="es-CO"/>
           </a:p>
@@ -10026,7 +9335,7 @@
           <a:p>
             <a:fld id="{9CF7635E-2D71-42E7-9E6C-FBB85A15A85F}" type="datetimeFigureOut">
               <a:rPr lang="es-CO" smtClean="0"/>
-              <a:t>18/10/2024</a:t>
+              <a:t>13/01/2025</a:t>
             </a:fld>
             <a:endParaRPr lang="es-CO"/>
           </a:p>
@@ -10242,7 +9551,7 @@
           <a:p>
             <a:fld id="{9CF7635E-2D71-42E7-9E6C-FBB85A15A85F}" type="datetimeFigureOut">
               <a:rPr lang="es-CO" smtClean="0"/>
-              <a:t>18/10/2024</a:t>
+              <a:t>13/01/2025</a:t>
             </a:fld>
             <a:endParaRPr lang="es-CO"/>
           </a:p>
@@ -11871,7 +11180,7 @@
           <a:p>
             <a:fld id="{9CF7635E-2D71-42E7-9E6C-FBB85A15A85F}" type="datetimeFigureOut">
               <a:rPr lang="es-CO" smtClean="0"/>
-              <a:t>18/10/2024</a:t>
+              <a:t>13/01/2025</a:t>
             </a:fld>
             <a:endParaRPr lang="es-CO"/>
           </a:p>
@@ -12318,7 +11627,7 @@
           <a:p>
             <a:fld id="{9CF7635E-2D71-42E7-9E6C-FBB85A15A85F}" type="datetimeFigureOut">
               <a:rPr lang="es-CO" smtClean="0"/>
-              <a:t>18/10/2024</a:t>
+              <a:t>13/01/2025</a:t>
             </a:fld>
             <a:endParaRPr lang="es-CO"/>
           </a:p>
@@ -12592,7 +11901,7 @@
           <a:p>
             <a:fld id="{9CF7635E-2D71-42E7-9E6C-FBB85A15A85F}" type="datetimeFigureOut">
               <a:rPr lang="es-CO" smtClean="0"/>
-              <a:t>18/10/2024</a:t>
+              <a:t>13/01/2025</a:t>
             </a:fld>
             <a:endParaRPr lang="es-CO"/>
           </a:p>
@@ -13013,7 +12322,7 @@
           <a:p>
             <a:fld id="{9CF7635E-2D71-42E7-9E6C-FBB85A15A85F}" type="datetimeFigureOut">
               <a:rPr lang="es-CO" smtClean="0"/>
-              <a:t>18/10/2024</a:t>
+              <a:t>13/01/2025</a:t>
             </a:fld>
             <a:endParaRPr lang="es-CO"/>
           </a:p>
@@ -13161,7 +12470,7 @@
           <a:p>
             <a:fld id="{9CF7635E-2D71-42E7-9E6C-FBB85A15A85F}" type="datetimeFigureOut">
               <a:rPr lang="es-CO" smtClean="0"/>
-              <a:t>18/10/2024</a:t>
+              <a:t>13/01/2025</a:t>
             </a:fld>
             <a:endParaRPr lang="es-CO"/>
           </a:p>
@@ -13280,7 +12589,7 @@
           <a:p>
             <a:fld id="{9CF7635E-2D71-42E7-9E6C-FBB85A15A85F}" type="datetimeFigureOut">
               <a:rPr lang="es-CO" smtClean="0"/>
-              <a:t>18/10/2024</a:t>
+              <a:t>13/01/2025</a:t>
             </a:fld>
             <a:endParaRPr lang="es-CO"/>
           </a:p>
@@ -13599,7 +12908,7 @@
           <a:p>
             <a:fld id="{9CF7635E-2D71-42E7-9E6C-FBB85A15A85F}" type="datetimeFigureOut">
               <a:rPr lang="es-CO" smtClean="0"/>
-              <a:t>18/10/2024</a:t>
+              <a:t>13/01/2025</a:t>
             </a:fld>
             <a:endParaRPr lang="es-CO"/>
           </a:p>
@@ -13894,7 +13203,7 @@
           <a:p>
             <a:fld id="{9CF7635E-2D71-42E7-9E6C-FBB85A15A85F}" type="datetimeFigureOut">
               <a:rPr lang="es-CO" smtClean="0"/>
-              <a:t>18/10/2024</a:t>
+              <a:t>13/01/2025</a:t>
             </a:fld>
             <a:endParaRPr lang="es-CO"/>
           </a:p>
@@ -14143,7 +13452,7 @@
           <a:p>
             <a:fld id="{9CF7635E-2D71-42E7-9E6C-FBB85A15A85F}" type="datetimeFigureOut">
               <a:rPr lang="es-CO" smtClean="0"/>
-              <a:t>18/10/2024</a:t>
+              <a:t>13/01/2025</a:t>
             </a:fld>
             <a:endParaRPr lang="es-CO"/>
           </a:p>
@@ -19125,81 +18434,6 @@
           <a:chExt cx="0" cy="0"/>
         </a:xfrm>
       </p:grpSpPr>
-      <p:sp>
-        <p:nvSpPr>
-          <p:cNvPr id="2" name="Title 1">
-            <a:extLst>
-              <a:ext uri="{FF2B5EF4-FFF2-40B4-BE49-F238E27FC236}">
-                <a16:creationId xmlns:a16="http://schemas.microsoft.com/office/drawing/2014/main" id="{D2A78510-058C-EEF9-3C54-866369C0FB61}"/>
-              </a:ext>
-            </a:extLst>
-          </p:cNvPr>
-          <p:cNvSpPr>
-            <a:spLocks noGrp="1"/>
-          </p:cNvSpPr>
-          <p:nvPr>
-            <p:ph type="ctrTitle"/>
-          </p:nvPr>
-        </p:nvSpPr>
-        <p:spPr/>
-        <p:txBody>
-          <a:bodyPr/>
-          <a:lstStyle/>
-          <a:p>
-            <a:endParaRPr lang="en-US"/>
-          </a:p>
-        </p:txBody>
-      </p:sp>
-      <p:sp>
-        <p:nvSpPr>
-          <p:cNvPr id="3" name="Subtitle 2">
-            <a:extLst>
-              <a:ext uri="{FF2B5EF4-FFF2-40B4-BE49-F238E27FC236}">
-                <a16:creationId xmlns:a16="http://schemas.microsoft.com/office/drawing/2014/main" id="{8A2B2D11-C89F-96FE-2B1D-28590407E82A}"/>
-              </a:ext>
-            </a:extLst>
-          </p:cNvPr>
-          <p:cNvSpPr>
-            <a:spLocks noGrp="1"/>
-          </p:cNvSpPr>
-          <p:nvPr>
-            <p:ph type="subTitle" idx="1"/>
-          </p:nvPr>
-        </p:nvSpPr>
-        <p:spPr/>
-        <p:txBody>
-          <a:bodyPr/>
-          <a:lstStyle/>
-          <a:p>
-            <a:endParaRPr lang="en-US"/>
-          </a:p>
-        </p:txBody>
-      </p:sp>
-    </p:spTree>
-  </p:cSld>
-  <p:clrMapOvr>
-    <a:masterClrMapping/>
-  </p:clrMapOvr>
-</p:sld>
-</file>
-
-<file path=ppt/slides/slide16.xml><?xml version="1.0" encoding="utf-8"?>
-<p:sld xmlns:a="http://schemas.openxmlformats.org/drawingml/2006/main" xmlns:r="http://schemas.openxmlformats.org/officeDocument/2006/relationships" xmlns:p="http://schemas.openxmlformats.org/presentationml/2006/main">
-  <p:cSld>
-    <p:spTree>
-      <p:nvGrpSpPr>
-        <p:cNvPr id="1" name=""/>
-        <p:cNvGrpSpPr/>
-        <p:nvPr/>
-      </p:nvGrpSpPr>
-      <p:grpSpPr>
-        <a:xfrm>
-          <a:off x="0" y="0"/>
-          <a:ext cx="0" cy="0"/>
-          <a:chOff x="0" y="0"/>
-          <a:chExt cx="0" cy="0"/>
-        </a:xfrm>
-      </p:grpSpPr>
       <p:pic>
         <p:nvPicPr>
           <p:cNvPr id="4" name="Imagen 3">
@@ -20134,7 +19368,7 @@
 </p:sld>
 </file>
 
-<file path=ppt/slides/slide17.xml><?xml version="1.0" encoding="utf-8"?>
+<file path=ppt/slides/slide16.xml><?xml version="1.0" encoding="utf-8"?>
 <p:sld xmlns:a="http://schemas.openxmlformats.org/drawingml/2006/main" xmlns:r="http://schemas.openxmlformats.org/officeDocument/2006/relationships" xmlns:p="http://schemas.openxmlformats.org/presentationml/2006/main">
   <p:cSld>
     <p:spTree>
@@ -21094,624 +20328,6 @@
 </p:sld>
 </file>
 
-<file path=ppt/slides/slide18.xml><?xml version="1.0" encoding="utf-8"?>
-<p:sld xmlns:a="http://schemas.openxmlformats.org/drawingml/2006/main" xmlns:r="http://schemas.openxmlformats.org/officeDocument/2006/relationships" xmlns:p="http://schemas.openxmlformats.org/presentationml/2006/main">
-  <p:cSld>
-    <p:spTree>
-      <p:nvGrpSpPr>
-        <p:cNvPr id="1" name=""/>
-        <p:cNvGrpSpPr/>
-        <p:nvPr/>
-      </p:nvGrpSpPr>
-      <p:grpSpPr>
-        <a:xfrm>
-          <a:off x="0" y="0"/>
-          <a:ext cx="0" cy="0"/>
-          <a:chOff x="0" y="0"/>
-          <a:chExt cx="0" cy="0"/>
-        </a:xfrm>
-      </p:grpSpPr>
-      <p:sp>
-        <p:nvSpPr>
-          <p:cNvPr id="10" name="1 Título">
-            <a:extLst>
-              <a:ext uri="{FF2B5EF4-FFF2-40B4-BE49-F238E27FC236}">
-                <a16:creationId xmlns:a16="http://schemas.microsoft.com/office/drawing/2014/main" id="{AF4E183E-A171-4923-A99E-D149888CEC37}"/>
-              </a:ext>
-            </a:extLst>
-          </p:cNvPr>
-          <p:cNvSpPr txBox="1">
-            <a:spLocks/>
-          </p:cNvSpPr>
-          <p:nvPr/>
-        </p:nvSpPr>
-        <p:spPr bwMode="auto">
-          <a:xfrm>
-            <a:off x="0" y="-28575"/>
-            <a:ext cx="779463" cy="720725"/>
-          </a:xfrm>
-          <a:prstGeom prst="rect">
-            <a:avLst/>
-          </a:prstGeom>
-          <a:noFill/>
-          <a:ln>
-            <a:noFill/>
-          </a:ln>
-          <a:extLst>
-            <a:ext uri="{909E8E84-426E-40DD-AFC4-6F175D3DCCD1}">
-              <a14:hiddenFill xmlns:a14="http://schemas.microsoft.com/office/drawing/2010/main">
-                <a:solidFill>
-                  <a:srgbClr val="FFFFFF"/>
-                </a:solidFill>
-              </a14:hiddenFill>
-            </a:ext>
-            <a:ext uri="{91240B29-F687-4F45-9708-019B960494DF}">
-              <a14:hiddenLine xmlns:a14="http://schemas.microsoft.com/office/drawing/2010/main" w="9525">
-                <a:solidFill>
-                  <a:srgbClr val="000000"/>
-                </a:solidFill>
-                <a:miter lim="800000"/>
-                <a:headEnd/>
-                <a:tailEnd/>
-              </a14:hiddenLine>
-            </a:ext>
-          </a:extLst>
-        </p:spPr>
-        <p:txBody>
-          <a:bodyPr vert="horz" wrap="square" lIns="91440" tIns="45720" rIns="91440" bIns="45720" numCol="1" anchor="b" anchorCtr="0" compatLnSpc="1">
-            <a:prstTxWarp prst="textNoShape">
-              <a:avLst/>
-            </a:prstTxWarp>
-          </a:bodyPr>
-          <a:lstStyle>
-            <a:lvl1pPr algn="l" rtl="0" eaLnBrk="0" fontAlgn="base" hangingPunct="0">
-              <a:spcBef>
-                <a:spcPct val="0"/>
-              </a:spcBef>
-              <a:spcAft>
-                <a:spcPct val="0"/>
-              </a:spcAft>
-              <a:defRPr sz="2000" b="1" kern="1200">
-                <a:solidFill>
-                  <a:schemeClr val="tx1"/>
-                </a:solidFill>
-                <a:latin typeface="Arial" pitchFamily="34" charset="0"/>
-                <a:ea typeface="+mj-ea"/>
-                <a:cs typeface="Arial" pitchFamily="34" charset="0"/>
-              </a:defRPr>
-            </a:lvl1pPr>
-            <a:lvl2pPr algn="l" rtl="0" eaLnBrk="0" fontAlgn="base" hangingPunct="0">
-              <a:spcBef>
-                <a:spcPct val="0"/>
-              </a:spcBef>
-              <a:spcAft>
-                <a:spcPct val="0"/>
-              </a:spcAft>
-              <a:defRPr sz="4400">
-                <a:solidFill>
-                  <a:schemeClr val="tx1"/>
-                </a:solidFill>
-                <a:latin typeface="Arial" charset="0"/>
-                <a:cs typeface="Arial" charset="0"/>
-              </a:defRPr>
-            </a:lvl2pPr>
-            <a:lvl3pPr algn="l" rtl="0" eaLnBrk="0" fontAlgn="base" hangingPunct="0">
-              <a:spcBef>
-                <a:spcPct val="0"/>
-              </a:spcBef>
-              <a:spcAft>
-                <a:spcPct val="0"/>
-              </a:spcAft>
-              <a:defRPr sz="4400">
-                <a:solidFill>
-                  <a:schemeClr val="tx1"/>
-                </a:solidFill>
-                <a:latin typeface="Arial" charset="0"/>
-                <a:cs typeface="Arial" charset="0"/>
-              </a:defRPr>
-            </a:lvl3pPr>
-            <a:lvl4pPr algn="l" rtl="0" eaLnBrk="0" fontAlgn="base" hangingPunct="0">
-              <a:spcBef>
-                <a:spcPct val="0"/>
-              </a:spcBef>
-              <a:spcAft>
-                <a:spcPct val="0"/>
-              </a:spcAft>
-              <a:defRPr sz="4400">
-                <a:solidFill>
-                  <a:schemeClr val="tx1"/>
-                </a:solidFill>
-                <a:latin typeface="Arial" charset="0"/>
-                <a:cs typeface="Arial" charset="0"/>
-              </a:defRPr>
-            </a:lvl4pPr>
-            <a:lvl5pPr algn="l" rtl="0" eaLnBrk="0" fontAlgn="base" hangingPunct="0">
-              <a:spcBef>
-                <a:spcPct val="0"/>
-              </a:spcBef>
-              <a:spcAft>
-                <a:spcPct val="0"/>
-              </a:spcAft>
-              <a:defRPr sz="4400">
-                <a:solidFill>
-                  <a:schemeClr val="tx1"/>
-                </a:solidFill>
-                <a:latin typeface="Arial" charset="0"/>
-                <a:cs typeface="Arial" charset="0"/>
-              </a:defRPr>
-            </a:lvl5pPr>
-            <a:lvl6pPr marL="457200" algn="l" rtl="0" fontAlgn="base">
-              <a:spcBef>
-                <a:spcPct val="0"/>
-              </a:spcBef>
-              <a:spcAft>
-                <a:spcPct val="0"/>
-              </a:spcAft>
-              <a:defRPr sz="4400">
-                <a:solidFill>
-                  <a:schemeClr val="tx1"/>
-                </a:solidFill>
-                <a:latin typeface="Arial" charset="0"/>
-                <a:cs typeface="Arial" charset="0"/>
-              </a:defRPr>
-            </a:lvl6pPr>
-            <a:lvl7pPr marL="914400" algn="l" rtl="0" fontAlgn="base">
-              <a:spcBef>
-                <a:spcPct val="0"/>
-              </a:spcBef>
-              <a:spcAft>
-                <a:spcPct val="0"/>
-              </a:spcAft>
-              <a:defRPr sz="4400">
-                <a:solidFill>
-                  <a:schemeClr val="tx1"/>
-                </a:solidFill>
-                <a:latin typeface="Arial" charset="0"/>
-                <a:cs typeface="Arial" charset="0"/>
-              </a:defRPr>
-            </a:lvl7pPr>
-            <a:lvl8pPr marL="1371600" algn="l" rtl="0" fontAlgn="base">
-              <a:spcBef>
-                <a:spcPct val="0"/>
-              </a:spcBef>
-              <a:spcAft>
-                <a:spcPct val="0"/>
-              </a:spcAft>
-              <a:defRPr sz="4400">
-                <a:solidFill>
-                  <a:schemeClr val="tx1"/>
-                </a:solidFill>
-                <a:latin typeface="Arial" charset="0"/>
-                <a:cs typeface="Arial" charset="0"/>
-              </a:defRPr>
-            </a:lvl8pPr>
-            <a:lvl9pPr marL="1828800" algn="l" rtl="0" fontAlgn="base">
-              <a:spcBef>
-                <a:spcPct val="0"/>
-              </a:spcBef>
-              <a:spcAft>
-                <a:spcPct val="0"/>
-              </a:spcAft>
-              <a:defRPr sz="4400">
-                <a:solidFill>
-                  <a:schemeClr val="tx1"/>
-                </a:solidFill>
-                <a:latin typeface="Arial" charset="0"/>
-                <a:cs typeface="Arial" charset="0"/>
-              </a:defRPr>
-            </a:lvl9pPr>
-          </a:lstStyle>
-          <a:p>
-            <a:pPr algn="ctr" eaLnBrk="1" hangingPunct="1"/>
-            <a:r>
-              <a:rPr lang="es-CO" altLang="es-CO" sz="3600" b="0" dirty="0"/>
-              <a:t>16</a:t>
-            </a:r>
-          </a:p>
-        </p:txBody>
-      </p:sp>
-      <p:pic>
-        <p:nvPicPr>
-          <p:cNvPr id="14" name="Picture 4" descr="Programas - Intranet ETITC">
-            <a:extLst>
-              <a:ext uri="{FF2B5EF4-FFF2-40B4-BE49-F238E27FC236}">
-                <a16:creationId xmlns:a16="http://schemas.microsoft.com/office/drawing/2014/main" id="{EC83F540-C4A2-EE56-0418-B8CD7CA17275}"/>
-              </a:ext>
-            </a:extLst>
-          </p:cNvPr>
-          <p:cNvPicPr>
-            <a:picLocks noChangeAspect="1" noChangeArrowheads="1"/>
-          </p:cNvPicPr>
-          <p:nvPr/>
-        </p:nvPicPr>
-        <p:blipFill>
-          <a:blip r:embed="rId3">
-            <a:extLst>
-              <a:ext uri="{28A0092B-C50C-407E-A947-70E740481C1C}">
-                <a14:useLocalDpi xmlns:a14="http://schemas.microsoft.com/office/drawing/2010/main" val="0"/>
-              </a:ext>
-            </a:extLst>
-          </a:blip>
-          <a:srcRect/>
-          <a:stretch>
-            <a:fillRect/>
-          </a:stretch>
-        </p:blipFill>
-        <p:spPr bwMode="auto">
-          <a:xfrm>
-            <a:off x="795338" y="44758"/>
-            <a:ext cx="2483768" cy="794720"/>
-          </a:xfrm>
-          <a:prstGeom prst="rect">
-            <a:avLst/>
-          </a:prstGeom>
-          <a:noFill/>
-          <a:extLst>
-            <a:ext uri="{909E8E84-426E-40DD-AFC4-6F175D3DCCD1}">
-              <a14:hiddenFill xmlns:a14="http://schemas.microsoft.com/office/drawing/2010/main">
-                <a:solidFill>
-                  <a:srgbClr val="FFFFFF"/>
-                </a:solidFill>
-              </a14:hiddenFill>
-            </a:ext>
-          </a:extLst>
-        </p:spPr>
-      </p:pic>
-      <p:sp>
-        <p:nvSpPr>
-          <p:cNvPr id="5" name="2 Subtítulo">
-            <a:extLst>
-              <a:ext uri="{FF2B5EF4-FFF2-40B4-BE49-F238E27FC236}">
-                <a16:creationId xmlns:a16="http://schemas.microsoft.com/office/drawing/2014/main" id="{AD83FA30-4A3C-43B8-17CD-C08519129156}"/>
-              </a:ext>
-            </a:extLst>
-          </p:cNvPr>
-          <p:cNvSpPr txBox="1">
-            <a:spLocks/>
-          </p:cNvSpPr>
-          <p:nvPr/>
-        </p:nvSpPr>
-        <p:spPr bwMode="auto">
-          <a:xfrm>
-            <a:off x="2267744" y="259824"/>
-            <a:ext cx="6400800" cy="500063"/>
-          </a:xfrm>
-          <a:prstGeom prst="rect">
-            <a:avLst/>
-          </a:prstGeom>
-          <a:noFill/>
-          <a:ln>
-            <a:noFill/>
-          </a:ln>
-          <a:extLst>
-            <a:ext uri="{909E8E84-426E-40DD-AFC4-6F175D3DCCD1}">
-              <a14:hiddenFill xmlns:a14="http://schemas.microsoft.com/office/drawing/2010/main">
-                <a:solidFill>
-                  <a:srgbClr val="FFFFFF"/>
-                </a:solidFill>
-              </a14:hiddenFill>
-            </a:ext>
-            <a:ext uri="{91240B29-F687-4F45-9708-019B960494DF}">
-              <a14:hiddenLine xmlns:a14="http://schemas.microsoft.com/office/drawing/2010/main" w="9525">
-                <a:solidFill>
-                  <a:srgbClr val="000000"/>
-                </a:solidFill>
-                <a:miter lim="800000"/>
-                <a:headEnd/>
-                <a:tailEnd/>
-              </a14:hiddenLine>
-            </a:ext>
-          </a:extLst>
-        </p:spPr>
-        <p:txBody>
-          <a:bodyPr vert="horz" wrap="square" lIns="91440" tIns="45720" rIns="91440" bIns="45720" numCol="1" rtlCol="0" anchor="t" anchorCtr="0" compatLnSpc="1">
-            <a:prstTxWarp prst="textNoShape">
-              <a:avLst/>
-            </a:prstTxWarp>
-            <a:noAutofit/>
-          </a:bodyPr>
-          <a:lstStyle>
-            <a:lvl1pPr marL="342900" indent="-342900" algn="l" rtl="0" eaLnBrk="0" fontAlgn="base" hangingPunct="0">
-              <a:spcBef>
-                <a:spcPct val="20000"/>
-              </a:spcBef>
-              <a:spcAft>
-                <a:spcPct val="0"/>
-              </a:spcAft>
-              <a:buFont typeface="Arial" panose="020B0604020202020204" pitchFamily="34" charset="0"/>
-              <a:buChar char="•"/>
-              <a:defRPr sz="3200" kern="1200">
-                <a:solidFill>
-                  <a:schemeClr val="tx1"/>
-                </a:solidFill>
-                <a:latin typeface="Arial" pitchFamily="34" charset="0"/>
-                <a:ea typeface="+mn-ea"/>
-                <a:cs typeface="Arial" pitchFamily="34" charset="0"/>
-              </a:defRPr>
-            </a:lvl1pPr>
-            <a:lvl2pPr marL="742950" indent="-285750" algn="l" rtl="0" eaLnBrk="0" fontAlgn="base" hangingPunct="0">
-              <a:spcBef>
-                <a:spcPct val="20000"/>
-              </a:spcBef>
-              <a:spcAft>
-                <a:spcPct val="0"/>
-              </a:spcAft>
-              <a:buFont typeface="Arial" panose="020B0604020202020204" pitchFamily="34" charset="0"/>
-              <a:buChar char="–"/>
-              <a:defRPr sz="2800" kern="1200">
-                <a:solidFill>
-                  <a:schemeClr val="tx1"/>
-                </a:solidFill>
-                <a:latin typeface="Arial" pitchFamily="34" charset="0"/>
-                <a:ea typeface="+mn-ea"/>
-                <a:cs typeface="Arial" pitchFamily="34" charset="0"/>
-              </a:defRPr>
-            </a:lvl2pPr>
-            <a:lvl3pPr marL="1143000" indent="-228600" algn="l" rtl="0" eaLnBrk="0" fontAlgn="base" hangingPunct="0">
-              <a:spcBef>
-                <a:spcPct val="20000"/>
-              </a:spcBef>
-              <a:spcAft>
-                <a:spcPct val="0"/>
-              </a:spcAft>
-              <a:buFont typeface="Arial" panose="020B0604020202020204" pitchFamily="34" charset="0"/>
-              <a:buChar char="•"/>
-              <a:defRPr sz="2400" kern="1200">
-                <a:solidFill>
-                  <a:schemeClr val="tx1"/>
-                </a:solidFill>
-                <a:latin typeface="Arial" pitchFamily="34" charset="0"/>
-                <a:ea typeface="+mn-ea"/>
-                <a:cs typeface="Arial" pitchFamily="34" charset="0"/>
-              </a:defRPr>
-            </a:lvl3pPr>
-            <a:lvl4pPr marL="1600200" indent="-228600" algn="l" rtl="0" eaLnBrk="0" fontAlgn="base" hangingPunct="0">
-              <a:spcBef>
-                <a:spcPct val="20000"/>
-              </a:spcBef>
-              <a:spcAft>
-                <a:spcPct val="0"/>
-              </a:spcAft>
-              <a:buFont typeface="Arial" panose="020B0604020202020204" pitchFamily="34" charset="0"/>
-              <a:buChar char="–"/>
-              <a:defRPr sz="2000" kern="1200">
-                <a:solidFill>
-                  <a:schemeClr val="tx1"/>
-                </a:solidFill>
-                <a:latin typeface="Arial" pitchFamily="34" charset="0"/>
-                <a:ea typeface="+mn-ea"/>
-                <a:cs typeface="Arial" pitchFamily="34" charset="0"/>
-              </a:defRPr>
-            </a:lvl4pPr>
-            <a:lvl5pPr marL="2057400" indent="-228600" algn="l" rtl="0" eaLnBrk="0" fontAlgn="base" hangingPunct="0">
-              <a:spcBef>
-                <a:spcPct val="20000"/>
-              </a:spcBef>
-              <a:spcAft>
-                <a:spcPct val="0"/>
-              </a:spcAft>
-              <a:buFont typeface="Arial" panose="020B0604020202020204" pitchFamily="34" charset="0"/>
-              <a:buChar char="»"/>
-              <a:defRPr sz="2000" kern="1200">
-                <a:solidFill>
-                  <a:schemeClr val="tx1"/>
-                </a:solidFill>
-                <a:latin typeface="Arial" pitchFamily="34" charset="0"/>
-                <a:ea typeface="+mn-ea"/>
-                <a:cs typeface="Arial" pitchFamily="34" charset="0"/>
-              </a:defRPr>
-            </a:lvl5pPr>
-            <a:lvl6pPr marL="2514600" indent="-228600" algn="l" defTabSz="914400" rtl="0" eaLnBrk="1" latinLnBrk="0" hangingPunct="1">
-              <a:spcBef>
-                <a:spcPct val="20000"/>
-              </a:spcBef>
-              <a:buFont typeface="Arial" pitchFamily="34" charset="0"/>
-              <a:buChar char="•"/>
-              <a:defRPr sz="2000" kern="1200">
-                <a:solidFill>
-                  <a:schemeClr val="tx1"/>
-                </a:solidFill>
-                <a:latin typeface="+mn-lt"/>
-                <a:ea typeface="+mn-ea"/>
-                <a:cs typeface="+mn-cs"/>
-              </a:defRPr>
-            </a:lvl6pPr>
-            <a:lvl7pPr marL="2971800" indent="-228600" algn="l" defTabSz="914400" rtl="0" eaLnBrk="1" latinLnBrk="0" hangingPunct="1">
-              <a:spcBef>
-                <a:spcPct val="20000"/>
-              </a:spcBef>
-              <a:buFont typeface="Arial" pitchFamily="34" charset="0"/>
-              <a:buChar char="•"/>
-              <a:defRPr sz="2000" kern="1200">
-                <a:solidFill>
-                  <a:schemeClr val="tx1"/>
-                </a:solidFill>
-                <a:latin typeface="+mn-lt"/>
-                <a:ea typeface="+mn-ea"/>
-                <a:cs typeface="+mn-cs"/>
-              </a:defRPr>
-            </a:lvl7pPr>
-            <a:lvl8pPr marL="3429000" indent="-228600" algn="l" defTabSz="914400" rtl="0" eaLnBrk="1" latinLnBrk="0" hangingPunct="1">
-              <a:spcBef>
-                <a:spcPct val="20000"/>
-              </a:spcBef>
-              <a:buFont typeface="Arial" pitchFamily="34" charset="0"/>
-              <a:buChar char="•"/>
-              <a:defRPr sz="2000" kern="1200">
-                <a:solidFill>
-                  <a:schemeClr val="tx1"/>
-                </a:solidFill>
-                <a:latin typeface="+mn-lt"/>
-                <a:ea typeface="+mn-ea"/>
-                <a:cs typeface="+mn-cs"/>
-              </a:defRPr>
-            </a:lvl8pPr>
-            <a:lvl9pPr marL="3886200" indent="-228600" algn="l" defTabSz="914400" rtl="0" eaLnBrk="1" latinLnBrk="0" hangingPunct="1">
-              <a:spcBef>
-                <a:spcPct val="20000"/>
-              </a:spcBef>
-              <a:buFont typeface="Arial" pitchFamily="34" charset="0"/>
-              <a:buChar char="•"/>
-              <a:defRPr sz="2000" kern="1200">
-                <a:solidFill>
-                  <a:schemeClr val="tx1"/>
-                </a:solidFill>
-                <a:latin typeface="+mn-lt"/>
-                <a:ea typeface="+mn-ea"/>
-                <a:cs typeface="+mn-cs"/>
-              </a:defRPr>
-            </a:lvl9pPr>
-          </a:lstStyle>
-          <a:p>
-            <a:pPr marL="0" indent="0" algn="r" eaLnBrk="1" fontAlgn="auto" hangingPunct="1">
-              <a:spcAft>
-                <a:spcPts val="0"/>
-              </a:spcAft>
-              <a:buNone/>
-              <a:defRPr/>
-            </a:pPr>
-            <a:r>
-              <a:rPr lang="es-CO" sz="2000" b="1">
-                <a:solidFill>
-                  <a:schemeClr val="tx1">
-                    <a:lumMod val="75000"/>
-                    <a:lumOff val="25000"/>
-                  </a:schemeClr>
-                </a:solidFill>
-              </a:rPr>
-              <a:t> 6065 SISTEMAS DE CONTROL II</a:t>
-            </a:r>
-          </a:p>
-        </p:txBody>
-      </p:sp>
-      <p:sp>
-        <p:nvSpPr>
-          <p:cNvPr id="16" name="Título 1">
-            <a:extLst>
-              <a:ext uri="{FF2B5EF4-FFF2-40B4-BE49-F238E27FC236}">
-                <a16:creationId xmlns:a16="http://schemas.microsoft.com/office/drawing/2014/main" id="{61C30305-C78C-F687-635F-1E0E3726D49F}"/>
-              </a:ext>
-            </a:extLst>
-          </p:cNvPr>
-          <p:cNvSpPr>
-            <a:spLocks noGrp="1"/>
-          </p:cNvSpPr>
-          <p:nvPr>
-            <p:ph type="title"/>
-          </p:nvPr>
-        </p:nvSpPr>
-        <p:spPr>
-          <a:xfrm>
-            <a:off x="1843707" y="692150"/>
-            <a:ext cx="5456585" cy="1162050"/>
-          </a:xfrm>
-        </p:spPr>
-        <p:txBody>
-          <a:bodyPr/>
-          <a:lstStyle/>
-          <a:p>
-            <a:pPr algn="ctr"/>
-            <a:r>
-              <a:rPr lang="es-CO" b="1" dirty="0"/>
-              <a:t>Proyecto</a:t>
-            </a:r>
-          </a:p>
-        </p:txBody>
-      </p:sp>
-      <p:sp>
-        <p:nvSpPr>
-          <p:cNvPr id="2" name="CuadroTexto 1">
-            <a:extLst>
-              <a:ext uri="{FF2B5EF4-FFF2-40B4-BE49-F238E27FC236}">
-                <a16:creationId xmlns:a16="http://schemas.microsoft.com/office/drawing/2014/main" id="{D8D66AC1-10B3-7F04-71F8-9B6759C1F3D2}"/>
-              </a:ext>
-            </a:extLst>
-          </p:cNvPr>
-          <p:cNvSpPr txBox="1"/>
-          <p:nvPr/>
-        </p:nvSpPr>
-        <p:spPr>
-          <a:xfrm>
-            <a:off x="1112363" y="1998482"/>
-            <a:ext cx="7305773" cy="2585323"/>
-          </a:xfrm>
-          <a:prstGeom prst="rect">
-            <a:avLst/>
-          </a:prstGeom>
-          <a:noFill/>
-        </p:spPr>
-        <p:txBody>
-          <a:bodyPr wrap="square" lIns="91440" tIns="45720" rIns="91440" bIns="45720" rtlCol="0" anchor="t">
-            <a:spAutoFit/>
-          </a:bodyPr>
-          <a:lstStyle/>
-          <a:p>
-            <a:r>
-              <a:rPr lang="es-CO" dirty="0"/>
-              <a:t>La empresa didácticas SA está trabajando en un dispositivo basado en </a:t>
-            </a:r>
-            <a:r>
-              <a:rPr lang="es-CO" b="1" dirty="0"/>
-              <a:t>Arduino</a:t>
-            </a:r>
-            <a:r>
-              <a:rPr lang="es-CO" dirty="0"/>
-              <a:t>, el cual funciona como simulador de circuitos, por lo anterior le solicita a usted como </a:t>
-            </a:r>
-            <a:r>
-              <a:rPr lang="es-CO" dirty="0" err="1"/>
-              <a:t>ingenier</a:t>
-            </a:r>
-            <a:r>
-              <a:rPr lang="es-CO" dirty="0"/>
-              <a:t>@;</a:t>
-            </a:r>
-          </a:p>
-          <a:p>
-            <a:endParaRPr lang="es-CO" dirty="0"/>
-          </a:p>
-          <a:p>
-            <a:endParaRPr lang="en-US" dirty="0"/>
-          </a:p>
-          <a:p>
-            <a:r>
-              <a:rPr lang="en-US" dirty="0"/>
-              <a:t>Sistema de Segundo </a:t>
-            </a:r>
-            <a:r>
-              <a:rPr lang="en-US" dirty="0" err="1"/>
-              <a:t>orden</a:t>
-            </a:r>
-            <a:r>
-              <a:rPr lang="en-US" dirty="0"/>
-              <a:t> RC:</a:t>
-            </a:r>
-          </a:p>
-          <a:p>
-            <a:br>
-              <a:rPr lang="es-CO" dirty="0"/>
-            </a:br>
-            <a:r>
-              <a:rPr lang="es-CO" dirty="0"/>
-              <a:t>Mediante la implementación de un retenedor de orden 0 emular el sistema RCL de segundo orden.</a:t>
-            </a:r>
-            <a:endParaRPr lang="en-US" dirty="0"/>
-          </a:p>
-        </p:txBody>
-      </p:sp>
-    </p:spTree>
-    <p:extLst>
-      <p:ext uri="{BB962C8B-B14F-4D97-AF65-F5344CB8AC3E}">
-        <p14:creationId xmlns:p14="http://schemas.microsoft.com/office/powerpoint/2010/main" val="2611572295"/>
-      </p:ext>
-    </p:extLst>
-  </p:cSld>
-  <p:clrMapOvr>
-    <a:masterClrMapping/>
-  </p:clrMapOvr>
-</p:sld>
-</file>
-
 <file path=ppt/slides/slide2.xml><?xml version="1.0" encoding="utf-8"?>
 <p:sld xmlns:a="http://schemas.openxmlformats.org/drawingml/2006/main" xmlns:r="http://schemas.openxmlformats.org/officeDocument/2006/relationships" xmlns:p="http://schemas.openxmlformats.org/presentationml/2006/main">
   <p:cSld>
@@ -22076,12 +20692,230 @@
           </a:p>
         </p:txBody>
       </p:sp>
+      <p:sp>
+        <p:nvSpPr>
+          <p:cNvPr id="3" name="Rectángulo 9">
+            <a:extLst>
+              <a:ext uri="{FF2B5EF4-FFF2-40B4-BE49-F238E27FC236}">
+                <a16:creationId xmlns:a16="http://schemas.microsoft.com/office/drawing/2014/main" id="{B1995D40-73A6-142A-D432-9B2655AFF759}"/>
+              </a:ext>
+            </a:extLst>
+          </p:cNvPr>
+          <p:cNvSpPr>
+            <a:spLocks noChangeArrowheads="1"/>
+          </p:cNvSpPr>
+          <p:nvPr/>
+        </p:nvSpPr>
+        <p:spPr bwMode="auto">
+          <a:xfrm>
+            <a:off x="4464453" y="6431465"/>
+            <a:ext cx="4010025" cy="461665"/>
+          </a:xfrm>
+          <a:prstGeom prst="rect">
+            <a:avLst/>
+          </a:prstGeom>
+          <a:noFill/>
+          <a:ln>
+            <a:noFill/>
+          </a:ln>
+          <a:extLst>
+            <a:ext uri="{909E8E84-426E-40DD-AFC4-6F175D3DCCD1}">
+              <a14:hiddenFill xmlns:a14="http://schemas.microsoft.com/office/drawing/2010/main">
+                <a:solidFill>
+                  <a:srgbClr val="FFFFFF"/>
+                </a:solidFill>
+              </a14:hiddenFill>
+            </a:ext>
+            <a:ext uri="{91240B29-F687-4F45-9708-019B960494DF}">
+              <a14:hiddenLine xmlns:a14="http://schemas.microsoft.com/office/drawing/2010/main" w="9525">
+                <a:solidFill>
+                  <a:srgbClr val="000000"/>
+                </a:solidFill>
+                <a:miter lim="800000"/>
+                <a:headEnd/>
+                <a:tailEnd/>
+              </a14:hiddenLine>
+            </a:ext>
+          </a:extLst>
+        </p:spPr>
+        <p:txBody>
+          <a:bodyPr>
+            <a:spAutoFit/>
+          </a:bodyPr>
+          <a:lstStyle>
+            <a:lvl1pPr>
+              <a:spcBef>
+                <a:spcPct val="20000"/>
+              </a:spcBef>
+              <a:buFont typeface="Arial" panose="020B0604020202020204" pitchFamily="34" charset="0"/>
+              <a:buChar char="•"/>
+              <a:defRPr sz="3200">
+                <a:solidFill>
+                  <a:schemeClr val="tx1"/>
+                </a:solidFill>
+                <a:latin typeface="Arial" panose="020B0604020202020204" pitchFamily="34" charset="0"/>
+                <a:cs typeface="Arial" panose="020B0604020202020204" pitchFamily="34" charset="0"/>
+              </a:defRPr>
+            </a:lvl1pPr>
+            <a:lvl2pPr marL="742950" indent="-285750">
+              <a:spcBef>
+                <a:spcPct val="20000"/>
+              </a:spcBef>
+              <a:buFont typeface="Arial" panose="020B0604020202020204" pitchFamily="34" charset="0"/>
+              <a:buChar char="–"/>
+              <a:defRPr sz="2800">
+                <a:solidFill>
+                  <a:schemeClr val="tx1"/>
+                </a:solidFill>
+                <a:latin typeface="Arial" panose="020B0604020202020204" pitchFamily="34" charset="0"/>
+                <a:cs typeface="Arial" panose="020B0604020202020204" pitchFamily="34" charset="0"/>
+              </a:defRPr>
+            </a:lvl2pPr>
+            <a:lvl3pPr marL="1143000" indent="-228600">
+              <a:spcBef>
+                <a:spcPct val="20000"/>
+              </a:spcBef>
+              <a:buFont typeface="Arial" panose="020B0604020202020204" pitchFamily="34" charset="0"/>
+              <a:buChar char="•"/>
+              <a:defRPr sz="2400">
+                <a:solidFill>
+                  <a:schemeClr val="tx1"/>
+                </a:solidFill>
+                <a:latin typeface="Arial" panose="020B0604020202020204" pitchFamily="34" charset="0"/>
+                <a:cs typeface="Arial" panose="020B0604020202020204" pitchFamily="34" charset="0"/>
+              </a:defRPr>
+            </a:lvl3pPr>
+            <a:lvl4pPr marL="1600200" indent="-228600">
+              <a:spcBef>
+                <a:spcPct val="20000"/>
+              </a:spcBef>
+              <a:buFont typeface="Arial" panose="020B0604020202020204" pitchFamily="34" charset="0"/>
+              <a:buChar char="–"/>
+              <a:defRPr sz="2000">
+                <a:solidFill>
+                  <a:schemeClr val="tx1"/>
+                </a:solidFill>
+                <a:latin typeface="Arial" panose="020B0604020202020204" pitchFamily="34" charset="0"/>
+                <a:cs typeface="Arial" panose="020B0604020202020204" pitchFamily="34" charset="0"/>
+              </a:defRPr>
+            </a:lvl4pPr>
+            <a:lvl5pPr marL="2057400" indent="-228600">
+              <a:spcBef>
+                <a:spcPct val="20000"/>
+              </a:spcBef>
+              <a:buFont typeface="Arial" panose="020B0604020202020204" pitchFamily="34" charset="0"/>
+              <a:buChar char="»"/>
+              <a:defRPr sz="2000">
+                <a:solidFill>
+                  <a:schemeClr val="tx1"/>
+                </a:solidFill>
+                <a:latin typeface="Arial" panose="020B0604020202020204" pitchFamily="34" charset="0"/>
+                <a:cs typeface="Arial" panose="020B0604020202020204" pitchFamily="34" charset="0"/>
+              </a:defRPr>
+            </a:lvl5pPr>
+            <a:lvl6pPr marL="2514600" indent="-228600" eaLnBrk="0" fontAlgn="base" hangingPunct="0">
+              <a:spcBef>
+                <a:spcPct val="20000"/>
+              </a:spcBef>
+              <a:spcAft>
+                <a:spcPct val="0"/>
+              </a:spcAft>
+              <a:buFont typeface="Arial" panose="020B0604020202020204" pitchFamily="34" charset="0"/>
+              <a:buChar char="»"/>
+              <a:defRPr sz="2000">
+                <a:solidFill>
+                  <a:schemeClr val="tx1"/>
+                </a:solidFill>
+                <a:latin typeface="Arial" panose="020B0604020202020204" pitchFamily="34" charset="0"/>
+                <a:cs typeface="Arial" panose="020B0604020202020204" pitchFamily="34" charset="0"/>
+              </a:defRPr>
+            </a:lvl6pPr>
+            <a:lvl7pPr marL="2971800" indent="-228600" eaLnBrk="0" fontAlgn="base" hangingPunct="0">
+              <a:spcBef>
+                <a:spcPct val="20000"/>
+              </a:spcBef>
+              <a:spcAft>
+                <a:spcPct val="0"/>
+              </a:spcAft>
+              <a:buFont typeface="Arial" panose="020B0604020202020204" pitchFamily="34" charset="0"/>
+              <a:buChar char="»"/>
+              <a:defRPr sz="2000">
+                <a:solidFill>
+                  <a:schemeClr val="tx1"/>
+                </a:solidFill>
+                <a:latin typeface="Arial" panose="020B0604020202020204" pitchFamily="34" charset="0"/>
+                <a:cs typeface="Arial" panose="020B0604020202020204" pitchFamily="34" charset="0"/>
+              </a:defRPr>
+            </a:lvl7pPr>
+            <a:lvl8pPr marL="3429000" indent="-228600" eaLnBrk="0" fontAlgn="base" hangingPunct="0">
+              <a:spcBef>
+                <a:spcPct val="20000"/>
+              </a:spcBef>
+              <a:spcAft>
+                <a:spcPct val="0"/>
+              </a:spcAft>
+              <a:buFont typeface="Arial" panose="020B0604020202020204" pitchFamily="34" charset="0"/>
+              <a:buChar char="»"/>
+              <a:defRPr sz="2000">
+                <a:solidFill>
+                  <a:schemeClr val="tx1"/>
+                </a:solidFill>
+                <a:latin typeface="Arial" panose="020B0604020202020204" pitchFamily="34" charset="0"/>
+                <a:cs typeface="Arial" panose="020B0604020202020204" pitchFamily="34" charset="0"/>
+              </a:defRPr>
+            </a:lvl8pPr>
+            <a:lvl9pPr marL="3886200" indent="-228600" eaLnBrk="0" fontAlgn="base" hangingPunct="0">
+              <a:spcBef>
+                <a:spcPct val="20000"/>
+              </a:spcBef>
+              <a:spcAft>
+                <a:spcPct val="0"/>
+              </a:spcAft>
+              <a:buFont typeface="Arial" panose="020B0604020202020204" pitchFamily="34" charset="0"/>
+              <a:buChar char="»"/>
+              <a:defRPr sz="2000">
+                <a:solidFill>
+                  <a:schemeClr val="tx1"/>
+                </a:solidFill>
+                <a:latin typeface="Arial" panose="020B0604020202020204" pitchFamily="34" charset="0"/>
+                <a:cs typeface="Arial" panose="020B0604020202020204" pitchFamily="34" charset="0"/>
+              </a:defRPr>
+            </a:lvl9pPr>
+          </a:lstStyle>
+          <a:p>
+            <a:pPr algn="ctr">
+              <a:spcBef>
+                <a:spcPct val="0"/>
+              </a:spcBef>
+              <a:buFontTx/>
+              <a:buNone/>
+            </a:pPr>
+            <a:r>
+              <a:rPr lang="es-CO" altLang="es-CO" sz="1200" dirty="0"/>
+              <a:t> Martes:       18:10 - 20:00</a:t>
+            </a:r>
+          </a:p>
+          <a:p>
+            <a:pPr algn="ctr">
+              <a:spcBef>
+                <a:spcPct val="0"/>
+              </a:spcBef>
+              <a:buFontTx/>
+              <a:buNone/>
+            </a:pPr>
+            <a:r>
+              <a:rPr lang="es-CO" altLang="es-CO" sz="1200" dirty="0"/>
+              <a:t> Martes:      20:20 – 21:30</a:t>
+            </a:r>
+          </a:p>
+        </p:txBody>
+      </p:sp>
       <p:graphicFrame>
         <p:nvGraphicFramePr>
-          <p:cNvPr id="2" name="Tabla 3">
+          <p:cNvPr id="6" name="Tabla 3">
             <a:extLst>
               <a:ext uri="{FF2B5EF4-FFF2-40B4-BE49-F238E27FC236}">
-                <a16:creationId xmlns:a16="http://schemas.microsoft.com/office/drawing/2014/main" id="{F3F82246-C76E-451D-EA87-CDDDEC715557}"/>
+                <a16:creationId xmlns:a16="http://schemas.microsoft.com/office/drawing/2014/main" id="{8950EDF3-379C-88CD-7A55-6848E0D67E3A}"/>
               </a:ext>
             </a:extLst>
           </p:cNvPr>
@@ -22091,14 +20925,14 @@
           <p:nvPr>
             <p:extLst>
               <p:ext uri="{D42A27DB-BD31-4B8C-83A1-F6EECF244321}">
-                <p14:modId xmlns:p14="http://schemas.microsoft.com/office/powerpoint/2010/main" val="2347204778"/>
+                <p14:modId xmlns:p14="http://schemas.microsoft.com/office/powerpoint/2010/main" val="1395475829"/>
               </p:ext>
             </p:extLst>
           </p:nvPr>
         </p:nvGraphicFramePr>
         <p:xfrm>
           <a:off x="863588" y="670925"/>
-          <a:ext cx="7416824" cy="5738155"/>
+          <a:ext cx="7416824" cy="5483937"/>
         </p:xfrm>
         <a:graphic>
           <a:graphicData uri="http://schemas.openxmlformats.org/drawingml/2006/table">
@@ -22268,7 +21102,7 @@
                       <a:pPr algn="ctr"/>
                       <a:r>
                         <a:rPr lang="es-CO" sz="1000" dirty="0"/>
-                        <a:t>5 agosto – 10 agosto</a:t>
+                        <a:t>3 febrero – 7 febrero</a:t>
                       </a:r>
                     </a:p>
                   </a:txBody>
@@ -22475,7 +21309,7 @@
                             <a:schemeClr val="tx1"/>
                           </a:solidFill>
                         </a:rPr>
-                        <a:t>12 agosto – 16 agosto</a:t>
+                        <a:t>10 febrero – 14 febrero</a:t>
                       </a:r>
                     </a:p>
                   </a:txBody>
@@ -22636,13 +21470,10 @@
                       <a:r>
                         <a:rPr lang="es-CO" sz="1000" dirty="0">
                           <a:solidFill>
-                            <a:srgbClr val="FF0000"/>
+                            <a:schemeClr val="tx1"/>
                           </a:solidFill>
-                          <a:highlight>
-                            <a:srgbClr val="FFFF00"/>
-                          </a:highlight>
                         </a:rPr>
-                        <a:t>19 agosto –23 agosto</a:t>
+                        <a:t>17 febrero – 21 febrero</a:t>
                       </a:r>
                     </a:p>
                   </a:txBody>
@@ -22806,7 +21637,7 @@
                             <a:schemeClr val="tx1"/>
                           </a:solidFill>
                         </a:rPr>
-                        <a:t>26 agosto – 30 agosto</a:t>
+                        <a:t>24 febrero – 28 febrero</a:t>
                       </a:r>
                     </a:p>
                   </a:txBody>
@@ -22973,7 +21804,7 @@
                       <a:pPr algn="ctr"/>
                       <a:r>
                         <a:rPr lang="es-CO" sz="1000" dirty="0"/>
-                        <a:t>2 septiembre – 6 septiembre</a:t>
+                        <a:t>3 marzo – 7 marzo</a:t>
                       </a:r>
                     </a:p>
                   </a:txBody>
@@ -23023,11 +21854,7 @@
                     <a:p>
                       <a:pPr algn="ctr"/>
                       <a:r>
-                        <a:rPr lang="es-CO" sz="1000" dirty="0">
-                          <a:highlight>
-                            <a:srgbClr val="00FF00"/>
-                          </a:highlight>
-                        </a:rPr>
+                        <a:rPr lang="es-CO" sz="1000" dirty="0"/>
                         <a:t>Sistemas discretos de 1er y 2do orden .</a:t>
                       </a:r>
                     </a:p>
@@ -23141,7 +21968,7 @@
                             <a:schemeClr val="tx1"/>
                           </a:solidFill>
                         </a:rPr>
-                        <a:t>9 septiembre – 13 septiembre</a:t>
+                        <a:t>10 marzo – 14 marzo</a:t>
                       </a:r>
                     </a:p>
                   </a:txBody>
@@ -23254,7 +22081,7 @@
                       <a:pPr algn="ctr"/>
                       <a:r>
                         <a:rPr lang="es-CO" sz="1000" dirty="0"/>
-                        <a:t>8</a:t>
+                        <a:t>7</a:t>
                       </a:r>
                     </a:p>
                   </a:txBody>
@@ -23305,7 +22132,7 @@
                       <a:pPr algn="ctr"/>
                       <a:r>
                         <a:rPr lang="es-CO" sz="1000" dirty="0"/>
-                        <a:t> 18 marzo – 22 marzo</a:t>
+                        <a:t> 17 marzo – 21 marzo</a:t>
                       </a:r>
                     </a:p>
                   </a:txBody>
@@ -23414,7 +22241,7 @@
                       <a:pPr algn="ctr"/>
                       <a:r>
                         <a:rPr lang="es-CO" sz="1000" dirty="0"/>
-                        <a:t>9</a:t>
+                        <a:t>8</a:t>
                       </a:r>
                     </a:p>
                   </a:txBody>
@@ -23466,10 +22293,13 @@
                       <a:r>
                         <a:rPr lang="es-CO" sz="1000" dirty="0">
                           <a:solidFill>
-                            <a:schemeClr val="tx1"/>
+                            <a:srgbClr val="FF0000"/>
                           </a:solidFill>
+                          <a:highlight>
+                            <a:srgbClr val="FFFF00"/>
+                          </a:highlight>
                         </a:rPr>
-                        <a:t>16 septiembre – 20 septiembre</a:t>
+                        <a:t>24 marzo – 28 marzo</a:t>
                       </a:r>
                     </a:p>
                   </a:txBody>
@@ -23622,7 +22452,7 @@
                       <a:pPr algn="ctr"/>
                       <a:r>
                         <a:rPr lang="es-CO" sz="1000" dirty="0"/>
-                        <a:t>10</a:t>
+                        <a:t>9</a:t>
                       </a:r>
                     </a:p>
                   </a:txBody>
@@ -23677,7 +22507,7 @@
                             <a:schemeClr val="tx1"/>
                           </a:solidFill>
                         </a:rPr>
-                        <a:t>23 septiembre – 27 septiembre</a:t>
+                        <a:t>31 marzo – 4 abril</a:t>
                       </a:r>
                     </a:p>
                   </a:txBody>
@@ -23791,7 +22621,7 @@
                       <a:pPr algn="ctr"/>
                       <a:r>
                         <a:rPr lang="es-ES" sz="1000" dirty="0"/>
-                        <a:t>11</a:t>
+                        <a:t>10</a:t>
                       </a:r>
                       <a:endParaRPr lang="es-CO" sz="1000" dirty="0"/>
                     </a:p>
@@ -23843,7 +22673,7 @@
                       <a:pPr algn="ctr"/>
                       <a:r>
                         <a:rPr lang="es-CO" sz="1000" dirty="0"/>
-                        <a:t>30 septiembre – 4 octubre</a:t>
+                        <a:t>7 abril – 11 abril</a:t>
                       </a:r>
                     </a:p>
                   </a:txBody>
@@ -23968,6 +22798,189 @@
                       <a:pPr algn="ctr"/>
                       <a:r>
                         <a:rPr lang="es-CO" sz="1000" dirty="0"/>
+                        <a:t>11</a:t>
+                      </a:r>
+                    </a:p>
+                  </a:txBody>
+                  <a:tcPr>
+                    <a:lnL w="12700" cap="flat" cmpd="sng" algn="ctr">
+                      <a:solidFill>
+                        <a:schemeClr val="tx1"/>
+                      </a:solidFill>
+                      <a:prstDash val="solid"/>
+                      <a:round/>
+                      <a:headEnd type="none" w="med" len="med"/>
+                      <a:tailEnd type="none" w="med" len="med"/>
+                    </a:lnL>
+                    <a:lnR w="12700" cap="flat" cmpd="sng" algn="ctr">
+                      <a:solidFill>
+                        <a:schemeClr val="tx1"/>
+                      </a:solidFill>
+                      <a:prstDash val="solid"/>
+                      <a:round/>
+                      <a:headEnd type="none" w="med" len="med"/>
+                      <a:tailEnd type="none" w="med" len="med"/>
+                    </a:lnR>
+                    <a:lnT w="12700" cap="flat" cmpd="sng" algn="ctr">
+                      <a:solidFill>
+                        <a:schemeClr val="tx1"/>
+                      </a:solidFill>
+                      <a:prstDash val="solid"/>
+                      <a:round/>
+                      <a:headEnd type="none" w="med" len="med"/>
+                      <a:tailEnd type="none" w="med" len="med"/>
+                    </a:lnT>
+                    <a:lnB w="12700" cap="flat" cmpd="sng" algn="ctr">
+                      <a:solidFill>
+                        <a:schemeClr val="tx1"/>
+                      </a:solidFill>
+                      <a:prstDash val="solid"/>
+                      <a:round/>
+                      <a:headEnd type="none" w="med" len="med"/>
+                      <a:tailEnd type="none" w="med" len="med"/>
+                    </a:lnB>
+                  </a:tcPr>
+                </a:tc>
+                <a:tc>
+                  <a:txBody>
+                    <a:bodyPr/>
+                    <a:lstStyle/>
+                    <a:p>
+                      <a:pPr algn="ctr"/>
+                      <a:r>
+                        <a:rPr lang="es-CO" sz="1000" dirty="0">
+                          <a:solidFill>
+                            <a:srgbClr val="FF0000"/>
+                          </a:solidFill>
+                          <a:highlight>
+                            <a:srgbClr val="FFFF00"/>
+                          </a:highlight>
+                        </a:rPr>
+                        <a:t>14 abril – 18 abril</a:t>
+                      </a:r>
+                    </a:p>
+                  </a:txBody>
+                  <a:tcPr>
+                    <a:lnL w="12700" cap="flat" cmpd="sng" algn="ctr">
+                      <a:solidFill>
+                        <a:schemeClr val="tx1"/>
+                      </a:solidFill>
+                      <a:prstDash val="solid"/>
+                      <a:round/>
+                      <a:headEnd type="none" w="med" len="med"/>
+                      <a:tailEnd type="none" w="med" len="med"/>
+                    </a:lnL>
+                    <a:lnR w="12700" cap="flat" cmpd="sng" algn="ctr">
+                      <a:solidFill>
+                        <a:schemeClr val="tx1"/>
+                      </a:solidFill>
+                      <a:prstDash val="solid"/>
+                      <a:round/>
+                      <a:headEnd type="none" w="med" len="med"/>
+                      <a:tailEnd type="none" w="med" len="med"/>
+                    </a:lnR>
+                    <a:lnT w="12700" cap="flat" cmpd="sng" algn="ctr">
+                      <a:solidFill>
+                        <a:schemeClr val="tx1"/>
+                      </a:solidFill>
+                      <a:prstDash val="solid"/>
+                      <a:round/>
+                      <a:headEnd type="none" w="med" len="med"/>
+                      <a:tailEnd type="none" w="med" len="med"/>
+                    </a:lnT>
+                    <a:lnB w="12700" cap="flat" cmpd="sng" algn="ctr">
+                      <a:solidFill>
+                        <a:schemeClr val="tx1"/>
+                      </a:solidFill>
+                      <a:prstDash val="solid"/>
+                      <a:round/>
+                      <a:headEnd type="none" w="med" len="med"/>
+                      <a:tailEnd type="none" w="med" len="med"/>
+                    </a:lnB>
+                  </a:tcPr>
+                </a:tc>
+                <a:tc>
+                  <a:txBody>
+                    <a:bodyPr/>
+                    <a:lstStyle/>
+                    <a:p>
+                      <a:pPr marL="0" marR="0" lvl="0" indent="0" algn="ctr" defTabSz="685800" rtl="0" eaLnBrk="1" fontAlgn="auto" latinLnBrk="0" hangingPunct="1">
+                        <a:lnSpc>
+                          <a:spcPct val="100000"/>
+                        </a:lnSpc>
+                        <a:spcBef>
+                          <a:spcPts val="0"/>
+                        </a:spcBef>
+                        <a:spcAft>
+                          <a:spcPts val="0"/>
+                        </a:spcAft>
+                        <a:buClrTx/>
+                        <a:buSzTx/>
+                        <a:buFontTx/>
+                        <a:buNone/>
+                        <a:tabLst/>
+                        <a:defRPr/>
+                      </a:pPr>
+                      <a:r>
+                        <a:rPr lang="es-CO" sz="1000" dirty="0"/>
+                        <a:t>-</a:t>
+                      </a:r>
+                    </a:p>
+                  </a:txBody>
+                  <a:tcPr>
+                    <a:lnL w="12700" cap="flat" cmpd="sng" algn="ctr">
+                      <a:solidFill>
+                        <a:schemeClr val="tx1"/>
+                      </a:solidFill>
+                      <a:prstDash val="solid"/>
+                      <a:round/>
+                      <a:headEnd type="none" w="med" len="med"/>
+                      <a:tailEnd type="none" w="med" len="med"/>
+                    </a:lnL>
+                    <a:lnR w="12700" cap="flat" cmpd="sng" algn="ctr">
+                      <a:solidFill>
+                        <a:schemeClr val="tx1"/>
+                      </a:solidFill>
+                      <a:prstDash val="solid"/>
+                      <a:round/>
+                      <a:headEnd type="none" w="med" len="med"/>
+                      <a:tailEnd type="none" w="med" len="med"/>
+                    </a:lnR>
+                    <a:lnT w="12700" cap="flat" cmpd="sng" algn="ctr">
+                      <a:solidFill>
+                        <a:schemeClr val="tx1"/>
+                      </a:solidFill>
+                      <a:prstDash val="solid"/>
+                      <a:round/>
+                      <a:headEnd type="none" w="med" len="med"/>
+                      <a:tailEnd type="none" w="med" len="med"/>
+                    </a:lnT>
+                    <a:lnB w="12700" cap="flat" cmpd="sng" algn="ctr">
+                      <a:solidFill>
+                        <a:schemeClr val="tx1"/>
+                      </a:solidFill>
+                      <a:prstDash val="solid"/>
+                      <a:round/>
+                      <a:headEnd type="none" w="med" len="med"/>
+                      <a:tailEnd type="none" w="med" len="med"/>
+                    </a:lnB>
+                  </a:tcPr>
+                </a:tc>
+                <a:extLst>
+                  <a:ext uri="{0D108BD9-81ED-4DB2-BD59-A6C34878D82A}">
+                    <a16:rowId xmlns:a16="http://schemas.microsoft.com/office/drawing/2014/main" val="4282833152"/>
+                  </a:ext>
+                </a:extLst>
+              </a:tr>
+              <a:tr h="269131">
+                <a:tc>
+                  <a:txBody>
+                    <a:bodyPr/>
+                    <a:lstStyle/>
+                    <a:p>
+                      <a:pPr algn="ctr"/>
+                      <a:r>
+                        <a:rPr lang="es-CO" sz="1000" dirty="0"/>
                         <a:t>12</a:t>
                       </a:r>
                     </a:p>
@@ -24023,7 +23036,203 @@
                             <a:schemeClr val="tx1"/>
                           </a:solidFill>
                         </a:rPr>
-                        <a:t>7 octubre – 11 octubre</a:t>
+                        <a:t>21 abril – 25 abril</a:t>
+                      </a:r>
+                    </a:p>
+                  </a:txBody>
+                  <a:tcPr>
+                    <a:lnL w="12700" cap="flat" cmpd="sng" algn="ctr">
+                      <a:solidFill>
+                        <a:schemeClr val="tx1"/>
+                      </a:solidFill>
+                      <a:prstDash val="solid"/>
+                      <a:round/>
+                      <a:headEnd type="none" w="med" len="med"/>
+                      <a:tailEnd type="none" w="med" len="med"/>
+                    </a:lnL>
+                    <a:lnR w="12700" cap="flat" cmpd="sng" algn="ctr">
+                      <a:solidFill>
+                        <a:schemeClr val="tx1"/>
+                      </a:solidFill>
+                      <a:prstDash val="solid"/>
+                      <a:round/>
+                      <a:headEnd type="none" w="med" len="med"/>
+                      <a:tailEnd type="none" w="med" len="med"/>
+                    </a:lnR>
+                    <a:lnT w="12700" cap="flat" cmpd="sng" algn="ctr">
+                      <a:solidFill>
+                        <a:schemeClr val="tx1"/>
+                      </a:solidFill>
+                      <a:prstDash val="solid"/>
+                      <a:round/>
+                      <a:headEnd type="none" w="med" len="med"/>
+                      <a:tailEnd type="none" w="med" len="med"/>
+                    </a:lnT>
+                    <a:lnB w="12700" cap="flat" cmpd="sng" algn="ctr">
+                      <a:solidFill>
+                        <a:schemeClr val="tx1"/>
+                      </a:solidFill>
+                      <a:prstDash val="solid"/>
+                      <a:round/>
+                      <a:headEnd type="none" w="med" len="med"/>
+                      <a:tailEnd type="none" w="med" len="med"/>
+                    </a:lnB>
+                  </a:tcPr>
+                </a:tc>
+                <a:tc>
+                  <a:txBody>
+                    <a:bodyPr/>
+                    <a:lstStyle/>
+                    <a:p>
+                      <a:pPr marL="0" marR="0" lvl="0" indent="0" algn="ctr" defTabSz="685800" rtl="0" eaLnBrk="1" fontAlgn="auto" latinLnBrk="0" hangingPunct="1">
+                        <a:lnSpc>
+                          <a:spcPct val="100000"/>
+                        </a:lnSpc>
+                        <a:spcBef>
+                          <a:spcPts val="0"/>
+                        </a:spcBef>
+                        <a:spcAft>
+                          <a:spcPts val="0"/>
+                        </a:spcAft>
+                        <a:buClrTx/>
+                        <a:buSzTx/>
+                        <a:buFontTx/>
+                        <a:buNone/>
+                        <a:tabLst/>
+                        <a:defRPr/>
+                      </a:pPr>
+                      <a:r>
+                        <a:rPr lang="es-CO" sz="1000" b="1" u="sng" dirty="0">
+                          <a:solidFill>
+                            <a:srgbClr val="C00000"/>
+                          </a:solidFill>
+                        </a:rPr>
+                        <a:t>Examen Parcial 2</a:t>
+                      </a:r>
+                    </a:p>
+                  </a:txBody>
+                  <a:tcPr>
+                    <a:lnL w="12700" cap="flat" cmpd="sng" algn="ctr">
+                      <a:solidFill>
+                        <a:schemeClr val="tx1"/>
+                      </a:solidFill>
+                      <a:prstDash val="solid"/>
+                      <a:round/>
+                      <a:headEnd type="none" w="med" len="med"/>
+                      <a:tailEnd type="none" w="med" len="med"/>
+                    </a:lnL>
+                    <a:lnR w="12700" cap="flat" cmpd="sng" algn="ctr">
+                      <a:solidFill>
+                        <a:schemeClr val="tx1"/>
+                      </a:solidFill>
+                      <a:prstDash val="solid"/>
+                      <a:round/>
+                      <a:headEnd type="none" w="med" len="med"/>
+                      <a:tailEnd type="none" w="med" len="med"/>
+                    </a:lnR>
+                    <a:lnT w="12700" cap="flat" cmpd="sng" algn="ctr">
+                      <a:solidFill>
+                        <a:schemeClr val="tx1"/>
+                      </a:solidFill>
+                      <a:prstDash val="solid"/>
+                      <a:round/>
+                      <a:headEnd type="none" w="med" len="med"/>
+                      <a:tailEnd type="none" w="med" len="med"/>
+                    </a:lnT>
+                    <a:lnB w="12700" cap="flat" cmpd="sng" algn="ctr">
+                      <a:solidFill>
+                        <a:schemeClr val="tx1"/>
+                      </a:solidFill>
+                      <a:prstDash val="solid"/>
+                      <a:round/>
+                      <a:headEnd type="none" w="med" len="med"/>
+                      <a:tailEnd type="none" w="med" len="med"/>
+                    </a:lnB>
+                  </a:tcPr>
+                </a:tc>
+                <a:extLst>
+                  <a:ext uri="{0D108BD9-81ED-4DB2-BD59-A6C34878D82A}">
+                    <a16:rowId xmlns:a16="http://schemas.microsoft.com/office/drawing/2014/main" val="534397848"/>
+                  </a:ext>
+                </a:extLst>
+              </a:tr>
+              <a:tr h="269131">
+                <a:tc>
+                  <a:txBody>
+                    <a:bodyPr/>
+                    <a:lstStyle/>
+                    <a:p>
+                      <a:pPr algn="ctr"/>
+                      <a:r>
+                        <a:rPr lang="es-CO" sz="1000" dirty="0"/>
+                        <a:t>13</a:t>
+                      </a:r>
+                    </a:p>
+                  </a:txBody>
+                  <a:tcPr>
+                    <a:lnL w="12700" cap="flat" cmpd="sng" algn="ctr">
+                      <a:solidFill>
+                        <a:schemeClr val="tx1"/>
+                      </a:solidFill>
+                      <a:prstDash val="solid"/>
+                      <a:round/>
+                      <a:headEnd type="none" w="med" len="med"/>
+                      <a:tailEnd type="none" w="med" len="med"/>
+                    </a:lnL>
+                    <a:lnR w="12700" cap="flat" cmpd="sng" algn="ctr">
+                      <a:solidFill>
+                        <a:schemeClr val="tx1"/>
+                      </a:solidFill>
+                      <a:prstDash val="solid"/>
+                      <a:round/>
+                      <a:headEnd type="none" w="med" len="med"/>
+                      <a:tailEnd type="none" w="med" len="med"/>
+                    </a:lnR>
+                    <a:lnT w="12700" cap="flat" cmpd="sng" algn="ctr">
+                      <a:solidFill>
+                        <a:schemeClr val="tx1"/>
+                      </a:solidFill>
+                      <a:prstDash val="solid"/>
+                      <a:round/>
+                      <a:headEnd type="none" w="med" len="med"/>
+                      <a:tailEnd type="none" w="med" len="med"/>
+                    </a:lnT>
+                    <a:lnB w="12700" cap="flat" cmpd="sng" algn="ctr">
+                      <a:solidFill>
+                        <a:schemeClr val="tx1"/>
+                      </a:solidFill>
+                      <a:prstDash val="solid"/>
+                      <a:round/>
+                      <a:headEnd type="none" w="med" len="med"/>
+                      <a:tailEnd type="none" w="med" len="med"/>
+                    </a:lnB>
+                  </a:tcPr>
+                </a:tc>
+                <a:tc>
+                  <a:txBody>
+                    <a:bodyPr/>
+                    <a:lstStyle/>
+                    <a:p>
+                      <a:pPr marL="0" marR="0" lvl="0" indent="0" algn="ctr" defTabSz="914400" rtl="0" eaLnBrk="1" fontAlgn="auto" latinLnBrk="0" hangingPunct="1">
+                        <a:lnSpc>
+                          <a:spcPct val="100000"/>
+                        </a:lnSpc>
+                        <a:spcBef>
+                          <a:spcPts val="0"/>
+                        </a:spcBef>
+                        <a:spcAft>
+                          <a:spcPts val="0"/>
+                        </a:spcAft>
+                        <a:buClrTx/>
+                        <a:buSzTx/>
+                        <a:buFontTx/>
+                        <a:buNone/>
+                        <a:tabLst/>
+                        <a:defRPr/>
+                      </a:pPr>
+                      <a:r>
+                        <a:rPr lang="es-CO" sz="1000" dirty="0"/>
+                        <a:t>28 abril – 2 mayo</a:t>
                       </a:r>
                     </a:p>
                   </a:txBody>
@@ -24135,11 +23344,11 @@
                 </a:tc>
                 <a:extLst>
                   <a:ext uri="{0D108BD9-81ED-4DB2-BD59-A6C34878D82A}">
-                    <a16:rowId xmlns:a16="http://schemas.microsoft.com/office/drawing/2014/main" val="4282833152"/>
+                    <a16:rowId xmlns:a16="http://schemas.microsoft.com/office/drawing/2014/main" val="3127511249"/>
                   </a:ext>
                 </a:extLst>
               </a:tr>
-              <a:tr h="269131">
+              <a:tr h="212463">
                 <a:tc>
                   <a:txBody>
                     <a:bodyPr/>
@@ -24147,214 +23356,7 @@
                     <a:p>
                       <a:pPr algn="ctr"/>
                       <a:r>
-                        <a:rPr lang="es-CO" sz="1000" dirty="0"/>
-                        <a:t>13</a:t>
-                      </a:r>
-                    </a:p>
-                  </a:txBody>
-                  <a:tcPr>
-                    <a:lnL w="12700" cap="flat" cmpd="sng" algn="ctr">
-                      <a:solidFill>
-                        <a:schemeClr val="tx1"/>
-                      </a:solidFill>
-                      <a:prstDash val="solid"/>
-                      <a:round/>
-                      <a:headEnd type="none" w="med" len="med"/>
-                      <a:tailEnd type="none" w="med" len="med"/>
-                    </a:lnL>
-                    <a:lnR w="12700" cap="flat" cmpd="sng" algn="ctr">
-                      <a:solidFill>
-                        <a:schemeClr val="tx1"/>
-                      </a:solidFill>
-                      <a:prstDash val="solid"/>
-                      <a:round/>
-                      <a:headEnd type="none" w="med" len="med"/>
-                      <a:tailEnd type="none" w="med" len="med"/>
-                    </a:lnR>
-                    <a:lnT w="12700" cap="flat" cmpd="sng" algn="ctr">
-                      <a:solidFill>
-                        <a:schemeClr val="tx1"/>
-                      </a:solidFill>
-                      <a:prstDash val="solid"/>
-                      <a:round/>
-                      <a:headEnd type="none" w="med" len="med"/>
-                      <a:tailEnd type="none" w="med" len="med"/>
-                    </a:lnT>
-                    <a:lnB w="12700" cap="flat" cmpd="sng" algn="ctr">
-                      <a:solidFill>
-                        <a:schemeClr val="tx1"/>
-                      </a:solidFill>
-                      <a:prstDash val="solid"/>
-                      <a:round/>
-                      <a:headEnd type="none" w="med" len="med"/>
-                      <a:tailEnd type="none" w="med" len="med"/>
-                    </a:lnB>
-                  </a:tcPr>
-                </a:tc>
-                <a:tc>
-                  <a:txBody>
-                    <a:bodyPr/>
-                    <a:lstStyle/>
-                    <a:p>
-                      <a:pPr algn="ctr"/>
-                      <a:r>
-                        <a:rPr lang="es-CO" sz="1000" dirty="0">
-                          <a:solidFill>
-                            <a:srgbClr val="FF0000"/>
-                          </a:solidFill>
-                          <a:highlight>
-                            <a:srgbClr val="FFFF00"/>
-                          </a:highlight>
-                        </a:rPr>
-                        <a:t>14 octubre – 18 octubre </a:t>
-                      </a:r>
-                    </a:p>
-                  </a:txBody>
-                  <a:tcPr>
-                    <a:lnL w="12700" cap="flat" cmpd="sng" algn="ctr">
-                      <a:solidFill>
-                        <a:schemeClr val="tx1"/>
-                      </a:solidFill>
-                      <a:prstDash val="solid"/>
-                      <a:round/>
-                      <a:headEnd type="none" w="med" len="med"/>
-                      <a:tailEnd type="none" w="med" len="med"/>
-                    </a:lnL>
-                    <a:lnR w="12700" cap="flat" cmpd="sng" algn="ctr">
-                      <a:solidFill>
-                        <a:schemeClr val="tx1"/>
-                      </a:solidFill>
-                      <a:prstDash val="solid"/>
-                      <a:round/>
-                      <a:headEnd type="none" w="med" len="med"/>
-                      <a:tailEnd type="none" w="med" len="med"/>
-                    </a:lnR>
-                    <a:lnT w="12700" cap="flat" cmpd="sng" algn="ctr">
-                      <a:solidFill>
-                        <a:schemeClr val="tx1"/>
-                      </a:solidFill>
-                      <a:prstDash val="solid"/>
-                      <a:round/>
-                      <a:headEnd type="none" w="med" len="med"/>
-                      <a:tailEnd type="none" w="med" len="med"/>
-                    </a:lnT>
-                    <a:lnB w="12700" cap="flat" cmpd="sng" algn="ctr">
-                      <a:solidFill>
-                        <a:schemeClr val="tx1"/>
-                      </a:solidFill>
-                      <a:prstDash val="solid"/>
-                      <a:round/>
-                      <a:headEnd type="none" w="med" len="med"/>
-                      <a:tailEnd type="none" w="med" len="med"/>
-                    </a:lnB>
-                  </a:tcPr>
-                </a:tc>
-                <a:tc>
-                  <a:txBody>
-                    <a:bodyPr/>
-                    <a:lstStyle/>
-                    <a:p>
-                      <a:pPr marL="0" marR="0" lvl="0" indent="0" algn="ctr" defTabSz="685800" rtl="0" eaLnBrk="1" fontAlgn="auto" latinLnBrk="0" hangingPunct="1">
-                        <a:lnSpc>
-                          <a:spcPct val="100000"/>
-                        </a:lnSpc>
-                        <a:spcBef>
-                          <a:spcPts val="0"/>
-                        </a:spcBef>
-                        <a:spcAft>
-                          <a:spcPts val="0"/>
-                        </a:spcAft>
-                        <a:buClrTx/>
-                        <a:buSzTx/>
-                        <a:buFontTx/>
-                        <a:buNone/>
-                        <a:tabLst/>
-                        <a:defRPr/>
-                      </a:pPr>
-                      <a:r>
-                        <a:rPr lang="es-CO" sz="1000" b="1" u="sng" dirty="0">
-                          <a:solidFill>
-                            <a:srgbClr val="C00000"/>
-                          </a:solidFill>
-                        </a:rPr>
-                        <a:t>Examen Parcial 2</a:t>
-                      </a:r>
-                    </a:p>
-                    <a:p>
-                      <a:pPr marL="0" marR="0" lvl="0" indent="0" algn="ctr" defTabSz="685800" rtl="0" eaLnBrk="1" fontAlgn="auto" latinLnBrk="0" hangingPunct="1">
-                        <a:lnSpc>
-                          <a:spcPct val="100000"/>
-                        </a:lnSpc>
-                        <a:spcBef>
-                          <a:spcPts val="0"/>
-                        </a:spcBef>
-                        <a:spcAft>
-                          <a:spcPts val="0"/>
-                        </a:spcAft>
-                        <a:buClrTx/>
-                        <a:buSzTx/>
-                        <a:buFontTx/>
-                        <a:buNone/>
-                        <a:tabLst/>
-                        <a:defRPr/>
-                      </a:pPr>
-                      <a:endParaRPr lang="es-CO" sz="1000" dirty="0"/>
-                    </a:p>
-                  </a:txBody>
-                  <a:tcPr>
-                    <a:lnL w="12700" cap="flat" cmpd="sng" algn="ctr">
-                      <a:solidFill>
-                        <a:schemeClr val="tx1"/>
-                      </a:solidFill>
-                      <a:prstDash val="solid"/>
-                      <a:round/>
-                      <a:headEnd type="none" w="med" len="med"/>
-                      <a:tailEnd type="none" w="med" len="med"/>
-                    </a:lnL>
-                    <a:lnR w="12700" cap="flat" cmpd="sng" algn="ctr">
-                      <a:solidFill>
-                        <a:schemeClr val="tx1"/>
-                      </a:solidFill>
-                      <a:prstDash val="solid"/>
-                      <a:round/>
-                      <a:headEnd type="none" w="med" len="med"/>
-                      <a:tailEnd type="none" w="med" len="med"/>
-                    </a:lnR>
-                    <a:lnT w="12700" cap="flat" cmpd="sng" algn="ctr">
-                      <a:solidFill>
-                        <a:schemeClr val="tx1"/>
-                      </a:solidFill>
-                      <a:prstDash val="solid"/>
-                      <a:round/>
-                      <a:headEnd type="none" w="med" len="med"/>
-                      <a:tailEnd type="none" w="med" len="med"/>
-                    </a:lnT>
-                    <a:lnB w="12700" cap="flat" cmpd="sng" algn="ctr">
-                      <a:solidFill>
-                        <a:schemeClr val="tx1"/>
-                      </a:solidFill>
-                      <a:prstDash val="solid"/>
-                      <a:round/>
-                      <a:headEnd type="none" w="med" len="med"/>
-                      <a:tailEnd type="none" w="med" len="med"/>
-                    </a:lnB>
-                  </a:tcPr>
-                </a:tc>
-                <a:extLst>
-                  <a:ext uri="{0D108BD9-81ED-4DB2-BD59-A6C34878D82A}">
-                    <a16:rowId xmlns:a16="http://schemas.microsoft.com/office/drawing/2014/main" val="534397848"/>
-                  </a:ext>
-                </a:extLst>
-              </a:tr>
-              <a:tr h="269131">
-                <a:tc>
-                  <a:txBody>
-                    <a:bodyPr/>
-                    <a:lstStyle/>
-                    <a:p>
-                      <a:pPr algn="ctr"/>
-                      <a:r>
-                        <a:rPr lang="es-CO" sz="1000" dirty="0"/>
+                        <a:rPr lang="es-ES" sz="1000" dirty="0"/>
                         <a:t>14</a:t>
                       </a:r>
                     </a:p>
@@ -24421,8 +23423,12 @@
                         <a:defRPr/>
                       </a:pPr>
                       <a:r>
-                        <a:rPr lang="es-CO" sz="1000" dirty="0"/>
-                        <a:t>21 octubre – 25 octubre</a:t>
+                        <a:rPr lang="es-CO" sz="1000" dirty="0">
+                          <a:solidFill>
+                            <a:schemeClr val="tx1"/>
+                          </a:solidFill>
+                        </a:rPr>
+                        <a:t>5 mayo – 9 mayo</a:t>
                       </a:r>
                     </a:p>
                   </a:txBody>
@@ -24534,11 +23540,11 @@
                 </a:tc>
                 <a:extLst>
                   <a:ext uri="{0D108BD9-81ED-4DB2-BD59-A6C34878D82A}">
-                    <a16:rowId xmlns:a16="http://schemas.microsoft.com/office/drawing/2014/main" val="3127511249"/>
+                    <a16:rowId xmlns:a16="http://schemas.microsoft.com/office/drawing/2014/main" val="1978658262"/>
                   </a:ext>
                 </a:extLst>
               </a:tr>
-              <a:tr h="212463">
+              <a:tr h="269131">
                 <a:tc>
                   <a:txBody>
                     <a:bodyPr/>
@@ -24549,6 +23555,7 @@
                         <a:rPr lang="es-ES" sz="1000" dirty="0"/>
                         <a:t>15</a:t>
                       </a:r>
+                      <a:endParaRPr lang="es-CO" sz="1000" dirty="0"/>
                     </a:p>
                   </a:txBody>
                   <a:tcPr>
@@ -24618,7 +23625,7 @@
                             <a:schemeClr val="tx1"/>
                           </a:solidFill>
                         </a:rPr>
-                        <a:t>28 octubre – 1 noviembre</a:t>
+                        <a:t>12 mayo – 16 mayo</a:t>
                       </a:r>
                     </a:p>
                   </a:txBody>
@@ -24730,7 +23737,7 @@
                 </a:tc>
                 <a:extLst>
                   <a:ext uri="{0D108BD9-81ED-4DB2-BD59-A6C34878D82A}">
-                    <a16:rowId xmlns:a16="http://schemas.microsoft.com/office/drawing/2014/main" val="1978658262"/>
+                    <a16:rowId xmlns:a16="http://schemas.microsoft.com/office/drawing/2014/main" val="1088546271"/>
                   </a:ext>
                 </a:extLst>
               </a:tr>
@@ -24792,33 +23799,14 @@
                     <a:bodyPr/>
                     <a:lstStyle/>
                     <a:p>
-                      <a:pPr marL="0" marR="0" lvl="0" indent="0" algn="ctr" defTabSz="914400" rtl="0" eaLnBrk="1" fontAlgn="auto" latinLnBrk="0" hangingPunct="1">
-                        <a:lnSpc>
-                          <a:spcPct val="100000"/>
-                        </a:lnSpc>
-                        <a:spcBef>
-                          <a:spcPts val="0"/>
-                        </a:spcBef>
-                        <a:spcAft>
-                          <a:spcPts val="0"/>
-                        </a:spcAft>
-                        <a:buClrTx/>
-                        <a:buSzTx/>
-                        <a:buFontTx/>
-                        <a:buNone/>
-                        <a:tabLst/>
-                        <a:defRPr/>
-                      </a:pPr>
+                      <a:pPr algn="ctr"/>
                       <a:r>
                         <a:rPr lang="es-CO" sz="1000" dirty="0">
                           <a:solidFill>
-                            <a:srgbClr val="FF0000"/>
+                            <a:schemeClr val="tx1"/>
                           </a:solidFill>
-                          <a:highlight>
-                            <a:srgbClr val="FFFF00"/>
-                          </a:highlight>
                         </a:rPr>
-                        <a:t>4 noviembre – 11 noviembre</a:t>
+                        <a:t>19 mayo – 23 mayo</a:t>
                       </a:r>
                     </a:p>
                   </a:txBody>
@@ -24883,7 +23871,11 @@
                         <a:tabLst/>
                         <a:defRPr/>
                       </a:pPr>
-                      <a:endParaRPr lang="es-CO" sz="1000" dirty="0"/>
+                      <a:endParaRPr lang="es-CO" sz="1000" b="1" u="sng" dirty="0">
+                        <a:solidFill>
+                          <a:srgbClr val="C00000"/>
+                        </a:solidFill>
+                      </a:endParaRPr>
                     </a:p>
                   </a:txBody>
                   <a:tcPr>
@@ -24927,7 +23919,7 @@
                 </a:tc>
                 <a:extLst>
                   <a:ext uri="{0D108BD9-81ED-4DB2-BD59-A6C34878D82A}">
-                    <a16:rowId xmlns:a16="http://schemas.microsoft.com/office/drawing/2014/main" val="1088546271"/>
+                    <a16:rowId xmlns:a16="http://schemas.microsoft.com/office/drawing/2014/main" val="2357030376"/>
                   </a:ext>
                 </a:extLst>
               </a:tr>
@@ -24993,198 +23985,10 @@
                       <a:r>
                         <a:rPr lang="es-CO" sz="1000" dirty="0">
                           <a:solidFill>
-                            <a:srgbClr val="FF0000"/>
-                          </a:solidFill>
-                          <a:highlight>
-                            <a:srgbClr val="FFFF00"/>
-                          </a:highlight>
-                        </a:rPr>
-                        <a:t>11 noviembre – 15 noviembre </a:t>
-                      </a:r>
-                    </a:p>
-                  </a:txBody>
-                  <a:tcPr>
-                    <a:lnL w="12700" cap="flat" cmpd="sng" algn="ctr">
-                      <a:solidFill>
-                        <a:schemeClr val="tx1"/>
-                      </a:solidFill>
-                      <a:prstDash val="solid"/>
-                      <a:round/>
-                      <a:headEnd type="none" w="med" len="med"/>
-                      <a:tailEnd type="none" w="med" len="med"/>
-                    </a:lnL>
-                    <a:lnR w="12700" cap="flat" cmpd="sng" algn="ctr">
-                      <a:solidFill>
-                        <a:schemeClr val="tx1"/>
-                      </a:solidFill>
-                      <a:prstDash val="solid"/>
-                      <a:round/>
-                      <a:headEnd type="none" w="med" len="med"/>
-                      <a:tailEnd type="none" w="med" len="med"/>
-                    </a:lnR>
-                    <a:lnT w="12700" cap="flat" cmpd="sng" algn="ctr">
-                      <a:solidFill>
-                        <a:schemeClr val="tx1"/>
-                      </a:solidFill>
-                      <a:prstDash val="solid"/>
-                      <a:round/>
-                      <a:headEnd type="none" w="med" len="med"/>
-                      <a:tailEnd type="none" w="med" len="med"/>
-                    </a:lnT>
-                    <a:lnB w="12700" cap="flat" cmpd="sng" algn="ctr">
-                      <a:solidFill>
-                        <a:schemeClr val="tx1"/>
-                      </a:solidFill>
-                      <a:prstDash val="solid"/>
-                      <a:round/>
-                      <a:headEnd type="none" w="med" len="med"/>
-                      <a:tailEnd type="none" w="med" len="med"/>
-                    </a:lnB>
-                  </a:tcPr>
-                </a:tc>
-                <a:tc>
-                  <a:txBody>
-                    <a:bodyPr/>
-                    <a:lstStyle/>
-                    <a:p>
-                      <a:pPr marL="0" marR="0" lvl="0" indent="0" algn="ctr" defTabSz="685800" rtl="0" eaLnBrk="1" fontAlgn="auto" latinLnBrk="0" hangingPunct="1">
-                        <a:lnSpc>
-                          <a:spcPct val="100000"/>
-                        </a:lnSpc>
-                        <a:spcBef>
-                          <a:spcPts val="0"/>
-                        </a:spcBef>
-                        <a:spcAft>
-                          <a:spcPts val="0"/>
-                        </a:spcAft>
-                        <a:buClrTx/>
-                        <a:buSzTx/>
-                        <a:buFontTx/>
-                        <a:buNone/>
-                        <a:tabLst/>
-                        <a:defRPr/>
-                      </a:pPr>
-                      <a:r>
-                        <a:rPr lang="es-CO" sz="1000" b="1" u="sng" dirty="0">
-                          <a:solidFill>
-                            <a:srgbClr val="C00000"/>
-                          </a:solidFill>
-                        </a:rPr>
-                        <a:t>-</a:t>
-                      </a:r>
-                    </a:p>
-                  </a:txBody>
-                  <a:tcPr>
-                    <a:lnL w="12700" cap="flat" cmpd="sng" algn="ctr">
-                      <a:solidFill>
-                        <a:schemeClr val="tx1"/>
-                      </a:solidFill>
-                      <a:prstDash val="solid"/>
-                      <a:round/>
-                      <a:headEnd type="none" w="med" len="med"/>
-                      <a:tailEnd type="none" w="med" len="med"/>
-                    </a:lnL>
-                    <a:lnR w="12700" cap="flat" cmpd="sng" algn="ctr">
-                      <a:solidFill>
-                        <a:schemeClr val="tx1"/>
-                      </a:solidFill>
-                      <a:prstDash val="solid"/>
-                      <a:round/>
-                      <a:headEnd type="none" w="med" len="med"/>
-                      <a:tailEnd type="none" w="med" len="med"/>
-                    </a:lnR>
-                    <a:lnT w="12700" cap="flat" cmpd="sng" algn="ctr">
-                      <a:solidFill>
-                        <a:schemeClr val="tx1"/>
-                      </a:solidFill>
-                      <a:prstDash val="solid"/>
-                      <a:round/>
-                      <a:headEnd type="none" w="med" len="med"/>
-                      <a:tailEnd type="none" w="med" len="med"/>
-                    </a:lnT>
-                    <a:lnB w="12700" cap="flat" cmpd="sng" algn="ctr">
-                      <a:solidFill>
-                        <a:schemeClr val="tx1"/>
-                      </a:solidFill>
-                      <a:prstDash val="solid"/>
-                      <a:round/>
-                      <a:headEnd type="none" w="med" len="med"/>
-                      <a:tailEnd type="none" w="med" len="med"/>
-                    </a:lnB>
-                  </a:tcPr>
-                </a:tc>
-                <a:extLst>
-                  <a:ext uri="{0D108BD9-81ED-4DB2-BD59-A6C34878D82A}">
-                    <a16:rowId xmlns:a16="http://schemas.microsoft.com/office/drawing/2014/main" val="2357030376"/>
-                  </a:ext>
-                </a:extLst>
-              </a:tr>
-              <a:tr h="269131">
-                <a:tc>
-                  <a:txBody>
-                    <a:bodyPr/>
-                    <a:lstStyle/>
-                    <a:p>
-                      <a:pPr algn="ctr"/>
-                      <a:r>
-                        <a:rPr lang="es-ES" sz="1000" dirty="0"/>
-                        <a:t>18</a:t>
-                      </a:r>
-                      <a:endParaRPr lang="es-CO" sz="1000" dirty="0"/>
-                    </a:p>
-                  </a:txBody>
-                  <a:tcPr>
-                    <a:lnL w="12700" cap="flat" cmpd="sng" algn="ctr">
-                      <a:solidFill>
-                        <a:schemeClr val="tx1"/>
-                      </a:solidFill>
-                      <a:prstDash val="solid"/>
-                      <a:round/>
-                      <a:headEnd type="none" w="med" len="med"/>
-                      <a:tailEnd type="none" w="med" len="med"/>
-                    </a:lnL>
-                    <a:lnR w="12700" cap="flat" cmpd="sng" algn="ctr">
-                      <a:solidFill>
-                        <a:schemeClr val="tx1"/>
-                      </a:solidFill>
-                      <a:prstDash val="solid"/>
-                      <a:round/>
-                      <a:headEnd type="none" w="med" len="med"/>
-                      <a:tailEnd type="none" w="med" len="med"/>
-                    </a:lnR>
-                    <a:lnT w="12700" cap="flat" cmpd="sng" algn="ctr">
-                      <a:solidFill>
-                        <a:schemeClr val="tx1"/>
-                      </a:solidFill>
-                      <a:prstDash val="solid"/>
-                      <a:round/>
-                      <a:headEnd type="none" w="med" len="med"/>
-                      <a:tailEnd type="none" w="med" len="med"/>
-                    </a:lnT>
-                    <a:lnB w="12700" cap="flat" cmpd="sng" algn="ctr">
-                      <a:solidFill>
-                        <a:schemeClr val="tx1"/>
-                      </a:solidFill>
-                      <a:prstDash val="solid"/>
-                      <a:round/>
-                      <a:headEnd type="none" w="med" len="med"/>
-                      <a:tailEnd type="none" w="med" len="med"/>
-                    </a:lnB>
-                  </a:tcPr>
-                </a:tc>
-                <a:tc>
-                  <a:txBody>
-                    <a:bodyPr/>
-                    <a:lstStyle/>
-                    <a:p>
-                      <a:pPr algn="ctr"/>
-                      <a:r>
-                        <a:rPr lang="es-CO" sz="1000" dirty="0">
-                          <a:solidFill>
                             <a:schemeClr val="tx1"/>
                           </a:solidFill>
                         </a:rPr>
-                        <a:t>18 noviembre – 22 noviembre</a:t>
+                        <a:t>26 mayo – 30 mayo</a:t>
                       </a:r>
                     </a:p>
                   </a:txBody>
@@ -25294,7 +24098,7 @@
                       <a:pPr algn="ctr"/>
                       <a:r>
                         <a:rPr lang="es-CO" sz="1000" dirty="0"/>
-                        <a:t>19</a:t>
+                        <a:t>18</a:t>
                       </a:r>
                     </a:p>
                   </a:txBody>
@@ -25346,10 +24150,13 @@
                       <a:r>
                         <a:rPr lang="es-CO" sz="1000" dirty="0">
                           <a:solidFill>
-                            <a:schemeClr val="tx1"/>
+                            <a:srgbClr val="FF0000"/>
                           </a:solidFill>
+                          <a:highlight>
+                            <a:srgbClr val="FFFF00"/>
+                          </a:highlight>
                         </a:rPr>
-                        <a:t>25 noviembre – 29 noviembre</a:t>
+                        <a:t>2 junio – 6 junio </a:t>
                       </a:r>
                     </a:p>
                   </a:txBody>
@@ -25423,30 +24230,6 @@
                         <a:t>Examen Final</a:t>
                       </a:r>
                     </a:p>
-                    <a:p>
-                      <a:pPr marL="0" marR="0" lvl="0" indent="0" algn="ctr" defTabSz="685800" rtl="0" eaLnBrk="1" fontAlgn="auto" latinLnBrk="0" hangingPunct="1">
-                        <a:lnSpc>
-                          <a:spcPct val="100000"/>
-                        </a:lnSpc>
-                        <a:spcBef>
-                          <a:spcPts val="0"/>
-                        </a:spcBef>
-                        <a:spcAft>
-                          <a:spcPts val="0"/>
-                        </a:spcAft>
-                        <a:buClrTx/>
-                        <a:buSzTx/>
-                        <a:buFontTx/>
-                        <a:buNone/>
-                        <a:tabLst/>
-                        <a:defRPr/>
-                      </a:pPr>
-                      <a:endParaRPr lang="es-CO" sz="1000" b="1" u="sng" dirty="0">
-                        <a:solidFill>
-                          <a:srgbClr val="C00000"/>
-                        </a:solidFill>
-                      </a:endParaRPr>
-                    </a:p>
                   </a:txBody>
                   <a:tcPr>
                     <a:lnL w="12700" cap="flat" cmpd="sng" algn="ctr">
@@ -25497,224 +24280,6 @@
           </a:graphicData>
         </a:graphic>
       </p:graphicFrame>
-      <p:sp>
-        <p:nvSpPr>
-          <p:cNvPr id="3" name="Rectángulo 9">
-            <a:extLst>
-              <a:ext uri="{FF2B5EF4-FFF2-40B4-BE49-F238E27FC236}">
-                <a16:creationId xmlns:a16="http://schemas.microsoft.com/office/drawing/2014/main" id="{B1995D40-73A6-142A-D432-9B2655AFF759}"/>
-              </a:ext>
-            </a:extLst>
-          </p:cNvPr>
-          <p:cNvSpPr>
-            <a:spLocks noChangeArrowheads="1"/>
-          </p:cNvSpPr>
-          <p:nvPr/>
-        </p:nvSpPr>
-        <p:spPr bwMode="auto">
-          <a:xfrm>
-            <a:off x="4464453" y="6431465"/>
-            <a:ext cx="4010025" cy="461665"/>
-          </a:xfrm>
-          <a:prstGeom prst="rect">
-            <a:avLst/>
-          </a:prstGeom>
-          <a:noFill/>
-          <a:ln>
-            <a:noFill/>
-          </a:ln>
-          <a:extLst>
-            <a:ext uri="{909E8E84-426E-40DD-AFC4-6F175D3DCCD1}">
-              <a14:hiddenFill xmlns:a14="http://schemas.microsoft.com/office/drawing/2010/main">
-                <a:solidFill>
-                  <a:srgbClr val="FFFFFF"/>
-                </a:solidFill>
-              </a14:hiddenFill>
-            </a:ext>
-            <a:ext uri="{91240B29-F687-4F45-9708-019B960494DF}">
-              <a14:hiddenLine xmlns:a14="http://schemas.microsoft.com/office/drawing/2010/main" w="9525">
-                <a:solidFill>
-                  <a:srgbClr val="000000"/>
-                </a:solidFill>
-                <a:miter lim="800000"/>
-                <a:headEnd/>
-                <a:tailEnd/>
-              </a14:hiddenLine>
-            </a:ext>
-          </a:extLst>
-        </p:spPr>
-        <p:txBody>
-          <a:bodyPr>
-            <a:spAutoFit/>
-          </a:bodyPr>
-          <a:lstStyle>
-            <a:lvl1pPr>
-              <a:spcBef>
-                <a:spcPct val="20000"/>
-              </a:spcBef>
-              <a:buFont typeface="Arial" panose="020B0604020202020204" pitchFamily="34" charset="0"/>
-              <a:buChar char="•"/>
-              <a:defRPr sz="3200">
-                <a:solidFill>
-                  <a:schemeClr val="tx1"/>
-                </a:solidFill>
-                <a:latin typeface="Arial" panose="020B0604020202020204" pitchFamily="34" charset="0"/>
-                <a:cs typeface="Arial" panose="020B0604020202020204" pitchFamily="34" charset="0"/>
-              </a:defRPr>
-            </a:lvl1pPr>
-            <a:lvl2pPr marL="742950" indent="-285750">
-              <a:spcBef>
-                <a:spcPct val="20000"/>
-              </a:spcBef>
-              <a:buFont typeface="Arial" panose="020B0604020202020204" pitchFamily="34" charset="0"/>
-              <a:buChar char="–"/>
-              <a:defRPr sz="2800">
-                <a:solidFill>
-                  <a:schemeClr val="tx1"/>
-                </a:solidFill>
-                <a:latin typeface="Arial" panose="020B0604020202020204" pitchFamily="34" charset="0"/>
-                <a:cs typeface="Arial" panose="020B0604020202020204" pitchFamily="34" charset="0"/>
-              </a:defRPr>
-            </a:lvl2pPr>
-            <a:lvl3pPr marL="1143000" indent="-228600">
-              <a:spcBef>
-                <a:spcPct val="20000"/>
-              </a:spcBef>
-              <a:buFont typeface="Arial" panose="020B0604020202020204" pitchFamily="34" charset="0"/>
-              <a:buChar char="•"/>
-              <a:defRPr sz="2400">
-                <a:solidFill>
-                  <a:schemeClr val="tx1"/>
-                </a:solidFill>
-                <a:latin typeface="Arial" panose="020B0604020202020204" pitchFamily="34" charset="0"/>
-                <a:cs typeface="Arial" panose="020B0604020202020204" pitchFamily="34" charset="0"/>
-              </a:defRPr>
-            </a:lvl3pPr>
-            <a:lvl4pPr marL="1600200" indent="-228600">
-              <a:spcBef>
-                <a:spcPct val="20000"/>
-              </a:spcBef>
-              <a:buFont typeface="Arial" panose="020B0604020202020204" pitchFamily="34" charset="0"/>
-              <a:buChar char="–"/>
-              <a:defRPr sz="2000">
-                <a:solidFill>
-                  <a:schemeClr val="tx1"/>
-                </a:solidFill>
-                <a:latin typeface="Arial" panose="020B0604020202020204" pitchFamily="34" charset="0"/>
-                <a:cs typeface="Arial" panose="020B0604020202020204" pitchFamily="34" charset="0"/>
-              </a:defRPr>
-            </a:lvl4pPr>
-            <a:lvl5pPr marL="2057400" indent="-228600">
-              <a:spcBef>
-                <a:spcPct val="20000"/>
-              </a:spcBef>
-              <a:buFont typeface="Arial" panose="020B0604020202020204" pitchFamily="34" charset="0"/>
-              <a:buChar char="»"/>
-              <a:defRPr sz="2000">
-                <a:solidFill>
-                  <a:schemeClr val="tx1"/>
-                </a:solidFill>
-                <a:latin typeface="Arial" panose="020B0604020202020204" pitchFamily="34" charset="0"/>
-                <a:cs typeface="Arial" panose="020B0604020202020204" pitchFamily="34" charset="0"/>
-              </a:defRPr>
-            </a:lvl5pPr>
-            <a:lvl6pPr marL="2514600" indent="-228600" eaLnBrk="0" fontAlgn="base" hangingPunct="0">
-              <a:spcBef>
-                <a:spcPct val="20000"/>
-              </a:spcBef>
-              <a:spcAft>
-                <a:spcPct val="0"/>
-              </a:spcAft>
-              <a:buFont typeface="Arial" panose="020B0604020202020204" pitchFamily="34" charset="0"/>
-              <a:buChar char="»"/>
-              <a:defRPr sz="2000">
-                <a:solidFill>
-                  <a:schemeClr val="tx1"/>
-                </a:solidFill>
-                <a:latin typeface="Arial" panose="020B0604020202020204" pitchFamily="34" charset="0"/>
-                <a:cs typeface="Arial" panose="020B0604020202020204" pitchFamily="34" charset="0"/>
-              </a:defRPr>
-            </a:lvl6pPr>
-            <a:lvl7pPr marL="2971800" indent="-228600" eaLnBrk="0" fontAlgn="base" hangingPunct="0">
-              <a:spcBef>
-                <a:spcPct val="20000"/>
-              </a:spcBef>
-              <a:spcAft>
-                <a:spcPct val="0"/>
-              </a:spcAft>
-              <a:buFont typeface="Arial" panose="020B0604020202020204" pitchFamily="34" charset="0"/>
-              <a:buChar char="»"/>
-              <a:defRPr sz="2000">
-                <a:solidFill>
-                  <a:schemeClr val="tx1"/>
-                </a:solidFill>
-                <a:latin typeface="Arial" panose="020B0604020202020204" pitchFamily="34" charset="0"/>
-                <a:cs typeface="Arial" panose="020B0604020202020204" pitchFamily="34" charset="0"/>
-              </a:defRPr>
-            </a:lvl7pPr>
-            <a:lvl8pPr marL="3429000" indent="-228600" eaLnBrk="0" fontAlgn="base" hangingPunct="0">
-              <a:spcBef>
-                <a:spcPct val="20000"/>
-              </a:spcBef>
-              <a:spcAft>
-                <a:spcPct val="0"/>
-              </a:spcAft>
-              <a:buFont typeface="Arial" panose="020B0604020202020204" pitchFamily="34" charset="0"/>
-              <a:buChar char="»"/>
-              <a:defRPr sz="2000">
-                <a:solidFill>
-                  <a:schemeClr val="tx1"/>
-                </a:solidFill>
-                <a:latin typeface="Arial" panose="020B0604020202020204" pitchFamily="34" charset="0"/>
-                <a:cs typeface="Arial" panose="020B0604020202020204" pitchFamily="34" charset="0"/>
-              </a:defRPr>
-            </a:lvl8pPr>
-            <a:lvl9pPr marL="3886200" indent="-228600" eaLnBrk="0" fontAlgn="base" hangingPunct="0">
-              <a:spcBef>
-                <a:spcPct val="20000"/>
-              </a:spcBef>
-              <a:spcAft>
-                <a:spcPct val="0"/>
-              </a:spcAft>
-              <a:buFont typeface="Arial" panose="020B0604020202020204" pitchFamily="34" charset="0"/>
-              <a:buChar char="»"/>
-              <a:defRPr sz="2000">
-                <a:solidFill>
-                  <a:schemeClr val="tx1"/>
-                </a:solidFill>
-                <a:latin typeface="Arial" panose="020B0604020202020204" pitchFamily="34" charset="0"/>
-                <a:cs typeface="Arial" panose="020B0604020202020204" pitchFamily="34" charset="0"/>
-              </a:defRPr>
-            </a:lvl9pPr>
-          </a:lstStyle>
-          <a:p>
-            <a:pPr algn="ctr">
-              <a:spcBef>
-                <a:spcPct val="0"/>
-              </a:spcBef>
-              <a:buFontTx/>
-              <a:buNone/>
-            </a:pPr>
-            <a:r>
-              <a:rPr lang="es-CO" altLang="es-CO" sz="1200" dirty="0"/>
-              <a:t> Martes:       18:10 - 20:00</a:t>
-            </a:r>
-          </a:p>
-          <a:p>
-            <a:pPr algn="ctr">
-              <a:spcBef>
-                <a:spcPct val="0"/>
-              </a:spcBef>
-              <a:buFontTx/>
-              <a:buNone/>
-            </a:pPr>
-            <a:r>
-              <a:rPr lang="es-CO" altLang="es-CO" sz="1200" dirty="0"/>
-              <a:t> Martes:      20:20 – 21:30</a:t>
-            </a:r>
-          </a:p>
-        </p:txBody>
-      </p:sp>
     </p:spTree>
     <p:extLst>
       <p:ext uri="{BB962C8B-B14F-4D97-AF65-F5344CB8AC3E}">
@@ -34742,14 +33307,6 @@
 </file>
 
 <file path=customXml/item1.xml><?xml version="1.0" encoding="utf-8"?>
-<p:properties xmlns:p="http://schemas.microsoft.com/office/2006/metadata/properties" xmlns:xsi="http://www.w3.org/2001/XMLSchema-instance" xmlns:pc="http://schemas.microsoft.com/office/infopath/2007/PartnerControls">
-  <documentManagement>
-    <_activity xmlns="bdc56f61-abc0-4f7e-bfec-a93ccd1ae886" xsi:nil="true"/>
-  </documentManagement>
-</p:properties>
-</file>
-
-<file path=customXml/item2.xml><?xml version="1.0" encoding="utf-8"?>
 <?mso-contentType ?>
 <FormTemplates xmlns="http://schemas.microsoft.com/sharepoint/v3/contenttype/forms">
   <Display>DocumentLibraryForm</Display>
@@ -34758,7 +33315,7 @@
 </FormTemplates>
 </file>
 
-<file path=customXml/item3.xml><?xml version="1.0" encoding="utf-8"?>
+<file path=customXml/item2.xml><?xml version="1.0" encoding="utf-8"?>
 <ct:contentTypeSchema xmlns:ct="http://schemas.microsoft.com/office/2006/metadata/contentType" xmlns:ma="http://schemas.microsoft.com/office/2006/metadata/properties/metaAttributes" ct:_="" ma:_="" ma:contentTypeName="Documento" ma:contentTypeID="0x0101007A62137D465CE64A8C883A4664514BF8" ma:contentTypeVersion="15" ma:contentTypeDescription="Crear nuevo documento." ma:contentTypeScope="" ma:versionID="a1bd1d59f691eb9bca6952b111268275">
   <xsd:schema xmlns:xsd="http://www.w3.org/2001/XMLSchema" xmlns:xs="http://www.w3.org/2001/XMLSchema" xmlns:p="http://schemas.microsoft.com/office/2006/metadata/properties" xmlns:ns3="669280c1-d17e-4d1d-bd7f-b4f14cc6bf1d" xmlns:ns4="bdc56f61-abc0-4f7e-bfec-a93ccd1ae886" targetNamespace="http://schemas.microsoft.com/office/2006/metadata/properties" ma:root="true" ma:fieldsID="d02990a02f19f0f9fc7b999b1809cae4" ns3:_="" ns4:_="">
     <xsd:import namespace="669280c1-d17e-4d1d-bd7f-b4f14cc6bf1d"/>
@@ -34993,24 +33550,15 @@
 </ct:contentTypeSchema>
 </file>
 
-<file path=customXml/itemProps1.xml><?xml version="1.0" encoding="utf-8"?>
-<ds:datastoreItem xmlns:ds="http://schemas.openxmlformats.org/officeDocument/2006/customXml" ds:itemID="{0825853C-1B27-4995-A583-4D39F900BB7F}">
-  <ds:schemaRefs>
-    <ds:schemaRef ds:uri="669280c1-d17e-4d1d-bd7f-b4f14cc6bf1d"/>
-    <ds:schemaRef ds:uri="bdc56f61-abc0-4f7e-bfec-a93ccd1ae886"/>
-    <ds:schemaRef ds:uri="http://purl.org/dc/dcmitype/"/>
-    <ds:schemaRef ds:uri="http://purl.org/dc/elements/1.1/"/>
-    <ds:schemaRef ds:uri="http://purl.org/dc/terms/"/>
-    <ds:schemaRef ds:uri="http://schemas.microsoft.com/office/2006/documentManagement/types"/>
-    <ds:schemaRef ds:uri="http://schemas.microsoft.com/office/2006/metadata/properties"/>
-    <ds:schemaRef ds:uri="http://schemas.microsoft.com/office/infopath/2007/PartnerControls"/>
-    <ds:schemaRef ds:uri="http://schemas.openxmlformats.org/package/2006/metadata/core-properties"/>
-    <ds:schemaRef ds:uri="http://www.w3.org/XML/1998/namespace"/>
-  </ds:schemaRefs>
-</ds:datastoreItem>
+<file path=customXml/item3.xml><?xml version="1.0" encoding="utf-8"?>
+<p:properties xmlns:p="http://schemas.microsoft.com/office/2006/metadata/properties" xmlns:xsi="http://www.w3.org/2001/XMLSchema-instance" xmlns:pc="http://schemas.microsoft.com/office/infopath/2007/PartnerControls">
+  <documentManagement>
+    <_activity xmlns="bdc56f61-abc0-4f7e-bfec-a93ccd1ae886" xsi:nil="true"/>
+  </documentManagement>
+</p:properties>
 </file>
 
-<file path=customXml/itemProps2.xml><?xml version="1.0" encoding="utf-8"?>
+<file path=customXml/itemProps1.xml><?xml version="1.0" encoding="utf-8"?>
 <ds:datastoreItem xmlns:ds="http://schemas.openxmlformats.org/officeDocument/2006/customXml" ds:itemID="{4E8623C8-32E1-48B0-9F0A-13F2E9582B7E}">
   <ds:schemaRefs>
     <ds:schemaRef ds:uri="http://schemas.microsoft.com/sharepoint/v3/contenttype/forms"/>
@@ -35018,7 +33566,7 @@
 </ds:datastoreItem>
 </file>
 
-<file path=customXml/itemProps3.xml><?xml version="1.0" encoding="utf-8"?>
+<file path=customXml/itemProps2.xml><?xml version="1.0" encoding="utf-8"?>
 <ds:datastoreItem xmlns:ds="http://schemas.openxmlformats.org/officeDocument/2006/customXml" ds:itemID="{025820C3-FD82-4EFC-BF14-EAF1F9613F52}">
   <ds:schemaRefs>
     <ds:schemaRef ds:uri="669280c1-d17e-4d1d-bd7f-b4f14cc6bf1d"/>
@@ -35035,4 +33583,21 @@
     <ds:schemaRef ds:uri="http://www.w3.org/2001/XMLSchema"/>
   </ds:schemaRefs>
 </ds:datastoreItem>
+</file>
+
+<file path=customXml/itemProps3.xml><?xml version="1.0" encoding="utf-8"?>
+<ds:datastoreItem xmlns:ds="http://schemas.openxmlformats.org/officeDocument/2006/customXml" ds:itemID="{0825853C-1B27-4995-A583-4D39F900BB7F}">
+  <ds:schemaRefs>
+    <ds:schemaRef ds:uri="669280c1-d17e-4d1d-bd7f-b4f14cc6bf1d"/>
+    <ds:schemaRef ds:uri="bdc56f61-abc0-4f7e-bfec-a93ccd1ae886"/>
+    <ds:schemaRef ds:uri="http://purl.org/dc/dcmitype/"/>
+    <ds:schemaRef ds:uri="http://purl.org/dc/elements/1.1/"/>
+    <ds:schemaRef ds:uri="http://purl.org/dc/terms/"/>
+    <ds:schemaRef ds:uri="http://schemas.microsoft.com/office/2006/documentManagement/types"/>
+    <ds:schemaRef ds:uri="http://schemas.microsoft.com/office/2006/metadata/properties"/>
+    <ds:schemaRef ds:uri="http://schemas.microsoft.com/office/infopath/2007/PartnerControls"/>
+    <ds:schemaRef ds:uri="http://schemas.openxmlformats.org/package/2006/metadata/core-properties"/>
+    <ds:schemaRef ds:uri="http://www.w3.org/XML/1998/namespace"/>
+  </ds:schemaRefs>
+</ds:datastoreItem>
 </file>
--- a/Sesión_4/Sistemas de segundo orden Discretos.pptx
+++ b/Sesión_4/Sistemas de segundo orden Discretos.pptx
@@ -182,16 +182,32 @@
 </p:presentation>
 </file>
 
-<file path=ppt/revisionInfo.xml><?xml version="1.0" encoding="utf-8"?>
-<p1510:revInfo xmlns:a="http://schemas.openxmlformats.org/drawingml/2006/main" xmlns:r="http://schemas.openxmlformats.org/officeDocument/2006/relationships" xmlns:p1510="http://schemas.microsoft.com/office/powerpoint/2015/10/main">
-  <p1510:revLst>
-    <p1510:client id="{8D5B9C9A-4A92-4012-8653-FF8E3D8ACF65}" v="1" dt="2025-01-13T19:24:20.339"/>
-  </p1510:revLst>
-</p1510:revInfo>
-</file>
-
 <file path=ppt/changesInfos/changesInfo1.xml><?xml version="1.0" encoding="utf-8"?>
 <pc:chgInfo xmlns:a="http://schemas.openxmlformats.org/drawingml/2006/main" xmlns:r="http://schemas.openxmlformats.org/officeDocument/2006/relationships" xmlns:ac="http://schemas.microsoft.com/office/drawing/2013/main/command" xmlns:pc="http://schemas.microsoft.com/office/powerpoint/2013/main/command">
+  <pc:docChgLst>
+    <pc:chgData name="JHEYSON FABIAN VILLAVISAN BUITRAGO" userId="e5ced5c2-d787-455d-b115-4f08a699b8c8" providerId="ADAL" clId="{7935EC72-47C2-4B23-A7D5-31C9BC3C36D7}"/>
+    <pc:docChg chg="modSld">
+      <pc:chgData name="JHEYSON FABIAN VILLAVISAN BUITRAGO" userId="e5ced5c2-d787-455d-b115-4f08a699b8c8" providerId="ADAL" clId="{7935EC72-47C2-4B23-A7D5-31C9BC3C36D7}" dt="2025-02-03T19:26:10.874" v="1" actId="20577"/>
+      <pc:docMkLst>
+        <pc:docMk/>
+      </pc:docMkLst>
+      <pc:sldChg chg="modSp mod">
+        <pc:chgData name="JHEYSON FABIAN VILLAVISAN BUITRAGO" userId="e5ced5c2-d787-455d-b115-4f08a699b8c8" providerId="ADAL" clId="{7935EC72-47C2-4B23-A7D5-31C9BC3C36D7}" dt="2025-02-03T19:26:10.874" v="1" actId="20577"/>
+        <pc:sldMkLst>
+          <pc:docMk/>
+          <pc:sldMk cId="3289317891" sldId="277"/>
+        </pc:sldMkLst>
+        <pc:graphicFrameChg chg="modGraphic">
+          <ac:chgData name="JHEYSON FABIAN VILLAVISAN BUITRAGO" userId="e5ced5c2-d787-455d-b115-4f08a699b8c8" providerId="ADAL" clId="{7935EC72-47C2-4B23-A7D5-31C9BC3C36D7}" dt="2025-02-03T19:26:10.874" v="1" actId="20577"/>
+          <ac:graphicFrameMkLst>
+            <pc:docMk/>
+            <pc:sldMk cId="3289317891" sldId="277"/>
+            <ac:graphicFrameMk id="4" creationId="{F4CD11F0-DFCA-CC07-126D-888DD0F0C560}"/>
+          </ac:graphicFrameMkLst>
+        </pc:graphicFrameChg>
+      </pc:sldChg>
+    </pc:docChg>
+  </pc:docChgLst>
   <pc:docChgLst>
     <pc:chgData name="JHEYSON FABIAN VILLAVISAN BUITRAGO" userId="e5ced5c2-d787-455d-b115-4f08a699b8c8" providerId="ADAL" clId="{A917EF99-4963-45EF-AFB8-A4BED98A7D26}"/>
     <pc:docChg chg="custSel modSld">
@@ -221,14 +237,6 @@
           <pc:docMk/>
           <pc:sldMk cId="2505371292" sldId="270"/>
         </pc:sldMkLst>
-        <pc:graphicFrameChg chg="del">
-          <ac:chgData name="JHEYSON FABIAN VILLAVISAN BUITRAGO" userId="e5ced5c2-d787-455d-b115-4f08a699b8c8" providerId="ADAL" clId="{8D5B9C9A-4A92-4012-8653-FF8E3D8ACF65}" dt="2025-01-13T19:24:19.988" v="0" actId="478"/>
-          <ac:graphicFrameMkLst>
-            <pc:docMk/>
-            <pc:sldMk cId="2505371292" sldId="270"/>
-            <ac:graphicFrameMk id="2" creationId="{F3F82246-C76E-451D-EA87-CDDDEC715557}"/>
-          </ac:graphicFrameMkLst>
-        </pc:graphicFrameChg>
         <pc:graphicFrameChg chg="add mod">
           <ac:chgData name="JHEYSON FABIAN VILLAVISAN BUITRAGO" userId="e5ced5c2-d787-455d-b115-4f08a699b8c8" providerId="ADAL" clId="{8D5B9C9A-4A92-4012-8653-FF8E3D8ACF65}" dt="2025-01-13T19:24:20.339" v="1"/>
           <ac:graphicFrameMkLst>
@@ -381,7 +389,7 @@
               <a:pPr>
                 <a:defRPr/>
               </a:pPr>
-              <a:t>13/01/2025</a:t>
+              <a:t>3/02/2025</a:t>
             </a:fld>
             <a:endParaRPr lang="es-CO"/>
           </a:p>
@@ -624,7 +632,7 @@
               <a:pPr>
                 <a:defRPr/>
               </a:pPr>
-              <a:t>13/01/2025</a:t>
+              <a:t>3/02/2025</a:t>
             </a:fld>
             <a:endParaRPr lang="es-CO"/>
           </a:p>
@@ -9069,7 +9077,7 @@
           <a:p>
             <a:fld id="{9CF7635E-2D71-42E7-9E6C-FBB85A15A85F}" type="datetimeFigureOut">
               <a:rPr lang="es-CO" smtClean="0"/>
-              <a:t>13/01/2025</a:t>
+              <a:t>3/02/2025</a:t>
             </a:fld>
             <a:endParaRPr lang="es-CO"/>
           </a:p>
@@ -9335,7 +9343,7 @@
           <a:p>
             <a:fld id="{9CF7635E-2D71-42E7-9E6C-FBB85A15A85F}" type="datetimeFigureOut">
               <a:rPr lang="es-CO" smtClean="0"/>
-              <a:t>13/01/2025</a:t>
+              <a:t>3/02/2025</a:t>
             </a:fld>
             <a:endParaRPr lang="es-CO"/>
           </a:p>
@@ -9551,7 +9559,7 @@
           <a:p>
             <a:fld id="{9CF7635E-2D71-42E7-9E6C-FBB85A15A85F}" type="datetimeFigureOut">
               <a:rPr lang="es-CO" smtClean="0"/>
-              <a:t>13/01/2025</a:t>
+              <a:t>3/02/2025</a:t>
             </a:fld>
             <a:endParaRPr lang="es-CO"/>
           </a:p>
@@ -11180,7 +11188,7 @@
           <a:p>
             <a:fld id="{9CF7635E-2D71-42E7-9E6C-FBB85A15A85F}" type="datetimeFigureOut">
               <a:rPr lang="es-CO" smtClean="0"/>
-              <a:t>13/01/2025</a:t>
+              <a:t>3/02/2025</a:t>
             </a:fld>
             <a:endParaRPr lang="es-CO"/>
           </a:p>
@@ -11627,7 +11635,7 @@
           <a:p>
             <a:fld id="{9CF7635E-2D71-42E7-9E6C-FBB85A15A85F}" type="datetimeFigureOut">
               <a:rPr lang="es-CO" smtClean="0"/>
-              <a:t>13/01/2025</a:t>
+              <a:t>3/02/2025</a:t>
             </a:fld>
             <a:endParaRPr lang="es-CO"/>
           </a:p>
@@ -11901,7 +11909,7 @@
           <a:p>
             <a:fld id="{9CF7635E-2D71-42E7-9E6C-FBB85A15A85F}" type="datetimeFigureOut">
               <a:rPr lang="es-CO" smtClean="0"/>
-              <a:t>13/01/2025</a:t>
+              <a:t>3/02/2025</a:t>
             </a:fld>
             <a:endParaRPr lang="es-CO"/>
           </a:p>
@@ -12322,7 +12330,7 @@
           <a:p>
             <a:fld id="{9CF7635E-2D71-42E7-9E6C-FBB85A15A85F}" type="datetimeFigureOut">
               <a:rPr lang="es-CO" smtClean="0"/>
-              <a:t>13/01/2025</a:t>
+              <a:t>3/02/2025</a:t>
             </a:fld>
             <a:endParaRPr lang="es-CO"/>
           </a:p>
@@ -12470,7 +12478,7 @@
           <a:p>
             <a:fld id="{9CF7635E-2D71-42E7-9E6C-FBB85A15A85F}" type="datetimeFigureOut">
               <a:rPr lang="es-CO" smtClean="0"/>
-              <a:t>13/01/2025</a:t>
+              <a:t>3/02/2025</a:t>
             </a:fld>
             <a:endParaRPr lang="es-CO"/>
           </a:p>
@@ -12589,7 +12597,7 @@
           <a:p>
             <a:fld id="{9CF7635E-2D71-42E7-9E6C-FBB85A15A85F}" type="datetimeFigureOut">
               <a:rPr lang="es-CO" smtClean="0"/>
-              <a:t>13/01/2025</a:t>
+              <a:t>3/02/2025</a:t>
             </a:fld>
             <a:endParaRPr lang="es-CO"/>
           </a:p>
@@ -12908,7 +12916,7 @@
           <a:p>
             <a:fld id="{9CF7635E-2D71-42E7-9E6C-FBB85A15A85F}" type="datetimeFigureOut">
               <a:rPr lang="es-CO" smtClean="0"/>
-              <a:t>13/01/2025</a:t>
+              <a:t>3/02/2025</a:t>
             </a:fld>
             <a:endParaRPr lang="es-CO"/>
           </a:p>
@@ -13203,7 +13211,7 @@
           <a:p>
             <a:fld id="{9CF7635E-2D71-42E7-9E6C-FBB85A15A85F}" type="datetimeFigureOut">
               <a:rPr lang="es-CO" smtClean="0"/>
-              <a:t>13/01/2025</a:t>
+              <a:t>3/02/2025</a:t>
             </a:fld>
             <a:endParaRPr lang="es-CO"/>
           </a:p>
@@ -13452,7 +13460,7 @@
           <a:p>
             <a:fld id="{9CF7635E-2D71-42E7-9E6C-FBB85A15A85F}" type="datetimeFigureOut">
               <a:rPr lang="es-CO" smtClean="0"/>
-              <a:t>13/01/2025</a:t>
+              <a:t>3/02/2025</a:t>
             </a:fld>
             <a:endParaRPr lang="es-CO"/>
           </a:p>
@@ -28595,8 +28603,8 @@
           </p:sp>
         </mc:Fallback>
       </mc:AlternateContent>
-      <mc:AlternateContent xmlns:mc="http://schemas.openxmlformats.org/markup-compatibility/2006" xmlns:a14="http://schemas.microsoft.com/office/drawing/2010/main">
-        <mc:Choice Requires="a14">
+      <mc:AlternateContent xmlns:mc="http://schemas.openxmlformats.org/markup-compatibility/2006">
+        <mc:Choice xmlns:a14="http://schemas.microsoft.com/office/drawing/2010/main" Requires="a14">
           <p:graphicFrame>
             <p:nvGraphicFramePr>
               <p:cNvPr id="4" name="Tabla 3">
@@ -28612,7 +28620,7 @@
               <p:nvPr>
                 <p:extLst>
                   <p:ext uri="{D42A27DB-BD31-4B8C-83A1-F6EECF244321}">
-                    <p14:modId xmlns:p14="http://schemas.microsoft.com/office/powerpoint/2010/main" val="2247337375"/>
+                    <p14:modId xmlns:p14="http://schemas.microsoft.com/office/powerpoint/2010/main" val="2348765505"/>
                   </p:ext>
                 </p:extLst>
               </p:nvPr>
@@ -28720,9 +28728,10 @@
                         <a:lstStyle/>
                         <a:p>
                           <a:r>
-                            <a:rPr lang="en-US" dirty="0"/>
-                            <a:t>0,1</a:t>
+                            <a:rPr lang="en-US"/>
+                            <a:t>0,2</a:t>
                           </a:r>
+                          <a:endParaRPr lang="en-US" dirty="0"/>
                         </a:p>
                       </a:txBody>
                       <a:tcPr/>
@@ -28798,7 +28807,7 @@
             </a:graphic>
           </p:graphicFrame>
         </mc:Choice>
-        <mc:Fallback xmlns="">
+        <mc:Fallback>
           <p:graphicFrame>
             <p:nvGraphicFramePr>
               <p:cNvPr id="4" name="Tabla 3">
@@ -28814,7 +28823,7 @@
               <p:nvPr>
                 <p:extLst>
                   <p:ext uri="{D42A27DB-BD31-4B8C-83A1-F6EECF244321}">
-                    <p14:modId xmlns:p14="http://schemas.microsoft.com/office/powerpoint/2010/main" val="2247337375"/>
+                    <p14:modId xmlns:p14="http://schemas.microsoft.com/office/powerpoint/2010/main" val="2348765505"/>
                   </p:ext>
                 </p:extLst>
               </p:nvPr>
@@ -28909,9 +28918,10 @@
                         <a:lstStyle/>
                         <a:p>
                           <a:r>
-                            <a:rPr lang="en-US" dirty="0"/>
-                            <a:t>0,1</a:t>
+                            <a:rPr lang="en-US"/>
+                            <a:t>0,2</a:t>
                           </a:r>
+                          <a:endParaRPr lang="en-US" dirty="0"/>
                         </a:p>
                       </a:txBody>
                       <a:tcPr/>
@@ -33316,6 +33326,14 @@
 </file>
 
 <file path=customXml/item2.xml><?xml version="1.0" encoding="utf-8"?>
+<p:properties xmlns:p="http://schemas.microsoft.com/office/2006/metadata/properties" xmlns:xsi="http://www.w3.org/2001/XMLSchema-instance" xmlns:pc="http://schemas.microsoft.com/office/infopath/2007/PartnerControls">
+  <documentManagement>
+    <_activity xmlns="bdc56f61-abc0-4f7e-bfec-a93ccd1ae886" xsi:nil="true"/>
+  </documentManagement>
+</p:properties>
+</file>
+
+<file path=customXml/item3.xml><?xml version="1.0" encoding="utf-8"?>
 <ct:contentTypeSchema xmlns:ct="http://schemas.microsoft.com/office/2006/metadata/contentType" xmlns:ma="http://schemas.microsoft.com/office/2006/metadata/properties/metaAttributes" ct:_="" ma:_="" ma:contentTypeName="Documento" ma:contentTypeID="0x0101007A62137D465CE64A8C883A4664514BF8" ma:contentTypeVersion="15" ma:contentTypeDescription="Crear nuevo documento." ma:contentTypeScope="" ma:versionID="a1bd1d59f691eb9bca6952b111268275">
   <xsd:schema xmlns:xsd="http://www.w3.org/2001/XMLSchema" xmlns:xs="http://www.w3.org/2001/XMLSchema" xmlns:p="http://schemas.microsoft.com/office/2006/metadata/properties" xmlns:ns3="669280c1-d17e-4d1d-bd7f-b4f14cc6bf1d" xmlns:ns4="bdc56f61-abc0-4f7e-bfec-a93ccd1ae886" targetNamespace="http://schemas.microsoft.com/office/2006/metadata/properties" ma:root="true" ma:fieldsID="d02990a02f19f0f9fc7b999b1809cae4" ns3:_="" ns4:_="">
     <xsd:import namespace="669280c1-d17e-4d1d-bd7f-b4f14cc6bf1d"/>
@@ -33550,14 +33568,6 @@
 </ct:contentTypeSchema>
 </file>
 
-<file path=customXml/item3.xml><?xml version="1.0" encoding="utf-8"?>
-<p:properties xmlns:p="http://schemas.microsoft.com/office/2006/metadata/properties" xmlns:xsi="http://www.w3.org/2001/XMLSchema-instance" xmlns:pc="http://schemas.microsoft.com/office/infopath/2007/PartnerControls">
-  <documentManagement>
-    <_activity xmlns="bdc56f61-abc0-4f7e-bfec-a93ccd1ae886" xsi:nil="true"/>
-  </documentManagement>
-</p:properties>
-</file>
-
 <file path=customXml/itemProps1.xml><?xml version="1.0" encoding="utf-8"?>
 <ds:datastoreItem xmlns:ds="http://schemas.openxmlformats.org/officeDocument/2006/customXml" ds:itemID="{4E8623C8-32E1-48B0-9F0A-13F2E9582B7E}">
   <ds:schemaRefs>
@@ -33567,6 +33577,23 @@
 </file>
 
 <file path=customXml/itemProps2.xml><?xml version="1.0" encoding="utf-8"?>
+<ds:datastoreItem xmlns:ds="http://schemas.openxmlformats.org/officeDocument/2006/customXml" ds:itemID="{0825853C-1B27-4995-A583-4D39F900BB7F}">
+  <ds:schemaRefs>
+    <ds:schemaRef ds:uri="669280c1-d17e-4d1d-bd7f-b4f14cc6bf1d"/>
+    <ds:schemaRef ds:uri="bdc56f61-abc0-4f7e-bfec-a93ccd1ae886"/>
+    <ds:schemaRef ds:uri="http://purl.org/dc/dcmitype/"/>
+    <ds:schemaRef ds:uri="http://purl.org/dc/elements/1.1/"/>
+    <ds:schemaRef ds:uri="http://purl.org/dc/terms/"/>
+    <ds:schemaRef ds:uri="http://schemas.microsoft.com/office/2006/documentManagement/types"/>
+    <ds:schemaRef ds:uri="http://schemas.microsoft.com/office/2006/metadata/properties"/>
+    <ds:schemaRef ds:uri="http://schemas.microsoft.com/office/infopath/2007/PartnerControls"/>
+    <ds:schemaRef ds:uri="http://schemas.openxmlformats.org/package/2006/metadata/core-properties"/>
+    <ds:schemaRef ds:uri="http://www.w3.org/XML/1998/namespace"/>
+  </ds:schemaRefs>
+</ds:datastoreItem>
+</file>
+
+<file path=customXml/itemProps3.xml><?xml version="1.0" encoding="utf-8"?>
 <ds:datastoreItem xmlns:ds="http://schemas.openxmlformats.org/officeDocument/2006/customXml" ds:itemID="{025820C3-FD82-4EFC-BF14-EAF1F9613F52}">
   <ds:schemaRefs>
     <ds:schemaRef ds:uri="669280c1-d17e-4d1d-bd7f-b4f14cc6bf1d"/>
@@ -33583,21 +33610,4 @@
     <ds:schemaRef ds:uri="http://www.w3.org/2001/XMLSchema"/>
   </ds:schemaRefs>
 </ds:datastoreItem>
-</file>
-
-<file path=customXml/itemProps3.xml><?xml version="1.0" encoding="utf-8"?>
-<ds:datastoreItem xmlns:ds="http://schemas.openxmlformats.org/officeDocument/2006/customXml" ds:itemID="{0825853C-1B27-4995-A583-4D39F900BB7F}">
-  <ds:schemaRefs>
-    <ds:schemaRef ds:uri="669280c1-d17e-4d1d-bd7f-b4f14cc6bf1d"/>
-    <ds:schemaRef ds:uri="bdc56f61-abc0-4f7e-bfec-a93ccd1ae886"/>
-    <ds:schemaRef ds:uri="http://purl.org/dc/dcmitype/"/>
-    <ds:schemaRef ds:uri="http://purl.org/dc/elements/1.1/"/>
-    <ds:schemaRef ds:uri="http://purl.org/dc/terms/"/>
-    <ds:schemaRef ds:uri="http://schemas.microsoft.com/office/2006/documentManagement/types"/>
-    <ds:schemaRef ds:uri="http://schemas.microsoft.com/office/2006/metadata/properties"/>
-    <ds:schemaRef ds:uri="http://schemas.microsoft.com/office/infopath/2007/PartnerControls"/>
-    <ds:schemaRef ds:uri="http://schemas.openxmlformats.org/package/2006/metadata/core-properties"/>
-    <ds:schemaRef ds:uri="http://www.w3.org/XML/1998/namespace"/>
-  </ds:schemaRefs>
-</ds:datastoreItem>
 </file>
--- a/Sesión_4/Sistemas de segundo orden Discretos.pptx
+++ b/Sesión_4/Sistemas de segundo orden Discretos.pptx
@@ -5,10 +5,10 @@
     <p:sldMasterId id="2147483778" r:id="rId4"/>
   </p:sldMasterIdLst>
   <p:notesMasterIdLst>
-    <p:notesMasterId r:id="rId21"/>
+    <p:notesMasterId r:id="rId22"/>
   </p:notesMasterIdLst>
   <p:handoutMasterIdLst>
-    <p:handoutMasterId r:id="rId22"/>
+    <p:handoutMasterId r:id="rId23"/>
   </p:handoutMasterIdLst>
   <p:sldIdLst>
     <p:sldId id="256" r:id="rId5"/>
@@ -22,11 +22,12 @@
     <p:sldId id="279" r:id="rId13"/>
     <p:sldId id="281" r:id="rId14"/>
     <p:sldId id="285" r:id="rId15"/>
-    <p:sldId id="294" r:id="rId16"/>
-    <p:sldId id="292" r:id="rId17"/>
-    <p:sldId id="293" r:id="rId18"/>
-    <p:sldId id="280" r:id="rId19"/>
-    <p:sldId id="284" r:id="rId20"/>
+    <p:sldId id="284" r:id="rId16"/>
+    <p:sldId id="294" r:id="rId17"/>
+    <p:sldId id="292" r:id="rId18"/>
+    <p:sldId id="293" r:id="rId19"/>
+    <p:sldId id="280" r:id="rId20"/>
+    <p:sldId id="296" r:id="rId21"/>
   </p:sldIdLst>
   <p:sldSz cx="9144000" cy="6858000" type="letter"/>
   <p:notesSz cx="6858000" cy="9144000"/>
@@ -141,11 +142,12 @@
             <p14:sldId id="279"/>
             <p14:sldId id="281"/>
             <p14:sldId id="285"/>
+            <p14:sldId id="284"/>
             <p14:sldId id="294"/>
             <p14:sldId id="292"/>
             <p14:sldId id="293"/>
             <p14:sldId id="280"/>
-            <p14:sldId id="284"/>
+            <p14:sldId id="296"/>
           </p14:sldIdLst>
         </p14:section>
       </p14:sectionLst>
@@ -182,6 +184,14 @@
 </p:presentation>
 </file>
 
+<file path=ppt/revisionInfo.xml><?xml version="1.0" encoding="utf-8"?>
+<p1510:revInfo xmlns:a="http://schemas.openxmlformats.org/drawingml/2006/main" xmlns:r="http://schemas.openxmlformats.org/officeDocument/2006/relationships" xmlns:p1510="http://schemas.microsoft.com/office/powerpoint/2015/10/main">
+  <p1510:revLst>
+    <p1510:client id="{0A60CEB9-85FD-48E1-86F3-E6C1E64EF4FE}" v="17" dt="2025-04-01T15:41:13.447"/>
+  </p1510:revLst>
+</p1510:revInfo>
+</file>
+
 <file path=ppt/changesInfos/changesInfo1.xml><?xml version="1.0" encoding="utf-8"?>
 <pc:chgInfo xmlns:a="http://schemas.openxmlformats.org/drawingml/2006/main" xmlns:r="http://schemas.openxmlformats.org/officeDocument/2006/relationships" xmlns:ac="http://schemas.microsoft.com/office/drawing/2013/main/command" xmlns:pc="http://schemas.microsoft.com/office/powerpoint/2013/main/command">
   <pc:docChgLst>
@@ -205,6 +215,227 @@
             <ac:graphicFrameMk id="4" creationId="{F4CD11F0-DFCA-CC07-126D-888DD0F0C560}"/>
           </ac:graphicFrameMkLst>
         </pc:graphicFrameChg>
+      </pc:sldChg>
+    </pc:docChg>
+  </pc:docChgLst>
+  <pc:docChgLst>
+    <pc:chgData name="JHEYSON FABIAN VILLAVISAN BUITRAGO" userId="e5ced5c2-d787-455d-b115-4f08a699b8c8" providerId="ADAL" clId="{0A60CEB9-85FD-48E1-86F3-E6C1E64EF4FE}"/>
+    <pc:docChg chg="undo redo custSel addSld modSld sldOrd modSection">
+      <pc:chgData name="JHEYSON FABIAN VILLAVISAN BUITRAGO" userId="e5ced5c2-d787-455d-b115-4f08a699b8c8" providerId="ADAL" clId="{0A60CEB9-85FD-48E1-86F3-E6C1E64EF4FE}" dt="2025-04-01T17:38:34.010" v="217" actId="20577"/>
+      <pc:docMkLst>
+        <pc:docMk/>
+      </pc:docMkLst>
+      <pc:sldChg chg="modSp mod">
+        <pc:chgData name="JHEYSON FABIAN VILLAVISAN BUITRAGO" userId="e5ced5c2-d787-455d-b115-4f08a699b8c8" providerId="ADAL" clId="{0A60CEB9-85FD-48E1-86F3-E6C1E64EF4FE}" dt="2025-04-01T15:42:32.493" v="68" actId="20577"/>
+        <pc:sldMkLst>
+          <pc:docMk/>
+          <pc:sldMk cId="3289317891" sldId="277"/>
+        </pc:sldMkLst>
+        <pc:spChg chg="mod">
+          <ac:chgData name="JHEYSON FABIAN VILLAVISAN BUITRAGO" userId="e5ced5c2-d787-455d-b115-4f08a699b8c8" providerId="ADAL" clId="{0A60CEB9-85FD-48E1-86F3-E6C1E64EF4FE}" dt="2025-04-01T15:42:32.493" v="68" actId="20577"/>
+          <ac:spMkLst>
+            <pc:docMk/>
+            <pc:sldMk cId="3289317891" sldId="277"/>
+            <ac:spMk id="10" creationId="{AF4E183E-A171-4923-A99E-D149888CEC37}"/>
+          </ac:spMkLst>
+        </pc:spChg>
+      </pc:sldChg>
+      <pc:sldChg chg="modSp mod">
+        <pc:chgData name="JHEYSON FABIAN VILLAVISAN BUITRAGO" userId="e5ced5c2-d787-455d-b115-4f08a699b8c8" providerId="ADAL" clId="{0A60CEB9-85FD-48E1-86F3-E6C1E64EF4FE}" dt="2025-04-01T15:42:34.058" v="69" actId="20577"/>
+        <pc:sldMkLst>
+          <pc:docMk/>
+          <pc:sldMk cId="2818467161" sldId="278"/>
+        </pc:sldMkLst>
+        <pc:spChg chg="mod">
+          <ac:chgData name="JHEYSON FABIAN VILLAVISAN BUITRAGO" userId="e5ced5c2-d787-455d-b115-4f08a699b8c8" providerId="ADAL" clId="{0A60CEB9-85FD-48E1-86F3-E6C1E64EF4FE}" dt="2025-04-01T15:42:34.058" v="69" actId="20577"/>
+          <ac:spMkLst>
+            <pc:docMk/>
+            <pc:sldMk cId="2818467161" sldId="278"/>
+            <ac:spMk id="10" creationId="{AF4E183E-A171-4923-A99E-D149888CEC37}"/>
+          </ac:spMkLst>
+        </pc:spChg>
+      </pc:sldChg>
+      <pc:sldChg chg="modSp mod">
+        <pc:chgData name="JHEYSON FABIAN VILLAVISAN BUITRAGO" userId="e5ced5c2-d787-455d-b115-4f08a699b8c8" providerId="ADAL" clId="{0A60CEB9-85FD-48E1-86F3-E6C1E64EF4FE}" dt="2025-04-01T15:42:35.458" v="70" actId="20577"/>
+        <pc:sldMkLst>
+          <pc:docMk/>
+          <pc:sldMk cId="2787352376" sldId="279"/>
+        </pc:sldMkLst>
+        <pc:spChg chg="mod">
+          <ac:chgData name="JHEYSON FABIAN VILLAVISAN BUITRAGO" userId="e5ced5c2-d787-455d-b115-4f08a699b8c8" providerId="ADAL" clId="{0A60CEB9-85FD-48E1-86F3-E6C1E64EF4FE}" dt="2025-04-01T15:42:35.458" v="70" actId="20577"/>
+          <ac:spMkLst>
+            <pc:docMk/>
+            <pc:sldMk cId="2787352376" sldId="279"/>
+            <ac:spMk id="10" creationId="{AF4E183E-A171-4923-A99E-D149888CEC37}"/>
+          </ac:spMkLst>
+        </pc:spChg>
+      </pc:sldChg>
+      <pc:sldChg chg="modSp mod">
+        <pc:chgData name="JHEYSON FABIAN VILLAVISAN BUITRAGO" userId="e5ced5c2-d787-455d-b115-4f08a699b8c8" providerId="ADAL" clId="{0A60CEB9-85FD-48E1-86F3-E6C1E64EF4FE}" dt="2025-04-01T15:42:48.265" v="84" actId="20577"/>
+        <pc:sldMkLst>
+          <pc:docMk/>
+          <pc:sldMk cId="2620324047" sldId="280"/>
+        </pc:sldMkLst>
+        <pc:spChg chg="mod">
+          <ac:chgData name="JHEYSON FABIAN VILLAVISAN BUITRAGO" userId="e5ced5c2-d787-455d-b115-4f08a699b8c8" providerId="ADAL" clId="{0A60CEB9-85FD-48E1-86F3-E6C1E64EF4FE}" dt="2025-04-01T15:42:48.265" v="84" actId="20577"/>
+          <ac:spMkLst>
+            <pc:docMk/>
+            <pc:sldMk cId="2620324047" sldId="280"/>
+            <ac:spMk id="10" creationId="{AF4E183E-A171-4923-A99E-D149888CEC37}"/>
+          </ac:spMkLst>
+        </pc:spChg>
+        <pc:spChg chg="mod">
+          <ac:chgData name="JHEYSON FABIAN VILLAVISAN BUITRAGO" userId="e5ced5c2-d787-455d-b115-4f08a699b8c8" providerId="ADAL" clId="{0A60CEB9-85FD-48E1-86F3-E6C1E64EF4FE}" dt="2025-04-01T15:37:44.484" v="12" actId="20577"/>
+          <ac:spMkLst>
+            <pc:docMk/>
+            <pc:sldMk cId="2620324047" sldId="280"/>
+            <ac:spMk id="16" creationId="{61C30305-C78C-F687-635F-1E0E3726D49F}"/>
+          </ac:spMkLst>
+        </pc:spChg>
+      </pc:sldChg>
+      <pc:sldChg chg="modSp mod">
+        <pc:chgData name="JHEYSON FABIAN VILLAVISAN BUITRAGO" userId="e5ced5c2-d787-455d-b115-4f08a699b8c8" providerId="ADAL" clId="{0A60CEB9-85FD-48E1-86F3-E6C1E64EF4FE}" dt="2025-04-01T15:42:36.787" v="72" actId="20577"/>
+        <pc:sldMkLst>
+          <pc:docMk/>
+          <pc:sldMk cId="2651701262" sldId="281"/>
+        </pc:sldMkLst>
+        <pc:spChg chg="mod">
+          <ac:chgData name="JHEYSON FABIAN VILLAVISAN BUITRAGO" userId="e5ced5c2-d787-455d-b115-4f08a699b8c8" providerId="ADAL" clId="{0A60CEB9-85FD-48E1-86F3-E6C1E64EF4FE}" dt="2025-04-01T15:42:36.787" v="72" actId="20577"/>
+          <ac:spMkLst>
+            <pc:docMk/>
+            <pc:sldMk cId="2651701262" sldId="281"/>
+            <ac:spMk id="10" creationId="{AF4E183E-A171-4923-A99E-D149888CEC37}"/>
+          </ac:spMkLst>
+        </pc:spChg>
+      </pc:sldChg>
+      <pc:sldChg chg="modSp mod ord modNotesTx">
+        <pc:chgData name="JHEYSON FABIAN VILLAVISAN BUITRAGO" userId="e5ced5c2-d787-455d-b115-4f08a699b8c8" providerId="ADAL" clId="{0A60CEB9-85FD-48E1-86F3-E6C1E64EF4FE}" dt="2025-04-01T17:38:34.010" v="217" actId="20577"/>
+        <pc:sldMkLst>
+          <pc:docMk/>
+          <pc:sldMk cId="941902522" sldId="284"/>
+        </pc:sldMkLst>
+        <pc:spChg chg="mod">
+          <ac:chgData name="JHEYSON FABIAN VILLAVISAN BUITRAGO" userId="e5ced5c2-d787-455d-b115-4f08a699b8c8" providerId="ADAL" clId="{0A60CEB9-85FD-48E1-86F3-E6C1E64EF4FE}" dt="2025-04-01T17:38:34.010" v="217" actId="20577"/>
+          <ac:spMkLst>
+            <pc:docMk/>
+            <pc:sldMk cId="941902522" sldId="284"/>
+            <ac:spMk id="4" creationId="{52E914A1-1C40-2701-C07B-EF8A2F0FFA58}"/>
+          </ac:spMkLst>
+        </pc:spChg>
+        <pc:spChg chg="mod">
+          <ac:chgData name="JHEYSON FABIAN VILLAVISAN BUITRAGO" userId="e5ced5c2-d787-455d-b115-4f08a699b8c8" providerId="ADAL" clId="{0A60CEB9-85FD-48E1-86F3-E6C1E64EF4FE}" dt="2025-04-01T15:55:15.604" v="131" actId="1076"/>
+          <ac:spMkLst>
+            <pc:docMk/>
+            <pc:sldMk cId="941902522" sldId="284"/>
+            <ac:spMk id="7" creationId="{1A1439DA-9A94-07F6-85B0-5EC26AA5C6AB}"/>
+          </ac:spMkLst>
+        </pc:spChg>
+        <pc:spChg chg="mod">
+          <ac:chgData name="JHEYSON FABIAN VILLAVISAN BUITRAGO" userId="e5ced5c2-d787-455d-b115-4f08a699b8c8" providerId="ADAL" clId="{0A60CEB9-85FD-48E1-86F3-E6C1E64EF4FE}" dt="2025-04-01T15:42:51.803" v="87" actId="20577"/>
+          <ac:spMkLst>
+            <pc:docMk/>
+            <pc:sldMk cId="941902522" sldId="284"/>
+            <ac:spMk id="10" creationId="{AF4E183E-A171-4923-A99E-D149888CEC37}"/>
+          </ac:spMkLst>
+        </pc:spChg>
+        <pc:spChg chg="mod">
+          <ac:chgData name="JHEYSON FABIAN VILLAVISAN BUITRAGO" userId="e5ced5c2-d787-455d-b115-4f08a699b8c8" providerId="ADAL" clId="{0A60CEB9-85FD-48E1-86F3-E6C1E64EF4FE}" dt="2025-04-01T15:40:52.806" v="27" actId="20577"/>
+          <ac:spMkLst>
+            <pc:docMk/>
+            <pc:sldMk cId="941902522" sldId="284"/>
+            <ac:spMk id="16" creationId="{61C30305-C78C-F687-635F-1E0E3726D49F}"/>
+          </ac:spMkLst>
+        </pc:spChg>
+      </pc:sldChg>
+      <pc:sldChg chg="modSp mod">
+        <pc:chgData name="JHEYSON FABIAN VILLAVISAN BUITRAGO" userId="e5ced5c2-d787-455d-b115-4f08a699b8c8" providerId="ADAL" clId="{0A60CEB9-85FD-48E1-86F3-E6C1E64EF4FE}" dt="2025-04-01T15:42:38.247" v="74" actId="20577"/>
+        <pc:sldMkLst>
+          <pc:docMk/>
+          <pc:sldMk cId="677326449" sldId="285"/>
+        </pc:sldMkLst>
+        <pc:spChg chg="mod">
+          <ac:chgData name="JHEYSON FABIAN VILLAVISAN BUITRAGO" userId="e5ced5c2-d787-455d-b115-4f08a699b8c8" providerId="ADAL" clId="{0A60CEB9-85FD-48E1-86F3-E6C1E64EF4FE}" dt="2025-04-01T15:42:38.247" v="74" actId="20577"/>
+          <ac:spMkLst>
+            <pc:docMk/>
+            <pc:sldMk cId="677326449" sldId="285"/>
+            <ac:spMk id="10" creationId="{AF4E183E-A171-4923-A99E-D149888CEC37}"/>
+          </ac:spMkLst>
+        </pc:spChg>
+      </pc:sldChg>
+      <pc:sldChg chg="modSp mod">
+        <pc:chgData name="JHEYSON FABIAN VILLAVISAN BUITRAGO" userId="e5ced5c2-d787-455d-b115-4f08a699b8c8" providerId="ADAL" clId="{0A60CEB9-85FD-48E1-86F3-E6C1E64EF4FE}" dt="2025-04-01T15:42:41.564" v="78" actId="20577"/>
+        <pc:sldMkLst>
+          <pc:docMk/>
+          <pc:sldMk cId="1411283449" sldId="292"/>
+        </pc:sldMkLst>
+        <pc:spChg chg="mod">
+          <ac:chgData name="JHEYSON FABIAN VILLAVISAN BUITRAGO" userId="e5ced5c2-d787-455d-b115-4f08a699b8c8" providerId="ADAL" clId="{0A60CEB9-85FD-48E1-86F3-E6C1E64EF4FE}" dt="2025-04-01T15:42:41.564" v="78" actId="20577"/>
+          <ac:spMkLst>
+            <pc:docMk/>
+            <pc:sldMk cId="1411283449" sldId="292"/>
+            <ac:spMk id="10" creationId="{AF4E183E-A171-4923-A99E-D149888CEC37}"/>
+          </ac:spMkLst>
+        </pc:spChg>
+      </pc:sldChg>
+      <pc:sldChg chg="modSp mod">
+        <pc:chgData name="JHEYSON FABIAN VILLAVISAN BUITRAGO" userId="e5ced5c2-d787-455d-b115-4f08a699b8c8" providerId="ADAL" clId="{0A60CEB9-85FD-48E1-86F3-E6C1E64EF4FE}" dt="2025-04-01T15:42:45.641" v="82" actId="20577"/>
+        <pc:sldMkLst>
+          <pc:docMk/>
+          <pc:sldMk cId="1499167107" sldId="293"/>
+        </pc:sldMkLst>
+        <pc:spChg chg="mod">
+          <ac:chgData name="JHEYSON FABIAN VILLAVISAN BUITRAGO" userId="e5ced5c2-d787-455d-b115-4f08a699b8c8" providerId="ADAL" clId="{0A60CEB9-85FD-48E1-86F3-E6C1E64EF4FE}" dt="2025-04-01T15:42:45.641" v="82" actId="20577"/>
+          <ac:spMkLst>
+            <pc:docMk/>
+            <pc:sldMk cId="1499167107" sldId="293"/>
+            <ac:spMk id="10" creationId="{AF4E183E-A171-4923-A99E-D149888CEC37}"/>
+          </ac:spMkLst>
+        </pc:spChg>
+      </pc:sldChg>
+      <pc:sldChg chg="modSp mod">
+        <pc:chgData name="JHEYSON FABIAN VILLAVISAN BUITRAGO" userId="e5ced5c2-d787-455d-b115-4f08a699b8c8" providerId="ADAL" clId="{0A60CEB9-85FD-48E1-86F3-E6C1E64EF4FE}" dt="2025-04-01T15:42:39.988" v="76" actId="20577"/>
+        <pc:sldMkLst>
+          <pc:docMk/>
+          <pc:sldMk cId="1698574024" sldId="294"/>
+        </pc:sldMkLst>
+        <pc:spChg chg="mod">
+          <ac:chgData name="JHEYSON FABIAN VILLAVISAN BUITRAGO" userId="e5ced5c2-d787-455d-b115-4f08a699b8c8" providerId="ADAL" clId="{0A60CEB9-85FD-48E1-86F3-E6C1E64EF4FE}" dt="2025-04-01T15:42:39.988" v="76" actId="20577"/>
+          <ac:spMkLst>
+            <pc:docMk/>
+            <pc:sldMk cId="1698574024" sldId="294"/>
+            <ac:spMk id="10" creationId="{AF4E183E-A171-4923-A99E-D149888CEC37}"/>
+          </ac:spMkLst>
+        </pc:spChg>
+      </pc:sldChg>
+      <pc:sldChg chg="modSp mod">
+        <pc:chgData name="JHEYSON FABIAN VILLAVISAN BUITRAGO" userId="e5ced5c2-d787-455d-b115-4f08a699b8c8" providerId="ADAL" clId="{0A60CEB9-85FD-48E1-86F3-E6C1E64EF4FE}" dt="2025-04-01T15:42:30.070" v="67" actId="20577"/>
+        <pc:sldMkLst>
+          <pc:docMk/>
+          <pc:sldMk cId="896390703" sldId="295"/>
+        </pc:sldMkLst>
+        <pc:spChg chg="mod">
+          <ac:chgData name="JHEYSON FABIAN VILLAVISAN BUITRAGO" userId="e5ced5c2-d787-455d-b115-4f08a699b8c8" providerId="ADAL" clId="{0A60CEB9-85FD-48E1-86F3-E6C1E64EF4FE}" dt="2025-04-01T15:42:30.070" v="67" actId="20577"/>
+          <ac:spMkLst>
+            <pc:docMk/>
+            <pc:sldMk cId="896390703" sldId="295"/>
+            <ac:spMk id="10" creationId="{AF4E183E-A171-4923-A99E-D149888CEC37}"/>
+          </ac:spMkLst>
+        </pc:spChg>
+      </pc:sldChg>
+      <pc:sldChg chg="modSp add mod">
+        <pc:chgData name="JHEYSON FABIAN VILLAVISAN BUITRAGO" userId="e5ced5c2-d787-455d-b115-4f08a699b8c8" providerId="ADAL" clId="{0A60CEB9-85FD-48E1-86F3-E6C1E64EF4FE}" dt="2025-04-01T15:42:53.526" v="89" actId="20577"/>
+        <pc:sldMkLst>
+          <pc:docMk/>
+          <pc:sldMk cId="1207355727" sldId="296"/>
+        </pc:sldMkLst>
+        <pc:spChg chg="mod">
+          <ac:chgData name="JHEYSON FABIAN VILLAVISAN BUITRAGO" userId="e5ced5c2-d787-455d-b115-4f08a699b8c8" providerId="ADAL" clId="{0A60CEB9-85FD-48E1-86F3-E6C1E64EF4FE}" dt="2025-04-01T15:42:53.526" v="89" actId="20577"/>
+          <ac:spMkLst>
+            <pc:docMk/>
+            <pc:sldMk cId="1207355727" sldId="296"/>
+            <ac:spMk id="10" creationId="{C9773D30-2FC7-BBCB-021F-1460F55AAAAD}"/>
+          </ac:spMkLst>
+        </pc:spChg>
       </pc:sldChg>
     </pc:docChg>
   </pc:docChgLst>
@@ -389,7 +620,7 @@
               <a:pPr>
                 <a:defRPr/>
               </a:pPr>
-              <a:t>3/02/2025</a:t>
+              <a:t>1/04/2025</a:t>
             </a:fld>
             <a:endParaRPr lang="es-CO"/>
           </a:p>
@@ -632,7 +863,7 @@
               <a:pPr>
                 <a:defRPr/>
               </a:pPr>
-              <a:t>3/02/2025</a:t>
+              <a:t>1/04/2025</a:t>
             </a:fld>
             <a:endParaRPr lang="es-CO"/>
           </a:p>
@@ -1307,564 +1538,219 @@
         <p:spPr/>
         <p:txBody>
           <a:bodyPr>
-            <a:normAutofit fontScale="55000" lnSpcReduction="20000"/>
+            <a:normAutofit/>
           </a:bodyPr>
           <a:lstStyle/>
           <a:p>
             <a:r>
-              <a:rPr lang="es-ES" sz="1800" b="0" i="0" err="1">
-                <a:effectLst/>
-                <a:latin typeface="Menlo"/>
-              </a:rPr>
+              <a:rPr lang="es-ES" err="1"/>
               <a:t>clear</a:t>
             </a:r>
-            <a:endParaRPr lang="es-ES" sz="1800" b="0" i="0">
-              <a:effectLst/>
-              <a:latin typeface="Menlo"/>
+            <a:endParaRPr lang="en-US"/>
+          </a:p>
+          <a:p>
+            <a:r>
+              <a:rPr lang="es-ES"/>
+              <a:t>% Coeficientes de la función de transferencia en el dominio S</a:t>
+            </a:r>
+          </a:p>
+          <a:p>
+            <a:r>
+              <a:rPr lang="es-ES" err="1"/>
+              <a:t>num_s</a:t>
+            </a:r>
+            <a:r>
+              <a:rPr lang="es-ES"/>
+              <a:t> = [0.0625];</a:t>
+            </a:r>
+            <a:endParaRPr lang="es-ES">
+              <a:cs typeface="Calibri"/>
             </a:endParaRPr>
           </a:p>
           <a:p>
             <a:r>
-              <a:rPr lang="es-ES" sz="1800" b="0" i="0">
-                <a:solidFill>
-                  <a:srgbClr val="008013"/>
-                </a:solidFill>
-                <a:effectLst/>
-                <a:latin typeface="Menlo"/>
-              </a:rPr>
-              <a:t>% Coeficientes de la función de transferencia en el dominio S</a:t>
-            </a:r>
-            <a:endParaRPr lang="es-ES" sz="1800" b="0" i="0">
-              <a:effectLst/>
-              <a:latin typeface="Menlo"/>
+              <a:rPr lang="es-ES" err="1"/>
+              <a:t>den_s</a:t>
+            </a:r>
+            <a:r>
+              <a:rPr lang="es-ES"/>
+              <a:t> = [1, -1, 0.25];</a:t>
+            </a:r>
+          </a:p>
+          <a:p>
+            <a:r>
+              <a:rPr lang="es-ES"/>
+              <a:t>% Tiempo de muestreo</a:t>
+            </a:r>
+          </a:p>
+          <a:p>
+            <a:r>
+              <a:rPr lang="es-ES" err="1"/>
+              <a:t>Ts</a:t>
+            </a:r>
+            <a:r>
+              <a:rPr lang="es-ES"/>
+              <a:t> = 1; % Ajusta el tiempo de muestreo según tus necesidades</a:t>
+            </a:r>
+            <a:endParaRPr lang="es-ES">
+              <a:cs typeface="Calibri"/>
             </a:endParaRPr>
           </a:p>
           <a:p>
             <a:r>
-              <a:rPr lang="es-ES" sz="1800" b="0" i="0" err="1">
-                <a:effectLst/>
-                <a:latin typeface="Menlo"/>
-              </a:rPr>
+              <a:rPr lang="es-ES"/>
+              <a:t>% Convertir la función de transferencia al dominio Z</a:t>
+            </a:r>
+          </a:p>
+          <a:p>
+            <a:r>
+              <a:rPr lang="es-ES" err="1"/>
+              <a:t>sys_z</a:t>
+            </a:r>
+            <a:r>
+              <a:rPr lang="es-ES"/>
+              <a:t> = c2d(</a:t>
+            </a:r>
+            <a:r>
+              <a:rPr lang="es-ES" err="1"/>
+              <a:t>tf</a:t>
+            </a:r>
+            <a:r>
+              <a:rPr lang="es-ES"/>
+              <a:t>(</a:t>
+            </a:r>
+            <a:r>
+              <a:rPr lang="es-ES" err="1"/>
               <a:t>num_s</a:t>
             </a:r>
             <a:r>
-              <a:rPr lang="es-ES" sz="1800" b="0" i="0">
-                <a:effectLst/>
-                <a:latin typeface="Menlo"/>
-              </a:rPr>
-              <a:t> = [];</a:t>
-            </a:r>
-          </a:p>
-          <a:p>
-            <a:r>
-              <a:rPr lang="es-ES" sz="1800" b="0" i="0" err="1">
-                <a:effectLst/>
-                <a:latin typeface="Menlo"/>
-              </a:rPr>
+              <a:rPr lang="es-ES"/>
+              <a:t>, </a:t>
+            </a:r>
+            <a:r>
+              <a:rPr lang="es-ES" err="1"/>
               <a:t>den_s</a:t>
             </a:r>
             <a:r>
-              <a:rPr lang="es-ES" sz="1800" b="0" i="0">
-                <a:effectLst/>
-                <a:latin typeface="Menlo"/>
-              </a:rPr>
-              <a:t> = [];</a:t>
-            </a:r>
-          </a:p>
-          <a:p>
-            <a:br>
-              <a:rPr lang="es-ES" sz="1800" b="0" i="0">
-                <a:effectLst/>
-                <a:latin typeface="Menlo"/>
-              </a:rPr>
-            </a:br>
-            <a:endParaRPr lang="es-ES" sz="1800" b="0" i="0">
-              <a:effectLst/>
-              <a:latin typeface="Menlo"/>
-            </a:endParaRPr>
-          </a:p>
-          <a:p>
-            <a:r>
-              <a:rPr lang="es-ES" sz="1800" b="0" i="0">
-                <a:solidFill>
-                  <a:srgbClr val="008013"/>
-                </a:solidFill>
-                <a:effectLst/>
-                <a:latin typeface="Menlo"/>
-              </a:rPr>
-              <a:t>% Tiempo de muestreo</a:t>
-            </a:r>
-            <a:endParaRPr lang="es-ES" sz="1800" b="0" i="0">
-              <a:effectLst/>
-              <a:latin typeface="Menlo"/>
-            </a:endParaRPr>
-          </a:p>
-          <a:p>
-            <a:r>
-              <a:rPr lang="es-ES" sz="1800" b="0" i="0" err="1">
-                <a:effectLst/>
-                <a:latin typeface="Menlo"/>
-              </a:rPr>
+              <a:rPr lang="es-ES"/>
+              <a:t>), </a:t>
+            </a:r>
+            <a:r>
+              <a:rPr lang="es-ES" err="1"/>
               <a:t>Ts</a:t>
             </a:r>
             <a:r>
-              <a:rPr lang="es-ES" sz="1800" b="0" i="0">
-                <a:effectLst/>
-                <a:latin typeface="Menlo"/>
-              </a:rPr>
-              <a:t> = 1; </a:t>
-            </a:r>
-            <a:r>
-              <a:rPr lang="es-ES" sz="1800" b="0" i="0">
-                <a:solidFill>
-                  <a:srgbClr val="008013"/>
-                </a:solidFill>
-                <a:effectLst/>
-                <a:latin typeface="Menlo"/>
-              </a:rPr>
-              <a:t>% Ajusta el tiempo de muestreo según tus necesidades</a:t>
-            </a:r>
-            <a:endParaRPr lang="es-ES" sz="1800" b="0" i="0">
-              <a:effectLst/>
-              <a:latin typeface="Menlo"/>
-            </a:endParaRPr>
-          </a:p>
-          <a:p>
-            <a:br>
-              <a:rPr lang="es-ES" sz="1800" b="0" i="0">
-                <a:effectLst/>
-                <a:latin typeface="Menlo"/>
-              </a:rPr>
-            </a:br>
-            <a:endParaRPr lang="es-ES" sz="1800" b="0" i="0">
-              <a:effectLst/>
-              <a:latin typeface="Menlo"/>
-            </a:endParaRPr>
-          </a:p>
-          <a:p>
-            <a:r>
-              <a:rPr lang="es-ES" sz="1800" b="0" i="0">
-                <a:solidFill>
-                  <a:srgbClr val="008013"/>
-                </a:solidFill>
-                <a:effectLst/>
-                <a:latin typeface="Menlo"/>
-              </a:rPr>
-              <a:t>% Convertir la función de transferencia al dominio Z</a:t>
-            </a:r>
-            <a:endParaRPr lang="es-ES" sz="1800" b="0" i="0">
-              <a:effectLst/>
-              <a:latin typeface="Menlo"/>
-            </a:endParaRPr>
-          </a:p>
-          <a:p>
-            <a:r>
-              <a:rPr lang="es-ES" sz="1800" b="0" i="0" err="1">
-                <a:effectLst/>
-                <a:latin typeface="Menlo"/>
-              </a:rPr>
+              <a:rPr lang="es-ES"/>
+              <a:t>, '</a:t>
+            </a:r>
+            <a:r>
+              <a:rPr lang="es-ES" err="1"/>
+              <a:t>zoh</a:t>
+            </a:r>
+            <a:r>
+              <a:rPr lang="es-ES"/>
+              <a:t>')</a:t>
+            </a:r>
+          </a:p>
+          <a:p>
+            <a:r>
+              <a:rPr lang="es-ES"/>
+              <a:t>% Calcular la respuesta al escalón en el dominio Z</a:t>
+            </a:r>
+          </a:p>
+          <a:p>
+            <a:r>
+              <a:rPr lang="es-ES"/>
+              <a:t>n = 0:1:90; % Vector de tiempo discreto</a:t>
+            </a:r>
+          </a:p>
+          <a:p>
+            <a:r>
+              <a:rPr lang="es-ES"/>
+              <a:t>[y, n] = step(</a:t>
+            </a:r>
+            <a:r>
+              <a:rPr lang="es-ES" err="1"/>
               <a:t>sys_z</a:t>
             </a:r>
             <a:r>
-              <a:rPr lang="es-ES" sz="1800" b="0" i="0">
-                <a:effectLst/>
-                <a:latin typeface="Menlo"/>
-              </a:rPr>
-              <a:t> = c2d(</a:t>
-            </a:r>
-            <a:r>
-              <a:rPr lang="es-ES" sz="1800" b="0" i="0" err="1">
-                <a:effectLst/>
-                <a:latin typeface="Menlo"/>
-              </a:rPr>
-              <a:t>tf</a:t>
-            </a:r>
-            <a:r>
-              <a:rPr lang="es-ES" sz="1800" b="0" i="0">
-                <a:effectLst/>
-                <a:latin typeface="Menlo"/>
-              </a:rPr>
-              <a:t>(</a:t>
-            </a:r>
-            <a:r>
-              <a:rPr lang="es-ES" sz="1800" b="0" i="0" err="1">
-                <a:effectLst/>
-                <a:latin typeface="Menlo"/>
-              </a:rPr>
-              <a:t>num_s</a:t>
-            </a:r>
-            <a:r>
-              <a:rPr lang="es-ES" sz="1800" b="0" i="0">
-                <a:effectLst/>
-                <a:latin typeface="Menlo"/>
-              </a:rPr>
-              <a:t>, </a:t>
-            </a:r>
-            <a:r>
-              <a:rPr lang="es-ES" sz="1800" b="0" i="0" err="1">
-                <a:effectLst/>
-                <a:latin typeface="Menlo"/>
-              </a:rPr>
-              <a:t>den_s</a:t>
-            </a:r>
-            <a:r>
-              <a:rPr lang="es-ES" sz="1800" b="0" i="0">
-                <a:effectLst/>
-                <a:latin typeface="Menlo"/>
-              </a:rPr>
-              <a:t>), </a:t>
-            </a:r>
-            <a:r>
-              <a:rPr lang="es-ES" sz="1800" b="0" i="0" err="1">
-                <a:effectLst/>
-                <a:latin typeface="Menlo"/>
-              </a:rPr>
-              <a:t>Ts</a:t>
-            </a:r>
-            <a:r>
-              <a:rPr lang="es-ES" sz="1800" b="0" i="0">
-                <a:effectLst/>
-                <a:latin typeface="Menlo"/>
-              </a:rPr>
-              <a:t>, </a:t>
-            </a:r>
-            <a:r>
-              <a:rPr lang="es-ES" sz="1800" b="0" i="0">
-                <a:solidFill>
-                  <a:srgbClr val="A709F5"/>
-                </a:solidFill>
-                <a:effectLst/>
-                <a:latin typeface="Menlo"/>
-              </a:rPr>
-              <a:t>'</a:t>
-            </a:r>
-            <a:r>
-              <a:rPr lang="es-ES" sz="1800" b="0" i="0" err="1">
-                <a:solidFill>
-                  <a:srgbClr val="A709F5"/>
-                </a:solidFill>
-                <a:effectLst/>
-                <a:latin typeface="Menlo"/>
-              </a:rPr>
-              <a:t>zoh</a:t>
-            </a:r>
-            <a:r>
-              <a:rPr lang="es-ES" sz="1800" b="0" i="0">
-                <a:solidFill>
-                  <a:srgbClr val="A709F5"/>
-                </a:solidFill>
-                <a:effectLst/>
-                <a:latin typeface="Menlo"/>
-              </a:rPr>
-              <a:t>'</a:t>
-            </a:r>
-            <a:r>
-              <a:rPr lang="es-ES" sz="1800" b="0" i="0">
-                <a:effectLst/>
-                <a:latin typeface="Menlo"/>
-              </a:rPr>
-              <a:t>)</a:t>
-            </a:r>
-          </a:p>
-          <a:p>
-            <a:br>
-              <a:rPr lang="es-ES" sz="1800" b="0" i="0">
-                <a:effectLst/>
-                <a:latin typeface="Menlo"/>
-              </a:rPr>
-            </a:br>
-            <a:endParaRPr lang="es-ES" sz="1800" b="0" i="0">
-              <a:effectLst/>
-              <a:latin typeface="Menlo"/>
-            </a:endParaRPr>
-          </a:p>
-          <a:p>
-            <a:r>
-              <a:rPr lang="es-ES" sz="1800" b="0" i="0">
-                <a:solidFill>
-                  <a:srgbClr val="008013"/>
-                </a:solidFill>
-                <a:effectLst/>
-                <a:latin typeface="Menlo"/>
-              </a:rPr>
-              <a:t>% Calcular la respuesta al escalón en el dominio Z</a:t>
-            </a:r>
-            <a:endParaRPr lang="es-ES" sz="1800" b="0" i="0">
-              <a:effectLst/>
-              <a:latin typeface="Menlo"/>
-            </a:endParaRPr>
-          </a:p>
-          <a:p>
-            <a:r>
-              <a:rPr lang="es-ES" sz="1800" b="0" i="0">
-                <a:effectLst/>
-                <a:latin typeface="Menlo"/>
-              </a:rPr>
-              <a:t>n = 0:1:40; </a:t>
-            </a:r>
-            <a:r>
-              <a:rPr lang="es-ES" sz="1800" b="0" i="0">
-                <a:solidFill>
-                  <a:srgbClr val="008013"/>
-                </a:solidFill>
-                <a:effectLst/>
-                <a:latin typeface="Menlo"/>
-              </a:rPr>
-              <a:t>% Vector de tiempo discreto</a:t>
-            </a:r>
-            <a:endParaRPr lang="es-ES" sz="1800" b="0" i="0">
-              <a:effectLst/>
-              <a:latin typeface="Menlo"/>
-            </a:endParaRPr>
-          </a:p>
-          <a:p>
-            <a:r>
-              <a:rPr lang="es-ES" sz="1800" b="0" i="0">
-                <a:effectLst/>
-                <a:latin typeface="Menlo"/>
-              </a:rPr>
-              <a:t>[y, n] = step(</a:t>
-            </a:r>
-            <a:r>
-              <a:rPr lang="es-ES" sz="1800" b="0" i="0" err="1">
-                <a:effectLst/>
-                <a:latin typeface="Menlo"/>
-              </a:rPr>
-              <a:t>sys_z</a:t>
-            </a:r>
-            <a:r>
-              <a:rPr lang="es-ES" sz="1800" b="0" i="0">
-                <a:effectLst/>
-                <a:latin typeface="Menlo"/>
-              </a:rPr>
+              <a:rPr lang="es-ES"/>
               <a:t>, n);</a:t>
             </a:r>
           </a:p>
           <a:p>
             <a:r>
-              <a:rPr lang="es-ES" sz="1800" b="0" i="0">
-                <a:solidFill>
-                  <a:srgbClr val="008013"/>
-                </a:solidFill>
-                <a:effectLst/>
-                <a:latin typeface="Menlo"/>
-              </a:rPr>
-              <a:t>% Graficar la respuesta al escalón en el dominio Z</a:t>
-            </a:r>
-            <a:endParaRPr lang="es-ES" sz="1800" b="0" i="0">
-              <a:effectLst/>
-              <a:latin typeface="Menlo"/>
-            </a:endParaRPr>
-          </a:p>
-          <a:p>
-            <a:r>
-              <a:rPr lang="es-ES" sz="1800" b="0" i="0" err="1">
-                <a:effectLst/>
-                <a:latin typeface="Menlo"/>
-              </a:rPr>
+              <a:rPr lang="es-ES"/>
+              <a:t>% Graficar la respuesta al escalón en el dominio Z </a:t>
+            </a:r>
+          </a:p>
+          <a:p>
+            <a:r>
+              <a:rPr lang="es-ES" err="1"/>
               <a:t>stem</a:t>
             </a:r>
             <a:r>
-              <a:rPr lang="es-ES" sz="1800" b="0" i="0">
-                <a:effectLst/>
-                <a:latin typeface="Menlo"/>
-              </a:rPr>
-              <a:t>(n, y, </a:t>
-            </a:r>
-            <a:r>
-              <a:rPr lang="es-ES" sz="1800" b="0" i="0">
-                <a:solidFill>
-                  <a:srgbClr val="A709F5"/>
-                </a:solidFill>
-                <a:effectLst/>
-                <a:latin typeface="Menlo"/>
-              </a:rPr>
-              <a:t>'b'</a:t>
-            </a:r>
-            <a:r>
-              <a:rPr lang="es-ES" sz="1800" b="0" i="0">
-                <a:effectLst/>
-                <a:latin typeface="Menlo"/>
-              </a:rPr>
-              <a:t>, </a:t>
-            </a:r>
-            <a:r>
-              <a:rPr lang="es-ES" sz="1800" b="0" i="0">
-                <a:solidFill>
-                  <a:srgbClr val="A709F5"/>
-                </a:solidFill>
-                <a:effectLst/>
-                <a:latin typeface="Menlo"/>
-              </a:rPr>
-              <a:t>'</a:t>
-            </a:r>
-            <a:r>
-              <a:rPr lang="es-ES" sz="1800" b="0" i="0" err="1">
-                <a:solidFill>
-                  <a:srgbClr val="A709F5"/>
-                </a:solidFill>
-                <a:effectLst/>
-                <a:latin typeface="Menlo"/>
-              </a:rPr>
+              <a:rPr lang="es-ES"/>
+              <a:t>(n, y, 'b', '</a:t>
+            </a:r>
+            <a:r>
+              <a:rPr lang="es-ES" err="1"/>
               <a:t>filled</a:t>
             </a:r>
             <a:r>
-              <a:rPr lang="es-ES" sz="1800" b="0" i="0">
-                <a:solidFill>
-                  <a:srgbClr val="A709F5"/>
-                </a:solidFill>
-                <a:effectLst/>
-                <a:latin typeface="Menlo"/>
-              </a:rPr>
-              <a:t>'</a:t>
-            </a:r>
-            <a:r>
-              <a:rPr lang="es-ES" sz="1800" b="0" i="0">
-                <a:effectLst/>
-                <a:latin typeface="Menlo"/>
-              </a:rPr>
-              <a:t>);</a:t>
-            </a:r>
-          </a:p>
-          <a:p>
-            <a:r>
-              <a:rPr lang="es-ES" sz="1800" b="0" i="0" err="1">
-                <a:effectLst/>
-                <a:latin typeface="Menlo"/>
-              </a:rPr>
+              <a:rPr lang="es-ES"/>
+              <a:t>');</a:t>
+            </a:r>
+          </a:p>
+          <a:p>
+            <a:r>
+              <a:rPr lang="es-ES" err="1"/>
               <a:t>xlabel</a:t>
             </a:r>
             <a:r>
-              <a:rPr lang="es-ES" sz="1800" b="0" i="0">
-                <a:effectLst/>
-                <a:latin typeface="Menlo"/>
-              </a:rPr>
-              <a:t>(</a:t>
-            </a:r>
-            <a:r>
-              <a:rPr lang="es-ES" sz="1800" b="0" i="0">
-                <a:solidFill>
-                  <a:srgbClr val="A709F5"/>
-                </a:solidFill>
-                <a:effectLst/>
-                <a:latin typeface="Menlo"/>
-              </a:rPr>
-              <a:t>'Muestras (n)'</a:t>
-            </a:r>
-            <a:r>
-              <a:rPr lang="es-ES" sz="1800" b="0" i="0">
-                <a:effectLst/>
-                <a:latin typeface="Menlo"/>
-              </a:rPr>
-              <a:t>);</a:t>
-            </a:r>
-          </a:p>
-          <a:p>
-            <a:r>
-              <a:rPr lang="es-ES" sz="1800" b="0" i="0" err="1">
-                <a:effectLst/>
-                <a:latin typeface="Menlo"/>
-              </a:rPr>
+              <a:rPr lang="es-ES"/>
+              <a:t>('Muestras (n)');</a:t>
+            </a:r>
+          </a:p>
+          <a:p>
+            <a:r>
+              <a:rPr lang="es-ES" err="1"/>
               <a:t>ylabel</a:t>
             </a:r>
             <a:r>
-              <a:rPr lang="es-ES" sz="1800" b="0" i="0">
-                <a:effectLst/>
-                <a:latin typeface="Menlo"/>
-              </a:rPr>
-              <a:t>(</a:t>
-            </a:r>
-            <a:r>
-              <a:rPr lang="es-ES" sz="1800" b="0" i="0">
-                <a:solidFill>
-                  <a:srgbClr val="A709F5"/>
-                </a:solidFill>
-                <a:effectLst/>
-                <a:latin typeface="Menlo"/>
-              </a:rPr>
-              <a:t>'Respuesta al escalón'</a:t>
-            </a:r>
-            <a:r>
-              <a:rPr lang="es-ES" sz="1800" b="0" i="0">
-                <a:effectLst/>
-                <a:latin typeface="Menlo"/>
-              </a:rPr>
-              <a:t>);</a:t>
-            </a:r>
-          </a:p>
-          <a:p>
-            <a:r>
-              <a:rPr lang="es-ES" sz="1800" b="0" i="0" err="1">
-                <a:effectLst/>
-                <a:latin typeface="Menlo"/>
-              </a:rPr>
+              <a:rPr lang="es-ES"/>
+              <a:t>('Respuesta al escalón');</a:t>
+            </a:r>
+          </a:p>
+          <a:p>
+            <a:r>
+              <a:rPr lang="es-ES" err="1"/>
               <a:t>title</a:t>
             </a:r>
             <a:r>
-              <a:rPr lang="es-ES" sz="1800" b="0" i="0">
-                <a:effectLst/>
-                <a:latin typeface="Menlo"/>
-              </a:rPr>
-              <a:t>(</a:t>
-            </a:r>
-            <a:r>
-              <a:rPr lang="es-ES" sz="1800" b="0" i="0">
-                <a:solidFill>
-                  <a:srgbClr val="A709F5"/>
-                </a:solidFill>
-                <a:effectLst/>
-                <a:latin typeface="Menlo"/>
-              </a:rPr>
-              <a:t>'Respuesta al escalón en el dominio Z'</a:t>
-            </a:r>
-            <a:r>
-              <a:rPr lang="es-ES" sz="1800" b="0" i="0">
-                <a:effectLst/>
-                <a:latin typeface="Menlo"/>
-              </a:rPr>
-              <a:t>);</a:t>
-            </a:r>
-          </a:p>
-          <a:p>
-            <a:r>
-              <a:rPr lang="es-ES" sz="1800" b="0" i="0" err="1">
-                <a:effectLst/>
-                <a:latin typeface="Menlo"/>
-              </a:rPr>
+              <a:rPr lang="es-ES"/>
+              <a:t>('Respuesta al escalón en el dominio Z');</a:t>
+            </a:r>
+          </a:p>
+          <a:p>
+            <a:r>
+              <a:rPr lang="es-ES" err="1"/>
               <a:t>grid</a:t>
             </a:r>
             <a:r>
-              <a:rPr lang="es-ES" sz="1800" b="0" i="0">
-                <a:effectLst/>
-                <a:latin typeface="Menlo"/>
-              </a:rPr>
+              <a:rPr lang="es-ES"/>
               <a:t> </a:t>
             </a:r>
             <a:r>
-              <a:rPr lang="es-ES" sz="1800" b="0" i="0" err="1">
-                <a:solidFill>
-                  <a:srgbClr val="A709F5"/>
-                </a:solidFill>
-                <a:effectLst/>
-                <a:latin typeface="Menlo"/>
-              </a:rPr>
+              <a:rPr lang="es-ES" err="1"/>
               <a:t>on</a:t>
             </a:r>
             <a:r>
-              <a:rPr lang="es-ES" sz="1800" b="0" i="0">
-                <a:effectLst/>
-                <a:latin typeface="Menlo"/>
-              </a:rPr>
+              <a:rPr lang="es-ES"/>
               <a:t>;</a:t>
             </a:r>
           </a:p>
           <a:p>
-            <a:br>
-              <a:rPr lang="es-ES" sz="1800" b="0" i="0">
-                <a:effectLst/>
-                <a:latin typeface="Menlo"/>
-              </a:rPr>
-            </a:br>
             <a:endParaRPr lang="es-ES" sz="1800" b="0" i="0">
               <a:effectLst/>
               <a:latin typeface="Menlo"/>
@@ -1907,7 +1793,683 @@
     </p:spTree>
     <p:extLst>
       <p:ext uri="{BB962C8B-B14F-4D97-AF65-F5344CB8AC3E}">
-        <p14:creationId xmlns:p14="http://schemas.microsoft.com/office/powerpoint/2010/main" val="3603369197"/>
+        <p14:creationId xmlns:p14="http://schemas.microsoft.com/office/powerpoint/2010/main" val="1316969125"/>
+      </p:ext>
+    </p:extLst>
+  </p:cSld>
+  <p:clrMapOvr>
+    <a:masterClrMapping/>
+  </p:clrMapOvr>
+</p:notes>
+</file>
+
+<file path=ppt/notesSlides/notesSlide11.xml><?xml version="1.0" encoding="utf-8"?>
+<p:notes xmlns:a="http://schemas.openxmlformats.org/drawingml/2006/main" xmlns:r="http://schemas.openxmlformats.org/officeDocument/2006/relationships" xmlns:p="http://schemas.openxmlformats.org/presentationml/2006/main">
+  <p:cSld>
+    <p:spTree>
+      <p:nvGrpSpPr>
+        <p:cNvPr id="1" name="">
+          <a:extLst>
+            <a:ext uri="{FF2B5EF4-FFF2-40B4-BE49-F238E27FC236}">
+              <a16:creationId xmlns:a16="http://schemas.microsoft.com/office/drawing/2014/main" id="{8FDC5BFE-A35A-D017-9B02-9BB6FC9CB86C}"/>
+            </a:ext>
+          </a:extLst>
+        </p:cNvPr>
+        <p:cNvGrpSpPr/>
+        <p:nvPr/>
+      </p:nvGrpSpPr>
+      <p:grpSpPr>
+        <a:xfrm>
+          <a:off x="0" y="0"/>
+          <a:ext cx="0" cy="0"/>
+          <a:chOff x="0" y="0"/>
+          <a:chExt cx="0" cy="0"/>
+        </a:xfrm>
+      </p:grpSpPr>
+      <p:sp>
+        <p:nvSpPr>
+          <p:cNvPr id="2" name="Marcador de imagen de diapositiva 1">
+            <a:extLst>
+              <a:ext uri="{FF2B5EF4-FFF2-40B4-BE49-F238E27FC236}">
+                <a16:creationId xmlns:a16="http://schemas.microsoft.com/office/drawing/2014/main" id="{02494CEB-3FDF-69F3-4826-C0D77BD9A660}"/>
+              </a:ext>
+            </a:extLst>
+          </p:cNvPr>
+          <p:cNvSpPr>
+            <a:spLocks noGrp="1" noRot="1" noChangeAspect="1"/>
+          </p:cNvSpPr>
+          <p:nvPr>
+            <p:ph type="sldImg"/>
+          </p:nvPr>
+        </p:nvSpPr>
+        <p:spPr/>
+      </p:sp>
+      <p:sp>
+        <p:nvSpPr>
+          <p:cNvPr id="3" name="Marcador de notas 2">
+            <a:extLst>
+              <a:ext uri="{FF2B5EF4-FFF2-40B4-BE49-F238E27FC236}">
+                <a16:creationId xmlns:a16="http://schemas.microsoft.com/office/drawing/2014/main" id="{2042E226-6891-6980-C483-0C6D4DEA949C}"/>
+              </a:ext>
+            </a:extLst>
+          </p:cNvPr>
+          <p:cNvSpPr>
+            <a:spLocks noGrp="1"/>
+          </p:cNvSpPr>
+          <p:nvPr>
+            <p:ph type="body" idx="1"/>
+          </p:nvPr>
+        </p:nvSpPr>
+        <p:spPr/>
+        <p:txBody>
+          <a:bodyPr>
+            <a:normAutofit fontScale="55000" lnSpcReduction="20000"/>
+          </a:bodyPr>
+          <a:lstStyle/>
+          <a:p>
+            <a:r>
+              <a:rPr lang="es-ES" sz="1800" b="0" i="0" dirty="0" err="1">
+                <a:effectLst/>
+                <a:latin typeface="Menlo"/>
+              </a:rPr>
+              <a:t>clear</a:t>
+            </a:r>
+            <a:endParaRPr lang="es-ES" sz="1800" b="0" i="0" dirty="0">
+              <a:effectLst/>
+              <a:latin typeface="Menlo"/>
+            </a:endParaRPr>
+          </a:p>
+          <a:p>
+            <a:r>
+              <a:rPr lang="es-ES" sz="1800" b="0" i="0" dirty="0">
+                <a:solidFill>
+                  <a:srgbClr val="008013"/>
+                </a:solidFill>
+                <a:effectLst/>
+                <a:latin typeface="Menlo"/>
+              </a:rPr>
+              <a:t>% Coeficientes de la función de transferencia en el dominio S</a:t>
+            </a:r>
+            <a:endParaRPr lang="es-ES" sz="1800" b="0" i="0" dirty="0">
+              <a:effectLst/>
+              <a:latin typeface="Menlo"/>
+            </a:endParaRPr>
+          </a:p>
+          <a:p>
+            <a:r>
+              <a:rPr lang="es-ES" sz="1800" b="0" i="0" dirty="0" err="1">
+                <a:effectLst/>
+                <a:latin typeface="Menlo"/>
+              </a:rPr>
+              <a:t>num_s</a:t>
+            </a:r>
+            <a:r>
+              <a:rPr lang="es-ES" sz="1800" b="0" i="0" dirty="0">
+                <a:effectLst/>
+                <a:latin typeface="Menlo"/>
+              </a:rPr>
+              <a:t> = [];</a:t>
+            </a:r>
+          </a:p>
+          <a:p>
+            <a:r>
+              <a:rPr lang="es-ES" sz="1800" b="0" i="0" dirty="0" err="1">
+                <a:effectLst/>
+                <a:latin typeface="Menlo"/>
+              </a:rPr>
+              <a:t>den_s</a:t>
+            </a:r>
+            <a:r>
+              <a:rPr lang="es-ES" sz="1800" b="0" i="0" dirty="0">
+                <a:effectLst/>
+                <a:latin typeface="Menlo"/>
+              </a:rPr>
+              <a:t> = [];</a:t>
+            </a:r>
+          </a:p>
+          <a:p>
+            <a:br>
+              <a:rPr lang="es-ES" sz="1800" b="0" i="0" dirty="0">
+                <a:effectLst/>
+                <a:latin typeface="Menlo"/>
+              </a:rPr>
+            </a:br>
+            <a:endParaRPr lang="es-ES" sz="1800" b="0" i="0" dirty="0">
+              <a:effectLst/>
+              <a:latin typeface="Menlo"/>
+            </a:endParaRPr>
+          </a:p>
+          <a:p>
+            <a:r>
+              <a:rPr lang="es-ES" sz="1800" b="0" i="0" dirty="0">
+                <a:solidFill>
+                  <a:srgbClr val="008013"/>
+                </a:solidFill>
+                <a:effectLst/>
+                <a:latin typeface="Menlo"/>
+              </a:rPr>
+              <a:t>% Tiempo de muestreo</a:t>
+            </a:r>
+            <a:endParaRPr lang="es-ES" sz="1800" b="0" i="0" dirty="0">
+              <a:effectLst/>
+              <a:latin typeface="Menlo"/>
+            </a:endParaRPr>
+          </a:p>
+          <a:p>
+            <a:r>
+              <a:rPr lang="es-ES" sz="1800" b="0" i="0" dirty="0" err="1">
+                <a:effectLst/>
+                <a:latin typeface="Menlo"/>
+              </a:rPr>
+              <a:t>Ts</a:t>
+            </a:r>
+            <a:r>
+              <a:rPr lang="es-ES" sz="1800" b="0" i="0" dirty="0">
+                <a:effectLst/>
+                <a:latin typeface="Menlo"/>
+              </a:rPr>
+              <a:t> = 1; </a:t>
+            </a:r>
+            <a:r>
+              <a:rPr lang="es-ES" sz="1800" b="0" i="0" dirty="0">
+                <a:solidFill>
+                  <a:srgbClr val="008013"/>
+                </a:solidFill>
+                <a:effectLst/>
+                <a:latin typeface="Menlo"/>
+              </a:rPr>
+              <a:t>% Ajusta el tiempo de muestreo según tus necesidades</a:t>
+            </a:r>
+            <a:endParaRPr lang="es-ES" sz="1800" b="0" i="0" dirty="0">
+              <a:effectLst/>
+              <a:latin typeface="Menlo"/>
+            </a:endParaRPr>
+          </a:p>
+          <a:p>
+            <a:br>
+              <a:rPr lang="es-ES" sz="1800" b="0" i="0" dirty="0">
+                <a:effectLst/>
+                <a:latin typeface="Menlo"/>
+              </a:rPr>
+            </a:br>
+            <a:endParaRPr lang="es-ES" sz="1800" b="0" i="0" dirty="0">
+              <a:effectLst/>
+              <a:latin typeface="Menlo"/>
+            </a:endParaRPr>
+          </a:p>
+          <a:p>
+            <a:r>
+              <a:rPr lang="es-ES" sz="1800" b="0" i="0" dirty="0">
+                <a:solidFill>
+                  <a:srgbClr val="008013"/>
+                </a:solidFill>
+                <a:effectLst/>
+                <a:latin typeface="Menlo"/>
+              </a:rPr>
+              <a:t>% Convertir la función de transferencia al dominio Z</a:t>
+            </a:r>
+            <a:endParaRPr lang="es-ES" sz="1800" b="0" i="0" dirty="0">
+              <a:effectLst/>
+              <a:latin typeface="Menlo"/>
+            </a:endParaRPr>
+          </a:p>
+          <a:p>
+            <a:r>
+              <a:rPr lang="es-ES" sz="1800" b="0" i="0" dirty="0" err="1">
+                <a:effectLst/>
+                <a:latin typeface="Menlo"/>
+              </a:rPr>
+              <a:t>sys_z</a:t>
+            </a:r>
+            <a:r>
+              <a:rPr lang="es-ES" sz="1800" b="0" i="0" dirty="0">
+                <a:effectLst/>
+                <a:latin typeface="Menlo"/>
+              </a:rPr>
+              <a:t> = c2d(</a:t>
+            </a:r>
+            <a:r>
+              <a:rPr lang="es-ES" sz="1800" b="0" i="0" dirty="0" err="1">
+                <a:effectLst/>
+                <a:latin typeface="Menlo"/>
+              </a:rPr>
+              <a:t>tf</a:t>
+            </a:r>
+            <a:r>
+              <a:rPr lang="es-ES" sz="1800" b="0" i="0" dirty="0">
+                <a:effectLst/>
+                <a:latin typeface="Menlo"/>
+              </a:rPr>
+              <a:t>(</a:t>
+            </a:r>
+            <a:r>
+              <a:rPr lang="es-ES" sz="1800" b="0" i="0" dirty="0" err="1">
+                <a:effectLst/>
+                <a:latin typeface="Menlo"/>
+              </a:rPr>
+              <a:t>num_s</a:t>
+            </a:r>
+            <a:r>
+              <a:rPr lang="es-ES" sz="1800" b="0" i="0" dirty="0">
+                <a:effectLst/>
+                <a:latin typeface="Menlo"/>
+              </a:rPr>
+              <a:t>, </a:t>
+            </a:r>
+            <a:r>
+              <a:rPr lang="es-ES" sz="1800" b="0" i="0" dirty="0" err="1">
+                <a:effectLst/>
+                <a:latin typeface="Menlo"/>
+              </a:rPr>
+              <a:t>den_s</a:t>
+            </a:r>
+            <a:r>
+              <a:rPr lang="es-ES" sz="1800" b="0" i="0" dirty="0">
+                <a:effectLst/>
+                <a:latin typeface="Menlo"/>
+              </a:rPr>
+              <a:t>), </a:t>
+            </a:r>
+            <a:r>
+              <a:rPr lang="es-ES" sz="1800" b="0" i="0" dirty="0" err="1">
+                <a:effectLst/>
+                <a:latin typeface="Menlo"/>
+              </a:rPr>
+              <a:t>Ts</a:t>
+            </a:r>
+            <a:r>
+              <a:rPr lang="es-ES" sz="1800" b="0" i="0" dirty="0">
+                <a:effectLst/>
+                <a:latin typeface="Menlo"/>
+              </a:rPr>
+              <a:t>, </a:t>
+            </a:r>
+            <a:r>
+              <a:rPr lang="es-ES" sz="1800" b="0" i="0" dirty="0">
+                <a:solidFill>
+                  <a:srgbClr val="A709F5"/>
+                </a:solidFill>
+                <a:effectLst/>
+                <a:latin typeface="Menlo"/>
+              </a:rPr>
+              <a:t>'</a:t>
+            </a:r>
+            <a:r>
+              <a:rPr lang="es-ES" sz="1800" b="0" i="0" dirty="0" err="1">
+                <a:solidFill>
+                  <a:srgbClr val="A709F5"/>
+                </a:solidFill>
+                <a:effectLst/>
+                <a:latin typeface="Menlo"/>
+              </a:rPr>
+              <a:t>zoh</a:t>
+            </a:r>
+            <a:r>
+              <a:rPr lang="es-ES" sz="1800" b="0" i="0" dirty="0">
+                <a:solidFill>
+                  <a:srgbClr val="A709F5"/>
+                </a:solidFill>
+                <a:effectLst/>
+                <a:latin typeface="Menlo"/>
+              </a:rPr>
+              <a:t>'</a:t>
+            </a:r>
+            <a:r>
+              <a:rPr lang="es-ES" sz="1800" b="0" i="0" dirty="0">
+                <a:effectLst/>
+                <a:latin typeface="Menlo"/>
+              </a:rPr>
+              <a:t>)</a:t>
+            </a:r>
+          </a:p>
+          <a:p>
+            <a:br>
+              <a:rPr lang="es-ES" sz="1800" b="0" i="0" dirty="0">
+                <a:effectLst/>
+                <a:latin typeface="Menlo"/>
+              </a:rPr>
+            </a:br>
+            <a:endParaRPr lang="es-ES" sz="1800" b="0" i="0" dirty="0">
+              <a:effectLst/>
+              <a:latin typeface="Menlo"/>
+            </a:endParaRPr>
+          </a:p>
+          <a:p>
+            <a:r>
+              <a:rPr lang="es-ES" sz="1800" b="0" i="0" dirty="0">
+                <a:solidFill>
+                  <a:srgbClr val="008013"/>
+                </a:solidFill>
+                <a:effectLst/>
+                <a:latin typeface="Menlo"/>
+              </a:rPr>
+              <a:t>% Calcular la respuesta al escalón en el dominio Z</a:t>
+            </a:r>
+            <a:endParaRPr lang="es-ES" sz="1800" b="0" i="0" dirty="0">
+              <a:effectLst/>
+              <a:latin typeface="Menlo"/>
+            </a:endParaRPr>
+          </a:p>
+          <a:p>
+            <a:r>
+              <a:rPr lang="es-ES" sz="1800" b="0" i="0" dirty="0">
+                <a:effectLst/>
+                <a:latin typeface="Menlo"/>
+              </a:rPr>
+              <a:t>n = 0:1:40; </a:t>
+            </a:r>
+            <a:r>
+              <a:rPr lang="es-ES" sz="1800" b="0" i="0" dirty="0">
+                <a:solidFill>
+                  <a:srgbClr val="008013"/>
+                </a:solidFill>
+                <a:effectLst/>
+                <a:latin typeface="Menlo"/>
+              </a:rPr>
+              <a:t>% Vector de tiempo discreto</a:t>
+            </a:r>
+            <a:endParaRPr lang="es-ES" sz="1800" b="0" i="0" dirty="0">
+              <a:effectLst/>
+              <a:latin typeface="Menlo"/>
+            </a:endParaRPr>
+          </a:p>
+          <a:p>
+            <a:r>
+              <a:rPr lang="es-ES" sz="1800" b="0" i="0" dirty="0">
+                <a:effectLst/>
+                <a:latin typeface="Menlo"/>
+              </a:rPr>
+              <a:t>[y, n] = step(</a:t>
+            </a:r>
+            <a:r>
+              <a:rPr lang="es-ES" sz="1800" b="0" i="0" dirty="0" err="1">
+                <a:effectLst/>
+                <a:latin typeface="Menlo"/>
+              </a:rPr>
+              <a:t>sys_z</a:t>
+            </a:r>
+            <a:r>
+              <a:rPr lang="es-ES" sz="1800" b="0" i="0" dirty="0">
+                <a:effectLst/>
+                <a:latin typeface="Menlo"/>
+              </a:rPr>
+              <a:t>, n);</a:t>
+            </a:r>
+          </a:p>
+          <a:p>
+            <a:r>
+              <a:rPr lang="es-ES" sz="1800" b="0" i="0" dirty="0">
+                <a:solidFill>
+                  <a:srgbClr val="008013"/>
+                </a:solidFill>
+                <a:effectLst/>
+                <a:latin typeface="Menlo"/>
+              </a:rPr>
+              <a:t>% Graficar la respuesta al escalón en el dominio Z</a:t>
+            </a:r>
+            <a:endParaRPr lang="es-ES" sz="1800" b="0" i="0" dirty="0">
+              <a:effectLst/>
+              <a:latin typeface="Menlo"/>
+            </a:endParaRPr>
+          </a:p>
+          <a:p>
+            <a:r>
+              <a:rPr lang="es-ES" sz="1800" b="0" i="0" dirty="0" err="1">
+                <a:effectLst/>
+                <a:latin typeface="Menlo"/>
+              </a:rPr>
+              <a:t>stem</a:t>
+            </a:r>
+            <a:r>
+              <a:rPr lang="es-ES" sz="1800" b="0" i="0" dirty="0">
+                <a:effectLst/>
+                <a:latin typeface="Menlo"/>
+              </a:rPr>
+              <a:t>(n, y, </a:t>
+            </a:r>
+            <a:r>
+              <a:rPr lang="es-ES" sz="1800" b="0" i="0" dirty="0">
+                <a:solidFill>
+                  <a:srgbClr val="A709F5"/>
+                </a:solidFill>
+                <a:effectLst/>
+                <a:latin typeface="Menlo"/>
+              </a:rPr>
+              <a:t>'b'</a:t>
+            </a:r>
+            <a:r>
+              <a:rPr lang="es-ES" sz="1800" b="0" i="0" dirty="0">
+                <a:effectLst/>
+                <a:latin typeface="Menlo"/>
+              </a:rPr>
+              <a:t>, </a:t>
+            </a:r>
+            <a:r>
+              <a:rPr lang="es-ES" sz="1800" b="0" i="0" dirty="0">
+                <a:solidFill>
+                  <a:srgbClr val="A709F5"/>
+                </a:solidFill>
+                <a:effectLst/>
+                <a:latin typeface="Menlo"/>
+              </a:rPr>
+              <a:t>'</a:t>
+            </a:r>
+            <a:r>
+              <a:rPr lang="es-ES" sz="1800" b="0" i="0" dirty="0" err="1">
+                <a:solidFill>
+                  <a:srgbClr val="A709F5"/>
+                </a:solidFill>
+                <a:effectLst/>
+                <a:latin typeface="Menlo"/>
+              </a:rPr>
+              <a:t>filled</a:t>
+            </a:r>
+            <a:r>
+              <a:rPr lang="es-ES" sz="1800" b="0" i="0" dirty="0">
+                <a:solidFill>
+                  <a:srgbClr val="A709F5"/>
+                </a:solidFill>
+                <a:effectLst/>
+                <a:latin typeface="Menlo"/>
+              </a:rPr>
+              <a:t>'</a:t>
+            </a:r>
+            <a:r>
+              <a:rPr lang="es-ES" sz="1800" b="0" i="0" dirty="0">
+                <a:effectLst/>
+                <a:latin typeface="Menlo"/>
+              </a:rPr>
+              <a:t>);</a:t>
+            </a:r>
+          </a:p>
+          <a:p>
+            <a:r>
+              <a:rPr lang="es-ES" sz="1800" b="0" i="0" dirty="0" err="1">
+                <a:effectLst/>
+                <a:latin typeface="Menlo"/>
+              </a:rPr>
+              <a:t>xlabel</a:t>
+            </a:r>
+            <a:r>
+              <a:rPr lang="es-ES" sz="1800" b="0" i="0" dirty="0">
+                <a:effectLst/>
+                <a:latin typeface="Menlo"/>
+              </a:rPr>
+              <a:t>(</a:t>
+            </a:r>
+            <a:r>
+              <a:rPr lang="es-ES" sz="1800" b="0" i="0" dirty="0">
+                <a:solidFill>
+                  <a:srgbClr val="A709F5"/>
+                </a:solidFill>
+                <a:effectLst/>
+                <a:latin typeface="Menlo"/>
+              </a:rPr>
+              <a:t>'Muestras (n)'</a:t>
+            </a:r>
+            <a:r>
+              <a:rPr lang="es-ES" sz="1800" b="0" i="0" dirty="0">
+                <a:effectLst/>
+                <a:latin typeface="Menlo"/>
+              </a:rPr>
+              <a:t>);</a:t>
+            </a:r>
+          </a:p>
+          <a:p>
+            <a:r>
+              <a:rPr lang="es-ES" sz="1800" b="0" i="0" dirty="0" err="1">
+                <a:effectLst/>
+                <a:latin typeface="Menlo"/>
+              </a:rPr>
+              <a:t>ylabel</a:t>
+            </a:r>
+            <a:r>
+              <a:rPr lang="es-ES" sz="1800" b="0" i="0" dirty="0">
+                <a:effectLst/>
+                <a:latin typeface="Menlo"/>
+              </a:rPr>
+              <a:t>(</a:t>
+            </a:r>
+            <a:r>
+              <a:rPr lang="es-ES" sz="1800" b="0" i="0" dirty="0">
+                <a:solidFill>
+                  <a:srgbClr val="A709F5"/>
+                </a:solidFill>
+                <a:effectLst/>
+                <a:latin typeface="Menlo"/>
+              </a:rPr>
+              <a:t>'Respuesta al escalón'</a:t>
+            </a:r>
+            <a:r>
+              <a:rPr lang="es-ES" sz="1800" b="0" i="0" dirty="0">
+                <a:effectLst/>
+                <a:latin typeface="Menlo"/>
+              </a:rPr>
+              <a:t>);</a:t>
+            </a:r>
+          </a:p>
+          <a:p>
+            <a:r>
+              <a:rPr lang="es-ES" sz="1800" b="0" i="0" dirty="0" err="1">
+                <a:effectLst/>
+                <a:latin typeface="Menlo"/>
+              </a:rPr>
+              <a:t>title</a:t>
+            </a:r>
+            <a:r>
+              <a:rPr lang="es-ES" sz="1800" b="0" i="0" dirty="0">
+                <a:effectLst/>
+                <a:latin typeface="Menlo"/>
+              </a:rPr>
+              <a:t>(</a:t>
+            </a:r>
+            <a:r>
+              <a:rPr lang="es-ES" sz="1800" b="0" i="0" dirty="0">
+                <a:solidFill>
+                  <a:srgbClr val="A709F5"/>
+                </a:solidFill>
+                <a:effectLst/>
+                <a:latin typeface="Menlo"/>
+              </a:rPr>
+              <a:t>'Respuesta al escalón en el dominio Z'</a:t>
+            </a:r>
+            <a:r>
+              <a:rPr lang="es-ES" sz="1800" b="0" i="0" dirty="0">
+                <a:effectLst/>
+                <a:latin typeface="Menlo"/>
+              </a:rPr>
+              <a:t>);</a:t>
+            </a:r>
+          </a:p>
+          <a:p>
+            <a:r>
+              <a:rPr lang="es-ES" sz="1800" b="0" i="0" dirty="0" err="1">
+                <a:effectLst/>
+                <a:latin typeface="Menlo"/>
+              </a:rPr>
+              <a:t>grid</a:t>
+            </a:r>
+            <a:r>
+              <a:rPr lang="es-ES" sz="1800" b="0" i="0" dirty="0">
+                <a:effectLst/>
+                <a:latin typeface="Menlo"/>
+              </a:rPr>
+              <a:t> </a:t>
+            </a:r>
+            <a:r>
+              <a:rPr lang="es-ES" sz="1800" b="0" i="0" dirty="0" err="1">
+                <a:solidFill>
+                  <a:srgbClr val="A709F5"/>
+                </a:solidFill>
+                <a:effectLst/>
+                <a:latin typeface="Menlo"/>
+              </a:rPr>
+              <a:t>on</a:t>
+            </a:r>
+            <a:r>
+              <a:rPr lang="es-ES" sz="1800" b="0" i="0" dirty="0">
+                <a:effectLst/>
+                <a:latin typeface="Menlo"/>
+              </a:rPr>
+              <a:t>;</a:t>
+            </a:r>
+          </a:p>
+          <a:p>
+            <a:br>
+              <a:rPr lang="es-ES" sz="1800" b="0" i="0" dirty="0">
+                <a:effectLst/>
+                <a:latin typeface="Menlo"/>
+              </a:rPr>
+            </a:br>
+            <a:endParaRPr lang="es-ES" sz="1800" b="0" i="0" dirty="0">
+              <a:effectLst/>
+              <a:latin typeface="Menlo"/>
+            </a:endParaRPr>
+          </a:p>
+          <a:p>
+            <a:endParaRPr lang="en-US" dirty="0"/>
+          </a:p>
+        </p:txBody>
+      </p:sp>
+      <p:sp>
+        <p:nvSpPr>
+          <p:cNvPr id="4" name="Marcador de número de diapositiva 3">
+            <a:extLst>
+              <a:ext uri="{FF2B5EF4-FFF2-40B4-BE49-F238E27FC236}">
+                <a16:creationId xmlns:a16="http://schemas.microsoft.com/office/drawing/2014/main" id="{49529553-A034-69B6-1FA8-1ED856F0D1DC}"/>
+              </a:ext>
+            </a:extLst>
+          </p:cNvPr>
+          <p:cNvSpPr>
+            <a:spLocks noGrp="1"/>
+          </p:cNvSpPr>
+          <p:nvPr>
+            <p:ph type="sldNum" sz="quarter" idx="5"/>
+          </p:nvPr>
+        </p:nvSpPr>
+        <p:spPr/>
+        <p:txBody>
+          <a:bodyPr/>
+          <a:lstStyle/>
+          <a:p>
+            <a:pPr>
+              <a:defRPr/>
+            </a:pPr>
+            <a:fld id="{2D1E0FDF-8C6F-43B4-8722-700C06D0C414}" type="slidenum">
+              <a:rPr lang="es-CO" altLang="es-CO" smtClean="0"/>
+              <a:pPr>
+                <a:defRPr/>
+              </a:pPr>
+              <a:t>17</a:t>
+            </a:fld>
+            <a:endParaRPr lang="es-CO" altLang="es-CO"/>
+          </a:p>
+        </p:txBody>
+      </p:sp>
+    </p:spTree>
+    <p:extLst>
+      <p:ext uri="{BB962C8B-B14F-4D97-AF65-F5344CB8AC3E}">
+        <p14:creationId xmlns:p14="http://schemas.microsoft.com/office/powerpoint/2010/main" val="3583658690"/>
       </p:ext>
     </p:extLst>
   </p:cSld>
@@ -4622,7 +5184,7 @@
           <a:lstStyle/>
           <a:p>
             <a:r>
-              <a:rPr lang="en-US" sz="1800" b="0" i="0">
+              <a:rPr lang="en-US" sz="1800" b="0" i="0" dirty="0">
                 <a:solidFill>
                   <a:srgbClr val="008013"/>
                 </a:solidFill>
@@ -4632,7 +5194,7 @@
               <a:t>% </a:t>
             </a:r>
             <a:r>
-              <a:rPr lang="en-US" sz="1800" b="0" i="0" err="1">
+              <a:rPr lang="en-US" sz="1800" b="0" i="0" dirty="0" err="1">
                 <a:solidFill>
                   <a:srgbClr val="008013"/>
                 </a:solidFill>
@@ -4642,7 +5204,7 @@
               <a:t>Definir</a:t>
             </a:r>
             <a:r>
-              <a:rPr lang="en-US" sz="1800" b="0" i="0">
+              <a:rPr lang="en-US" sz="1800" b="0" i="0" dirty="0">
                 <a:solidFill>
                   <a:srgbClr val="008013"/>
                 </a:solidFill>
@@ -4652,7 +5214,7 @@
               <a:t> </a:t>
             </a:r>
             <a:r>
-              <a:rPr lang="en-US" sz="1800" b="0" i="0" err="1">
+              <a:rPr lang="en-US" sz="1800" b="0" i="0" dirty="0" err="1">
                 <a:solidFill>
                   <a:srgbClr val="008013"/>
                 </a:solidFill>
@@ -4662,7 +5224,7 @@
               <a:t>constantes</a:t>
             </a:r>
             <a:r>
-              <a:rPr lang="en-US" sz="1800" b="0" i="0">
+              <a:rPr lang="en-US" sz="1800" b="0" i="0" dirty="0">
                 <a:solidFill>
                   <a:srgbClr val="008013"/>
                 </a:solidFill>
@@ -4672,7 +5234,7 @@
               <a:t> del </a:t>
             </a:r>
             <a:r>
-              <a:rPr lang="en-US" sz="1800" b="0" i="0" err="1">
+              <a:rPr lang="en-US" sz="1800" b="0" i="0" dirty="0" err="1">
                 <a:solidFill>
                   <a:srgbClr val="008013"/>
                 </a:solidFill>
@@ -4681,127 +5243,87 @@
               </a:rPr>
               <a:t>sistema</a:t>
             </a:r>
-            <a:endParaRPr lang="en-US" sz="1800" b="0" i="0">
+            <a:endParaRPr lang="en-US" sz="1800" b="0" i="0" dirty="0">
               <a:effectLst/>
               <a:latin typeface="Menlo"/>
             </a:endParaRPr>
           </a:p>
           <a:p>
             <a:r>
-              <a:rPr lang="en-US" sz="1800" b="0" i="0">
+              <a:rPr lang="en-US" sz="1800" b="0" i="0" dirty="0">
                 <a:effectLst/>
                 <a:latin typeface="Menlo"/>
               </a:rPr>
               <a:t>tau = 0.5; </a:t>
             </a:r>
             <a:r>
-              <a:rPr lang="en-US" sz="1800" b="0" i="0">
+              <a:rPr lang="en-US" sz="1800" b="0" i="0" dirty="0">
                 <a:solidFill>
                   <a:srgbClr val="008013"/>
                 </a:solidFill>
                 <a:effectLst/>
                 <a:latin typeface="Menlo"/>
               </a:rPr>
-              <a:t>% </a:t>
-            </a:r>
-            <a:r>
-              <a:rPr lang="en-US" sz="1800" b="0" i="0" err="1">
+              <a:t>% Constante de </a:t>
+            </a:r>
+            <a:r>
+              <a:rPr lang="en-US" sz="1800" b="0" i="0" dirty="0" err="1">
                 <a:solidFill>
                   <a:srgbClr val="008013"/>
                 </a:solidFill>
                 <a:effectLst/>
                 <a:latin typeface="Menlo"/>
               </a:rPr>
-              <a:t>Constante</a:t>
-            </a:r>
-            <a:r>
-              <a:rPr lang="en-US" sz="1800" b="0" i="0">
-                <a:solidFill>
-                  <a:srgbClr val="008013"/>
-                </a:solidFill>
-                <a:effectLst/>
-                <a:latin typeface="Menlo"/>
-              </a:rPr>
-              <a:t> de </a:t>
-            </a:r>
-            <a:r>
-              <a:rPr lang="en-US" sz="1800" b="0" i="0" err="1">
-                <a:solidFill>
-                  <a:srgbClr val="008013"/>
-                </a:solidFill>
-                <a:effectLst/>
-                <a:latin typeface="Menlo"/>
-              </a:rPr>
               <a:t>tiempo</a:t>
             </a:r>
-            <a:endParaRPr lang="en-US" sz="1800" b="0" i="0">
+            <a:endParaRPr lang="en-US" sz="1800" b="0" i="0" dirty="0">
               <a:effectLst/>
               <a:latin typeface="Menlo"/>
             </a:endParaRPr>
           </a:p>
           <a:p>
             <a:r>
-              <a:rPr lang="en-US" sz="1800" b="0" i="0">
+              <a:rPr lang="en-US" sz="1800" b="0" i="0" dirty="0">
                 <a:effectLst/>
                 <a:latin typeface="Menlo"/>
               </a:rPr>
               <a:t>zeta = 0.4; </a:t>
             </a:r>
             <a:r>
-              <a:rPr lang="en-US" sz="1800" b="0" i="0">
+              <a:rPr lang="en-US" sz="1800" b="0" i="0" dirty="0">
                 <a:solidFill>
                   <a:srgbClr val="008013"/>
                 </a:solidFill>
                 <a:effectLst/>
                 <a:latin typeface="Menlo"/>
               </a:rPr>
-              <a:t>% </a:t>
-            </a:r>
-            <a:r>
-              <a:rPr lang="en-US" sz="1800" b="0" i="0" err="1">
+              <a:t>% Razón de </a:t>
+            </a:r>
+            <a:r>
+              <a:rPr lang="en-US" sz="1800" b="0" i="0" dirty="0" err="1">
                 <a:solidFill>
                   <a:srgbClr val="008013"/>
                 </a:solidFill>
                 <a:effectLst/>
                 <a:latin typeface="Menlo"/>
               </a:rPr>
-              <a:t>Razón</a:t>
-            </a:r>
-            <a:r>
-              <a:rPr lang="en-US" sz="1800" b="0" i="0">
-                <a:solidFill>
-                  <a:srgbClr val="008013"/>
-                </a:solidFill>
-                <a:effectLst/>
-                <a:latin typeface="Menlo"/>
-              </a:rPr>
-              <a:t> de </a:t>
-            </a:r>
-            <a:r>
-              <a:rPr lang="en-US" sz="1800" b="0" i="0" err="1">
-                <a:solidFill>
-                  <a:srgbClr val="008013"/>
-                </a:solidFill>
-                <a:effectLst/>
-                <a:latin typeface="Menlo"/>
-              </a:rPr>
               <a:t>amortiguamiento</a:t>
             </a:r>
-            <a:endParaRPr lang="en-US" sz="1800" b="0" i="0">
+            <a:endParaRPr lang="en-US" sz="1800" b="0" i="0" dirty="0">
               <a:effectLst/>
               <a:latin typeface="Menlo"/>
             </a:endParaRPr>
           </a:p>
           <a:p>
             <a:r>
-              <a:rPr lang="en-US" sz="1800" b="0" i="0">
+              <a:rPr lang="en-US" sz="1800" b="0" i="0" dirty="0">
                 <a:effectLst/>
                 <a:latin typeface="Menlo"/>
               </a:rPr>
               <a:t>k = 0.5; </a:t>
             </a:r>
             <a:r>
-              <a:rPr lang="en-US" sz="1800" b="0" i="0">
+              <a:rPr lang="en-US" sz="1800" b="0" i="0" dirty="0">
                 <a:solidFill>
                   <a:srgbClr val="008013"/>
                 </a:solidFill>
@@ -4811,7 +5333,7 @@
               <a:t>% </a:t>
             </a:r>
             <a:r>
-              <a:rPr lang="en-US" sz="1800" b="0" i="0" err="1">
+              <a:rPr lang="en-US" sz="1800" b="0" i="0" dirty="0" err="1">
                 <a:solidFill>
                   <a:srgbClr val="008013"/>
                 </a:solidFill>
@@ -4820,86 +5342,86 @@
               </a:rPr>
               <a:t>Ganancia</a:t>
             </a:r>
-            <a:endParaRPr lang="en-US" sz="1800" b="0" i="0">
+            <a:endParaRPr lang="en-US" sz="1800" b="0" i="0" dirty="0">
               <a:effectLst/>
               <a:latin typeface="Menlo"/>
             </a:endParaRPr>
           </a:p>
           <a:p>
             <a:br>
-              <a:rPr lang="en-US" sz="1800" b="0" i="0">
+              <a:rPr lang="en-US" sz="1800" b="0" i="0" dirty="0">
                 <a:effectLst/>
                 <a:latin typeface="Menlo"/>
               </a:rPr>
             </a:br>
-            <a:endParaRPr lang="en-US" sz="1800" b="0" i="0">
+            <a:endParaRPr lang="en-US" sz="1800" b="0" i="0" dirty="0">
               <a:effectLst/>
               <a:latin typeface="Menlo"/>
             </a:endParaRPr>
           </a:p>
           <a:p>
             <a:r>
-              <a:rPr lang="en-US" sz="1800" b="0" i="0">
+              <a:rPr lang="en-US" sz="1800" b="0" i="0" dirty="0">
                 <a:solidFill>
                   <a:srgbClr val="008013"/>
                 </a:solidFill>
                 <a:effectLst/>
                 <a:latin typeface="Menlo"/>
               </a:rPr>
-              <a:t>% </a:t>
-            </a:r>
-            <a:r>
-              <a:rPr lang="en-US" sz="1800" b="0" i="0" err="1">
+              <a:t>% Crear la </a:t>
+            </a:r>
+            <a:r>
+              <a:rPr lang="en-US" sz="1800" b="0" i="0" dirty="0" err="1">
                 <a:solidFill>
                   <a:srgbClr val="008013"/>
                 </a:solidFill>
                 <a:effectLst/>
                 <a:latin typeface="Menlo"/>
               </a:rPr>
-              <a:t>Crear</a:t>
-            </a:r>
-            <a:r>
-              <a:rPr lang="en-US" sz="1800" b="0" i="0">
+              <a:t>función</a:t>
+            </a:r>
+            <a:r>
+              <a:rPr lang="en-US" sz="1800" b="0" i="0" dirty="0">
                 <a:solidFill>
                   <a:srgbClr val="008013"/>
                 </a:solidFill>
                 <a:effectLst/>
                 <a:latin typeface="Menlo"/>
               </a:rPr>
-              <a:t> la </a:t>
-            </a:r>
-            <a:r>
-              <a:rPr lang="en-US" sz="1800" b="0" i="0" err="1">
+              <a:t> de </a:t>
+            </a:r>
+            <a:r>
+              <a:rPr lang="en-US" sz="1800" b="0" i="0" dirty="0" err="1">
                 <a:solidFill>
                   <a:srgbClr val="008013"/>
                 </a:solidFill>
                 <a:effectLst/>
                 <a:latin typeface="Menlo"/>
               </a:rPr>
-              <a:t>función</a:t>
-            </a:r>
-            <a:r>
-              <a:rPr lang="en-US" sz="1800" b="0" i="0">
+              <a:t>transferencia</a:t>
+            </a:r>
+            <a:r>
+              <a:rPr lang="en-US" sz="1800" b="0" i="0" dirty="0">
                 <a:solidFill>
                   <a:srgbClr val="008013"/>
                 </a:solidFill>
                 <a:effectLst/>
                 <a:latin typeface="Menlo"/>
               </a:rPr>
-              <a:t> de </a:t>
-            </a:r>
-            <a:r>
-              <a:rPr lang="en-US" sz="1800" b="0" i="0" err="1">
+              <a:t> </a:t>
+            </a:r>
+            <a:r>
+              <a:rPr lang="en-US" sz="1800" b="0" i="0" dirty="0" err="1">
                 <a:solidFill>
                   <a:srgbClr val="008013"/>
                 </a:solidFill>
                 <a:effectLst/>
                 <a:latin typeface="Menlo"/>
               </a:rPr>
-              <a:t>transferencia</a:t>
-            </a:r>
-            <a:r>
-              <a:rPr lang="en-US" sz="1800" b="0" i="0">
+              <a:t>en</a:t>
+            </a:r>
+            <a:r>
+              <a:rPr lang="en-US" sz="1800" b="0" i="0" dirty="0">
                 <a:solidFill>
                   <a:srgbClr val="008013"/>
                 </a:solidFill>
@@ -4909,17 +5431,17 @@
               <a:t> </a:t>
             </a:r>
             <a:r>
-              <a:rPr lang="en-US" sz="1800" b="0" i="0" err="1">
+              <a:rPr lang="en-US" sz="1800" b="0" i="0" dirty="0" err="1">
                 <a:solidFill>
                   <a:srgbClr val="008013"/>
                 </a:solidFill>
                 <a:effectLst/>
                 <a:latin typeface="Menlo"/>
               </a:rPr>
-              <a:t>en</a:t>
-            </a:r>
-            <a:r>
-              <a:rPr lang="en-US" sz="1800" b="0" i="0">
+              <a:t>el</a:t>
+            </a:r>
+            <a:r>
+              <a:rPr lang="en-US" sz="1800" b="0" i="0" dirty="0">
                 <a:solidFill>
                   <a:srgbClr val="008013"/>
                 </a:solidFill>
@@ -4929,53 +5451,33 @@
               <a:t> </a:t>
             </a:r>
             <a:r>
-              <a:rPr lang="en-US" sz="1800" b="0" i="0" err="1">
+              <a:rPr lang="en-US" sz="1800" b="0" i="0" dirty="0" err="1">
                 <a:solidFill>
                   <a:srgbClr val="008013"/>
                 </a:solidFill>
                 <a:effectLst/>
                 <a:latin typeface="Menlo"/>
               </a:rPr>
-              <a:t>el</a:t>
-            </a:r>
-            <a:r>
-              <a:rPr lang="en-US" sz="1800" b="0" i="0">
+              <a:t>dominio</a:t>
+            </a:r>
+            <a:r>
+              <a:rPr lang="en-US" sz="1800" b="0" i="0" dirty="0">
                 <a:solidFill>
                   <a:srgbClr val="008013"/>
                 </a:solidFill>
                 <a:effectLst/>
                 <a:latin typeface="Menlo"/>
               </a:rPr>
-              <a:t> </a:t>
-            </a:r>
-            <a:r>
-              <a:rPr lang="en-US" sz="1800" b="0" i="0" err="1">
-                <a:solidFill>
-                  <a:srgbClr val="008013"/>
-                </a:solidFill>
-                <a:effectLst/>
-                <a:latin typeface="Menlo"/>
-              </a:rPr>
-              <a:t>dominio</a:t>
-            </a:r>
-            <a:r>
-              <a:rPr lang="en-US" sz="1800" b="0" i="0">
-                <a:solidFill>
-                  <a:srgbClr val="008013"/>
-                </a:solidFill>
-                <a:effectLst/>
-                <a:latin typeface="Menlo"/>
-              </a:rPr>
               <a:t> s</a:t>
             </a:r>
-            <a:endParaRPr lang="en-US" sz="1800" b="0" i="0">
+            <a:endParaRPr lang="en-US" sz="1800" b="0" i="0" dirty="0">
               <a:effectLst/>
               <a:latin typeface="Menlo"/>
             </a:endParaRPr>
           </a:p>
           <a:p>
             <a:r>
-              <a:rPr lang="en-US" sz="1800" b="0" i="0">
+              <a:rPr lang="en-US" sz="1800" b="0" i="0" dirty="0">
                 <a:effectLst/>
                 <a:latin typeface="Menlo"/>
               </a:rPr>
@@ -4984,7 +5486,7 @@
           </a:p>
           <a:p>
             <a:r>
-              <a:rPr lang="en-US" sz="1800" b="0" i="0">
+              <a:rPr lang="en-US" sz="1800" b="0" i="0" dirty="0">
                 <a:effectLst/>
                 <a:latin typeface="Menlo"/>
               </a:rPr>
@@ -4993,21 +5495,21 @@
           </a:p>
           <a:p>
             <a:r>
-              <a:rPr lang="en-US" sz="1800" b="0" i="0">
+              <a:rPr lang="en-US" sz="1800" b="0" i="0" dirty="0">
                 <a:effectLst/>
                 <a:latin typeface="Menlo"/>
               </a:rPr>
               <a:t>G_s = k*</a:t>
             </a:r>
             <a:r>
-              <a:rPr lang="en-US" sz="1800" b="0" i="0" err="1">
+              <a:rPr lang="en-US" sz="1800" b="0" i="0" dirty="0" err="1">
                 <a:effectLst/>
                 <a:latin typeface="Menlo"/>
               </a:rPr>
               <a:t>tf</a:t>
             </a:r>
             <a:r>
-              <a:rPr lang="en-US" sz="1800" b="0" i="0">
+              <a:rPr lang="en-US" sz="1800" b="0" i="0" dirty="0">
                 <a:effectLst/>
                 <a:latin typeface="Menlo"/>
               </a:rPr>
@@ -5016,19 +5518,19 @@
           </a:p>
           <a:p>
             <a:br>
-              <a:rPr lang="en-US" sz="1800" b="0" i="0">
+              <a:rPr lang="en-US" sz="1800" b="0" i="0" dirty="0">
                 <a:effectLst/>
                 <a:latin typeface="Menlo"/>
               </a:rPr>
             </a:br>
-            <a:endParaRPr lang="en-US" sz="1800" b="0" i="0">
+            <a:endParaRPr lang="en-US" sz="1800" b="0" i="0" dirty="0">
               <a:effectLst/>
               <a:latin typeface="Menlo"/>
             </a:endParaRPr>
           </a:p>
           <a:p>
             <a:r>
-              <a:rPr lang="en-US" sz="1800" b="0" i="0">
+              <a:rPr lang="en-US" sz="1800" b="0" i="0" dirty="0">
                 <a:solidFill>
                   <a:srgbClr val="008013"/>
                 </a:solidFill>
@@ -5038,7 +5540,7 @@
               <a:t>% </a:t>
             </a:r>
             <a:r>
-              <a:rPr lang="en-US" sz="1800" b="0" i="0" err="1">
+              <a:rPr lang="en-US" sz="1800" b="0" i="0" dirty="0" err="1">
                 <a:solidFill>
                   <a:srgbClr val="008013"/>
                 </a:solidFill>
@@ -5048,7 +5550,7 @@
               <a:t>Obtener</a:t>
             </a:r>
             <a:r>
-              <a:rPr lang="en-US" sz="1800" b="0" i="0">
+              <a:rPr lang="en-US" sz="1800" b="0" i="0" dirty="0">
                 <a:solidFill>
                   <a:srgbClr val="008013"/>
                 </a:solidFill>
@@ -5058,7 +5560,7 @@
               <a:t> </a:t>
             </a:r>
             <a:r>
-              <a:rPr lang="en-US" sz="1800" b="0" i="0" err="1">
+              <a:rPr lang="en-US" sz="1800" b="0" i="0" dirty="0" err="1">
                 <a:solidFill>
                   <a:srgbClr val="008013"/>
                 </a:solidFill>
@@ -5068,7 +5570,7 @@
               <a:t>los</a:t>
             </a:r>
             <a:r>
-              <a:rPr lang="en-US" sz="1800" b="0" i="0">
+              <a:rPr lang="en-US" sz="1800" b="0" i="0" dirty="0">
                 <a:solidFill>
                   <a:srgbClr val="008013"/>
                 </a:solidFill>
@@ -5077,21 +5579,21 @@
               </a:rPr>
               <a:t> polos y ceros</a:t>
             </a:r>
-            <a:endParaRPr lang="en-US" sz="1800" b="0" i="0">
+            <a:endParaRPr lang="en-US" sz="1800" b="0" i="0" dirty="0">
               <a:effectLst/>
               <a:latin typeface="Menlo"/>
             </a:endParaRPr>
           </a:p>
           <a:p>
             <a:r>
-              <a:rPr lang="en-US" sz="1800" b="0" i="0">
+              <a:rPr lang="en-US" sz="1800" b="0" i="0" dirty="0">
                 <a:effectLst/>
                 <a:latin typeface="Menlo"/>
               </a:rPr>
               <a:t>poles = pole(G_s); </a:t>
             </a:r>
             <a:r>
-              <a:rPr lang="en-US" sz="1800" b="0" i="0">
+              <a:rPr lang="en-US" sz="1800" b="0" i="0" dirty="0">
                 <a:solidFill>
                   <a:srgbClr val="008013"/>
                 </a:solidFill>
@@ -5100,21 +5602,21 @@
               </a:rPr>
               <a:t>% Polos</a:t>
             </a:r>
-            <a:endParaRPr lang="en-US" sz="1800" b="0" i="0">
+            <a:endParaRPr lang="en-US" sz="1800" b="0" i="0" dirty="0">
               <a:effectLst/>
               <a:latin typeface="Menlo"/>
             </a:endParaRPr>
           </a:p>
           <a:p>
             <a:r>
-              <a:rPr lang="en-US" sz="1800" b="0" i="0">
+              <a:rPr lang="en-US" sz="1800" b="0" i="0" dirty="0">
                 <a:effectLst/>
                 <a:latin typeface="Menlo"/>
               </a:rPr>
               <a:t>zeros = zero(G_s); </a:t>
             </a:r>
             <a:r>
-              <a:rPr lang="en-US" sz="1800" b="0" i="0">
+              <a:rPr lang="en-US" sz="1800" b="0" i="0" dirty="0">
                 <a:solidFill>
                   <a:srgbClr val="008013"/>
                 </a:solidFill>
@@ -5123,26 +5625,26 @@
               </a:rPr>
               <a:t>% Ceros</a:t>
             </a:r>
-            <a:endParaRPr lang="en-US" sz="1800" b="0" i="0">
+            <a:endParaRPr lang="en-US" sz="1800" b="0" i="0" dirty="0">
               <a:effectLst/>
               <a:latin typeface="Menlo"/>
             </a:endParaRPr>
           </a:p>
           <a:p>
             <a:br>
-              <a:rPr lang="en-US" sz="1800" b="0" i="0">
+              <a:rPr lang="en-US" sz="1800" b="0" i="0" dirty="0">
                 <a:effectLst/>
                 <a:latin typeface="Menlo"/>
               </a:rPr>
             </a:br>
-            <a:endParaRPr lang="en-US" sz="1800" b="0" i="0">
+            <a:endParaRPr lang="en-US" sz="1800" b="0" i="0" dirty="0">
               <a:effectLst/>
               <a:latin typeface="Menlo"/>
             </a:endParaRPr>
           </a:p>
           <a:p>
             <a:r>
-              <a:rPr lang="en-US" sz="1800" b="0" i="0">
+              <a:rPr lang="en-US" sz="1800" b="0" i="0" dirty="0">
                 <a:solidFill>
                   <a:srgbClr val="008013"/>
                 </a:solidFill>
@@ -5152,7 +5654,7 @@
               <a:t>% </a:t>
             </a:r>
             <a:r>
-              <a:rPr lang="en-US" sz="1800" b="0" i="0" err="1">
+              <a:rPr lang="en-US" sz="1800" b="0" i="0" dirty="0" err="1">
                 <a:solidFill>
                   <a:srgbClr val="008013"/>
                 </a:solidFill>
@@ -5162,7 +5664,7 @@
               <a:t>Graficar</a:t>
             </a:r>
             <a:r>
-              <a:rPr lang="en-US" sz="1800" b="0" i="0">
+              <a:rPr lang="en-US" sz="1800" b="0" i="0" dirty="0">
                 <a:solidFill>
                   <a:srgbClr val="008013"/>
                 </a:solidFill>
@@ -5172,7 +5674,7 @@
               <a:t> </a:t>
             </a:r>
             <a:r>
-              <a:rPr lang="en-US" sz="1800" b="0" i="0" err="1">
+              <a:rPr lang="en-US" sz="1800" b="0" i="0" dirty="0" err="1">
                 <a:solidFill>
                   <a:srgbClr val="008013"/>
                 </a:solidFill>
@@ -5182,7 +5684,7 @@
               <a:t>los</a:t>
             </a:r>
             <a:r>
-              <a:rPr lang="en-US" sz="1800" b="0" i="0">
+              <a:rPr lang="en-US" sz="1800" b="0" i="0" dirty="0">
                 <a:solidFill>
                   <a:srgbClr val="008013"/>
                 </a:solidFill>
@@ -5192,7 +5694,7 @@
               <a:t> polos y ceros </a:t>
             </a:r>
             <a:r>
-              <a:rPr lang="en-US" sz="1800" b="0" i="0" err="1">
+              <a:rPr lang="en-US" sz="1800" b="0" i="0" dirty="0" err="1">
                 <a:solidFill>
                   <a:srgbClr val="008013"/>
                 </a:solidFill>
@@ -5202,7 +5704,7 @@
               <a:t>en</a:t>
             </a:r>
             <a:r>
-              <a:rPr lang="en-US" sz="1800" b="0" i="0">
+              <a:rPr lang="en-US" sz="1800" b="0" i="0" dirty="0">
                 <a:solidFill>
                   <a:srgbClr val="008013"/>
                 </a:solidFill>
@@ -5212,7 +5714,7 @@
               <a:t> </a:t>
             </a:r>
             <a:r>
-              <a:rPr lang="en-US" sz="1800" b="0" i="0" err="1">
+              <a:rPr lang="en-US" sz="1800" b="0" i="0" dirty="0" err="1">
                 <a:solidFill>
                   <a:srgbClr val="008013"/>
                 </a:solidFill>
@@ -5222,7 +5724,7 @@
               <a:t>el</a:t>
             </a:r>
             <a:r>
-              <a:rPr lang="en-US" sz="1800" b="0" i="0">
+              <a:rPr lang="en-US" sz="1800" b="0" i="0" dirty="0">
                 <a:solidFill>
                   <a:srgbClr val="008013"/>
                 </a:solidFill>
@@ -5232,7 +5734,7 @@
               <a:t> plano </a:t>
             </a:r>
             <a:r>
-              <a:rPr lang="en-US" sz="1800" b="0" i="0" err="1">
+              <a:rPr lang="en-US" sz="1800" b="0" i="0" dirty="0" err="1">
                 <a:solidFill>
                   <a:srgbClr val="008013"/>
                 </a:solidFill>
@@ -5241,14 +5743,14 @@
               </a:rPr>
               <a:t>complejo</a:t>
             </a:r>
-            <a:endParaRPr lang="en-US" sz="1800" b="0" i="0">
+            <a:endParaRPr lang="en-US" sz="1800" b="0" i="0" dirty="0">
               <a:effectLst/>
               <a:latin typeface="Menlo"/>
             </a:endParaRPr>
           </a:p>
           <a:p>
             <a:r>
-              <a:rPr lang="en-US" sz="1800" b="0" i="0">
+              <a:rPr lang="en-US" sz="1800" b="0" i="0" dirty="0">
                 <a:effectLst/>
                 <a:latin typeface="Menlo"/>
               </a:rPr>
@@ -5257,28 +5759,28 @@
           </a:p>
           <a:p>
             <a:r>
-              <a:rPr lang="en-US" sz="1800" b="0" i="0">
+              <a:rPr lang="en-US" sz="1800" b="0" i="0" dirty="0">
                 <a:effectLst/>
                 <a:latin typeface="Menlo"/>
               </a:rPr>
               <a:t>plot(real(poles), </a:t>
             </a:r>
             <a:r>
-              <a:rPr lang="en-US" sz="1800" b="0" i="0" err="1">
+              <a:rPr lang="en-US" sz="1800" b="0" i="0" dirty="0" err="1">
                 <a:effectLst/>
                 <a:latin typeface="Menlo"/>
               </a:rPr>
               <a:t>imag</a:t>
             </a:r>
             <a:r>
-              <a:rPr lang="en-US" sz="1800" b="0" i="0">
+              <a:rPr lang="en-US" sz="1800" b="0" i="0" dirty="0">
                 <a:effectLst/>
                 <a:latin typeface="Menlo"/>
               </a:rPr>
               <a:t>(poles), </a:t>
             </a:r>
             <a:r>
-              <a:rPr lang="en-US" sz="1800" b="0" i="0">
+              <a:rPr lang="en-US" sz="1800" b="0" i="0" dirty="0">
                 <a:solidFill>
                   <a:srgbClr val="A709F5"/>
                 </a:solidFill>
@@ -5288,7 +5790,7 @@
               <a:t>'</a:t>
             </a:r>
             <a:r>
-              <a:rPr lang="en-US" sz="1800" b="0" i="0" err="1">
+              <a:rPr lang="en-US" sz="1800" b="0" i="0" dirty="0" err="1">
                 <a:solidFill>
                   <a:srgbClr val="A709F5"/>
                 </a:solidFill>
@@ -5298,7 +5800,7 @@
               <a:t>rx</a:t>
             </a:r>
             <a:r>
-              <a:rPr lang="en-US" sz="1800" b="0" i="0">
+              <a:rPr lang="en-US" sz="1800" b="0" i="0" dirty="0">
                 <a:solidFill>
                   <a:srgbClr val="A709F5"/>
                 </a:solidFill>
@@ -5308,14 +5810,14 @@
               <a:t>'</a:t>
             </a:r>
             <a:r>
-              <a:rPr lang="en-US" sz="1800" b="0" i="0">
+              <a:rPr lang="en-US" sz="1800" b="0" i="0" dirty="0">
                 <a:effectLst/>
                 <a:latin typeface="Menlo"/>
               </a:rPr>
               <a:t>, </a:t>
             </a:r>
             <a:r>
-              <a:rPr lang="en-US" sz="1800" b="0" i="0">
+              <a:rPr lang="en-US" sz="1800" b="0" i="0" dirty="0">
                 <a:solidFill>
                   <a:srgbClr val="A709F5"/>
                 </a:solidFill>
@@ -5325,7 +5827,7 @@
               <a:t>'</a:t>
             </a:r>
             <a:r>
-              <a:rPr lang="en-US" sz="1800" b="0" i="0" err="1">
+              <a:rPr lang="en-US" sz="1800" b="0" i="0" dirty="0" err="1">
                 <a:solidFill>
                   <a:srgbClr val="A709F5"/>
                 </a:solidFill>
@@ -5335,7 +5837,7 @@
               <a:t>MarkerSize</a:t>
             </a:r>
             <a:r>
-              <a:rPr lang="en-US" sz="1800" b="0" i="0">
+              <a:rPr lang="en-US" sz="1800" b="0" i="0" dirty="0">
                 <a:solidFill>
                   <a:srgbClr val="A709F5"/>
                 </a:solidFill>
@@ -5345,14 +5847,14 @@
               <a:t>'</a:t>
             </a:r>
             <a:r>
-              <a:rPr lang="en-US" sz="1800" b="0" i="0">
+              <a:rPr lang="en-US" sz="1800" b="0" i="0" dirty="0">
                 <a:effectLst/>
                 <a:latin typeface="Menlo"/>
               </a:rPr>
               <a:t>, 10, </a:t>
             </a:r>
             <a:r>
-              <a:rPr lang="en-US" sz="1800" b="0" i="0">
+              <a:rPr lang="en-US" sz="1800" b="0" i="0" dirty="0">
                 <a:solidFill>
                   <a:srgbClr val="A709F5"/>
                 </a:solidFill>
@@ -5362,7 +5864,7 @@
               <a:t>'</a:t>
             </a:r>
             <a:r>
-              <a:rPr lang="en-US" sz="1800" b="0" i="0" err="1">
+              <a:rPr lang="en-US" sz="1800" b="0" i="0" dirty="0" err="1">
                 <a:solidFill>
                   <a:srgbClr val="A709F5"/>
                 </a:solidFill>
@@ -5372,7 +5874,7 @@
               <a:t>LineWidth</a:t>
             </a:r>
             <a:r>
-              <a:rPr lang="en-US" sz="1800" b="0" i="0">
+              <a:rPr lang="en-US" sz="1800" b="0" i="0" dirty="0">
                 <a:solidFill>
                   <a:srgbClr val="A709F5"/>
                 </a:solidFill>
@@ -5382,7 +5884,7 @@
               <a:t>'</a:t>
             </a:r>
             <a:r>
-              <a:rPr lang="en-US" sz="1800" b="0" i="0">
+              <a:rPr lang="en-US" sz="1800" b="0" i="0" dirty="0">
                 <a:effectLst/>
                 <a:latin typeface="Menlo"/>
               </a:rPr>
@@ -5391,14 +5893,14 @@
           </a:p>
           <a:p>
             <a:r>
-              <a:rPr lang="en-US" sz="1800" b="0" i="0">
+              <a:rPr lang="en-US" sz="1800" b="0" i="0" dirty="0">
                 <a:effectLst/>
                 <a:latin typeface="Menlo"/>
               </a:rPr>
               <a:t>hold </a:t>
             </a:r>
             <a:r>
-              <a:rPr lang="en-US" sz="1800" b="0" i="0">
+              <a:rPr lang="en-US" sz="1800" b="0" i="0" dirty="0">
                 <a:solidFill>
                   <a:srgbClr val="A709F5"/>
                 </a:solidFill>
@@ -5408,7 +5910,7 @@
               <a:t>on</a:t>
             </a:r>
             <a:r>
-              <a:rPr lang="en-US" sz="1800" b="0" i="0">
+              <a:rPr lang="en-US" sz="1800" b="0" i="0" dirty="0">
                 <a:effectLst/>
                 <a:latin typeface="Menlo"/>
               </a:rPr>
@@ -5417,28 +5919,28 @@
           </a:p>
           <a:p>
             <a:r>
-              <a:rPr lang="en-US" sz="1800" b="0" i="0">
+              <a:rPr lang="en-US" sz="1800" b="0" i="0" dirty="0">
                 <a:effectLst/>
                 <a:latin typeface="Menlo"/>
               </a:rPr>
               <a:t>plot(real(zeros), </a:t>
             </a:r>
             <a:r>
-              <a:rPr lang="en-US" sz="1800" b="0" i="0" err="1">
+              <a:rPr lang="en-US" sz="1800" b="0" i="0" dirty="0" err="1">
                 <a:effectLst/>
                 <a:latin typeface="Menlo"/>
               </a:rPr>
               <a:t>imag</a:t>
             </a:r>
             <a:r>
-              <a:rPr lang="en-US" sz="1800" b="0" i="0">
+              <a:rPr lang="en-US" sz="1800" b="0" i="0" dirty="0">
                 <a:effectLst/>
                 <a:latin typeface="Menlo"/>
               </a:rPr>
               <a:t>(zeros), </a:t>
             </a:r>
             <a:r>
-              <a:rPr lang="en-US" sz="1800" b="0" i="0">
+              <a:rPr lang="en-US" sz="1800" b="0" i="0" dirty="0">
                 <a:solidFill>
                   <a:srgbClr val="A709F5"/>
                 </a:solidFill>
@@ -5448,14 +5950,14 @@
               <a:t>'go'</a:t>
             </a:r>
             <a:r>
-              <a:rPr lang="en-US" sz="1800" b="0" i="0">
+              <a:rPr lang="en-US" sz="1800" b="0" i="0" dirty="0">
                 <a:effectLst/>
                 <a:latin typeface="Menlo"/>
               </a:rPr>
               <a:t>, </a:t>
             </a:r>
             <a:r>
-              <a:rPr lang="en-US" sz="1800" b="0" i="0">
+              <a:rPr lang="en-US" sz="1800" b="0" i="0" dirty="0">
                 <a:solidFill>
                   <a:srgbClr val="A709F5"/>
                 </a:solidFill>
@@ -5465,7 +5967,7 @@
               <a:t>'</a:t>
             </a:r>
             <a:r>
-              <a:rPr lang="en-US" sz="1800" b="0" i="0" err="1">
+              <a:rPr lang="en-US" sz="1800" b="0" i="0" dirty="0" err="1">
                 <a:solidFill>
                   <a:srgbClr val="A709F5"/>
                 </a:solidFill>
@@ -5475,7 +5977,7 @@
               <a:t>MarkerSize</a:t>
             </a:r>
             <a:r>
-              <a:rPr lang="en-US" sz="1800" b="0" i="0">
+              <a:rPr lang="en-US" sz="1800" b="0" i="0" dirty="0">
                 <a:solidFill>
                   <a:srgbClr val="A709F5"/>
                 </a:solidFill>
@@ -5485,14 +5987,14 @@
               <a:t>'</a:t>
             </a:r>
             <a:r>
-              <a:rPr lang="en-US" sz="1800" b="0" i="0">
+              <a:rPr lang="en-US" sz="1800" b="0" i="0" dirty="0">
                 <a:effectLst/>
                 <a:latin typeface="Menlo"/>
               </a:rPr>
               <a:t>, 8, </a:t>
             </a:r>
             <a:r>
-              <a:rPr lang="en-US" sz="1800" b="0" i="0">
+              <a:rPr lang="en-US" sz="1800" b="0" i="0" dirty="0">
                 <a:solidFill>
                   <a:srgbClr val="A709F5"/>
                 </a:solidFill>
@@ -5502,7 +6004,7 @@
               <a:t>'</a:t>
             </a:r>
             <a:r>
-              <a:rPr lang="en-US" sz="1800" b="0" i="0" err="1">
+              <a:rPr lang="en-US" sz="1800" b="0" i="0" dirty="0" err="1">
                 <a:solidFill>
                   <a:srgbClr val="A709F5"/>
                 </a:solidFill>
@@ -5512,7 +6014,7 @@
               <a:t>LineWidth</a:t>
             </a:r>
             <a:r>
-              <a:rPr lang="en-US" sz="1800" b="0" i="0">
+              <a:rPr lang="en-US" sz="1800" b="0" i="0" dirty="0">
                 <a:solidFill>
                   <a:srgbClr val="A709F5"/>
                 </a:solidFill>
@@ -5522,7 +6024,7 @@
               <a:t>'</a:t>
             </a:r>
             <a:r>
-              <a:rPr lang="en-US" sz="1800" b="0" i="0">
+              <a:rPr lang="en-US" sz="1800" b="0" i="0" dirty="0">
                 <a:effectLst/>
                 <a:latin typeface="Menlo"/>
               </a:rPr>
@@ -5531,19 +6033,19 @@
           </a:p>
           <a:p>
             <a:br>
-              <a:rPr lang="en-US" sz="1800" b="0" i="0">
+              <a:rPr lang="en-US" sz="1800" b="0" i="0" dirty="0">
                 <a:effectLst/>
                 <a:latin typeface="Menlo"/>
               </a:rPr>
             </a:br>
-            <a:endParaRPr lang="en-US" sz="1800" b="0" i="0">
+            <a:endParaRPr lang="en-US" sz="1800" b="0" i="0" dirty="0">
               <a:effectLst/>
               <a:latin typeface="Menlo"/>
             </a:endParaRPr>
           </a:p>
           <a:p>
             <a:r>
-              <a:rPr lang="en-US" sz="1800" b="0" i="0">
+              <a:rPr lang="en-US" sz="1800" b="0" i="0" dirty="0">
                 <a:solidFill>
                   <a:srgbClr val="008013"/>
                 </a:solidFill>
@@ -5553,7 +6055,7 @@
               <a:t>% </a:t>
             </a:r>
             <a:r>
-              <a:rPr lang="en-US" sz="1800" b="0" i="0" err="1">
+              <a:rPr lang="en-US" sz="1800" b="0" i="0" dirty="0" err="1">
                 <a:solidFill>
                   <a:srgbClr val="008013"/>
                 </a:solidFill>
@@ -5563,7 +6065,7 @@
               <a:t>Resaltar</a:t>
             </a:r>
             <a:r>
-              <a:rPr lang="en-US" sz="1800" b="0" i="0">
+              <a:rPr lang="en-US" sz="1800" b="0" i="0" dirty="0">
                 <a:solidFill>
                   <a:srgbClr val="008013"/>
                 </a:solidFill>
@@ -5573,7 +6075,7 @@
               <a:t> </a:t>
             </a:r>
             <a:r>
-              <a:rPr lang="en-US" sz="1800" b="0" i="0" err="1">
+              <a:rPr lang="en-US" sz="1800" b="0" i="0" dirty="0" err="1">
                 <a:solidFill>
                   <a:srgbClr val="008013"/>
                 </a:solidFill>
@@ -5583,7 +6085,7 @@
               <a:t>los</a:t>
             </a:r>
             <a:r>
-              <a:rPr lang="en-US" sz="1800" b="0" i="0">
+              <a:rPr lang="en-US" sz="1800" b="0" i="0" dirty="0">
                 <a:solidFill>
                   <a:srgbClr val="008013"/>
                 </a:solidFill>
@@ -5593,7 +6095,7 @@
               <a:t> </a:t>
             </a:r>
             <a:r>
-              <a:rPr lang="en-US" sz="1800" b="0" i="0" err="1">
+              <a:rPr lang="en-US" sz="1800" b="0" i="0" dirty="0" err="1">
                 <a:solidFill>
                   <a:srgbClr val="008013"/>
                 </a:solidFill>
@@ -5602,28 +6104,28 @@
               </a:rPr>
               <a:t>ejes</a:t>
             </a:r>
-            <a:endParaRPr lang="en-US" sz="1800" b="0" i="0">
+            <a:endParaRPr lang="en-US" sz="1800" b="0" i="0" dirty="0">
               <a:effectLst/>
               <a:latin typeface="Menlo"/>
             </a:endParaRPr>
           </a:p>
           <a:p>
             <a:r>
-              <a:rPr lang="en-US" sz="1800" b="0" i="0">
+              <a:rPr lang="en-US" sz="1800" b="0" i="0" dirty="0">
                 <a:effectLst/>
                 <a:latin typeface="Menlo"/>
               </a:rPr>
               <a:t>ax = </a:t>
             </a:r>
             <a:r>
-              <a:rPr lang="en-US" sz="1800" b="0" i="0" err="1">
+              <a:rPr lang="en-US" sz="1800" b="0" i="0" dirty="0" err="1">
                 <a:effectLst/>
                 <a:latin typeface="Menlo"/>
               </a:rPr>
               <a:t>gca</a:t>
             </a:r>
             <a:r>
-              <a:rPr lang="en-US" sz="1800" b="0" i="0">
+              <a:rPr lang="en-US" sz="1800" b="0" i="0" dirty="0">
                 <a:effectLst/>
                 <a:latin typeface="Menlo"/>
               </a:rPr>
@@ -5632,21 +6134,21 @@
           </a:p>
           <a:p>
             <a:r>
-              <a:rPr lang="en-US" sz="1800" b="0" i="0" err="1">
+              <a:rPr lang="en-US" sz="1800" b="0" i="0" dirty="0" err="1">
                 <a:effectLst/>
                 <a:latin typeface="Menlo"/>
               </a:rPr>
               <a:t>ax.XAxisLocation</a:t>
             </a:r>
             <a:r>
-              <a:rPr lang="en-US" sz="1800" b="0" i="0">
+              <a:rPr lang="en-US" sz="1800" b="0" i="0" dirty="0">
                 <a:effectLst/>
                 <a:latin typeface="Menlo"/>
               </a:rPr>
               <a:t> = </a:t>
             </a:r>
             <a:r>
-              <a:rPr lang="en-US" sz="1800" b="0" i="0">
+              <a:rPr lang="en-US" sz="1800" b="0" i="0" dirty="0">
                 <a:solidFill>
                   <a:srgbClr val="A709F5"/>
                 </a:solidFill>
@@ -5656,14 +6158,14 @@
               <a:t>'origin'</a:t>
             </a:r>
             <a:r>
-              <a:rPr lang="en-US" sz="1800" b="0" i="0">
+              <a:rPr lang="en-US" sz="1800" b="0" i="0" dirty="0">
                 <a:effectLst/>
                 <a:latin typeface="Menlo"/>
               </a:rPr>
               <a:t>; </a:t>
             </a:r>
             <a:r>
-              <a:rPr lang="en-US" sz="1800" b="0" i="0">
+              <a:rPr lang="en-US" sz="1800" b="0" i="0" dirty="0">
                 <a:solidFill>
                   <a:srgbClr val="008013"/>
                 </a:solidFill>
@@ -5673,7 +6175,7 @@
               <a:t>% </a:t>
             </a:r>
             <a:r>
-              <a:rPr lang="en-US" sz="1800" b="0" i="0" err="1">
+              <a:rPr lang="en-US" sz="1800" b="0" i="0" dirty="0" err="1">
                 <a:solidFill>
                   <a:srgbClr val="008013"/>
                 </a:solidFill>
@@ -5683,7 +6185,7 @@
               <a:t>Ubicación</a:t>
             </a:r>
             <a:r>
-              <a:rPr lang="en-US" sz="1800" b="0" i="0">
+              <a:rPr lang="en-US" sz="1800" b="0" i="0" dirty="0">
                 <a:solidFill>
                   <a:srgbClr val="008013"/>
                 </a:solidFill>
@@ -5693,7 +6195,7 @@
               <a:t> del </a:t>
             </a:r>
             <a:r>
-              <a:rPr lang="en-US" sz="1800" b="0" i="0" err="1">
+              <a:rPr lang="en-US" sz="1800" b="0" i="0" dirty="0" err="1">
                 <a:solidFill>
                   <a:srgbClr val="008013"/>
                 </a:solidFill>
@@ -5703,7 +6205,7 @@
               <a:t>eje</a:t>
             </a:r>
             <a:r>
-              <a:rPr lang="en-US" sz="1800" b="0" i="0">
+              <a:rPr lang="en-US" sz="1800" b="0" i="0" dirty="0">
                 <a:solidFill>
                   <a:srgbClr val="008013"/>
                 </a:solidFill>
@@ -5713,7 +6215,7 @@
               <a:t> X </a:t>
             </a:r>
             <a:r>
-              <a:rPr lang="en-US" sz="1800" b="0" i="0" err="1">
+              <a:rPr lang="en-US" sz="1800" b="0" i="0" dirty="0" err="1">
                 <a:solidFill>
                   <a:srgbClr val="008013"/>
                 </a:solidFill>
@@ -5723,7 +6225,7 @@
               <a:t>en</a:t>
             </a:r>
             <a:r>
-              <a:rPr lang="en-US" sz="1800" b="0" i="0">
+              <a:rPr lang="en-US" sz="1800" b="0" i="0" dirty="0">
                 <a:solidFill>
                   <a:srgbClr val="008013"/>
                 </a:solidFill>
@@ -5733,7 +6235,7 @@
               <a:t> </a:t>
             </a:r>
             <a:r>
-              <a:rPr lang="en-US" sz="1800" b="0" i="0" err="1">
+              <a:rPr lang="en-US" sz="1800" b="0" i="0" dirty="0" err="1">
                 <a:solidFill>
                   <a:srgbClr val="008013"/>
                 </a:solidFill>
@@ -5743,7 +6245,7 @@
               <a:t>el</a:t>
             </a:r>
             <a:r>
-              <a:rPr lang="en-US" sz="1800" b="0" i="0">
+              <a:rPr lang="en-US" sz="1800" b="0" i="0" dirty="0">
                 <a:solidFill>
                   <a:srgbClr val="008013"/>
                 </a:solidFill>
@@ -5753,7 +6255,7 @@
               <a:t> </a:t>
             </a:r>
             <a:r>
-              <a:rPr lang="en-US" sz="1800" b="0" i="0" err="1">
+              <a:rPr lang="en-US" sz="1800" b="0" i="0" dirty="0" err="1">
                 <a:solidFill>
                   <a:srgbClr val="008013"/>
                 </a:solidFill>
@@ -5762,28 +6264,28 @@
               </a:rPr>
               <a:t>origen</a:t>
             </a:r>
-            <a:endParaRPr lang="en-US" sz="1800" b="0" i="0">
+            <a:endParaRPr lang="en-US" sz="1800" b="0" i="0" dirty="0">
               <a:effectLst/>
               <a:latin typeface="Menlo"/>
             </a:endParaRPr>
           </a:p>
           <a:p>
             <a:r>
-              <a:rPr lang="en-US" sz="1800" b="0" i="0" err="1">
+              <a:rPr lang="en-US" sz="1800" b="0" i="0" dirty="0" err="1">
                 <a:effectLst/>
                 <a:latin typeface="Menlo"/>
               </a:rPr>
               <a:t>ax.YAxisLocation</a:t>
             </a:r>
             <a:r>
-              <a:rPr lang="en-US" sz="1800" b="0" i="0">
+              <a:rPr lang="en-US" sz="1800" b="0" i="0" dirty="0">
                 <a:effectLst/>
                 <a:latin typeface="Menlo"/>
               </a:rPr>
               <a:t> = </a:t>
             </a:r>
             <a:r>
-              <a:rPr lang="en-US" sz="1800" b="0" i="0">
+              <a:rPr lang="en-US" sz="1800" b="0" i="0" dirty="0">
                 <a:solidFill>
                   <a:srgbClr val="A709F5"/>
                 </a:solidFill>
@@ -5793,14 +6295,14 @@
               <a:t>'origin'</a:t>
             </a:r>
             <a:r>
-              <a:rPr lang="en-US" sz="1800" b="0" i="0">
+              <a:rPr lang="en-US" sz="1800" b="0" i="0" dirty="0">
                 <a:effectLst/>
                 <a:latin typeface="Menlo"/>
               </a:rPr>
               <a:t>; </a:t>
             </a:r>
             <a:r>
-              <a:rPr lang="en-US" sz="1800" b="0" i="0">
+              <a:rPr lang="en-US" sz="1800" b="0" i="0" dirty="0">
                 <a:solidFill>
                   <a:srgbClr val="008013"/>
                 </a:solidFill>
@@ -5810,7 +6312,7 @@
               <a:t>% </a:t>
             </a:r>
             <a:r>
-              <a:rPr lang="en-US" sz="1800" b="0" i="0" err="1">
+              <a:rPr lang="en-US" sz="1800" b="0" i="0" dirty="0" err="1">
                 <a:solidFill>
                   <a:srgbClr val="008013"/>
                 </a:solidFill>
@@ -5820,7 +6322,7 @@
               <a:t>Ubicación</a:t>
             </a:r>
             <a:r>
-              <a:rPr lang="en-US" sz="1800" b="0" i="0">
+              <a:rPr lang="en-US" sz="1800" b="0" i="0" dirty="0">
                 <a:solidFill>
                   <a:srgbClr val="008013"/>
                 </a:solidFill>
@@ -5830,7 +6332,7 @@
               <a:t> del </a:t>
             </a:r>
             <a:r>
-              <a:rPr lang="en-US" sz="1800" b="0" i="0" err="1">
+              <a:rPr lang="en-US" sz="1800" b="0" i="0" dirty="0" err="1">
                 <a:solidFill>
                   <a:srgbClr val="008013"/>
                 </a:solidFill>
@@ -5840,7 +6342,7 @@
               <a:t>eje</a:t>
             </a:r>
             <a:r>
-              <a:rPr lang="en-US" sz="1800" b="0" i="0">
+              <a:rPr lang="en-US" sz="1800" b="0" i="0" dirty="0">
                 <a:solidFill>
                   <a:srgbClr val="008013"/>
                 </a:solidFill>
@@ -5850,7 +6352,7 @@
               <a:t> Y </a:t>
             </a:r>
             <a:r>
-              <a:rPr lang="en-US" sz="1800" b="0" i="0" err="1">
+              <a:rPr lang="en-US" sz="1800" b="0" i="0" dirty="0" err="1">
                 <a:solidFill>
                   <a:srgbClr val="008013"/>
                 </a:solidFill>
@@ -5860,7 +6362,7 @@
               <a:t>en</a:t>
             </a:r>
             <a:r>
-              <a:rPr lang="en-US" sz="1800" b="0" i="0">
+              <a:rPr lang="en-US" sz="1800" b="0" i="0" dirty="0">
                 <a:solidFill>
                   <a:srgbClr val="008013"/>
                 </a:solidFill>
@@ -5870,7 +6372,7 @@
               <a:t> </a:t>
             </a:r>
             <a:r>
-              <a:rPr lang="en-US" sz="1800" b="0" i="0" err="1">
+              <a:rPr lang="en-US" sz="1800" b="0" i="0" dirty="0" err="1">
                 <a:solidFill>
                   <a:srgbClr val="008013"/>
                 </a:solidFill>
@@ -5880,7 +6382,7 @@
               <a:t>el</a:t>
             </a:r>
             <a:r>
-              <a:rPr lang="en-US" sz="1800" b="0" i="0">
+              <a:rPr lang="en-US" sz="1800" b="0" i="0" dirty="0">
                 <a:solidFill>
                   <a:srgbClr val="008013"/>
                 </a:solidFill>
@@ -5890,7 +6392,7 @@
               <a:t> </a:t>
             </a:r>
             <a:r>
-              <a:rPr lang="en-US" sz="1800" b="0" i="0" err="1">
+              <a:rPr lang="en-US" sz="1800" b="0" i="0" dirty="0" err="1">
                 <a:solidFill>
                   <a:srgbClr val="008013"/>
                 </a:solidFill>
@@ -5899,26 +6401,26 @@
               </a:rPr>
               <a:t>origen</a:t>
             </a:r>
-            <a:endParaRPr lang="en-US" sz="1800" b="0" i="0">
+            <a:endParaRPr lang="en-US" sz="1800" b="0" i="0" dirty="0">
               <a:effectLst/>
               <a:latin typeface="Menlo"/>
             </a:endParaRPr>
           </a:p>
           <a:p>
             <a:br>
-              <a:rPr lang="en-US" sz="1800" b="0" i="0">
+              <a:rPr lang="en-US" sz="1800" b="0" i="0" dirty="0">
                 <a:effectLst/>
                 <a:latin typeface="Menlo"/>
               </a:rPr>
             </a:br>
-            <a:endParaRPr lang="en-US" sz="1800" b="0" i="0">
+            <a:endParaRPr lang="en-US" sz="1800" b="0" i="0" dirty="0">
               <a:effectLst/>
               <a:latin typeface="Menlo"/>
             </a:endParaRPr>
           </a:p>
           <a:p>
             <a:r>
-              <a:rPr lang="en-US" sz="1800" b="0" i="0">
+              <a:rPr lang="en-US" sz="1800" b="0" i="0" dirty="0">
                 <a:solidFill>
                   <a:srgbClr val="008013"/>
                 </a:solidFill>
@@ -5928,7 +6430,7 @@
               <a:t>% </a:t>
             </a:r>
             <a:r>
-              <a:rPr lang="en-US" sz="1800" b="0" i="0" err="1">
+              <a:rPr lang="en-US" sz="1800" b="0" i="0" dirty="0" err="1">
                 <a:solidFill>
                   <a:srgbClr val="008013"/>
                 </a:solidFill>
@@ -5938,7 +6440,7 @@
               <a:t>Agregar</a:t>
             </a:r>
             <a:r>
-              <a:rPr lang="en-US" sz="1800" b="0" i="0">
+              <a:rPr lang="en-US" sz="1800" b="0" i="0" dirty="0">
                 <a:solidFill>
                   <a:srgbClr val="008013"/>
                 </a:solidFill>
@@ -5948,7 +6450,7 @@
               <a:t> </a:t>
             </a:r>
             <a:r>
-              <a:rPr lang="en-US" sz="1800" b="0" i="0" err="1">
+              <a:rPr lang="en-US" sz="1800" b="0" i="0" dirty="0" err="1">
                 <a:solidFill>
                   <a:srgbClr val="008013"/>
                 </a:solidFill>
@@ -5958,7 +6460,7 @@
               <a:t>líneas</a:t>
             </a:r>
             <a:r>
-              <a:rPr lang="en-US" sz="1800" b="0" i="0">
+              <a:rPr lang="en-US" sz="1800" b="0" i="0" dirty="0">
                 <a:solidFill>
                   <a:srgbClr val="008013"/>
                 </a:solidFill>
@@ -5968,7 +6470,7 @@
               <a:t> </a:t>
             </a:r>
             <a:r>
-              <a:rPr lang="en-US" sz="1800" b="0" i="0" err="1">
+              <a:rPr lang="en-US" sz="1800" b="0" i="0" dirty="0" err="1">
                 <a:solidFill>
                   <a:srgbClr val="008013"/>
                 </a:solidFill>
@@ -5978,7 +6480,7 @@
               <a:t>punteadas</a:t>
             </a:r>
             <a:r>
-              <a:rPr lang="en-US" sz="1800" b="0" i="0">
+              <a:rPr lang="en-US" sz="1800" b="0" i="0" dirty="0">
                 <a:solidFill>
                   <a:srgbClr val="008013"/>
                 </a:solidFill>
@@ -5988,7 +6490,7 @@
               <a:t> </a:t>
             </a:r>
             <a:r>
-              <a:rPr lang="en-US" sz="1800" b="0" i="0" err="1">
+              <a:rPr lang="en-US" sz="1800" b="0" i="0" dirty="0" err="1">
                 <a:solidFill>
                   <a:srgbClr val="008013"/>
                 </a:solidFill>
@@ -5998,7 +6500,7 @@
               <a:t>en</a:t>
             </a:r>
             <a:r>
-              <a:rPr lang="en-US" sz="1800" b="0" i="0">
+              <a:rPr lang="en-US" sz="1800" b="0" i="0" dirty="0">
                 <a:solidFill>
                   <a:srgbClr val="008013"/>
                 </a:solidFill>
@@ -6008,7 +6510,7 @@
               <a:t> </a:t>
             </a:r>
             <a:r>
-              <a:rPr lang="en-US" sz="1800" b="0" i="0" err="1">
+              <a:rPr lang="en-US" sz="1800" b="0" i="0" dirty="0" err="1">
                 <a:solidFill>
                   <a:srgbClr val="008013"/>
                 </a:solidFill>
@@ -6018,7 +6520,7 @@
               <a:t>los</a:t>
             </a:r>
             <a:r>
-              <a:rPr lang="en-US" sz="1800" b="0" i="0">
+              <a:rPr lang="en-US" sz="1800" b="0" i="0" dirty="0">
                 <a:solidFill>
                   <a:srgbClr val="008013"/>
                 </a:solidFill>
@@ -6028,7 +6530,7 @@
               <a:t> </a:t>
             </a:r>
             <a:r>
-              <a:rPr lang="en-US" sz="1800" b="0" i="0" err="1">
+              <a:rPr lang="en-US" sz="1800" b="0" i="0" dirty="0" err="1">
                 <a:solidFill>
                   <a:srgbClr val="008013"/>
                 </a:solidFill>
@@ -6037,21 +6539,21 @@
               </a:rPr>
               <a:t>ejes</a:t>
             </a:r>
-            <a:endParaRPr lang="en-US" sz="1800" b="0" i="0">
+            <a:endParaRPr lang="en-US" sz="1800" b="0" i="0" dirty="0">
               <a:effectLst/>
               <a:latin typeface="Menlo"/>
             </a:endParaRPr>
           </a:p>
           <a:p>
             <a:r>
-              <a:rPr lang="en-US" sz="1800" b="0" i="0">
+              <a:rPr lang="en-US" sz="1800" b="0" i="0" dirty="0">
                 <a:effectLst/>
                 <a:latin typeface="Menlo"/>
               </a:rPr>
               <a:t>plot([-10 10], [0 0], </a:t>
             </a:r>
             <a:r>
-              <a:rPr lang="en-US" sz="1800" b="0" i="0">
+              <a:rPr lang="en-US" sz="1800" b="0" i="0" dirty="0">
                 <a:solidFill>
                   <a:srgbClr val="A709F5"/>
                 </a:solidFill>
@@ -6061,57 +6563,37 @@
               <a:t>'k--'</a:t>
             </a:r>
             <a:r>
-              <a:rPr lang="en-US" sz="1800" b="0" i="0">
+              <a:rPr lang="en-US" sz="1800" b="0" i="0" dirty="0">
                 <a:effectLst/>
                 <a:latin typeface="Menlo"/>
               </a:rPr>
               <a:t>); </a:t>
             </a:r>
             <a:r>
-              <a:rPr lang="en-US" sz="1800" b="0" i="0">
+              <a:rPr lang="en-US" sz="1800" b="0" i="0" dirty="0">
                 <a:solidFill>
                   <a:srgbClr val="008013"/>
                 </a:solidFill>
                 <a:effectLst/>
                 <a:latin typeface="Menlo"/>
               </a:rPr>
-              <a:t>% </a:t>
-            </a:r>
-            <a:r>
-              <a:rPr lang="en-US" sz="1800" b="0" i="0" err="1">
-                <a:solidFill>
-                  <a:srgbClr val="008013"/>
-                </a:solidFill>
-                <a:effectLst/>
-                <a:latin typeface="Menlo"/>
-              </a:rPr>
-              <a:t>Eje</a:t>
-            </a:r>
-            <a:r>
-              <a:rPr lang="en-US" sz="1800" b="0" i="0">
-                <a:solidFill>
-                  <a:srgbClr val="008013"/>
-                </a:solidFill>
-                <a:effectLst/>
-                <a:latin typeface="Menlo"/>
-              </a:rPr>
-              <a:t> X</a:t>
-            </a:r>
-            <a:endParaRPr lang="en-US" sz="1800" b="0" i="0">
+              <a:t>% Eje X</a:t>
+            </a:r>
+            <a:endParaRPr lang="en-US" sz="1800" b="0" i="0" dirty="0">
               <a:effectLst/>
               <a:latin typeface="Menlo"/>
             </a:endParaRPr>
           </a:p>
           <a:p>
             <a:r>
-              <a:rPr lang="en-US" sz="1800" b="0" i="0">
+              <a:rPr lang="en-US" sz="1800" b="0" i="0" dirty="0">
                 <a:effectLst/>
                 <a:latin typeface="Menlo"/>
               </a:rPr>
               <a:t>plot([0 0], [-10 10], </a:t>
             </a:r>
             <a:r>
-              <a:rPr lang="en-US" sz="1800" b="0" i="0">
+              <a:rPr lang="en-US" sz="1800" b="0" i="0" dirty="0">
                 <a:solidFill>
                   <a:srgbClr val="A709F5"/>
                 </a:solidFill>
@@ -6121,76 +6603,56 @@
               <a:t>'k--'</a:t>
             </a:r>
             <a:r>
-              <a:rPr lang="en-US" sz="1800" b="0" i="0">
+              <a:rPr lang="en-US" sz="1800" b="0" i="0" dirty="0">
                 <a:effectLst/>
                 <a:latin typeface="Menlo"/>
               </a:rPr>
               <a:t>); </a:t>
             </a:r>
             <a:r>
-              <a:rPr lang="en-US" sz="1800" b="0" i="0">
+              <a:rPr lang="en-US" sz="1800" b="0" i="0" dirty="0">
                 <a:solidFill>
                   <a:srgbClr val="008013"/>
                 </a:solidFill>
                 <a:effectLst/>
                 <a:latin typeface="Menlo"/>
               </a:rPr>
-              <a:t>% </a:t>
-            </a:r>
-            <a:r>
-              <a:rPr lang="en-US" sz="1800" b="0" i="0" err="1">
-                <a:solidFill>
-                  <a:srgbClr val="008013"/>
-                </a:solidFill>
-                <a:effectLst/>
-                <a:latin typeface="Menlo"/>
-              </a:rPr>
-              <a:t>Eje</a:t>
-            </a:r>
-            <a:r>
-              <a:rPr lang="en-US" sz="1800" b="0" i="0">
-                <a:solidFill>
-                  <a:srgbClr val="008013"/>
-                </a:solidFill>
-                <a:effectLst/>
-                <a:latin typeface="Menlo"/>
-              </a:rPr>
-              <a:t> Y</a:t>
-            </a:r>
-            <a:endParaRPr lang="en-US" sz="1800" b="0" i="0">
+              <a:t>% Eje Y</a:t>
+            </a:r>
+            <a:endParaRPr lang="en-US" sz="1800" b="0" i="0" dirty="0">
               <a:effectLst/>
               <a:latin typeface="Menlo"/>
             </a:endParaRPr>
           </a:p>
           <a:p>
             <a:br>
-              <a:rPr lang="en-US" sz="1800" b="0" i="0">
+              <a:rPr lang="en-US" sz="1800" b="0" i="0" dirty="0">
                 <a:effectLst/>
                 <a:latin typeface="Menlo"/>
               </a:rPr>
             </a:br>
-            <a:endParaRPr lang="en-US" sz="1800" b="0" i="0">
+            <a:endParaRPr lang="en-US" sz="1800" b="0" i="0" dirty="0">
               <a:effectLst/>
               <a:latin typeface="Menlo"/>
             </a:endParaRPr>
           </a:p>
           <a:p>
             <a:r>
-              <a:rPr lang="en-US" sz="1800" b="0" i="0" err="1">
+              <a:rPr lang="en-US" sz="1800" b="0" i="0" dirty="0" err="1">
                 <a:effectLst/>
                 <a:latin typeface="Menlo"/>
               </a:rPr>
               <a:t>xlabel</a:t>
             </a:r>
             <a:r>
-              <a:rPr lang="en-US" sz="1800" b="0" i="0">
+              <a:rPr lang="en-US" sz="1800" b="0" i="0" dirty="0">
                 <a:effectLst/>
                 <a:latin typeface="Menlo"/>
               </a:rPr>
               <a:t>(</a:t>
             </a:r>
             <a:r>
-              <a:rPr lang="en-US" sz="1800" b="0" i="0">
+              <a:rPr lang="en-US" sz="1800" b="0" i="0" dirty="0">
                 <a:solidFill>
                   <a:srgbClr val="A709F5"/>
                 </a:solidFill>
@@ -6200,7 +6662,7 @@
               <a:t>'</a:t>
             </a:r>
             <a:r>
-              <a:rPr lang="en-US" sz="1800" b="0" i="0" err="1">
+              <a:rPr lang="en-US" sz="1800" b="0" i="0" dirty="0" err="1">
                 <a:solidFill>
                   <a:srgbClr val="A709F5"/>
                 </a:solidFill>
@@ -6210,7 +6672,7 @@
               <a:t>Parte</a:t>
             </a:r>
             <a:r>
-              <a:rPr lang="en-US" sz="1800" b="0" i="0">
+              <a:rPr lang="en-US" sz="1800" b="0" i="0" dirty="0">
                 <a:solidFill>
                   <a:srgbClr val="A709F5"/>
                 </a:solidFill>
@@ -6220,7 +6682,7 @@
               <a:t> Real'</a:t>
             </a:r>
             <a:r>
-              <a:rPr lang="en-US" sz="1800" b="0" i="0">
+              <a:rPr lang="en-US" sz="1800" b="0" i="0" dirty="0">
                 <a:effectLst/>
                 <a:latin typeface="Menlo"/>
               </a:rPr>
@@ -6229,21 +6691,21 @@
           </a:p>
           <a:p>
             <a:r>
-              <a:rPr lang="en-US" sz="1800" b="0" i="0" err="1">
+              <a:rPr lang="en-US" sz="1800" b="0" i="0" dirty="0" err="1">
                 <a:effectLst/>
                 <a:latin typeface="Menlo"/>
               </a:rPr>
               <a:t>ylabel</a:t>
             </a:r>
             <a:r>
-              <a:rPr lang="en-US" sz="1800" b="0" i="0">
+              <a:rPr lang="en-US" sz="1800" b="0" i="0" dirty="0">
                 <a:effectLst/>
                 <a:latin typeface="Menlo"/>
               </a:rPr>
               <a:t>(</a:t>
             </a:r>
             <a:r>
-              <a:rPr lang="en-US" sz="1800" b="0" i="0">
+              <a:rPr lang="en-US" sz="1800" b="0" i="0" dirty="0">
                 <a:solidFill>
                   <a:srgbClr val="A709F5"/>
                 </a:solidFill>
@@ -6253,7 +6715,7 @@
               <a:t>'</a:t>
             </a:r>
             <a:r>
-              <a:rPr lang="en-US" sz="1800" b="0" i="0" err="1">
+              <a:rPr lang="en-US" sz="1800" b="0" i="0" dirty="0" err="1">
                 <a:solidFill>
                   <a:srgbClr val="A709F5"/>
                 </a:solidFill>
@@ -6263,7 +6725,7 @@
               <a:t>Parte</a:t>
             </a:r>
             <a:r>
-              <a:rPr lang="en-US" sz="1800" b="0" i="0">
+              <a:rPr lang="en-US" sz="1800" b="0" i="0" dirty="0">
                 <a:solidFill>
                   <a:srgbClr val="A709F5"/>
                 </a:solidFill>
@@ -6273,7 +6735,7 @@
               <a:t> </a:t>
             </a:r>
             <a:r>
-              <a:rPr lang="en-US" sz="1800" b="0" i="0" err="1">
+              <a:rPr lang="en-US" sz="1800" b="0" i="0" dirty="0" err="1">
                 <a:solidFill>
                   <a:srgbClr val="A709F5"/>
                 </a:solidFill>
@@ -6283,7 +6745,7 @@
               <a:t>Imaginaria</a:t>
             </a:r>
             <a:r>
-              <a:rPr lang="en-US" sz="1800" b="0" i="0">
+              <a:rPr lang="en-US" sz="1800" b="0" i="0" dirty="0">
                 <a:solidFill>
                   <a:srgbClr val="A709F5"/>
                 </a:solidFill>
@@ -6293,7 +6755,7 @@
               <a:t>'</a:t>
             </a:r>
             <a:r>
-              <a:rPr lang="en-US" sz="1800" b="0" i="0">
+              <a:rPr lang="en-US" sz="1800" b="0" i="0" dirty="0">
                 <a:effectLst/>
                 <a:latin typeface="Menlo"/>
               </a:rPr>
@@ -6302,14 +6764,14 @@
           </a:p>
           <a:p>
             <a:r>
-              <a:rPr lang="en-US" sz="1800" b="0" i="0">
+              <a:rPr lang="en-US" sz="1800" b="0" i="0" dirty="0">
                 <a:effectLst/>
                 <a:latin typeface="Menlo"/>
               </a:rPr>
               <a:t>title(</a:t>
             </a:r>
             <a:r>
-              <a:rPr lang="en-US" sz="1800" b="0" i="0">
+              <a:rPr lang="en-US" sz="1800" b="0" i="0" dirty="0">
                 <a:solidFill>
                   <a:srgbClr val="A709F5"/>
                 </a:solidFill>
@@ -6319,7 +6781,7 @@
               <a:t>'Polos y Ceros del Sistema'</a:t>
             </a:r>
             <a:r>
-              <a:rPr lang="en-US" sz="1800" b="0" i="0">
+              <a:rPr lang="en-US" sz="1800" b="0" i="0" dirty="0">
                 <a:effectLst/>
                 <a:latin typeface="Menlo"/>
               </a:rPr>
@@ -6328,14 +6790,14 @@
           </a:p>
           <a:p>
             <a:r>
-              <a:rPr lang="en-US" sz="1800" b="0" i="0">
+              <a:rPr lang="en-US" sz="1800" b="0" i="0" dirty="0">
                 <a:effectLst/>
                 <a:latin typeface="Menlo"/>
               </a:rPr>
               <a:t>legend(</a:t>
             </a:r>
             <a:r>
-              <a:rPr lang="en-US" sz="1800" b="0" i="0">
+              <a:rPr lang="en-US" sz="1800" b="0" i="0" dirty="0">
                 <a:solidFill>
                   <a:srgbClr val="A709F5"/>
                 </a:solidFill>
@@ -6345,14 +6807,14 @@
               <a:t>'Polos'</a:t>
             </a:r>
             <a:r>
-              <a:rPr lang="en-US" sz="1800" b="0" i="0">
+              <a:rPr lang="en-US" sz="1800" b="0" i="0" dirty="0">
                 <a:effectLst/>
                 <a:latin typeface="Menlo"/>
               </a:rPr>
               <a:t>, </a:t>
             </a:r>
             <a:r>
-              <a:rPr lang="en-US" sz="1800" b="0" i="0">
+              <a:rPr lang="en-US" sz="1800" b="0" i="0" dirty="0">
                 <a:solidFill>
                   <a:srgbClr val="A709F5"/>
                 </a:solidFill>
@@ -6362,7 +6824,7 @@
               <a:t>'Ceros'</a:t>
             </a:r>
             <a:r>
-              <a:rPr lang="en-US" sz="1800" b="0" i="0">
+              <a:rPr lang="en-US" sz="1800" b="0" i="0" dirty="0">
                 <a:effectLst/>
                 <a:latin typeface="Menlo"/>
               </a:rPr>
@@ -6371,14 +6833,14 @@
           </a:p>
           <a:p>
             <a:r>
-              <a:rPr lang="en-US" sz="1800" b="0" i="0">
+              <a:rPr lang="en-US" sz="1800" b="0" i="0" dirty="0">
                 <a:effectLst/>
                 <a:latin typeface="Menlo"/>
               </a:rPr>
               <a:t>grid </a:t>
             </a:r>
             <a:r>
-              <a:rPr lang="en-US" sz="1800" b="0" i="0">
+              <a:rPr lang="en-US" sz="1800" b="0" i="0" dirty="0">
                 <a:solidFill>
                   <a:srgbClr val="A709F5"/>
                 </a:solidFill>
@@ -6388,7 +6850,7 @@
               <a:t>on</a:t>
             </a:r>
             <a:r>
-              <a:rPr lang="en-US" sz="1800" b="0" i="0">
+              <a:rPr lang="en-US" sz="1800" b="0" i="0" dirty="0">
                 <a:effectLst/>
                 <a:latin typeface="Menlo"/>
               </a:rPr>
@@ -7751,831 +8213,23 @@
         <p:spPr/>
         <p:txBody>
           <a:bodyPr>
-            <a:normAutofit fontScale="62500" lnSpcReduction="20000"/>
+            <a:normAutofit fontScale="55000" lnSpcReduction="20000"/>
           </a:bodyPr>
           <a:lstStyle/>
           <a:p>
-            <a:r>
-              <a:rPr lang="en-US" sz="1800" b="0" i="0">
-                <a:solidFill>
-                  <a:srgbClr val="008013"/>
-                </a:solidFill>
-                <a:effectLst/>
-                <a:latin typeface="Menlo"/>
-              </a:rPr>
-              <a:t>% </a:t>
-            </a:r>
-            <a:r>
-              <a:rPr lang="en-US" sz="1800" b="0" i="0" err="1">
-                <a:solidFill>
-                  <a:srgbClr val="008013"/>
-                </a:solidFill>
-                <a:effectLst/>
-                <a:latin typeface="Menlo"/>
-              </a:rPr>
-              <a:t>Definir</a:t>
-            </a:r>
-            <a:r>
-              <a:rPr lang="en-US" sz="1800" b="0" i="0">
-                <a:solidFill>
-                  <a:srgbClr val="008013"/>
-                </a:solidFill>
-                <a:effectLst/>
-                <a:latin typeface="Menlo"/>
-              </a:rPr>
-              <a:t> la variable </a:t>
-            </a:r>
-            <a:r>
-              <a:rPr lang="en-US" sz="1800" b="0" i="0" err="1">
-                <a:solidFill>
-                  <a:srgbClr val="008013"/>
-                </a:solidFill>
-                <a:effectLst/>
-                <a:latin typeface="Menlo"/>
-              </a:rPr>
-              <a:t>compleja</a:t>
-            </a:r>
-            <a:r>
-              <a:rPr lang="en-US" sz="1800" b="0" i="0">
-                <a:solidFill>
-                  <a:srgbClr val="008013"/>
-                </a:solidFill>
-                <a:effectLst/>
-                <a:latin typeface="Menlo"/>
-              </a:rPr>
-              <a:t> Z</a:t>
-            </a:r>
-            <a:endParaRPr lang="en-US" sz="1800" b="0" i="0">
+            <a:br>
+              <a:rPr lang="es-ES" sz="1800" b="0" i="0" dirty="0">
+                <a:effectLst/>
+                <a:latin typeface="Menlo"/>
+              </a:rPr>
+            </a:br>
+            <a:endParaRPr lang="es-ES" sz="1800" b="0" i="0" dirty="0">
               <a:effectLst/>
               <a:latin typeface="Menlo"/>
             </a:endParaRPr>
           </a:p>
           <a:p>
-            <a:r>
-              <a:rPr lang="en-US" sz="1800" b="0" i="0">
-                <a:effectLst/>
-                <a:latin typeface="Menlo"/>
-              </a:rPr>
-              <a:t>Re = -2:0.001:2;</a:t>
-            </a:r>
-          </a:p>
-          <a:p>
-            <a:r>
-              <a:rPr lang="en-US" sz="1800" b="0" i="0" err="1">
-                <a:effectLst/>
-                <a:latin typeface="Menlo"/>
-              </a:rPr>
-              <a:t>Im</a:t>
-            </a:r>
-            <a:r>
-              <a:rPr lang="en-US" sz="1800" b="0" i="0">
-                <a:effectLst/>
-                <a:latin typeface="Menlo"/>
-              </a:rPr>
-              <a:t> = -2:0.001:2;</a:t>
-            </a:r>
-          </a:p>
-          <a:p>
-            <a:r>
-              <a:rPr lang="en-US" sz="1800" b="0" i="0">
-                <a:effectLst/>
-                <a:latin typeface="Menlo"/>
-              </a:rPr>
-              <a:t>[</a:t>
-            </a:r>
-            <a:r>
-              <a:rPr lang="en-US" sz="1800" b="0" i="0" err="1">
-                <a:effectLst/>
-                <a:latin typeface="Menlo"/>
-              </a:rPr>
-              <a:t>Z_Re</a:t>
-            </a:r>
-            <a:r>
-              <a:rPr lang="en-US" sz="1800" b="0" i="0">
-                <a:effectLst/>
-                <a:latin typeface="Menlo"/>
-              </a:rPr>
-              <a:t>, </a:t>
-            </a:r>
-            <a:r>
-              <a:rPr lang="en-US" sz="1800" b="0" i="0" err="1">
-                <a:effectLst/>
-                <a:latin typeface="Menlo"/>
-              </a:rPr>
-              <a:t>Z_Im</a:t>
-            </a:r>
-            <a:r>
-              <a:rPr lang="en-US" sz="1800" b="0" i="0">
-                <a:effectLst/>
-                <a:latin typeface="Menlo"/>
-              </a:rPr>
-              <a:t>] = </a:t>
-            </a:r>
-            <a:r>
-              <a:rPr lang="en-US" sz="1800" b="0" i="0" err="1">
-                <a:effectLst/>
-                <a:latin typeface="Menlo"/>
-              </a:rPr>
-              <a:t>meshgrid</a:t>
-            </a:r>
-            <a:r>
-              <a:rPr lang="en-US" sz="1800" b="0" i="0">
-                <a:effectLst/>
-                <a:latin typeface="Menlo"/>
-              </a:rPr>
-              <a:t>(Re, </a:t>
-            </a:r>
-            <a:r>
-              <a:rPr lang="en-US" sz="1800" b="0" i="0" err="1">
-                <a:effectLst/>
-                <a:latin typeface="Menlo"/>
-              </a:rPr>
-              <a:t>Im</a:t>
-            </a:r>
-            <a:r>
-              <a:rPr lang="en-US" sz="1800" b="0" i="0">
-                <a:effectLst/>
-                <a:latin typeface="Menlo"/>
-              </a:rPr>
-              <a:t>);</a:t>
-            </a:r>
-          </a:p>
-          <a:p>
-            <a:r>
-              <a:rPr lang="en-US" sz="1800" b="0" i="0">
-                <a:effectLst/>
-                <a:latin typeface="Menlo"/>
-              </a:rPr>
-              <a:t>Z = </a:t>
-            </a:r>
-            <a:r>
-              <a:rPr lang="en-US" sz="1800" b="0" i="0" err="1">
-                <a:effectLst/>
-                <a:latin typeface="Menlo"/>
-              </a:rPr>
-              <a:t>Z_Re</a:t>
-            </a:r>
-            <a:r>
-              <a:rPr lang="en-US" sz="1800" b="0" i="0">
-                <a:effectLst/>
-                <a:latin typeface="Menlo"/>
-              </a:rPr>
-              <a:t> + 1i * </a:t>
-            </a:r>
-            <a:r>
-              <a:rPr lang="en-US" sz="1800" b="0" i="0" err="1">
-                <a:effectLst/>
-                <a:latin typeface="Menlo"/>
-              </a:rPr>
-              <a:t>Z_Im</a:t>
-            </a:r>
-            <a:r>
-              <a:rPr lang="en-US" sz="1800" b="0" i="0">
-                <a:effectLst/>
-                <a:latin typeface="Menlo"/>
-              </a:rPr>
-              <a:t>;</a:t>
-            </a:r>
-          </a:p>
-          <a:p>
-            <a:br>
-              <a:rPr lang="en-US" sz="1800" b="0" i="0">
-                <a:effectLst/>
-                <a:latin typeface="Menlo"/>
-              </a:rPr>
-            </a:br>
-            <a:endParaRPr lang="en-US" sz="1800" b="0" i="0">
-              <a:effectLst/>
-              <a:latin typeface="Menlo"/>
-            </a:endParaRPr>
-          </a:p>
-          <a:p>
-            <a:r>
-              <a:rPr lang="en-US" sz="1800" b="0" i="0">
-                <a:solidFill>
-                  <a:srgbClr val="008013"/>
-                </a:solidFill>
-                <a:effectLst/>
-                <a:latin typeface="Menlo"/>
-              </a:rPr>
-              <a:t>% </a:t>
-            </a:r>
-            <a:r>
-              <a:rPr lang="en-US" sz="1800" b="0" i="0" err="1">
-                <a:solidFill>
-                  <a:srgbClr val="008013"/>
-                </a:solidFill>
-                <a:effectLst/>
-                <a:latin typeface="Menlo"/>
-              </a:rPr>
-              <a:t>Definir</a:t>
-            </a:r>
-            <a:r>
-              <a:rPr lang="en-US" sz="1800" b="0" i="0">
-                <a:solidFill>
-                  <a:srgbClr val="008013"/>
-                </a:solidFill>
-                <a:effectLst/>
-                <a:latin typeface="Menlo"/>
-              </a:rPr>
-              <a:t> la ROC del </a:t>
-            </a:r>
-            <a:r>
-              <a:rPr lang="en-US" sz="1800" b="0" i="0" err="1">
-                <a:solidFill>
-                  <a:srgbClr val="008013"/>
-                </a:solidFill>
-                <a:effectLst/>
-                <a:latin typeface="Menlo"/>
-              </a:rPr>
-              <a:t>escalón</a:t>
-            </a:r>
-            <a:r>
-              <a:rPr lang="en-US" sz="1800" b="0" i="0">
-                <a:solidFill>
-                  <a:srgbClr val="008013"/>
-                </a:solidFill>
-                <a:effectLst/>
-                <a:latin typeface="Menlo"/>
-              </a:rPr>
-              <a:t> </a:t>
-            </a:r>
-            <a:r>
-              <a:rPr lang="en-US" sz="1800" b="0" i="0" err="1">
-                <a:solidFill>
-                  <a:srgbClr val="008013"/>
-                </a:solidFill>
-                <a:effectLst/>
-                <a:latin typeface="Menlo"/>
-              </a:rPr>
-              <a:t>unitario</a:t>
-            </a:r>
-            <a:endParaRPr lang="en-US" sz="1800" b="0" i="0">
-              <a:effectLst/>
-              <a:latin typeface="Menlo"/>
-            </a:endParaRPr>
-          </a:p>
-          <a:p>
-            <a:r>
-              <a:rPr lang="en-US" sz="1800" b="0" i="0">
-                <a:effectLst/>
-                <a:latin typeface="Menlo"/>
-              </a:rPr>
-              <a:t>ROC = abs(Z) &gt; 1;</a:t>
-            </a:r>
-          </a:p>
-          <a:p>
-            <a:br>
-              <a:rPr lang="en-US" sz="1800" b="0" i="0">
-                <a:effectLst/>
-                <a:latin typeface="Menlo"/>
-              </a:rPr>
-            </a:br>
-            <a:endParaRPr lang="en-US" sz="1800" b="0" i="0">
-              <a:effectLst/>
-              <a:latin typeface="Menlo"/>
-            </a:endParaRPr>
-          </a:p>
-          <a:p>
-            <a:r>
-              <a:rPr lang="en-US" sz="1800" b="0" i="0">
-                <a:solidFill>
-                  <a:srgbClr val="008013"/>
-                </a:solidFill>
-                <a:effectLst/>
-                <a:latin typeface="Menlo"/>
-              </a:rPr>
-              <a:t>% </a:t>
-            </a:r>
-            <a:r>
-              <a:rPr lang="en-US" sz="1800" b="0" i="0" err="1">
-                <a:solidFill>
-                  <a:srgbClr val="008013"/>
-                </a:solidFill>
-                <a:effectLst/>
-                <a:latin typeface="Menlo"/>
-              </a:rPr>
-              <a:t>Graficar</a:t>
-            </a:r>
-            <a:r>
-              <a:rPr lang="en-US" sz="1800" b="0" i="0">
-                <a:solidFill>
-                  <a:srgbClr val="008013"/>
-                </a:solidFill>
-                <a:effectLst/>
-                <a:latin typeface="Menlo"/>
-              </a:rPr>
-              <a:t> la ROC</a:t>
-            </a:r>
-            <a:endParaRPr lang="en-US" sz="1800" b="0" i="0">
-              <a:effectLst/>
-              <a:latin typeface="Menlo"/>
-            </a:endParaRPr>
-          </a:p>
-          <a:p>
-            <a:r>
-              <a:rPr lang="en-US" sz="1800" b="0" i="0">
-                <a:effectLst/>
-                <a:latin typeface="Menlo"/>
-              </a:rPr>
-              <a:t>figure;</a:t>
-            </a:r>
-          </a:p>
-          <a:p>
-            <a:r>
-              <a:rPr lang="en-US" sz="1800" b="0" i="0" err="1">
-                <a:effectLst/>
-                <a:latin typeface="Menlo"/>
-              </a:rPr>
-              <a:t>imshow</a:t>
-            </a:r>
-            <a:r>
-              <a:rPr lang="en-US" sz="1800" b="0" i="0">
-                <a:effectLst/>
-                <a:latin typeface="Menlo"/>
-              </a:rPr>
-              <a:t>(ROC, </a:t>
-            </a:r>
-            <a:r>
-              <a:rPr lang="en-US" sz="1800" b="0" i="0">
-                <a:solidFill>
-                  <a:srgbClr val="A709F5"/>
-                </a:solidFill>
-                <a:effectLst/>
-                <a:latin typeface="Menlo"/>
-              </a:rPr>
-              <a:t>'</a:t>
-            </a:r>
-            <a:r>
-              <a:rPr lang="en-US" sz="1800" b="0" i="0" err="1">
-                <a:solidFill>
-                  <a:srgbClr val="A709F5"/>
-                </a:solidFill>
-                <a:effectLst/>
-                <a:latin typeface="Menlo"/>
-              </a:rPr>
-              <a:t>XData</a:t>
-            </a:r>
-            <a:r>
-              <a:rPr lang="en-US" sz="1800" b="0" i="0">
-                <a:solidFill>
-                  <a:srgbClr val="A709F5"/>
-                </a:solidFill>
-                <a:effectLst/>
-                <a:latin typeface="Menlo"/>
-              </a:rPr>
-              <a:t>'</a:t>
-            </a:r>
-            <a:r>
-              <a:rPr lang="en-US" sz="1800" b="0" i="0">
-                <a:effectLst/>
-                <a:latin typeface="Menlo"/>
-              </a:rPr>
-              <a:t>, Re, </a:t>
-            </a:r>
-            <a:r>
-              <a:rPr lang="en-US" sz="1800" b="0" i="0">
-                <a:solidFill>
-                  <a:srgbClr val="A709F5"/>
-                </a:solidFill>
-                <a:effectLst/>
-                <a:latin typeface="Menlo"/>
-              </a:rPr>
-              <a:t>'</a:t>
-            </a:r>
-            <a:r>
-              <a:rPr lang="en-US" sz="1800" b="0" i="0" err="1">
-                <a:solidFill>
-                  <a:srgbClr val="A709F5"/>
-                </a:solidFill>
-                <a:effectLst/>
-                <a:latin typeface="Menlo"/>
-              </a:rPr>
-              <a:t>YData</a:t>
-            </a:r>
-            <a:r>
-              <a:rPr lang="en-US" sz="1800" b="0" i="0">
-                <a:solidFill>
-                  <a:srgbClr val="A709F5"/>
-                </a:solidFill>
-                <a:effectLst/>
-                <a:latin typeface="Menlo"/>
-              </a:rPr>
-              <a:t>'</a:t>
-            </a:r>
-            <a:r>
-              <a:rPr lang="en-US" sz="1800" b="0" i="0">
-                <a:effectLst/>
-                <a:latin typeface="Menlo"/>
-              </a:rPr>
-              <a:t>, </a:t>
-            </a:r>
-            <a:r>
-              <a:rPr lang="en-US" sz="1800" b="0" i="0" err="1">
-                <a:effectLst/>
-                <a:latin typeface="Menlo"/>
-              </a:rPr>
-              <a:t>Im</a:t>
-            </a:r>
-            <a:r>
-              <a:rPr lang="en-US" sz="1800" b="0" i="0">
-                <a:effectLst/>
-                <a:latin typeface="Menlo"/>
-              </a:rPr>
-              <a:t>);</a:t>
-            </a:r>
-          </a:p>
-          <a:p>
-            <a:r>
-              <a:rPr lang="en-US" sz="1800" b="0" i="0">
-                <a:effectLst/>
-                <a:latin typeface="Menlo"/>
-              </a:rPr>
-              <a:t>title(</a:t>
-            </a:r>
-            <a:r>
-              <a:rPr lang="en-US" sz="1800" b="0" i="0">
-                <a:solidFill>
-                  <a:srgbClr val="A709F5"/>
-                </a:solidFill>
-                <a:effectLst/>
-                <a:latin typeface="Menlo"/>
-              </a:rPr>
-              <a:t>'</a:t>
-            </a:r>
-            <a:r>
-              <a:rPr lang="en-US" sz="1800" b="0" i="0" err="1">
-                <a:solidFill>
-                  <a:srgbClr val="A709F5"/>
-                </a:solidFill>
-                <a:effectLst/>
-                <a:latin typeface="Menlo"/>
-              </a:rPr>
-              <a:t>Región</a:t>
-            </a:r>
-            <a:r>
-              <a:rPr lang="en-US" sz="1800" b="0" i="0">
-                <a:solidFill>
-                  <a:srgbClr val="A709F5"/>
-                </a:solidFill>
-                <a:effectLst/>
-                <a:latin typeface="Menlo"/>
-              </a:rPr>
-              <a:t> de </a:t>
-            </a:r>
-            <a:r>
-              <a:rPr lang="en-US" sz="1800" b="0" i="0" err="1">
-                <a:solidFill>
-                  <a:srgbClr val="A709F5"/>
-                </a:solidFill>
-                <a:effectLst/>
-                <a:latin typeface="Menlo"/>
-              </a:rPr>
-              <a:t>Convergencia</a:t>
-            </a:r>
-            <a:r>
-              <a:rPr lang="en-US" sz="1800" b="0" i="0">
-                <a:solidFill>
-                  <a:srgbClr val="A709F5"/>
-                </a:solidFill>
-                <a:effectLst/>
-                <a:latin typeface="Menlo"/>
-              </a:rPr>
-              <a:t> (ROC) del </a:t>
-            </a:r>
-            <a:r>
-              <a:rPr lang="en-US" sz="1800" b="0" i="0" err="1">
-                <a:solidFill>
-                  <a:srgbClr val="A709F5"/>
-                </a:solidFill>
-                <a:effectLst/>
-                <a:latin typeface="Menlo"/>
-              </a:rPr>
-              <a:t>Escalón</a:t>
-            </a:r>
-            <a:r>
-              <a:rPr lang="en-US" sz="1800" b="0" i="0">
-                <a:solidFill>
-                  <a:srgbClr val="A709F5"/>
-                </a:solidFill>
-                <a:effectLst/>
-                <a:latin typeface="Menlo"/>
-              </a:rPr>
-              <a:t> </a:t>
-            </a:r>
-            <a:r>
-              <a:rPr lang="en-US" sz="1800" b="0" i="0" err="1">
-                <a:solidFill>
-                  <a:srgbClr val="A709F5"/>
-                </a:solidFill>
-                <a:effectLst/>
-                <a:latin typeface="Menlo"/>
-              </a:rPr>
-              <a:t>Unitario</a:t>
-            </a:r>
-            <a:r>
-              <a:rPr lang="en-US" sz="1800" b="0" i="0">
-                <a:solidFill>
-                  <a:srgbClr val="A709F5"/>
-                </a:solidFill>
-                <a:effectLst/>
-                <a:latin typeface="Menlo"/>
-              </a:rPr>
-              <a:t> </a:t>
-            </a:r>
-            <a:r>
-              <a:rPr lang="en-US" sz="1800" b="0" i="0" err="1">
-                <a:solidFill>
-                  <a:srgbClr val="A709F5"/>
-                </a:solidFill>
-                <a:effectLst/>
-                <a:latin typeface="Menlo"/>
-              </a:rPr>
-              <a:t>en</a:t>
-            </a:r>
-            <a:r>
-              <a:rPr lang="en-US" sz="1800" b="0" i="0">
-                <a:solidFill>
-                  <a:srgbClr val="A709F5"/>
-                </a:solidFill>
-                <a:effectLst/>
-                <a:latin typeface="Menlo"/>
-              </a:rPr>
-              <a:t> </a:t>
-            </a:r>
-            <a:r>
-              <a:rPr lang="en-US" sz="1800" b="0" i="0" err="1">
-                <a:solidFill>
-                  <a:srgbClr val="A709F5"/>
-                </a:solidFill>
-                <a:effectLst/>
-                <a:latin typeface="Menlo"/>
-              </a:rPr>
-              <a:t>el</a:t>
-            </a:r>
-            <a:r>
-              <a:rPr lang="en-US" sz="1800" b="0" i="0">
-                <a:solidFill>
-                  <a:srgbClr val="A709F5"/>
-                </a:solidFill>
-                <a:effectLst/>
-                <a:latin typeface="Menlo"/>
-              </a:rPr>
-              <a:t> </a:t>
-            </a:r>
-            <a:r>
-              <a:rPr lang="en-US" sz="1800" b="0" i="0" err="1">
-                <a:solidFill>
-                  <a:srgbClr val="A709F5"/>
-                </a:solidFill>
-                <a:effectLst/>
-                <a:latin typeface="Menlo"/>
-              </a:rPr>
-              <a:t>Dominio</a:t>
-            </a:r>
-            <a:r>
-              <a:rPr lang="en-US" sz="1800" b="0" i="0">
-                <a:solidFill>
-                  <a:srgbClr val="A709F5"/>
-                </a:solidFill>
-                <a:effectLst/>
-                <a:latin typeface="Menlo"/>
-              </a:rPr>
-              <a:t> Z'</a:t>
-            </a:r>
-            <a:r>
-              <a:rPr lang="en-US" sz="1800" b="0" i="0">
-                <a:effectLst/>
-                <a:latin typeface="Menlo"/>
-              </a:rPr>
-              <a:t>);</a:t>
-            </a:r>
-          </a:p>
-          <a:p>
-            <a:r>
-              <a:rPr lang="en-US" sz="1800" b="0" i="0" err="1">
-                <a:effectLst/>
-                <a:latin typeface="Menlo"/>
-              </a:rPr>
-              <a:t>xlabel</a:t>
-            </a:r>
-            <a:r>
-              <a:rPr lang="en-US" sz="1800" b="0" i="0">
-                <a:effectLst/>
-                <a:latin typeface="Menlo"/>
-              </a:rPr>
-              <a:t>(</a:t>
-            </a:r>
-            <a:r>
-              <a:rPr lang="en-US" sz="1800" b="0" i="0">
-                <a:solidFill>
-                  <a:srgbClr val="A709F5"/>
-                </a:solidFill>
-                <a:effectLst/>
-                <a:latin typeface="Menlo"/>
-              </a:rPr>
-              <a:t>'</a:t>
-            </a:r>
-            <a:r>
-              <a:rPr lang="en-US" sz="1800" b="0" i="0" err="1">
-                <a:solidFill>
-                  <a:srgbClr val="A709F5"/>
-                </a:solidFill>
-                <a:effectLst/>
-                <a:latin typeface="Menlo"/>
-              </a:rPr>
-              <a:t>Parte</a:t>
-            </a:r>
-            <a:r>
-              <a:rPr lang="en-US" sz="1800" b="0" i="0">
-                <a:solidFill>
-                  <a:srgbClr val="A709F5"/>
-                </a:solidFill>
-                <a:effectLst/>
-                <a:latin typeface="Menlo"/>
-              </a:rPr>
-              <a:t> Real'</a:t>
-            </a:r>
-            <a:r>
-              <a:rPr lang="en-US" sz="1800" b="0" i="0">
-                <a:effectLst/>
-                <a:latin typeface="Menlo"/>
-              </a:rPr>
-              <a:t>);</a:t>
-            </a:r>
-          </a:p>
-          <a:p>
-            <a:r>
-              <a:rPr lang="en-US" sz="1800" b="0" i="0" err="1">
-                <a:effectLst/>
-                <a:latin typeface="Menlo"/>
-              </a:rPr>
-              <a:t>ylabel</a:t>
-            </a:r>
-            <a:r>
-              <a:rPr lang="en-US" sz="1800" b="0" i="0">
-                <a:effectLst/>
-                <a:latin typeface="Menlo"/>
-              </a:rPr>
-              <a:t>(</a:t>
-            </a:r>
-            <a:r>
-              <a:rPr lang="en-US" sz="1800" b="0" i="0">
-                <a:solidFill>
-                  <a:srgbClr val="A709F5"/>
-                </a:solidFill>
-                <a:effectLst/>
-                <a:latin typeface="Menlo"/>
-              </a:rPr>
-              <a:t>'</a:t>
-            </a:r>
-            <a:r>
-              <a:rPr lang="en-US" sz="1800" b="0" i="0" err="1">
-                <a:solidFill>
-                  <a:srgbClr val="A709F5"/>
-                </a:solidFill>
-                <a:effectLst/>
-                <a:latin typeface="Menlo"/>
-              </a:rPr>
-              <a:t>Parte</a:t>
-            </a:r>
-            <a:r>
-              <a:rPr lang="en-US" sz="1800" b="0" i="0">
-                <a:solidFill>
-                  <a:srgbClr val="A709F5"/>
-                </a:solidFill>
-                <a:effectLst/>
-                <a:latin typeface="Menlo"/>
-              </a:rPr>
-              <a:t> </a:t>
-            </a:r>
-            <a:r>
-              <a:rPr lang="en-US" sz="1800" b="0" i="0" err="1">
-                <a:solidFill>
-                  <a:srgbClr val="A709F5"/>
-                </a:solidFill>
-                <a:effectLst/>
-                <a:latin typeface="Menlo"/>
-              </a:rPr>
-              <a:t>Imaginaria</a:t>
-            </a:r>
-            <a:r>
-              <a:rPr lang="en-US" sz="1800" b="0" i="0">
-                <a:solidFill>
-                  <a:srgbClr val="A709F5"/>
-                </a:solidFill>
-                <a:effectLst/>
-                <a:latin typeface="Menlo"/>
-              </a:rPr>
-              <a:t>'</a:t>
-            </a:r>
-            <a:r>
-              <a:rPr lang="en-US" sz="1800" b="0" i="0">
-                <a:effectLst/>
-                <a:latin typeface="Menlo"/>
-              </a:rPr>
-              <a:t>);</a:t>
-            </a:r>
-          </a:p>
-          <a:p>
-            <a:r>
-              <a:rPr lang="en-US" sz="1800" b="0" i="0">
-                <a:effectLst/>
-                <a:latin typeface="Menlo"/>
-              </a:rPr>
-              <a:t>colormap([1, 1, 1; 0, 0, 0]); </a:t>
-            </a:r>
-            <a:r>
-              <a:rPr lang="en-US" sz="1800" b="0" i="0">
-                <a:solidFill>
-                  <a:srgbClr val="008013"/>
-                </a:solidFill>
-                <a:effectLst/>
-                <a:latin typeface="Menlo"/>
-              </a:rPr>
-              <a:t>% Blanco y negro para mayor </a:t>
-            </a:r>
-            <a:r>
-              <a:rPr lang="en-US" sz="1800" b="0" i="0" err="1">
-                <a:solidFill>
-                  <a:srgbClr val="008013"/>
-                </a:solidFill>
-                <a:effectLst/>
-                <a:latin typeface="Menlo"/>
-              </a:rPr>
-              <a:t>claridad</a:t>
-            </a:r>
-            <a:endParaRPr lang="en-US" sz="1800" b="0" i="0">
-              <a:effectLst/>
-              <a:latin typeface="Menlo"/>
-            </a:endParaRPr>
-          </a:p>
-          <a:p>
-            <a:r>
-              <a:rPr lang="en-US" sz="1800" b="0" i="0">
-                <a:effectLst/>
-                <a:latin typeface="Menlo"/>
-              </a:rPr>
-              <a:t>axis </a:t>
-            </a:r>
-            <a:r>
-              <a:rPr lang="en-US" sz="1800" b="0" i="0">
-                <a:solidFill>
-                  <a:srgbClr val="A709F5"/>
-                </a:solidFill>
-                <a:effectLst/>
-                <a:latin typeface="Menlo"/>
-              </a:rPr>
-              <a:t>on</a:t>
-            </a:r>
-            <a:r>
-              <a:rPr lang="en-US" sz="1800" b="0" i="0">
-                <a:effectLst/>
-                <a:latin typeface="Menlo"/>
-              </a:rPr>
-              <a:t>;</a:t>
-            </a:r>
-          </a:p>
-          <a:p>
-            <a:r>
-              <a:rPr lang="en-US" sz="1800" b="0" i="0">
-                <a:effectLst/>
-                <a:latin typeface="Menlo"/>
-              </a:rPr>
-              <a:t>grid </a:t>
-            </a:r>
-            <a:r>
-              <a:rPr lang="en-US" sz="1800" b="0" i="0">
-                <a:solidFill>
-                  <a:srgbClr val="A709F5"/>
-                </a:solidFill>
-                <a:effectLst/>
-                <a:latin typeface="Menlo"/>
-              </a:rPr>
-              <a:t>on</a:t>
-            </a:r>
-            <a:r>
-              <a:rPr lang="en-US" sz="1800" b="0" i="0">
-                <a:effectLst/>
-                <a:latin typeface="Menlo"/>
-              </a:rPr>
-              <a:t>;</a:t>
-            </a:r>
-          </a:p>
-          <a:p>
-            <a:br>
-              <a:rPr lang="en-US" sz="1800" b="0" i="0">
-                <a:effectLst/>
-                <a:latin typeface="Menlo"/>
-              </a:rPr>
-            </a:br>
-            <a:endParaRPr lang="en-US" sz="1800" b="0" i="0">
-              <a:effectLst/>
-              <a:latin typeface="Menlo"/>
-            </a:endParaRPr>
-          </a:p>
-          <a:p>
-            <a:endParaRPr lang="en-US"/>
+            <a:endParaRPr lang="en-US" dirty="0"/>
           </a:p>
         </p:txBody>
       </p:sp>
@@ -8602,7 +8256,7 @@
               <a:pPr>
                 <a:defRPr/>
               </a:pPr>
-              <a:t>13</a:t>
+              <a:t>12</a:t>
             </a:fld>
             <a:endParaRPr lang="es-CO" altLang="es-CO"/>
           </a:p>
@@ -8611,7 +8265,7 @@
     </p:spTree>
     <p:extLst>
       <p:ext uri="{BB962C8B-B14F-4D97-AF65-F5344CB8AC3E}">
-        <p14:creationId xmlns:p14="http://schemas.microsoft.com/office/powerpoint/2010/main" val="4133371173"/>
+        <p14:creationId xmlns:p14="http://schemas.microsoft.com/office/powerpoint/2010/main" val="3603369197"/>
       </p:ext>
     </p:extLst>
   </p:cSld>
@@ -8663,226 +8317,811 @@
         <p:spPr/>
         <p:txBody>
           <a:bodyPr>
-            <a:normAutofit/>
+            <a:normAutofit fontScale="62500" lnSpcReduction="20000"/>
           </a:bodyPr>
           <a:lstStyle/>
           <a:p>
             <a:r>
-              <a:rPr lang="es-ES" err="1"/>
-              <a:t>clear</a:t>
-            </a:r>
-            <a:endParaRPr lang="en-US"/>
-          </a:p>
-          <a:p>
-            <a:r>
-              <a:rPr lang="es-ES"/>
-              <a:t>% Coeficientes de la función de transferencia en el dominio S</a:t>
-            </a:r>
-          </a:p>
-          <a:p>
-            <a:r>
-              <a:rPr lang="es-ES" err="1"/>
-              <a:t>num_s</a:t>
-            </a:r>
-            <a:r>
-              <a:rPr lang="es-ES"/>
-              <a:t> = [0.0625];</a:t>
-            </a:r>
-            <a:endParaRPr lang="es-ES">
-              <a:cs typeface="Calibri"/>
-            </a:endParaRPr>
-          </a:p>
-          <a:p>
-            <a:r>
-              <a:rPr lang="es-ES" err="1"/>
-              <a:t>den_s</a:t>
-            </a:r>
-            <a:r>
-              <a:rPr lang="es-ES"/>
-              <a:t> = [1, -1, 0.25];</a:t>
-            </a:r>
-          </a:p>
-          <a:p>
-            <a:r>
-              <a:rPr lang="es-ES"/>
-              <a:t>% Tiempo de muestreo</a:t>
-            </a:r>
-          </a:p>
-          <a:p>
-            <a:r>
-              <a:rPr lang="es-ES" err="1"/>
-              <a:t>Ts</a:t>
-            </a:r>
-            <a:r>
-              <a:rPr lang="es-ES"/>
-              <a:t> = 1; % Ajusta el tiempo de muestreo según tus necesidades</a:t>
-            </a:r>
-            <a:endParaRPr lang="es-ES">
-              <a:cs typeface="Calibri"/>
-            </a:endParaRPr>
-          </a:p>
-          <a:p>
-            <a:r>
-              <a:rPr lang="es-ES"/>
-              <a:t>% Convertir la función de transferencia al dominio Z</a:t>
-            </a:r>
-          </a:p>
-          <a:p>
-            <a:r>
-              <a:rPr lang="es-ES" err="1"/>
-              <a:t>sys_z</a:t>
-            </a:r>
-            <a:r>
-              <a:rPr lang="es-ES"/>
-              <a:t> = c2d(</a:t>
-            </a:r>
-            <a:r>
-              <a:rPr lang="es-ES" err="1"/>
-              <a:t>tf</a:t>
-            </a:r>
-            <a:r>
-              <a:rPr lang="es-ES"/>
-              <a:t>(</a:t>
-            </a:r>
-            <a:r>
-              <a:rPr lang="es-ES" err="1"/>
-              <a:t>num_s</a:t>
-            </a:r>
-            <a:r>
-              <a:rPr lang="es-ES"/>
-              <a:t>, </a:t>
-            </a:r>
-            <a:r>
-              <a:rPr lang="es-ES" err="1"/>
-              <a:t>den_s</a:t>
-            </a:r>
-            <a:r>
-              <a:rPr lang="es-ES"/>
-              <a:t>), </a:t>
-            </a:r>
-            <a:r>
-              <a:rPr lang="es-ES" err="1"/>
-              <a:t>Ts</a:t>
-            </a:r>
-            <a:r>
-              <a:rPr lang="es-ES"/>
-              <a:t>, '</a:t>
-            </a:r>
-            <a:r>
-              <a:rPr lang="es-ES" err="1"/>
-              <a:t>zoh</a:t>
-            </a:r>
-            <a:r>
-              <a:rPr lang="es-ES"/>
-              <a:t>')</a:t>
-            </a:r>
-          </a:p>
-          <a:p>
-            <a:r>
-              <a:rPr lang="es-ES"/>
-              <a:t>% Calcular la respuesta al escalón en el dominio Z</a:t>
-            </a:r>
-          </a:p>
-          <a:p>
-            <a:r>
-              <a:rPr lang="es-ES"/>
-              <a:t>n = 0:1:90; % Vector de tiempo discreto</a:t>
-            </a:r>
-          </a:p>
-          <a:p>
-            <a:r>
-              <a:rPr lang="es-ES"/>
-              <a:t>[y, n] = step(</a:t>
-            </a:r>
-            <a:r>
-              <a:rPr lang="es-ES" err="1"/>
-              <a:t>sys_z</a:t>
-            </a:r>
-            <a:r>
-              <a:rPr lang="es-ES"/>
-              <a:t>, n);</a:t>
-            </a:r>
-          </a:p>
-          <a:p>
-            <a:r>
-              <a:rPr lang="es-ES"/>
-              <a:t>% Graficar la respuesta al escalón en el dominio Z </a:t>
-            </a:r>
-          </a:p>
-          <a:p>
-            <a:r>
-              <a:rPr lang="es-ES" err="1"/>
-              <a:t>stem</a:t>
-            </a:r>
-            <a:r>
-              <a:rPr lang="es-ES"/>
-              <a:t>(n, y, 'b', '</a:t>
-            </a:r>
-            <a:r>
-              <a:rPr lang="es-ES" err="1"/>
-              <a:t>filled</a:t>
-            </a:r>
-            <a:r>
-              <a:rPr lang="es-ES"/>
-              <a:t>');</a:t>
-            </a:r>
-          </a:p>
-          <a:p>
-            <a:r>
-              <a:rPr lang="es-ES" err="1"/>
-              <a:t>xlabel</a:t>
-            </a:r>
-            <a:r>
-              <a:rPr lang="es-ES"/>
-              <a:t>('Muestras (n)');</a:t>
-            </a:r>
-          </a:p>
-          <a:p>
-            <a:r>
-              <a:rPr lang="es-ES" err="1"/>
-              <a:t>ylabel</a:t>
-            </a:r>
-            <a:r>
-              <a:rPr lang="es-ES"/>
-              <a:t>('Respuesta al escalón');</a:t>
-            </a:r>
-          </a:p>
-          <a:p>
-            <a:r>
-              <a:rPr lang="es-ES" err="1"/>
-              <a:t>title</a:t>
-            </a:r>
-            <a:r>
-              <a:rPr lang="es-ES"/>
-              <a:t>('Respuesta al escalón en el dominio Z');</a:t>
-            </a:r>
-          </a:p>
-          <a:p>
-            <a:r>
-              <a:rPr lang="es-ES" err="1"/>
-              <a:t>grid</a:t>
-            </a:r>
-            <a:r>
-              <a:rPr lang="es-ES"/>
-              <a:t> </a:t>
-            </a:r>
-            <a:r>
-              <a:rPr lang="es-ES" err="1"/>
-              <a:t>on</a:t>
-            </a:r>
-            <a:r>
-              <a:rPr lang="es-ES"/>
-              <a:t>;</a:t>
-            </a:r>
-          </a:p>
-          <a:p>
-            <a:endParaRPr lang="es-ES" sz="1800" b="0" i="0">
+              <a:rPr lang="en-US" sz="1800" b="0" i="0" dirty="0">
+                <a:solidFill>
+                  <a:srgbClr val="008013"/>
+                </a:solidFill>
+                <a:effectLst/>
+                <a:latin typeface="Menlo"/>
+              </a:rPr>
+              <a:t>% </a:t>
+            </a:r>
+            <a:r>
+              <a:rPr lang="en-US" sz="1800" b="0" i="0" dirty="0" err="1">
+                <a:solidFill>
+                  <a:srgbClr val="008013"/>
+                </a:solidFill>
+                <a:effectLst/>
+                <a:latin typeface="Menlo"/>
+              </a:rPr>
+              <a:t>Definir</a:t>
+            </a:r>
+            <a:r>
+              <a:rPr lang="en-US" sz="1800" b="0" i="0" dirty="0">
+                <a:solidFill>
+                  <a:srgbClr val="008013"/>
+                </a:solidFill>
+                <a:effectLst/>
+                <a:latin typeface="Menlo"/>
+              </a:rPr>
+              <a:t> la variable </a:t>
+            </a:r>
+            <a:r>
+              <a:rPr lang="en-US" sz="1800" b="0" i="0" dirty="0" err="1">
+                <a:solidFill>
+                  <a:srgbClr val="008013"/>
+                </a:solidFill>
+                <a:effectLst/>
+                <a:latin typeface="Menlo"/>
+              </a:rPr>
+              <a:t>compleja</a:t>
+            </a:r>
+            <a:r>
+              <a:rPr lang="en-US" sz="1800" b="0" i="0" dirty="0">
+                <a:solidFill>
+                  <a:srgbClr val="008013"/>
+                </a:solidFill>
+                <a:effectLst/>
+                <a:latin typeface="Menlo"/>
+              </a:rPr>
+              <a:t> Z</a:t>
+            </a:r>
+            <a:endParaRPr lang="en-US" sz="1800" b="0" i="0" dirty="0">
               <a:effectLst/>
               <a:latin typeface="Menlo"/>
             </a:endParaRPr>
           </a:p>
           <a:p>
-            <a:endParaRPr lang="en-US"/>
+            <a:r>
+              <a:rPr lang="en-US" sz="1800" b="0" i="0" dirty="0">
+                <a:effectLst/>
+                <a:latin typeface="Menlo"/>
+              </a:rPr>
+              <a:t>Re = -2:0.001:2;</a:t>
+            </a:r>
+          </a:p>
+          <a:p>
+            <a:r>
+              <a:rPr lang="en-US" sz="1800" b="0" i="0" dirty="0" err="1">
+                <a:effectLst/>
+                <a:latin typeface="Menlo"/>
+              </a:rPr>
+              <a:t>Im</a:t>
+            </a:r>
+            <a:r>
+              <a:rPr lang="en-US" sz="1800" b="0" i="0" dirty="0">
+                <a:effectLst/>
+                <a:latin typeface="Menlo"/>
+              </a:rPr>
+              <a:t> = -2:0.001:2;</a:t>
+            </a:r>
+          </a:p>
+          <a:p>
+            <a:r>
+              <a:rPr lang="en-US" sz="1800" b="0" i="0" dirty="0">
+                <a:effectLst/>
+                <a:latin typeface="Menlo"/>
+              </a:rPr>
+              <a:t>[</a:t>
+            </a:r>
+            <a:r>
+              <a:rPr lang="en-US" sz="1800" b="0" i="0" dirty="0" err="1">
+                <a:effectLst/>
+                <a:latin typeface="Menlo"/>
+              </a:rPr>
+              <a:t>Z_Re</a:t>
+            </a:r>
+            <a:r>
+              <a:rPr lang="en-US" sz="1800" b="0" i="0" dirty="0">
+                <a:effectLst/>
+                <a:latin typeface="Menlo"/>
+              </a:rPr>
+              <a:t>, </a:t>
+            </a:r>
+            <a:r>
+              <a:rPr lang="en-US" sz="1800" b="0" i="0" dirty="0" err="1">
+                <a:effectLst/>
+                <a:latin typeface="Menlo"/>
+              </a:rPr>
+              <a:t>Z_Im</a:t>
+            </a:r>
+            <a:r>
+              <a:rPr lang="en-US" sz="1800" b="0" i="0" dirty="0">
+                <a:effectLst/>
+                <a:latin typeface="Menlo"/>
+              </a:rPr>
+              <a:t>] = </a:t>
+            </a:r>
+            <a:r>
+              <a:rPr lang="en-US" sz="1800" b="0" i="0" dirty="0" err="1">
+                <a:effectLst/>
+                <a:latin typeface="Menlo"/>
+              </a:rPr>
+              <a:t>meshgrid</a:t>
+            </a:r>
+            <a:r>
+              <a:rPr lang="en-US" sz="1800" b="0" i="0" dirty="0">
+                <a:effectLst/>
+                <a:latin typeface="Menlo"/>
+              </a:rPr>
+              <a:t>(Re, </a:t>
+            </a:r>
+            <a:r>
+              <a:rPr lang="en-US" sz="1800" b="0" i="0" dirty="0" err="1">
+                <a:effectLst/>
+                <a:latin typeface="Menlo"/>
+              </a:rPr>
+              <a:t>Im</a:t>
+            </a:r>
+            <a:r>
+              <a:rPr lang="en-US" sz="1800" b="0" i="0" dirty="0">
+                <a:effectLst/>
+                <a:latin typeface="Menlo"/>
+              </a:rPr>
+              <a:t>);</a:t>
+            </a:r>
+          </a:p>
+          <a:p>
+            <a:r>
+              <a:rPr lang="en-US" sz="1800" b="0" i="0" dirty="0">
+                <a:effectLst/>
+                <a:latin typeface="Menlo"/>
+              </a:rPr>
+              <a:t>Z = </a:t>
+            </a:r>
+            <a:r>
+              <a:rPr lang="en-US" sz="1800" b="0" i="0" dirty="0" err="1">
+                <a:effectLst/>
+                <a:latin typeface="Menlo"/>
+              </a:rPr>
+              <a:t>Z_Re</a:t>
+            </a:r>
+            <a:r>
+              <a:rPr lang="en-US" sz="1800" b="0" i="0" dirty="0">
+                <a:effectLst/>
+                <a:latin typeface="Menlo"/>
+              </a:rPr>
+              <a:t> + 1i * </a:t>
+            </a:r>
+            <a:r>
+              <a:rPr lang="en-US" sz="1800" b="0" i="0" dirty="0" err="1">
+                <a:effectLst/>
+                <a:latin typeface="Menlo"/>
+              </a:rPr>
+              <a:t>Z_Im</a:t>
+            </a:r>
+            <a:r>
+              <a:rPr lang="en-US" sz="1800" b="0" i="0" dirty="0">
+                <a:effectLst/>
+                <a:latin typeface="Menlo"/>
+              </a:rPr>
+              <a:t>;</a:t>
+            </a:r>
+          </a:p>
+          <a:p>
+            <a:br>
+              <a:rPr lang="en-US" sz="1800" b="0" i="0" dirty="0">
+                <a:effectLst/>
+                <a:latin typeface="Menlo"/>
+              </a:rPr>
+            </a:br>
+            <a:endParaRPr lang="en-US" sz="1800" b="0" i="0" dirty="0">
+              <a:effectLst/>
+              <a:latin typeface="Menlo"/>
+            </a:endParaRPr>
+          </a:p>
+          <a:p>
+            <a:r>
+              <a:rPr lang="en-US" sz="1800" b="0" i="0" dirty="0">
+                <a:solidFill>
+                  <a:srgbClr val="008013"/>
+                </a:solidFill>
+                <a:effectLst/>
+                <a:latin typeface="Menlo"/>
+              </a:rPr>
+              <a:t>% </a:t>
+            </a:r>
+            <a:r>
+              <a:rPr lang="en-US" sz="1800" b="0" i="0" dirty="0" err="1">
+                <a:solidFill>
+                  <a:srgbClr val="008013"/>
+                </a:solidFill>
+                <a:effectLst/>
+                <a:latin typeface="Menlo"/>
+              </a:rPr>
+              <a:t>Definir</a:t>
+            </a:r>
+            <a:r>
+              <a:rPr lang="en-US" sz="1800" b="0" i="0" dirty="0">
+                <a:solidFill>
+                  <a:srgbClr val="008013"/>
+                </a:solidFill>
+                <a:effectLst/>
+                <a:latin typeface="Menlo"/>
+              </a:rPr>
+              <a:t> la ROC del </a:t>
+            </a:r>
+            <a:r>
+              <a:rPr lang="en-US" sz="1800" b="0" i="0" dirty="0" err="1">
+                <a:solidFill>
+                  <a:srgbClr val="008013"/>
+                </a:solidFill>
+                <a:effectLst/>
+                <a:latin typeface="Menlo"/>
+              </a:rPr>
+              <a:t>escalón</a:t>
+            </a:r>
+            <a:r>
+              <a:rPr lang="en-US" sz="1800" b="0" i="0" dirty="0">
+                <a:solidFill>
+                  <a:srgbClr val="008013"/>
+                </a:solidFill>
+                <a:effectLst/>
+                <a:latin typeface="Menlo"/>
+              </a:rPr>
+              <a:t> </a:t>
+            </a:r>
+            <a:r>
+              <a:rPr lang="en-US" sz="1800" b="0" i="0" dirty="0" err="1">
+                <a:solidFill>
+                  <a:srgbClr val="008013"/>
+                </a:solidFill>
+                <a:effectLst/>
+                <a:latin typeface="Menlo"/>
+              </a:rPr>
+              <a:t>unitario</a:t>
+            </a:r>
+            <a:endParaRPr lang="en-US" sz="1800" b="0" i="0" dirty="0">
+              <a:effectLst/>
+              <a:latin typeface="Menlo"/>
+            </a:endParaRPr>
+          </a:p>
+          <a:p>
+            <a:r>
+              <a:rPr lang="en-US" sz="1800" b="0" i="0" dirty="0">
+                <a:effectLst/>
+                <a:latin typeface="Menlo"/>
+              </a:rPr>
+              <a:t>ROC = abs(Z) &gt; 1;</a:t>
+            </a:r>
+          </a:p>
+          <a:p>
+            <a:br>
+              <a:rPr lang="en-US" sz="1800" b="0" i="0" dirty="0">
+                <a:effectLst/>
+                <a:latin typeface="Menlo"/>
+              </a:rPr>
+            </a:br>
+            <a:endParaRPr lang="en-US" sz="1800" b="0" i="0" dirty="0">
+              <a:effectLst/>
+              <a:latin typeface="Menlo"/>
+            </a:endParaRPr>
+          </a:p>
+          <a:p>
+            <a:r>
+              <a:rPr lang="en-US" sz="1800" b="0" i="0" dirty="0">
+                <a:solidFill>
+                  <a:srgbClr val="008013"/>
+                </a:solidFill>
+                <a:effectLst/>
+                <a:latin typeface="Menlo"/>
+              </a:rPr>
+              <a:t>% </a:t>
+            </a:r>
+            <a:r>
+              <a:rPr lang="en-US" sz="1800" b="0" i="0" dirty="0" err="1">
+                <a:solidFill>
+                  <a:srgbClr val="008013"/>
+                </a:solidFill>
+                <a:effectLst/>
+                <a:latin typeface="Menlo"/>
+              </a:rPr>
+              <a:t>Graficar</a:t>
+            </a:r>
+            <a:r>
+              <a:rPr lang="en-US" sz="1800" b="0" i="0" dirty="0">
+                <a:solidFill>
+                  <a:srgbClr val="008013"/>
+                </a:solidFill>
+                <a:effectLst/>
+                <a:latin typeface="Menlo"/>
+              </a:rPr>
+              <a:t> la ROC</a:t>
+            </a:r>
+            <a:endParaRPr lang="en-US" sz="1800" b="0" i="0" dirty="0">
+              <a:effectLst/>
+              <a:latin typeface="Menlo"/>
+            </a:endParaRPr>
+          </a:p>
+          <a:p>
+            <a:r>
+              <a:rPr lang="en-US" sz="1800" b="0" i="0" dirty="0">
+                <a:effectLst/>
+                <a:latin typeface="Menlo"/>
+              </a:rPr>
+              <a:t>figure;</a:t>
+            </a:r>
+          </a:p>
+          <a:p>
+            <a:r>
+              <a:rPr lang="en-US" sz="1800" b="0" i="0" dirty="0" err="1">
+                <a:effectLst/>
+                <a:latin typeface="Menlo"/>
+              </a:rPr>
+              <a:t>imshow</a:t>
+            </a:r>
+            <a:r>
+              <a:rPr lang="en-US" sz="1800" b="0" i="0" dirty="0">
+                <a:effectLst/>
+                <a:latin typeface="Menlo"/>
+              </a:rPr>
+              <a:t>(ROC, </a:t>
+            </a:r>
+            <a:r>
+              <a:rPr lang="en-US" sz="1800" b="0" i="0" dirty="0">
+                <a:solidFill>
+                  <a:srgbClr val="A709F5"/>
+                </a:solidFill>
+                <a:effectLst/>
+                <a:latin typeface="Menlo"/>
+              </a:rPr>
+              <a:t>'</a:t>
+            </a:r>
+            <a:r>
+              <a:rPr lang="en-US" sz="1800" b="0" i="0" dirty="0" err="1">
+                <a:solidFill>
+                  <a:srgbClr val="A709F5"/>
+                </a:solidFill>
+                <a:effectLst/>
+                <a:latin typeface="Menlo"/>
+              </a:rPr>
+              <a:t>XData</a:t>
+            </a:r>
+            <a:r>
+              <a:rPr lang="en-US" sz="1800" b="0" i="0" dirty="0">
+                <a:solidFill>
+                  <a:srgbClr val="A709F5"/>
+                </a:solidFill>
+                <a:effectLst/>
+                <a:latin typeface="Menlo"/>
+              </a:rPr>
+              <a:t>'</a:t>
+            </a:r>
+            <a:r>
+              <a:rPr lang="en-US" sz="1800" b="0" i="0" dirty="0">
+                <a:effectLst/>
+                <a:latin typeface="Menlo"/>
+              </a:rPr>
+              <a:t>, Re, </a:t>
+            </a:r>
+            <a:r>
+              <a:rPr lang="en-US" sz="1800" b="0" i="0" dirty="0">
+                <a:solidFill>
+                  <a:srgbClr val="A709F5"/>
+                </a:solidFill>
+                <a:effectLst/>
+                <a:latin typeface="Menlo"/>
+              </a:rPr>
+              <a:t>'</a:t>
+            </a:r>
+            <a:r>
+              <a:rPr lang="en-US" sz="1800" b="0" i="0" dirty="0" err="1">
+                <a:solidFill>
+                  <a:srgbClr val="A709F5"/>
+                </a:solidFill>
+                <a:effectLst/>
+                <a:latin typeface="Menlo"/>
+              </a:rPr>
+              <a:t>YData</a:t>
+            </a:r>
+            <a:r>
+              <a:rPr lang="en-US" sz="1800" b="0" i="0" dirty="0">
+                <a:solidFill>
+                  <a:srgbClr val="A709F5"/>
+                </a:solidFill>
+                <a:effectLst/>
+                <a:latin typeface="Menlo"/>
+              </a:rPr>
+              <a:t>'</a:t>
+            </a:r>
+            <a:r>
+              <a:rPr lang="en-US" sz="1800" b="0" i="0" dirty="0">
+                <a:effectLst/>
+                <a:latin typeface="Menlo"/>
+              </a:rPr>
+              <a:t>, </a:t>
+            </a:r>
+            <a:r>
+              <a:rPr lang="en-US" sz="1800" b="0" i="0" dirty="0" err="1">
+                <a:effectLst/>
+                <a:latin typeface="Menlo"/>
+              </a:rPr>
+              <a:t>Im</a:t>
+            </a:r>
+            <a:r>
+              <a:rPr lang="en-US" sz="1800" b="0" i="0" dirty="0">
+                <a:effectLst/>
+                <a:latin typeface="Menlo"/>
+              </a:rPr>
+              <a:t>);</a:t>
+            </a:r>
+          </a:p>
+          <a:p>
+            <a:r>
+              <a:rPr lang="en-US" sz="1800" b="0" i="0" dirty="0">
+                <a:effectLst/>
+                <a:latin typeface="Menlo"/>
+              </a:rPr>
+              <a:t>title(</a:t>
+            </a:r>
+            <a:r>
+              <a:rPr lang="en-US" sz="1800" b="0" i="0" dirty="0">
+                <a:solidFill>
+                  <a:srgbClr val="A709F5"/>
+                </a:solidFill>
+                <a:effectLst/>
+                <a:latin typeface="Menlo"/>
+              </a:rPr>
+              <a:t>'</a:t>
+            </a:r>
+            <a:r>
+              <a:rPr lang="en-US" sz="1800" b="0" i="0" dirty="0" err="1">
+                <a:solidFill>
+                  <a:srgbClr val="A709F5"/>
+                </a:solidFill>
+                <a:effectLst/>
+                <a:latin typeface="Menlo"/>
+              </a:rPr>
+              <a:t>Región</a:t>
+            </a:r>
+            <a:r>
+              <a:rPr lang="en-US" sz="1800" b="0" i="0" dirty="0">
+                <a:solidFill>
+                  <a:srgbClr val="A709F5"/>
+                </a:solidFill>
+                <a:effectLst/>
+                <a:latin typeface="Menlo"/>
+              </a:rPr>
+              <a:t> de </a:t>
+            </a:r>
+            <a:r>
+              <a:rPr lang="en-US" sz="1800" b="0" i="0" dirty="0" err="1">
+                <a:solidFill>
+                  <a:srgbClr val="A709F5"/>
+                </a:solidFill>
+                <a:effectLst/>
+                <a:latin typeface="Menlo"/>
+              </a:rPr>
+              <a:t>Convergencia</a:t>
+            </a:r>
+            <a:r>
+              <a:rPr lang="en-US" sz="1800" b="0" i="0" dirty="0">
+                <a:solidFill>
+                  <a:srgbClr val="A709F5"/>
+                </a:solidFill>
+                <a:effectLst/>
+                <a:latin typeface="Menlo"/>
+              </a:rPr>
+              <a:t> (ROC) del </a:t>
+            </a:r>
+            <a:r>
+              <a:rPr lang="en-US" sz="1800" b="0" i="0" dirty="0" err="1">
+                <a:solidFill>
+                  <a:srgbClr val="A709F5"/>
+                </a:solidFill>
+                <a:effectLst/>
+                <a:latin typeface="Menlo"/>
+              </a:rPr>
+              <a:t>Escalón</a:t>
+            </a:r>
+            <a:r>
+              <a:rPr lang="en-US" sz="1800" b="0" i="0" dirty="0">
+                <a:solidFill>
+                  <a:srgbClr val="A709F5"/>
+                </a:solidFill>
+                <a:effectLst/>
+                <a:latin typeface="Menlo"/>
+              </a:rPr>
+              <a:t> </a:t>
+            </a:r>
+            <a:r>
+              <a:rPr lang="en-US" sz="1800" b="0" i="0" dirty="0" err="1">
+                <a:solidFill>
+                  <a:srgbClr val="A709F5"/>
+                </a:solidFill>
+                <a:effectLst/>
+                <a:latin typeface="Menlo"/>
+              </a:rPr>
+              <a:t>Unitario</a:t>
+            </a:r>
+            <a:r>
+              <a:rPr lang="en-US" sz="1800" b="0" i="0" dirty="0">
+                <a:solidFill>
+                  <a:srgbClr val="A709F5"/>
+                </a:solidFill>
+                <a:effectLst/>
+                <a:latin typeface="Menlo"/>
+              </a:rPr>
+              <a:t> </a:t>
+            </a:r>
+            <a:r>
+              <a:rPr lang="en-US" sz="1800" b="0" i="0" dirty="0" err="1">
+                <a:solidFill>
+                  <a:srgbClr val="A709F5"/>
+                </a:solidFill>
+                <a:effectLst/>
+                <a:latin typeface="Menlo"/>
+              </a:rPr>
+              <a:t>en</a:t>
+            </a:r>
+            <a:r>
+              <a:rPr lang="en-US" sz="1800" b="0" i="0" dirty="0">
+                <a:solidFill>
+                  <a:srgbClr val="A709F5"/>
+                </a:solidFill>
+                <a:effectLst/>
+                <a:latin typeface="Menlo"/>
+              </a:rPr>
+              <a:t> </a:t>
+            </a:r>
+            <a:r>
+              <a:rPr lang="en-US" sz="1800" b="0" i="0" dirty="0" err="1">
+                <a:solidFill>
+                  <a:srgbClr val="A709F5"/>
+                </a:solidFill>
+                <a:effectLst/>
+                <a:latin typeface="Menlo"/>
+              </a:rPr>
+              <a:t>el</a:t>
+            </a:r>
+            <a:r>
+              <a:rPr lang="en-US" sz="1800" b="0" i="0" dirty="0">
+                <a:solidFill>
+                  <a:srgbClr val="A709F5"/>
+                </a:solidFill>
+                <a:effectLst/>
+                <a:latin typeface="Menlo"/>
+              </a:rPr>
+              <a:t> Dominio Z'</a:t>
+            </a:r>
+            <a:r>
+              <a:rPr lang="en-US" sz="1800" b="0" i="0" dirty="0">
+                <a:effectLst/>
+                <a:latin typeface="Menlo"/>
+              </a:rPr>
+              <a:t>);</a:t>
+            </a:r>
+          </a:p>
+          <a:p>
+            <a:r>
+              <a:rPr lang="en-US" sz="1800" b="0" i="0" dirty="0" err="1">
+                <a:effectLst/>
+                <a:latin typeface="Menlo"/>
+              </a:rPr>
+              <a:t>xlabel</a:t>
+            </a:r>
+            <a:r>
+              <a:rPr lang="en-US" sz="1800" b="0" i="0" dirty="0">
+                <a:effectLst/>
+                <a:latin typeface="Menlo"/>
+              </a:rPr>
+              <a:t>(</a:t>
+            </a:r>
+            <a:r>
+              <a:rPr lang="en-US" sz="1800" b="0" i="0" dirty="0">
+                <a:solidFill>
+                  <a:srgbClr val="A709F5"/>
+                </a:solidFill>
+                <a:effectLst/>
+                <a:latin typeface="Menlo"/>
+              </a:rPr>
+              <a:t>'</a:t>
+            </a:r>
+            <a:r>
+              <a:rPr lang="en-US" sz="1800" b="0" i="0" dirty="0" err="1">
+                <a:solidFill>
+                  <a:srgbClr val="A709F5"/>
+                </a:solidFill>
+                <a:effectLst/>
+                <a:latin typeface="Menlo"/>
+              </a:rPr>
+              <a:t>Parte</a:t>
+            </a:r>
+            <a:r>
+              <a:rPr lang="en-US" sz="1800" b="0" i="0" dirty="0">
+                <a:solidFill>
+                  <a:srgbClr val="A709F5"/>
+                </a:solidFill>
+                <a:effectLst/>
+                <a:latin typeface="Menlo"/>
+              </a:rPr>
+              <a:t> Real'</a:t>
+            </a:r>
+            <a:r>
+              <a:rPr lang="en-US" sz="1800" b="0" i="0" dirty="0">
+                <a:effectLst/>
+                <a:latin typeface="Menlo"/>
+              </a:rPr>
+              <a:t>);</a:t>
+            </a:r>
+          </a:p>
+          <a:p>
+            <a:r>
+              <a:rPr lang="en-US" sz="1800" b="0" i="0" dirty="0" err="1">
+                <a:effectLst/>
+                <a:latin typeface="Menlo"/>
+              </a:rPr>
+              <a:t>ylabel</a:t>
+            </a:r>
+            <a:r>
+              <a:rPr lang="en-US" sz="1800" b="0" i="0" dirty="0">
+                <a:effectLst/>
+                <a:latin typeface="Menlo"/>
+              </a:rPr>
+              <a:t>(</a:t>
+            </a:r>
+            <a:r>
+              <a:rPr lang="en-US" sz="1800" b="0" i="0" dirty="0">
+                <a:solidFill>
+                  <a:srgbClr val="A709F5"/>
+                </a:solidFill>
+                <a:effectLst/>
+                <a:latin typeface="Menlo"/>
+              </a:rPr>
+              <a:t>'</a:t>
+            </a:r>
+            <a:r>
+              <a:rPr lang="en-US" sz="1800" b="0" i="0" dirty="0" err="1">
+                <a:solidFill>
+                  <a:srgbClr val="A709F5"/>
+                </a:solidFill>
+                <a:effectLst/>
+                <a:latin typeface="Menlo"/>
+              </a:rPr>
+              <a:t>Parte</a:t>
+            </a:r>
+            <a:r>
+              <a:rPr lang="en-US" sz="1800" b="0" i="0" dirty="0">
+                <a:solidFill>
+                  <a:srgbClr val="A709F5"/>
+                </a:solidFill>
+                <a:effectLst/>
+                <a:latin typeface="Menlo"/>
+              </a:rPr>
+              <a:t> </a:t>
+            </a:r>
+            <a:r>
+              <a:rPr lang="en-US" sz="1800" b="0" i="0" dirty="0" err="1">
+                <a:solidFill>
+                  <a:srgbClr val="A709F5"/>
+                </a:solidFill>
+                <a:effectLst/>
+                <a:latin typeface="Menlo"/>
+              </a:rPr>
+              <a:t>Imaginaria</a:t>
+            </a:r>
+            <a:r>
+              <a:rPr lang="en-US" sz="1800" b="0" i="0" dirty="0">
+                <a:solidFill>
+                  <a:srgbClr val="A709F5"/>
+                </a:solidFill>
+                <a:effectLst/>
+                <a:latin typeface="Menlo"/>
+              </a:rPr>
+              <a:t>'</a:t>
+            </a:r>
+            <a:r>
+              <a:rPr lang="en-US" sz="1800" b="0" i="0" dirty="0">
+                <a:effectLst/>
+                <a:latin typeface="Menlo"/>
+              </a:rPr>
+              <a:t>);</a:t>
+            </a:r>
+          </a:p>
+          <a:p>
+            <a:r>
+              <a:rPr lang="en-US" sz="1800" b="0" i="0" dirty="0">
+                <a:effectLst/>
+                <a:latin typeface="Menlo"/>
+              </a:rPr>
+              <a:t>colormap([1, 1, 1; 0, 0, 0]); </a:t>
+            </a:r>
+            <a:r>
+              <a:rPr lang="en-US" sz="1800" b="0" i="0" dirty="0">
+                <a:solidFill>
+                  <a:srgbClr val="008013"/>
+                </a:solidFill>
+                <a:effectLst/>
+                <a:latin typeface="Menlo"/>
+              </a:rPr>
+              <a:t>% Blanco y negro para mayor </a:t>
+            </a:r>
+            <a:r>
+              <a:rPr lang="en-US" sz="1800" b="0" i="0" dirty="0" err="1">
+                <a:solidFill>
+                  <a:srgbClr val="008013"/>
+                </a:solidFill>
+                <a:effectLst/>
+                <a:latin typeface="Menlo"/>
+              </a:rPr>
+              <a:t>claridad</a:t>
+            </a:r>
+            <a:endParaRPr lang="en-US" sz="1800" b="0" i="0" dirty="0">
+              <a:effectLst/>
+              <a:latin typeface="Menlo"/>
+            </a:endParaRPr>
+          </a:p>
+          <a:p>
+            <a:r>
+              <a:rPr lang="en-US" sz="1800" b="0" i="0" dirty="0">
+                <a:effectLst/>
+                <a:latin typeface="Menlo"/>
+              </a:rPr>
+              <a:t>axis </a:t>
+            </a:r>
+            <a:r>
+              <a:rPr lang="en-US" sz="1800" b="0" i="0" dirty="0">
+                <a:solidFill>
+                  <a:srgbClr val="A709F5"/>
+                </a:solidFill>
+                <a:effectLst/>
+                <a:latin typeface="Menlo"/>
+              </a:rPr>
+              <a:t>on</a:t>
+            </a:r>
+            <a:r>
+              <a:rPr lang="en-US" sz="1800" b="0" i="0" dirty="0">
+                <a:effectLst/>
+                <a:latin typeface="Menlo"/>
+              </a:rPr>
+              <a:t>;</a:t>
+            </a:r>
+          </a:p>
+          <a:p>
+            <a:r>
+              <a:rPr lang="en-US" sz="1800" b="0" i="0" dirty="0">
+                <a:effectLst/>
+                <a:latin typeface="Menlo"/>
+              </a:rPr>
+              <a:t>grid </a:t>
+            </a:r>
+            <a:r>
+              <a:rPr lang="en-US" sz="1800" b="0" i="0" dirty="0">
+                <a:solidFill>
+                  <a:srgbClr val="A709F5"/>
+                </a:solidFill>
+                <a:effectLst/>
+                <a:latin typeface="Menlo"/>
+              </a:rPr>
+              <a:t>on</a:t>
+            </a:r>
+            <a:r>
+              <a:rPr lang="en-US" sz="1800" b="0" i="0" dirty="0">
+                <a:effectLst/>
+                <a:latin typeface="Menlo"/>
+              </a:rPr>
+              <a:t>;</a:t>
+            </a:r>
+          </a:p>
+          <a:p>
+            <a:br>
+              <a:rPr lang="en-US" sz="1800" b="0" i="0" dirty="0">
+                <a:effectLst/>
+                <a:latin typeface="Menlo"/>
+              </a:rPr>
+            </a:br>
+            <a:endParaRPr lang="en-US" sz="1800" b="0" i="0" dirty="0">
+              <a:effectLst/>
+              <a:latin typeface="Menlo"/>
+            </a:endParaRPr>
+          </a:p>
+          <a:p>
+            <a:endParaRPr lang="en-US" dirty="0"/>
           </a:p>
         </p:txBody>
       </p:sp>
@@ -8909,7 +9148,7 @@
               <a:pPr>
                 <a:defRPr/>
               </a:pPr>
-              <a:t>15</a:t>
+              <a:t>14</a:t>
             </a:fld>
             <a:endParaRPr lang="es-CO" altLang="es-CO"/>
           </a:p>
@@ -8918,7 +9157,7 @@
     </p:spTree>
     <p:extLst>
       <p:ext uri="{BB962C8B-B14F-4D97-AF65-F5344CB8AC3E}">
-        <p14:creationId xmlns:p14="http://schemas.microsoft.com/office/powerpoint/2010/main" val="1316969125"/>
+        <p14:creationId xmlns:p14="http://schemas.microsoft.com/office/powerpoint/2010/main" val="4133371173"/>
       </p:ext>
     </p:extLst>
   </p:cSld>
@@ -9077,7 +9316,7 @@
           <a:p>
             <a:fld id="{9CF7635E-2D71-42E7-9E6C-FBB85A15A85F}" type="datetimeFigureOut">
               <a:rPr lang="es-CO" smtClean="0"/>
-              <a:t>3/02/2025</a:t>
+              <a:t>1/04/2025</a:t>
             </a:fld>
             <a:endParaRPr lang="es-CO"/>
           </a:p>
@@ -9343,7 +9582,7 @@
           <a:p>
             <a:fld id="{9CF7635E-2D71-42E7-9E6C-FBB85A15A85F}" type="datetimeFigureOut">
               <a:rPr lang="es-CO" smtClean="0"/>
-              <a:t>3/02/2025</a:t>
+              <a:t>1/04/2025</a:t>
             </a:fld>
             <a:endParaRPr lang="es-CO"/>
           </a:p>
@@ -9559,7 +9798,7 @@
           <a:p>
             <a:fld id="{9CF7635E-2D71-42E7-9E6C-FBB85A15A85F}" type="datetimeFigureOut">
               <a:rPr lang="es-CO" smtClean="0"/>
-              <a:t>3/02/2025</a:t>
+              <a:t>1/04/2025</a:t>
             </a:fld>
             <a:endParaRPr lang="es-CO"/>
           </a:p>
@@ -11188,7 +11427,7 @@
           <a:p>
             <a:fld id="{9CF7635E-2D71-42E7-9E6C-FBB85A15A85F}" type="datetimeFigureOut">
               <a:rPr lang="es-CO" smtClean="0"/>
-              <a:t>3/02/2025</a:t>
+              <a:t>1/04/2025</a:t>
             </a:fld>
             <a:endParaRPr lang="es-CO"/>
           </a:p>
@@ -11635,7 +11874,7 @@
           <a:p>
             <a:fld id="{9CF7635E-2D71-42E7-9E6C-FBB85A15A85F}" type="datetimeFigureOut">
               <a:rPr lang="es-CO" smtClean="0"/>
-              <a:t>3/02/2025</a:t>
+              <a:t>1/04/2025</a:t>
             </a:fld>
             <a:endParaRPr lang="es-CO"/>
           </a:p>
@@ -11909,7 +12148,7 @@
           <a:p>
             <a:fld id="{9CF7635E-2D71-42E7-9E6C-FBB85A15A85F}" type="datetimeFigureOut">
               <a:rPr lang="es-CO" smtClean="0"/>
-              <a:t>3/02/2025</a:t>
+              <a:t>1/04/2025</a:t>
             </a:fld>
             <a:endParaRPr lang="es-CO"/>
           </a:p>
@@ -12330,7 +12569,7 @@
           <a:p>
             <a:fld id="{9CF7635E-2D71-42E7-9E6C-FBB85A15A85F}" type="datetimeFigureOut">
               <a:rPr lang="es-CO" smtClean="0"/>
-              <a:t>3/02/2025</a:t>
+              <a:t>1/04/2025</a:t>
             </a:fld>
             <a:endParaRPr lang="es-CO"/>
           </a:p>
@@ -12478,7 +12717,7 @@
           <a:p>
             <a:fld id="{9CF7635E-2D71-42E7-9E6C-FBB85A15A85F}" type="datetimeFigureOut">
               <a:rPr lang="es-CO" smtClean="0"/>
-              <a:t>3/02/2025</a:t>
+              <a:t>1/04/2025</a:t>
             </a:fld>
             <a:endParaRPr lang="es-CO"/>
           </a:p>
@@ -12597,7 +12836,7 @@
           <a:p>
             <a:fld id="{9CF7635E-2D71-42E7-9E6C-FBB85A15A85F}" type="datetimeFigureOut">
               <a:rPr lang="es-CO" smtClean="0"/>
-              <a:t>3/02/2025</a:t>
+              <a:t>1/04/2025</a:t>
             </a:fld>
             <a:endParaRPr lang="es-CO"/>
           </a:p>
@@ -12916,7 +13155,7 @@
           <a:p>
             <a:fld id="{9CF7635E-2D71-42E7-9E6C-FBB85A15A85F}" type="datetimeFigureOut">
               <a:rPr lang="es-CO" smtClean="0"/>
-              <a:t>3/02/2025</a:t>
+              <a:t>1/04/2025</a:t>
             </a:fld>
             <a:endParaRPr lang="es-CO"/>
           </a:p>
@@ -13211,7 +13450,7 @@
           <a:p>
             <a:fld id="{9CF7635E-2D71-42E7-9E6C-FBB85A15A85F}" type="datetimeFigureOut">
               <a:rPr lang="es-CO" smtClean="0"/>
-              <a:t>3/02/2025</a:t>
+              <a:t>1/04/2025</a:t>
             </a:fld>
             <a:endParaRPr lang="es-CO"/>
           </a:p>
@@ -13460,7 +13699,7 @@
           <a:p>
             <a:fld id="{9CF7635E-2D71-42E7-9E6C-FBB85A15A85F}" type="datetimeFigureOut">
               <a:rPr lang="es-CO" smtClean="0"/>
-              <a:t>3/02/2025</a:t>
+              <a:t>1/04/2025</a:t>
             </a:fld>
             <a:endParaRPr lang="es-CO"/>
           </a:p>
@@ -14698,8 +14937,8 @@
           <a:p>
             <a:pPr algn="ctr" eaLnBrk="1" hangingPunct="1"/>
             <a:r>
-              <a:rPr lang="es-CO" altLang="es-CO" sz="3600" b="0"/>
-              <a:t>9</a:t>
+              <a:rPr lang="es-CO" altLang="es-CO" sz="3600" b="0" dirty="0"/>
+              <a:t>10</a:t>
             </a:r>
           </a:p>
         </p:txBody>
@@ -15601,8 +15840,8 @@
           <a:p>
             <a:pPr algn="ctr" eaLnBrk="1" hangingPunct="1"/>
             <a:r>
-              <a:rPr lang="es-CO" altLang="es-CO" sz="3600" b="0"/>
-              <a:t>9</a:t>
+              <a:rPr lang="es-CO" altLang="es-CO" sz="3600" b="0" dirty="0"/>
+              <a:t>11</a:t>
             </a:r>
           </a:p>
         </p:txBody>
@@ -16007,6 +16246,868 @@
       </p:grpSpPr>
       <p:sp>
         <p:nvSpPr>
+          <p:cNvPr id="10" name="1 Título">
+            <a:extLst>
+              <a:ext uri="{FF2B5EF4-FFF2-40B4-BE49-F238E27FC236}">
+                <a16:creationId xmlns:a16="http://schemas.microsoft.com/office/drawing/2014/main" id="{AF4E183E-A171-4923-A99E-D149888CEC37}"/>
+              </a:ext>
+            </a:extLst>
+          </p:cNvPr>
+          <p:cNvSpPr txBox="1">
+            <a:spLocks/>
+          </p:cNvSpPr>
+          <p:nvPr/>
+        </p:nvSpPr>
+        <p:spPr bwMode="auto">
+          <a:xfrm>
+            <a:off x="0" y="-28575"/>
+            <a:ext cx="779463" cy="720725"/>
+          </a:xfrm>
+          <a:prstGeom prst="rect">
+            <a:avLst/>
+          </a:prstGeom>
+          <a:noFill/>
+          <a:ln>
+            <a:noFill/>
+          </a:ln>
+          <a:extLst>
+            <a:ext uri="{909E8E84-426E-40DD-AFC4-6F175D3DCCD1}">
+              <a14:hiddenFill xmlns:a14="http://schemas.microsoft.com/office/drawing/2010/main">
+                <a:solidFill>
+                  <a:srgbClr val="FFFFFF"/>
+                </a:solidFill>
+              </a14:hiddenFill>
+            </a:ext>
+            <a:ext uri="{91240B29-F687-4F45-9708-019B960494DF}">
+              <a14:hiddenLine xmlns:a14="http://schemas.microsoft.com/office/drawing/2010/main" w="9525">
+                <a:solidFill>
+                  <a:srgbClr val="000000"/>
+                </a:solidFill>
+                <a:miter lim="800000"/>
+                <a:headEnd/>
+                <a:tailEnd/>
+              </a14:hiddenLine>
+            </a:ext>
+          </a:extLst>
+        </p:spPr>
+        <p:txBody>
+          <a:bodyPr vert="horz" wrap="square" lIns="91440" tIns="45720" rIns="91440" bIns="45720" numCol="1" anchor="b" anchorCtr="0" compatLnSpc="1">
+            <a:prstTxWarp prst="textNoShape">
+              <a:avLst/>
+            </a:prstTxWarp>
+          </a:bodyPr>
+          <a:lstStyle>
+            <a:lvl1pPr algn="l" rtl="0" eaLnBrk="0" fontAlgn="base" hangingPunct="0">
+              <a:spcBef>
+                <a:spcPct val="0"/>
+              </a:spcBef>
+              <a:spcAft>
+                <a:spcPct val="0"/>
+              </a:spcAft>
+              <a:defRPr sz="2000" b="1" kern="1200">
+                <a:solidFill>
+                  <a:schemeClr val="tx1"/>
+                </a:solidFill>
+                <a:latin typeface="Arial" pitchFamily="34" charset="0"/>
+                <a:ea typeface="+mj-ea"/>
+                <a:cs typeface="Arial" pitchFamily="34" charset="0"/>
+              </a:defRPr>
+            </a:lvl1pPr>
+            <a:lvl2pPr algn="l" rtl="0" eaLnBrk="0" fontAlgn="base" hangingPunct="0">
+              <a:spcBef>
+                <a:spcPct val="0"/>
+              </a:spcBef>
+              <a:spcAft>
+                <a:spcPct val="0"/>
+              </a:spcAft>
+              <a:defRPr sz="4400">
+                <a:solidFill>
+                  <a:schemeClr val="tx1"/>
+                </a:solidFill>
+                <a:latin typeface="Arial" charset="0"/>
+                <a:cs typeface="Arial" charset="0"/>
+              </a:defRPr>
+            </a:lvl2pPr>
+            <a:lvl3pPr algn="l" rtl="0" eaLnBrk="0" fontAlgn="base" hangingPunct="0">
+              <a:spcBef>
+                <a:spcPct val="0"/>
+              </a:spcBef>
+              <a:spcAft>
+                <a:spcPct val="0"/>
+              </a:spcAft>
+              <a:defRPr sz="4400">
+                <a:solidFill>
+                  <a:schemeClr val="tx1"/>
+                </a:solidFill>
+                <a:latin typeface="Arial" charset="0"/>
+                <a:cs typeface="Arial" charset="0"/>
+              </a:defRPr>
+            </a:lvl3pPr>
+            <a:lvl4pPr algn="l" rtl="0" eaLnBrk="0" fontAlgn="base" hangingPunct="0">
+              <a:spcBef>
+                <a:spcPct val="0"/>
+              </a:spcBef>
+              <a:spcAft>
+                <a:spcPct val="0"/>
+              </a:spcAft>
+              <a:defRPr sz="4400">
+                <a:solidFill>
+                  <a:schemeClr val="tx1"/>
+                </a:solidFill>
+                <a:latin typeface="Arial" charset="0"/>
+                <a:cs typeface="Arial" charset="0"/>
+              </a:defRPr>
+            </a:lvl4pPr>
+            <a:lvl5pPr algn="l" rtl="0" eaLnBrk="0" fontAlgn="base" hangingPunct="0">
+              <a:spcBef>
+                <a:spcPct val="0"/>
+              </a:spcBef>
+              <a:spcAft>
+                <a:spcPct val="0"/>
+              </a:spcAft>
+              <a:defRPr sz="4400">
+                <a:solidFill>
+                  <a:schemeClr val="tx1"/>
+                </a:solidFill>
+                <a:latin typeface="Arial" charset="0"/>
+                <a:cs typeface="Arial" charset="0"/>
+              </a:defRPr>
+            </a:lvl5pPr>
+            <a:lvl6pPr marL="457200" algn="l" rtl="0" fontAlgn="base">
+              <a:spcBef>
+                <a:spcPct val="0"/>
+              </a:spcBef>
+              <a:spcAft>
+                <a:spcPct val="0"/>
+              </a:spcAft>
+              <a:defRPr sz="4400">
+                <a:solidFill>
+                  <a:schemeClr val="tx1"/>
+                </a:solidFill>
+                <a:latin typeface="Arial" charset="0"/>
+                <a:cs typeface="Arial" charset="0"/>
+              </a:defRPr>
+            </a:lvl6pPr>
+            <a:lvl7pPr marL="914400" algn="l" rtl="0" fontAlgn="base">
+              <a:spcBef>
+                <a:spcPct val="0"/>
+              </a:spcBef>
+              <a:spcAft>
+                <a:spcPct val="0"/>
+              </a:spcAft>
+              <a:defRPr sz="4400">
+                <a:solidFill>
+                  <a:schemeClr val="tx1"/>
+                </a:solidFill>
+                <a:latin typeface="Arial" charset="0"/>
+                <a:cs typeface="Arial" charset="0"/>
+              </a:defRPr>
+            </a:lvl7pPr>
+            <a:lvl8pPr marL="1371600" algn="l" rtl="0" fontAlgn="base">
+              <a:spcBef>
+                <a:spcPct val="0"/>
+              </a:spcBef>
+              <a:spcAft>
+                <a:spcPct val="0"/>
+              </a:spcAft>
+              <a:defRPr sz="4400">
+                <a:solidFill>
+                  <a:schemeClr val="tx1"/>
+                </a:solidFill>
+                <a:latin typeface="Arial" charset="0"/>
+                <a:cs typeface="Arial" charset="0"/>
+              </a:defRPr>
+            </a:lvl8pPr>
+            <a:lvl9pPr marL="1828800" algn="l" rtl="0" fontAlgn="base">
+              <a:spcBef>
+                <a:spcPct val="0"/>
+              </a:spcBef>
+              <a:spcAft>
+                <a:spcPct val="0"/>
+              </a:spcAft>
+              <a:defRPr sz="4400">
+                <a:solidFill>
+                  <a:schemeClr val="tx1"/>
+                </a:solidFill>
+                <a:latin typeface="Arial" charset="0"/>
+                <a:cs typeface="Arial" charset="0"/>
+              </a:defRPr>
+            </a:lvl9pPr>
+          </a:lstStyle>
+          <a:p>
+            <a:pPr algn="ctr" eaLnBrk="1" hangingPunct="1"/>
+            <a:r>
+              <a:rPr lang="es-CO" altLang="es-CO" sz="3600" b="0" dirty="0"/>
+              <a:t>16</a:t>
+            </a:r>
+          </a:p>
+        </p:txBody>
+      </p:sp>
+      <p:pic>
+        <p:nvPicPr>
+          <p:cNvPr id="14" name="Picture 4" descr="Programas - Intranet ETITC">
+            <a:extLst>
+              <a:ext uri="{FF2B5EF4-FFF2-40B4-BE49-F238E27FC236}">
+                <a16:creationId xmlns:a16="http://schemas.microsoft.com/office/drawing/2014/main" id="{EC83F540-C4A2-EE56-0418-B8CD7CA17275}"/>
+              </a:ext>
+            </a:extLst>
+          </p:cNvPr>
+          <p:cNvPicPr>
+            <a:picLocks noChangeAspect="1" noChangeArrowheads="1"/>
+          </p:cNvPicPr>
+          <p:nvPr/>
+        </p:nvPicPr>
+        <p:blipFill>
+          <a:blip r:embed="rId3">
+            <a:extLst>
+              <a:ext uri="{28A0092B-C50C-407E-A947-70E740481C1C}">
+                <a14:useLocalDpi xmlns:a14="http://schemas.microsoft.com/office/drawing/2010/main" val="0"/>
+              </a:ext>
+            </a:extLst>
+          </a:blip>
+          <a:srcRect/>
+          <a:stretch>
+            <a:fillRect/>
+          </a:stretch>
+        </p:blipFill>
+        <p:spPr bwMode="auto">
+          <a:xfrm>
+            <a:off x="795338" y="44758"/>
+            <a:ext cx="2483768" cy="794720"/>
+          </a:xfrm>
+          <a:prstGeom prst="rect">
+            <a:avLst/>
+          </a:prstGeom>
+          <a:noFill/>
+          <a:extLst>
+            <a:ext uri="{909E8E84-426E-40DD-AFC4-6F175D3DCCD1}">
+              <a14:hiddenFill xmlns:a14="http://schemas.microsoft.com/office/drawing/2010/main">
+                <a:solidFill>
+                  <a:srgbClr val="FFFFFF"/>
+                </a:solidFill>
+              </a14:hiddenFill>
+            </a:ext>
+          </a:extLst>
+        </p:spPr>
+      </p:pic>
+      <p:sp>
+        <p:nvSpPr>
+          <p:cNvPr id="5" name="2 Subtítulo">
+            <a:extLst>
+              <a:ext uri="{FF2B5EF4-FFF2-40B4-BE49-F238E27FC236}">
+                <a16:creationId xmlns:a16="http://schemas.microsoft.com/office/drawing/2014/main" id="{AD83FA30-4A3C-43B8-17CD-C08519129156}"/>
+              </a:ext>
+            </a:extLst>
+          </p:cNvPr>
+          <p:cNvSpPr txBox="1">
+            <a:spLocks/>
+          </p:cNvSpPr>
+          <p:nvPr/>
+        </p:nvSpPr>
+        <p:spPr bwMode="auto">
+          <a:xfrm>
+            <a:off x="2267744" y="259824"/>
+            <a:ext cx="6400800" cy="500063"/>
+          </a:xfrm>
+          <a:prstGeom prst="rect">
+            <a:avLst/>
+          </a:prstGeom>
+          <a:noFill/>
+          <a:ln>
+            <a:noFill/>
+          </a:ln>
+          <a:extLst>
+            <a:ext uri="{909E8E84-426E-40DD-AFC4-6F175D3DCCD1}">
+              <a14:hiddenFill xmlns:a14="http://schemas.microsoft.com/office/drawing/2010/main">
+                <a:solidFill>
+                  <a:srgbClr val="FFFFFF"/>
+                </a:solidFill>
+              </a14:hiddenFill>
+            </a:ext>
+            <a:ext uri="{91240B29-F687-4F45-9708-019B960494DF}">
+              <a14:hiddenLine xmlns:a14="http://schemas.microsoft.com/office/drawing/2010/main" w="9525">
+                <a:solidFill>
+                  <a:srgbClr val="000000"/>
+                </a:solidFill>
+                <a:miter lim="800000"/>
+                <a:headEnd/>
+                <a:tailEnd/>
+              </a14:hiddenLine>
+            </a:ext>
+          </a:extLst>
+        </p:spPr>
+        <p:txBody>
+          <a:bodyPr vert="horz" wrap="square" lIns="91440" tIns="45720" rIns="91440" bIns="45720" numCol="1" rtlCol="0" anchor="t" anchorCtr="0" compatLnSpc="1">
+            <a:prstTxWarp prst="textNoShape">
+              <a:avLst/>
+            </a:prstTxWarp>
+            <a:noAutofit/>
+          </a:bodyPr>
+          <a:lstStyle>
+            <a:lvl1pPr marL="342900" indent="-342900" algn="l" rtl="0" eaLnBrk="0" fontAlgn="base" hangingPunct="0">
+              <a:spcBef>
+                <a:spcPct val="20000"/>
+              </a:spcBef>
+              <a:spcAft>
+                <a:spcPct val="0"/>
+              </a:spcAft>
+              <a:buFont typeface="Arial" panose="020B0604020202020204" pitchFamily="34" charset="0"/>
+              <a:buChar char="•"/>
+              <a:defRPr sz="3200" kern="1200">
+                <a:solidFill>
+                  <a:schemeClr val="tx1"/>
+                </a:solidFill>
+                <a:latin typeface="Arial" pitchFamily="34" charset="0"/>
+                <a:ea typeface="+mn-ea"/>
+                <a:cs typeface="Arial" pitchFamily="34" charset="0"/>
+              </a:defRPr>
+            </a:lvl1pPr>
+            <a:lvl2pPr marL="742950" indent="-285750" algn="l" rtl="0" eaLnBrk="0" fontAlgn="base" hangingPunct="0">
+              <a:spcBef>
+                <a:spcPct val="20000"/>
+              </a:spcBef>
+              <a:spcAft>
+                <a:spcPct val="0"/>
+              </a:spcAft>
+              <a:buFont typeface="Arial" panose="020B0604020202020204" pitchFamily="34" charset="0"/>
+              <a:buChar char="–"/>
+              <a:defRPr sz="2800" kern="1200">
+                <a:solidFill>
+                  <a:schemeClr val="tx1"/>
+                </a:solidFill>
+                <a:latin typeface="Arial" pitchFamily="34" charset="0"/>
+                <a:ea typeface="+mn-ea"/>
+                <a:cs typeface="Arial" pitchFamily="34" charset="0"/>
+              </a:defRPr>
+            </a:lvl2pPr>
+            <a:lvl3pPr marL="1143000" indent="-228600" algn="l" rtl="0" eaLnBrk="0" fontAlgn="base" hangingPunct="0">
+              <a:spcBef>
+                <a:spcPct val="20000"/>
+              </a:spcBef>
+              <a:spcAft>
+                <a:spcPct val="0"/>
+              </a:spcAft>
+              <a:buFont typeface="Arial" panose="020B0604020202020204" pitchFamily="34" charset="0"/>
+              <a:buChar char="•"/>
+              <a:defRPr sz="2400" kern="1200">
+                <a:solidFill>
+                  <a:schemeClr val="tx1"/>
+                </a:solidFill>
+                <a:latin typeface="Arial" pitchFamily="34" charset="0"/>
+                <a:ea typeface="+mn-ea"/>
+                <a:cs typeface="Arial" pitchFamily="34" charset="0"/>
+              </a:defRPr>
+            </a:lvl3pPr>
+            <a:lvl4pPr marL="1600200" indent="-228600" algn="l" rtl="0" eaLnBrk="0" fontAlgn="base" hangingPunct="0">
+              <a:spcBef>
+                <a:spcPct val="20000"/>
+              </a:spcBef>
+              <a:spcAft>
+                <a:spcPct val="0"/>
+              </a:spcAft>
+              <a:buFont typeface="Arial" panose="020B0604020202020204" pitchFamily="34" charset="0"/>
+              <a:buChar char="–"/>
+              <a:defRPr sz="2000" kern="1200">
+                <a:solidFill>
+                  <a:schemeClr val="tx1"/>
+                </a:solidFill>
+                <a:latin typeface="Arial" pitchFamily="34" charset="0"/>
+                <a:ea typeface="+mn-ea"/>
+                <a:cs typeface="Arial" pitchFamily="34" charset="0"/>
+              </a:defRPr>
+            </a:lvl4pPr>
+            <a:lvl5pPr marL="2057400" indent="-228600" algn="l" rtl="0" eaLnBrk="0" fontAlgn="base" hangingPunct="0">
+              <a:spcBef>
+                <a:spcPct val="20000"/>
+              </a:spcBef>
+              <a:spcAft>
+                <a:spcPct val="0"/>
+              </a:spcAft>
+              <a:buFont typeface="Arial" panose="020B0604020202020204" pitchFamily="34" charset="0"/>
+              <a:buChar char="»"/>
+              <a:defRPr sz="2000" kern="1200">
+                <a:solidFill>
+                  <a:schemeClr val="tx1"/>
+                </a:solidFill>
+                <a:latin typeface="Arial" pitchFamily="34" charset="0"/>
+                <a:ea typeface="+mn-ea"/>
+                <a:cs typeface="Arial" pitchFamily="34" charset="0"/>
+              </a:defRPr>
+            </a:lvl5pPr>
+            <a:lvl6pPr marL="2514600" indent="-228600" algn="l" defTabSz="914400" rtl="0" eaLnBrk="1" latinLnBrk="0" hangingPunct="1">
+              <a:spcBef>
+                <a:spcPct val="20000"/>
+              </a:spcBef>
+              <a:buFont typeface="Arial" pitchFamily="34" charset="0"/>
+              <a:buChar char="•"/>
+              <a:defRPr sz="2000" kern="1200">
+                <a:solidFill>
+                  <a:schemeClr val="tx1"/>
+                </a:solidFill>
+                <a:latin typeface="+mn-lt"/>
+                <a:ea typeface="+mn-ea"/>
+                <a:cs typeface="+mn-cs"/>
+              </a:defRPr>
+            </a:lvl6pPr>
+            <a:lvl7pPr marL="2971800" indent="-228600" algn="l" defTabSz="914400" rtl="0" eaLnBrk="1" latinLnBrk="0" hangingPunct="1">
+              <a:spcBef>
+                <a:spcPct val="20000"/>
+              </a:spcBef>
+              <a:buFont typeface="Arial" pitchFamily="34" charset="0"/>
+              <a:buChar char="•"/>
+              <a:defRPr sz="2000" kern="1200">
+                <a:solidFill>
+                  <a:schemeClr val="tx1"/>
+                </a:solidFill>
+                <a:latin typeface="+mn-lt"/>
+                <a:ea typeface="+mn-ea"/>
+                <a:cs typeface="+mn-cs"/>
+              </a:defRPr>
+            </a:lvl7pPr>
+            <a:lvl8pPr marL="3429000" indent="-228600" algn="l" defTabSz="914400" rtl="0" eaLnBrk="1" latinLnBrk="0" hangingPunct="1">
+              <a:spcBef>
+                <a:spcPct val="20000"/>
+              </a:spcBef>
+              <a:buFont typeface="Arial" pitchFamily="34" charset="0"/>
+              <a:buChar char="•"/>
+              <a:defRPr sz="2000" kern="1200">
+                <a:solidFill>
+                  <a:schemeClr val="tx1"/>
+                </a:solidFill>
+                <a:latin typeface="+mn-lt"/>
+                <a:ea typeface="+mn-ea"/>
+                <a:cs typeface="+mn-cs"/>
+              </a:defRPr>
+            </a:lvl8pPr>
+            <a:lvl9pPr marL="3886200" indent="-228600" algn="l" defTabSz="914400" rtl="0" eaLnBrk="1" latinLnBrk="0" hangingPunct="1">
+              <a:spcBef>
+                <a:spcPct val="20000"/>
+              </a:spcBef>
+              <a:buFont typeface="Arial" pitchFamily="34" charset="0"/>
+              <a:buChar char="•"/>
+              <a:defRPr sz="2000" kern="1200">
+                <a:solidFill>
+                  <a:schemeClr val="tx1"/>
+                </a:solidFill>
+                <a:latin typeface="+mn-lt"/>
+                <a:ea typeface="+mn-ea"/>
+                <a:cs typeface="+mn-cs"/>
+              </a:defRPr>
+            </a:lvl9pPr>
+          </a:lstStyle>
+          <a:p>
+            <a:pPr marL="0" indent="0" algn="r" eaLnBrk="1" fontAlgn="auto" hangingPunct="1">
+              <a:spcAft>
+                <a:spcPts val="0"/>
+              </a:spcAft>
+              <a:buNone/>
+              <a:defRPr/>
+            </a:pPr>
+            <a:r>
+              <a:rPr lang="es-CO" sz="2000" b="1">
+                <a:solidFill>
+                  <a:schemeClr val="tx1">
+                    <a:lumMod val="75000"/>
+                    <a:lumOff val="25000"/>
+                  </a:schemeClr>
+                </a:solidFill>
+              </a:rPr>
+              <a:t> 6065 SISTEMAS DE CONTROL II</a:t>
+            </a:r>
+          </a:p>
+        </p:txBody>
+      </p:sp>
+      <p:sp>
+        <p:nvSpPr>
+          <p:cNvPr id="16" name="Título 1">
+            <a:extLst>
+              <a:ext uri="{FF2B5EF4-FFF2-40B4-BE49-F238E27FC236}">
+                <a16:creationId xmlns:a16="http://schemas.microsoft.com/office/drawing/2014/main" id="{61C30305-C78C-F687-635F-1E0E3726D49F}"/>
+              </a:ext>
+            </a:extLst>
+          </p:cNvPr>
+          <p:cNvSpPr>
+            <a:spLocks noGrp="1"/>
+          </p:cNvSpPr>
+          <p:nvPr>
+            <p:ph type="title"/>
+          </p:nvPr>
+        </p:nvSpPr>
+        <p:spPr>
+          <a:xfrm>
+            <a:off x="1771498" y="1349210"/>
+            <a:ext cx="5456585" cy="1162050"/>
+          </a:xfrm>
+        </p:spPr>
+        <p:txBody>
+          <a:bodyPr>
+            <a:normAutofit/>
+          </a:bodyPr>
+          <a:lstStyle/>
+          <a:p>
+            <a:pPr algn="ctr"/>
+            <a:r>
+              <a:rPr lang="es-ES" b="1" dirty="0"/>
+              <a:t>Ejercicio</a:t>
+            </a:r>
+            <a:endParaRPr lang="es-CO" b="1" dirty="0"/>
+          </a:p>
+        </p:txBody>
+      </p:sp>
+      <mc:AlternateContent xmlns:mc="http://schemas.openxmlformats.org/markup-compatibility/2006">
+        <mc:Choice xmlns:a14="http://schemas.microsoft.com/office/drawing/2010/main" Requires="a14">
+          <p:sp>
+            <p:nvSpPr>
+              <p:cNvPr id="7" name="CuadroTexto 6">
+                <a:extLst>
+                  <a:ext uri="{FF2B5EF4-FFF2-40B4-BE49-F238E27FC236}">
+                    <a16:creationId xmlns:a16="http://schemas.microsoft.com/office/drawing/2014/main" id="{1A1439DA-9A94-07F6-85B0-5EC26AA5C6AB}"/>
+                  </a:ext>
+                </a:extLst>
+              </p:cNvPr>
+              <p:cNvSpPr txBox="1"/>
+              <p:nvPr/>
+            </p:nvSpPr>
+            <p:spPr>
+              <a:xfrm>
+                <a:off x="1891241" y="4101743"/>
+                <a:ext cx="4580388" cy="667490"/>
+              </a:xfrm>
+              <a:prstGeom prst="rect">
+                <a:avLst/>
+              </a:prstGeom>
+              <a:noFill/>
+            </p:spPr>
+            <p:txBody>
+              <a:bodyPr wrap="square">
+                <a:spAutoFit/>
+              </a:bodyPr>
+              <a:lstStyle/>
+              <a:p>
+                <a:pPr/>
+                <a14:m>
+                  <m:oMathPara xmlns:m="http://schemas.openxmlformats.org/officeDocument/2006/math">
+                    <m:oMathParaPr>
+                      <m:jc m:val="centerGroup"/>
+                    </m:oMathParaPr>
+                    <m:oMath xmlns:m="http://schemas.openxmlformats.org/officeDocument/2006/math">
+                      <m:r>
+                        <a:rPr lang="es-ES" b="0" i="1" smtClean="0">
+                          <a:solidFill>
+                            <a:schemeClr val="tx1"/>
+                          </a:solidFill>
+                          <a:effectLst/>
+                          <a:latin typeface="Cambria Math" panose="02040503050406030204" pitchFamily="18" charset="0"/>
+                        </a:rPr>
+                        <m:t>𝐺</m:t>
+                      </m:r>
+                      <m:d>
+                        <m:dPr>
+                          <m:ctrlPr>
+                            <a:rPr lang="es-ES" b="0" i="1" smtClean="0">
+                              <a:solidFill>
+                                <a:schemeClr val="tx1"/>
+                              </a:solidFill>
+                              <a:effectLst/>
+                              <a:latin typeface="Cambria Math" panose="02040503050406030204" pitchFamily="18" charset="0"/>
+                            </a:rPr>
+                          </m:ctrlPr>
+                        </m:dPr>
+                        <m:e>
+                          <m:r>
+                            <a:rPr lang="es-ES" b="0" i="1" smtClean="0">
+                              <a:solidFill>
+                                <a:schemeClr val="tx1"/>
+                              </a:solidFill>
+                              <a:effectLst/>
+                              <a:latin typeface="Cambria Math" panose="02040503050406030204" pitchFamily="18" charset="0"/>
+                            </a:rPr>
+                            <m:t>𝑠</m:t>
+                          </m:r>
+                        </m:e>
+                      </m:d>
+                      <m:r>
+                        <a:rPr lang="es-ES" b="0" i="1" smtClean="0">
+                          <a:solidFill>
+                            <a:schemeClr val="tx1"/>
+                          </a:solidFill>
+                          <a:effectLst/>
+                          <a:latin typeface="Cambria Math" panose="02040503050406030204" pitchFamily="18" charset="0"/>
+                        </a:rPr>
+                        <m:t>=</m:t>
+                      </m:r>
+                      <m:f>
+                        <m:fPr>
+                          <m:ctrlPr>
+                            <a:rPr lang="es-ES" b="0" i="1" smtClean="0">
+                              <a:solidFill>
+                                <a:schemeClr val="tx1"/>
+                              </a:solidFill>
+                              <a:effectLst/>
+                              <a:latin typeface="Cambria Math" panose="02040503050406030204" pitchFamily="18" charset="0"/>
+                            </a:rPr>
+                          </m:ctrlPr>
+                        </m:fPr>
+                        <m:num>
+                          <m:r>
+                            <a:rPr lang="es-CO" b="0" i="1" smtClean="0">
+                              <a:solidFill>
+                                <a:schemeClr val="tx1"/>
+                              </a:solidFill>
+                              <a:effectLst/>
+                              <a:latin typeface="Cambria Math" panose="02040503050406030204" pitchFamily="18" charset="0"/>
+                            </a:rPr>
+                            <m:t>1</m:t>
+                          </m:r>
+                        </m:num>
+                        <m:den>
+                          <m:r>
+                            <a:rPr lang="es-CO" b="0" i="1" smtClean="0">
+                              <a:solidFill>
+                                <a:schemeClr val="tx1"/>
+                              </a:solidFill>
+                              <a:effectLst/>
+                              <a:latin typeface="Cambria Math" panose="02040503050406030204" pitchFamily="18" charset="0"/>
+                            </a:rPr>
+                            <m:t>𝑠</m:t>
+                          </m:r>
+                          <m:r>
+                            <a:rPr lang="es-CO" b="0" i="1" smtClean="0">
+                              <a:solidFill>
+                                <a:schemeClr val="tx1"/>
+                              </a:solidFill>
+                              <a:effectLst/>
+                              <a:latin typeface="Cambria Math" panose="02040503050406030204" pitchFamily="18" charset="0"/>
+                            </a:rPr>
+                            <m:t>(</m:t>
+                          </m:r>
+                          <m:r>
+                            <a:rPr lang="es-CO" b="0" i="1" smtClean="0">
+                              <a:solidFill>
+                                <a:schemeClr val="tx1"/>
+                              </a:solidFill>
+                              <a:effectLst/>
+                              <a:latin typeface="Cambria Math" panose="02040503050406030204" pitchFamily="18" charset="0"/>
+                            </a:rPr>
+                            <m:t>𝑠</m:t>
+                          </m:r>
+                          <m:r>
+                            <a:rPr lang="es-ES" b="0" i="1" smtClean="0">
+                              <a:solidFill>
+                                <a:schemeClr val="tx1"/>
+                              </a:solidFill>
+                              <a:effectLst/>
+                              <a:latin typeface="Cambria Math" panose="02040503050406030204" pitchFamily="18" charset="0"/>
+                            </a:rPr>
+                            <m:t>+</m:t>
+                          </m:r>
+                          <m:r>
+                            <a:rPr lang="es-CO" b="0" i="1" smtClean="0">
+                              <a:solidFill>
+                                <a:schemeClr val="tx1"/>
+                              </a:solidFill>
+                              <a:effectLst/>
+                              <a:latin typeface="Cambria Math" panose="02040503050406030204" pitchFamily="18" charset="0"/>
+                            </a:rPr>
+                            <m:t>0,5</m:t>
+                          </m:r>
+                          <m:r>
+                            <a:rPr lang="es-CO" b="0" i="1" smtClean="0">
+                              <a:solidFill>
+                                <a:schemeClr val="tx1"/>
+                              </a:solidFill>
+                              <a:effectLst/>
+                              <a:latin typeface="Cambria Math" panose="02040503050406030204" pitchFamily="18" charset="0"/>
+                            </a:rPr>
+                            <m:t>)</m:t>
+                          </m:r>
+                          <m:r>
+                            <a:rPr lang="es-ES" b="0" i="1" smtClean="0">
+                              <a:solidFill>
+                                <a:schemeClr val="tx1"/>
+                              </a:solidFill>
+                              <a:effectLst/>
+                              <a:latin typeface="Cambria Math" panose="02040503050406030204" pitchFamily="18" charset="0"/>
+                            </a:rPr>
+                            <m:t> </m:t>
+                          </m:r>
+                        </m:den>
+                      </m:f>
+                    </m:oMath>
+                  </m:oMathPara>
+                </a14:m>
+                <a:endParaRPr lang="en-US" dirty="0"/>
+              </a:p>
+            </p:txBody>
+          </p:sp>
+        </mc:Choice>
+        <mc:Fallback>
+          <p:sp>
+            <p:nvSpPr>
+              <p:cNvPr id="7" name="CuadroTexto 6">
+                <a:extLst>
+                  <a:ext uri="{FF2B5EF4-FFF2-40B4-BE49-F238E27FC236}">
+                    <a16:creationId xmlns:a16="http://schemas.microsoft.com/office/drawing/2014/main" id="{1A1439DA-9A94-07F6-85B0-5EC26AA5C6AB}"/>
+                  </a:ext>
+                </a:extLst>
+              </p:cNvPr>
+              <p:cNvSpPr txBox="1">
+                <a:spLocks noRot="1" noChangeAspect="1" noMove="1" noResize="1" noEditPoints="1" noAdjustHandles="1" noChangeArrowheads="1" noChangeShapeType="1" noTextEdit="1"/>
+              </p:cNvSpPr>
+              <p:nvPr/>
+            </p:nvSpPr>
+            <p:spPr>
+              <a:xfrm>
+                <a:off x="1891241" y="4101743"/>
+                <a:ext cx="4580388" cy="667490"/>
+              </a:xfrm>
+              <a:prstGeom prst="rect">
+                <a:avLst/>
+              </a:prstGeom>
+              <a:blipFill>
+                <a:blip r:embed="rId4"/>
+                <a:stretch>
+                  <a:fillRect/>
+                </a:stretch>
+              </a:blipFill>
+            </p:spPr>
+            <p:txBody>
+              <a:bodyPr/>
+              <a:lstStyle/>
+              <a:p>
+                <a:r>
+                  <a:rPr lang="es-CO">
+                    <a:noFill/>
+                  </a:rPr>
+                  <a:t> </a:t>
+                </a:r>
+              </a:p>
+            </p:txBody>
+          </p:sp>
+        </mc:Fallback>
+      </mc:AlternateContent>
+      <p:sp>
+        <p:nvSpPr>
+          <p:cNvPr id="4" name="CuadroTexto 3">
+            <a:extLst>
+              <a:ext uri="{FF2B5EF4-FFF2-40B4-BE49-F238E27FC236}">
+                <a16:creationId xmlns:a16="http://schemas.microsoft.com/office/drawing/2014/main" id="{52E914A1-1C40-2701-C07B-EF8A2F0FFA58}"/>
+              </a:ext>
+            </a:extLst>
+          </p:cNvPr>
+          <p:cNvSpPr txBox="1"/>
+          <p:nvPr/>
+        </p:nvSpPr>
+        <p:spPr>
+          <a:xfrm>
+            <a:off x="969432" y="2901414"/>
+            <a:ext cx="7379307" cy="1200329"/>
+          </a:xfrm>
+          <a:prstGeom prst="rect">
+            <a:avLst/>
+          </a:prstGeom>
+          <a:noFill/>
+        </p:spPr>
+        <p:txBody>
+          <a:bodyPr wrap="square" lIns="91440" tIns="45720" rIns="91440" bIns="45720" anchor="t">
+            <a:spAutoFit/>
+          </a:bodyPr>
+          <a:lstStyle/>
+          <a:p>
+            <a:r>
+              <a:rPr lang="es-ES" b="1" dirty="0"/>
+              <a:t>Halle la función de transferencia en el domino Z</a:t>
+            </a:r>
+            <a:r>
+              <a:rPr lang="es-ES" b="1" dirty="0">
+                <a:ea typeface="Calibri"/>
+                <a:cs typeface="Calibri"/>
+              </a:rPr>
+              <a:t> para </a:t>
+            </a:r>
+            <a:r>
+              <a:rPr lang="es-ES" b="1" dirty="0" err="1">
+                <a:ea typeface="Calibri"/>
+                <a:cs typeface="Calibri"/>
+              </a:rPr>
+              <a:t>T_s</a:t>
+            </a:r>
+            <a:r>
+              <a:rPr lang="es-ES" b="1" dirty="0">
+                <a:ea typeface="Calibri"/>
+                <a:cs typeface="Calibri"/>
+              </a:rPr>
+              <a:t>=1s</a:t>
+            </a:r>
+          </a:p>
+          <a:p>
+            <a:r>
+              <a:rPr lang="es-ES" b="1" dirty="0">
+                <a:ea typeface="Calibri"/>
+                <a:cs typeface="Calibri"/>
+              </a:rPr>
+              <a:t>Grafique la respuesta al escalón en </a:t>
+            </a:r>
+            <a:r>
+              <a:rPr lang="es-ES" b="1">
+                <a:ea typeface="Calibri"/>
+                <a:cs typeface="Calibri"/>
+              </a:rPr>
+              <a:t>lazo abierto y compare.</a:t>
+            </a:r>
+            <a:endParaRPr lang="es-ES" b="1" dirty="0">
+              <a:ea typeface="Calibri"/>
+              <a:cs typeface="Calibri"/>
+            </a:endParaRPr>
+          </a:p>
+          <a:p>
+            <a:r>
+              <a:rPr lang="es-ES" sz="1800" b="1" dirty="0">
+                <a:latin typeface="Söhne"/>
+              </a:rPr>
+              <a:t>Dibuje el diagrama de bloques la función de transferencia en lazo cerrado.</a:t>
+            </a:r>
+          </a:p>
+          <a:p>
+            <a:endParaRPr lang="es-ES" b="1" dirty="0">
+              <a:ea typeface="Calibri"/>
+              <a:cs typeface="Calibri"/>
+            </a:endParaRPr>
+          </a:p>
+        </p:txBody>
+      </p:sp>
+    </p:spTree>
+    <p:extLst>
+      <p:ext uri="{BB962C8B-B14F-4D97-AF65-F5344CB8AC3E}">
+        <p14:creationId xmlns:p14="http://schemas.microsoft.com/office/powerpoint/2010/main" val="941902522"/>
+      </p:ext>
+    </p:extLst>
+  </p:cSld>
+  <p:clrMapOvr>
+    <a:masterClrMapping/>
+  </p:clrMapOvr>
+</p:sld>
+</file>
+
+<file path=ppt/slides/slide13.xml><?xml version="1.0" encoding="utf-8"?>
+<p:sld xmlns:a="http://schemas.openxmlformats.org/drawingml/2006/main" xmlns:r="http://schemas.openxmlformats.org/officeDocument/2006/relationships" xmlns:p="http://schemas.openxmlformats.org/presentationml/2006/main">
+  <p:cSld>
+    <p:spTree>
+      <p:nvGrpSpPr>
+        <p:cNvPr id="1" name=""/>
+        <p:cNvGrpSpPr/>
+        <p:nvPr/>
+      </p:nvGrpSpPr>
+      <p:grpSpPr>
+        <a:xfrm>
+          <a:off x="0" y="0"/>
+          <a:ext cx="0" cy="0"/>
+          <a:chOff x="0" y="0"/>
+          <a:chExt cx="0" cy="0"/>
+        </a:xfrm>
+      </p:grpSpPr>
+      <p:sp>
+        <p:nvSpPr>
           <p:cNvPr id="2" name="Título 1">
             <a:extLst>
               <a:ext uri="{FF2B5EF4-FFF2-40B4-BE49-F238E27FC236}">
@@ -16235,7 +17336,7 @@
             <a:pPr algn="ctr" eaLnBrk="1" hangingPunct="1"/>
             <a:r>
               <a:rPr lang="es-CO" altLang="es-CO" sz="3600" b="0" dirty="0"/>
-              <a:t>10</a:t>
+              <a:t>12</a:t>
             </a:r>
           </a:p>
         </p:txBody>
@@ -17273,7 +18374,7 @@
 </p:sld>
 </file>
 
-<file path=ppt/slides/slide13.xml><?xml version="1.0" encoding="utf-8"?>
+<file path=ppt/slides/slide14.xml><?xml version="1.0" encoding="utf-8"?>
 <p:sld xmlns:a="http://schemas.openxmlformats.org/drawingml/2006/main" xmlns:r="http://schemas.openxmlformats.org/officeDocument/2006/relationships" xmlns:p="http://schemas.openxmlformats.org/presentationml/2006/main">
   <p:cSld>
     <p:spTree>
@@ -17484,7 +18585,7 @@
             <a:pPr algn="ctr" eaLnBrk="1" hangingPunct="1"/>
             <a:r>
               <a:rPr lang="es-CO" altLang="es-CO" sz="3600" b="0" dirty="0"/>
-              <a:t>11</a:t>
+              <a:t>13</a:t>
             </a:r>
           </a:p>
         </p:txBody>
@@ -17805,7 +18906,7 @@
 </p:sld>
 </file>
 
-<file path=ppt/slides/slide14.xml><?xml version="1.0" encoding="utf-8"?>
+<file path=ppt/slides/slide15.xml><?xml version="1.0" encoding="utf-8"?>
 <p:sld xmlns:a="http://schemas.openxmlformats.org/drawingml/2006/main" xmlns:r="http://schemas.openxmlformats.org/officeDocument/2006/relationships" xmlns:p="http://schemas.openxmlformats.org/presentationml/2006/main">
   <p:cSld>
     <p:spTree>
@@ -18052,7 +19153,7 @@
             <a:pPr algn="ctr" eaLnBrk="1" hangingPunct="1"/>
             <a:r>
               <a:rPr lang="es-CO" altLang="es-CO" sz="3600" b="0" dirty="0"/>
-              <a:t>12</a:t>
+              <a:t>14</a:t>
             </a:r>
           </a:p>
         </p:txBody>
@@ -18425,7 +19526,7 @@
 </p:sld>
 </file>
 
-<file path=ppt/slides/slide15.xml><?xml version="1.0" encoding="utf-8"?>
+<file path=ppt/slides/slide16.xml><?xml version="1.0" encoding="utf-8"?>
 <p:sld xmlns:a="http://schemas.openxmlformats.org/drawingml/2006/main" xmlns:r="http://schemas.openxmlformats.org/officeDocument/2006/relationships" xmlns:p="http://schemas.openxmlformats.org/presentationml/2006/main">
   <p:cSld>
     <p:spTree>
@@ -18665,7 +19766,7 @@
             <a:pPr algn="ctr" eaLnBrk="1" hangingPunct="1"/>
             <a:r>
               <a:rPr lang="es-CO" altLang="es-CO" sz="3600" b="0" dirty="0"/>
-              <a:t>14</a:t>
+              <a:t>15</a:t>
             </a:r>
           </a:p>
         </p:txBody>
@@ -18944,8 +20045,8 @@
           </a:p>
         </p:txBody>
       </p:sp>
-      <mc:AlternateContent xmlns:mc="http://schemas.openxmlformats.org/markup-compatibility/2006" xmlns:a14="http://schemas.microsoft.com/office/drawing/2010/main">
-        <mc:Choice Requires="a14">
+      <mc:AlternateContent xmlns:mc="http://schemas.openxmlformats.org/markup-compatibility/2006">
+        <mc:Choice xmlns:a14="http://schemas.microsoft.com/office/drawing/2010/main" Requires="a14">
           <p:sp>
             <p:nvSpPr>
               <p:cNvPr id="16" name="Título 1">
@@ -18984,7 +20085,7 @@
                 </a:br>
                 <a:r>
                   <a:rPr lang="es-CO" b="1" dirty="0"/>
-                  <a:t>Mapee en el plano z el ejercicio realizado en la clase pasada. Para todos los </a:t>
+                  <a:t>Mapee en el plano z el ejercicio realizado. Para todos los </a:t>
                 </a:r>
                 <a14:m>
                   <m:oMath xmlns:m="http://schemas.openxmlformats.org/officeDocument/2006/math">
@@ -19048,7 +20149,7 @@
             </p:txBody>
           </p:sp>
         </mc:Choice>
-        <mc:Fallback xmlns="">
+        <mc:Fallback>
           <p:sp>
             <p:nvSpPr>
               <p:cNvPr id="16" name="Título 1">
@@ -19073,7 +20174,7 @@
               <a:blipFill>
                 <a:blip r:embed="rId5"/>
                 <a:stretch>
-                  <a:fillRect l="-1137" r="-1820" b="-12042"/>
+                  <a:fillRect b="-12042"/>
                 </a:stretch>
               </a:blipFill>
             </p:spPr>
@@ -19082,7 +20183,7 @@
               <a:lstStyle/>
               <a:p>
                 <a:r>
-                  <a:rPr lang="en-US">
+                  <a:rPr lang="es-CO">
                     <a:noFill/>
                   </a:rPr>
                   <a:t> </a:t>
@@ -19376,12 +20477,18 @@
 </p:sld>
 </file>
 
-<file path=ppt/slides/slide16.xml><?xml version="1.0" encoding="utf-8"?>
+<file path=ppt/slides/slide17.xml><?xml version="1.0" encoding="utf-8"?>
 <p:sld xmlns:a="http://schemas.openxmlformats.org/drawingml/2006/main" xmlns:r="http://schemas.openxmlformats.org/officeDocument/2006/relationships" xmlns:p="http://schemas.openxmlformats.org/presentationml/2006/main">
   <p:cSld>
     <p:spTree>
       <p:nvGrpSpPr>
-        <p:cNvPr id="1" name=""/>
+        <p:cNvPr id="1" name="">
+          <a:extLst>
+            <a:ext uri="{FF2B5EF4-FFF2-40B4-BE49-F238E27FC236}">
+              <a16:creationId xmlns:a16="http://schemas.microsoft.com/office/drawing/2014/main" id="{1B6318E7-70A2-CAD6-4FE8-F71777DBEE65}"/>
+            </a:ext>
+          </a:extLst>
+        </p:cNvPr>
         <p:cNvGrpSpPr/>
         <p:nvPr/>
       </p:nvGrpSpPr>
@@ -19398,7 +20505,7 @@
           <p:cNvPr id="10" name="1 Título">
             <a:extLst>
               <a:ext uri="{FF2B5EF4-FFF2-40B4-BE49-F238E27FC236}">
-                <a16:creationId xmlns:a16="http://schemas.microsoft.com/office/drawing/2014/main" id="{AF4E183E-A171-4923-A99E-D149888CEC37}"/>
+                <a16:creationId xmlns:a16="http://schemas.microsoft.com/office/drawing/2014/main" id="{C9773D30-2FC7-BBCB-021F-1460F55AAAAD}"/>
               </a:ext>
             </a:extLst>
           </p:cNvPr>
@@ -19587,7 +20694,7 @@
             <a:pPr algn="ctr" eaLnBrk="1" hangingPunct="1"/>
             <a:r>
               <a:rPr lang="es-CO" altLang="es-CO" sz="3600" b="0" dirty="0"/>
-              <a:t>15</a:t>
+              <a:t>17</a:t>
             </a:r>
           </a:p>
         </p:txBody>
@@ -19597,7 +20704,7 @@
           <p:cNvPr id="14" name="Picture 4" descr="Programas - Intranet ETITC">
             <a:extLst>
               <a:ext uri="{FF2B5EF4-FFF2-40B4-BE49-F238E27FC236}">
-                <a16:creationId xmlns:a16="http://schemas.microsoft.com/office/drawing/2014/main" id="{EC83F540-C4A2-EE56-0418-B8CD7CA17275}"/>
+                <a16:creationId xmlns:a16="http://schemas.microsoft.com/office/drawing/2014/main" id="{3B653CB3-B7C8-61E4-3D7D-094CD6EC59FE}"/>
               </a:ext>
             </a:extLst>
           </p:cNvPr>
@@ -19644,7 +20751,7 @@
           <p:cNvPr id="5" name="2 Subtítulo">
             <a:extLst>
               <a:ext uri="{FF2B5EF4-FFF2-40B4-BE49-F238E27FC236}">
-                <a16:creationId xmlns:a16="http://schemas.microsoft.com/office/drawing/2014/main" id="{AD83FA30-4A3C-43B8-17CD-C08519129156}"/>
+                <a16:creationId xmlns:a16="http://schemas.microsoft.com/office/drawing/2014/main" id="{E5653756-A0DE-81ED-256E-9EC9FE9D23E2}"/>
               </a:ext>
             </a:extLst>
           </p:cNvPr>
@@ -19871,7 +20978,7 @@
           <p:cNvPr id="16" name="Título 1">
             <a:extLst>
               <a:ext uri="{FF2B5EF4-FFF2-40B4-BE49-F238E27FC236}">
-                <a16:creationId xmlns:a16="http://schemas.microsoft.com/office/drawing/2014/main" id="{61C30305-C78C-F687-635F-1E0E3726D49F}"/>
+                <a16:creationId xmlns:a16="http://schemas.microsoft.com/office/drawing/2014/main" id="{C04B0690-EEA6-59A3-742A-BDDA0A45509A}"/>
               </a:ext>
             </a:extLst>
           </p:cNvPr>
@@ -19899,28 +21006,18 @@
               <a:rPr lang="es-ES" b="1" dirty="0"/>
               <a:t>TALLER</a:t>
             </a:r>
-            <a:br>
-              <a:rPr lang="es-ES" b="1" dirty="0"/>
-            </a:br>
-            <a:r>
-              <a:rPr lang="es-ES" b="1" dirty="0"/>
-              <a:t>¡No calificable!</a:t>
-            </a:r>
-            <a:br>
-              <a:rPr lang="es-ES" b="1" dirty="0"/>
-            </a:br>
             <a:endParaRPr lang="es-CO" b="1" dirty="0"/>
           </a:p>
         </p:txBody>
       </p:sp>
-      <mc:AlternateContent xmlns:mc="http://schemas.openxmlformats.org/markup-compatibility/2006" xmlns:a14="http://schemas.microsoft.com/office/drawing/2010/main">
-        <mc:Choice Requires="a14">
+      <mc:AlternateContent xmlns:mc="http://schemas.openxmlformats.org/markup-compatibility/2006">
+        <mc:Choice xmlns:a14="http://schemas.microsoft.com/office/drawing/2010/main" Requires="a14">
           <p:sp>
             <p:nvSpPr>
               <p:cNvPr id="7" name="CuadroTexto 6">
                 <a:extLst>
                   <a:ext uri="{FF2B5EF4-FFF2-40B4-BE49-F238E27FC236}">
-                    <a16:creationId xmlns:a16="http://schemas.microsoft.com/office/drawing/2014/main" id="{1A1439DA-9A94-07F6-85B0-5EC26AA5C6AB}"/>
+                    <a16:creationId xmlns:a16="http://schemas.microsoft.com/office/drawing/2014/main" id="{9140AF52-8491-2536-AF18-4855E8FD7AE9}"/>
                   </a:ext>
                 </a:extLst>
               </p:cNvPr>
@@ -20100,13 +21197,13 @@
             </p:txBody>
           </p:sp>
         </mc:Choice>
-        <mc:Fallback xmlns="">
+        <mc:Fallback>
           <p:sp>
             <p:nvSpPr>
               <p:cNvPr id="7" name="CuadroTexto 6">
                 <a:extLst>
                   <a:ext uri="{FF2B5EF4-FFF2-40B4-BE49-F238E27FC236}">
-                    <a16:creationId xmlns:a16="http://schemas.microsoft.com/office/drawing/2014/main" id="{1A1439DA-9A94-07F6-85B0-5EC26AA5C6AB}"/>
+                    <a16:creationId xmlns:a16="http://schemas.microsoft.com/office/drawing/2014/main" id="{9140AF52-8491-2536-AF18-4855E8FD7AE9}"/>
                   </a:ext>
                 </a:extLst>
               </p:cNvPr>
@@ -20150,7 +21247,7 @@
           <p:cNvPr id="4" name="CuadroTexto 3">
             <a:extLst>
               <a:ext uri="{FF2B5EF4-FFF2-40B4-BE49-F238E27FC236}">
-                <a16:creationId xmlns:a16="http://schemas.microsoft.com/office/drawing/2014/main" id="{52E914A1-1C40-2701-C07B-EF8A2F0FFA58}"/>
+                <a16:creationId xmlns:a16="http://schemas.microsoft.com/office/drawing/2014/main" id="{C7978332-2485-C96A-0010-2463C218A456}"/>
               </a:ext>
             </a:extLst>
           </p:cNvPr>
@@ -20326,7 +21423,7 @@
     </p:spTree>
     <p:extLst>
       <p:ext uri="{BB962C8B-B14F-4D97-AF65-F5344CB8AC3E}">
-        <p14:creationId xmlns:p14="http://schemas.microsoft.com/office/powerpoint/2010/main" val="941902522"/>
+        <p14:creationId xmlns:p14="http://schemas.microsoft.com/office/powerpoint/2010/main" val="1207355727"/>
       </p:ext>
     </p:extLst>
   </p:cSld>
@@ -26748,8 +27845,8 @@
           <a:p>
             <a:pPr algn="ctr" eaLnBrk="1" hangingPunct="1"/>
             <a:r>
-              <a:rPr lang="es-CO" altLang="es-CO" sz="3600" b="0"/>
-              <a:t>5</a:t>
+              <a:rPr lang="es-CO" altLang="es-CO" sz="3600" b="0" dirty="0"/>
+              <a:t>6</a:t>
             </a:r>
           </a:p>
         </p:txBody>
@@ -27790,8 +28887,8 @@
           <a:p>
             <a:pPr algn="ctr" eaLnBrk="1" hangingPunct="1"/>
             <a:r>
-              <a:rPr lang="es-CO" altLang="es-CO" sz="3600" b="0"/>
-              <a:t>6</a:t>
+              <a:rPr lang="es-CO" altLang="es-CO" sz="3600" b="0" dirty="0"/>
+              <a:t>7</a:t>
             </a:r>
           </a:p>
         </p:txBody>
@@ -28098,7 +29195,7 @@
           <a:p>
             <a:pPr algn="ctr"/>
             <a:r>
-              <a:rPr lang="es-CO" b="1"/>
+              <a:rPr lang="es-CO" b="1" dirty="0"/>
               <a:t>Ejercicio de Repaso</a:t>
             </a:r>
           </a:p>
@@ -28603,8 +29700,8 @@
           </p:sp>
         </mc:Fallback>
       </mc:AlternateContent>
-      <mc:AlternateContent xmlns:mc="http://schemas.openxmlformats.org/markup-compatibility/2006">
-        <mc:Choice xmlns:a14="http://schemas.microsoft.com/office/drawing/2010/main" Requires="a14">
+      <mc:AlternateContent xmlns:mc="http://schemas.openxmlformats.org/markup-compatibility/2006" xmlns:a14="http://schemas.microsoft.com/office/drawing/2010/main">
+        <mc:Choice Requires="a14">
           <p:graphicFrame>
             <p:nvGraphicFramePr>
               <p:cNvPr id="4" name="Tabla 3">
@@ -28807,7 +29904,7 @@
             </a:graphic>
           </p:graphicFrame>
         </mc:Choice>
-        <mc:Fallback>
+        <mc:Fallback xmlns="">
           <p:graphicFrame>
             <p:nvGraphicFramePr>
               <p:cNvPr id="4" name="Tabla 3">
@@ -29268,8 +30365,8 @@
           <a:p>
             <a:pPr algn="ctr" eaLnBrk="1" hangingPunct="1"/>
             <a:r>
-              <a:rPr lang="es-CO" altLang="es-CO" sz="3600" b="0"/>
-              <a:t>7</a:t>
+              <a:rPr lang="es-CO" altLang="es-CO" sz="3600" b="0" dirty="0"/>
+              <a:t>8</a:t>
             </a:r>
           </a:p>
         </p:txBody>
@@ -31236,8 +32333,8 @@
           <a:p>
             <a:pPr algn="ctr" eaLnBrk="1" hangingPunct="1"/>
             <a:r>
-              <a:rPr lang="es-CO" altLang="es-CO" sz="3600" b="0"/>
-              <a:t>8</a:t>
+              <a:rPr lang="es-CO" altLang="es-CO" sz="3600" b="0" dirty="0"/>
+              <a:t>9</a:t>
             </a:r>
           </a:p>
         </p:txBody>
@@ -33317,20 +34414,20 @@
 </file>
 
 <file path=customXml/item1.xml><?xml version="1.0" encoding="utf-8"?>
+<p:properties xmlns:p="http://schemas.microsoft.com/office/2006/metadata/properties" xmlns:xsi="http://www.w3.org/2001/XMLSchema-instance" xmlns:pc="http://schemas.microsoft.com/office/infopath/2007/PartnerControls">
+  <documentManagement>
+    <_activity xmlns="bdc56f61-abc0-4f7e-bfec-a93ccd1ae886" xsi:nil="true"/>
+  </documentManagement>
+</p:properties>
+</file>
+
+<file path=customXml/item2.xml><?xml version="1.0" encoding="utf-8"?>
 <?mso-contentType ?>
 <FormTemplates xmlns="http://schemas.microsoft.com/sharepoint/v3/contenttype/forms">
   <Display>DocumentLibraryForm</Display>
   <Edit>DocumentLibraryForm</Edit>
   <New>DocumentLibraryForm</New>
 </FormTemplates>
-</file>
-
-<file path=customXml/item2.xml><?xml version="1.0" encoding="utf-8"?>
-<p:properties xmlns:p="http://schemas.microsoft.com/office/2006/metadata/properties" xmlns:xsi="http://www.w3.org/2001/XMLSchema-instance" xmlns:pc="http://schemas.microsoft.com/office/infopath/2007/PartnerControls">
-  <documentManagement>
-    <_activity xmlns="bdc56f61-abc0-4f7e-bfec-a93ccd1ae886" xsi:nil="true"/>
-  </documentManagement>
-</p:properties>
 </file>
 
 <file path=customXml/item3.xml><?xml version="1.0" encoding="utf-8"?>
@@ -33569,14 +34666,6 @@
 </file>
 
 <file path=customXml/itemProps1.xml><?xml version="1.0" encoding="utf-8"?>
-<ds:datastoreItem xmlns:ds="http://schemas.openxmlformats.org/officeDocument/2006/customXml" ds:itemID="{4E8623C8-32E1-48B0-9F0A-13F2E9582B7E}">
-  <ds:schemaRefs>
-    <ds:schemaRef ds:uri="http://schemas.microsoft.com/sharepoint/v3/contenttype/forms"/>
-  </ds:schemaRefs>
-</ds:datastoreItem>
-</file>
-
-<file path=customXml/itemProps2.xml><?xml version="1.0" encoding="utf-8"?>
 <ds:datastoreItem xmlns:ds="http://schemas.openxmlformats.org/officeDocument/2006/customXml" ds:itemID="{0825853C-1B27-4995-A583-4D39F900BB7F}">
   <ds:schemaRefs>
     <ds:schemaRef ds:uri="669280c1-d17e-4d1d-bd7f-b4f14cc6bf1d"/>
@@ -33589,6 +34678,14 @@
     <ds:schemaRef ds:uri="http://schemas.microsoft.com/office/infopath/2007/PartnerControls"/>
     <ds:schemaRef ds:uri="http://schemas.openxmlformats.org/package/2006/metadata/core-properties"/>
     <ds:schemaRef ds:uri="http://www.w3.org/XML/1998/namespace"/>
+  </ds:schemaRefs>
+</ds:datastoreItem>
+</file>
+
+<file path=customXml/itemProps2.xml><?xml version="1.0" encoding="utf-8"?>
+<ds:datastoreItem xmlns:ds="http://schemas.openxmlformats.org/officeDocument/2006/customXml" ds:itemID="{4E8623C8-32E1-48B0-9F0A-13F2E9582B7E}">
+  <ds:schemaRefs>
+    <ds:schemaRef ds:uri="http://schemas.microsoft.com/sharepoint/v3/contenttype/forms"/>
   </ds:schemaRefs>
 </ds:datastoreItem>
 </file>

--- a/Sesión_4/Sistemas de segundo orden Discretos.pptx
+++ b/Sesión_4/Sistemas de segundo orden Discretos.pptx
@@ -187,7 +187,7 @@
 <file path=ppt/revisionInfo.xml><?xml version="1.0" encoding="utf-8"?>
 <p1510:revInfo xmlns:a="http://schemas.openxmlformats.org/drawingml/2006/main" xmlns:r="http://schemas.openxmlformats.org/officeDocument/2006/relationships" xmlns:p1510="http://schemas.microsoft.com/office/powerpoint/2015/10/main">
   <p1510:revLst>
-    <p1510:client id="{0A60CEB9-85FD-48E1-86F3-E6C1E64EF4FE}" v="17" dt="2025-04-01T15:41:13.447"/>
+    <p1510:client id="{0A60CEB9-85FD-48E1-86F3-E6C1E64EF4FE}" v="28" dt="2025-04-09T21:07:35.580"/>
   </p1510:revLst>
 </p1510:revInfo>
 </file>
@@ -221,7 +221,7 @@
   <pc:docChgLst>
     <pc:chgData name="JHEYSON FABIAN VILLAVISAN BUITRAGO" userId="e5ced5c2-d787-455d-b115-4f08a699b8c8" providerId="ADAL" clId="{0A60CEB9-85FD-48E1-86F3-E6C1E64EF4FE}"/>
     <pc:docChg chg="undo redo custSel addSld modSld sldOrd modSection">
-      <pc:chgData name="JHEYSON FABIAN VILLAVISAN BUITRAGO" userId="e5ced5c2-d787-455d-b115-4f08a699b8c8" providerId="ADAL" clId="{0A60CEB9-85FD-48E1-86F3-E6C1E64EF4FE}" dt="2025-04-01T17:38:34.010" v="217" actId="20577"/>
+      <pc:chgData name="JHEYSON FABIAN VILLAVISAN BUITRAGO" userId="e5ced5c2-d787-455d-b115-4f08a699b8c8" providerId="ADAL" clId="{0A60CEB9-85FD-48E1-86F3-E6C1E64EF4FE}" dt="2025-04-09T21:07:35.579" v="445" actId="20577"/>
       <pc:docMkLst>
         <pc:docMk/>
       </pc:docMkLst>
@@ -270,14 +270,22 @@
           </ac:spMkLst>
         </pc:spChg>
       </pc:sldChg>
-      <pc:sldChg chg="modSp mod">
-        <pc:chgData name="JHEYSON FABIAN VILLAVISAN BUITRAGO" userId="e5ced5c2-d787-455d-b115-4f08a699b8c8" providerId="ADAL" clId="{0A60CEB9-85FD-48E1-86F3-E6C1E64EF4FE}" dt="2025-04-01T15:42:48.265" v="84" actId="20577"/>
+      <pc:sldChg chg="addSp modSp mod">
+        <pc:chgData name="JHEYSON FABIAN VILLAVISAN BUITRAGO" userId="e5ced5c2-d787-455d-b115-4f08a699b8c8" providerId="ADAL" clId="{0A60CEB9-85FD-48E1-86F3-E6C1E64EF4FE}" dt="2025-04-09T21:07:35.579" v="445" actId="20577"/>
         <pc:sldMkLst>
           <pc:docMk/>
           <pc:sldMk cId="2620324047" sldId="280"/>
         </pc:sldMkLst>
+        <pc:spChg chg="add mod">
+          <ac:chgData name="JHEYSON FABIAN VILLAVISAN BUITRAGO" userId="e5ced5c2-d787-455d-b115-4f08a699b8c8" providerId="ADAL" clId="{0A60CEB9-85FD-48E1-86F3-E6C1E64EF4FE}" dt="2025-04-09T21:07:35.579" v="445" actId="20577"/>
+          <ac:spMkLst>
+            <pc:docMk/>
+            <pc:sldMk cId="2620324047" sldId="280"/>
+            <ac:spMk id="7" creationId="{D96F6873-E45B-DA1A-E23E-96316531E1A6}"/>
+          </ac:spMkLst>
+        </pc:spChg>
         <pc:spChg chg="mod">
-          <ac:chgData name="JHEYSON FABIAN VILLAVISAN BUITRAGO" userId="e5ced5c2-d787-455d-b115-4f08a699b8c8" providerId="ADAL" clId="{0A60CEB9-85FD-48E1-86F3-E6C1E64EF4FE}" dt="2025-04-01T15:42:48.265" v="84" actId="20577"/>
+          <ac:chgData name="JHEYSON FABIAN VILLAVISAN BUITRAGO" userId="e5ced5c2-d787-455d-b115-4f08a699b8c8" providerId="ADAL" clId="{0A60CEB9-85FD-48E1-86F3-E6C1E64EF4FE}" dt="2025-04-09T21:05:30.836" v="431" actId="20577"/>
           <ac:spMkLst>
             <pc:docMk/>
             <pc:sldMk cId="2620324047" sldId="280"/>
@@ -308,14 +316,14 @@
           </ac:spMkLst>
         </pc:spChg>
       </pc:sldChg>
-      <pc:sldChg chg="modSp mod ord modNotesTx">
-        <pc:chgData name="JHEYSON FABIAN VILLAVISAN BUITRAGO" userId="e5ced5c2-d787-455d-b115-4f08a699b8c8" providerId="ADAL" clId="{0A60CEB9-85FD-48E1-86F3-E6C1E64EF4FE}" dt="2025-04-01T17:38:34.010" v="217" actId="20577"/>
+      <pc:sldChg chg="modSp mod ord modNotes modNotesTx">
+        <pc:chgData name="JHEYSON FABIAN VILLAVISAN BUITRAGO" userId="e5ced5c2-d787-455d-b115-4f08a699b8c8" providerId="ADAL" clId="{0A60CEB9-85FD-48E1-86F3-E6C1E64EF4FE}" dt="2025-04-09T21:07:19.086" v="435" actId="27636"/>
         <pc:sldMkLst>
           <pc:docMk/>
           <pc:sldMk cId="941902522" sldId="284"/>
         </pc:sldMkLst>
         <pc:spChg chg="mod">
-          <ac:chgData name="JHEYSON FABIAN VILLAVISAN BUITRAGO" userId="e5ced5c2-d787-455d-b115-4f08a699b8c8" providerId="ADAL" clId="{0A60CEB9-85FD-48E1-86F3-E6C1E64EF4FE}" dt="2025-04-01T17:38:34.010" v="217" actId="20577"/>
+          <ac:chgData name="JHEYSON FABIAN VILLAVISAN BUITRAGO" userId="e5ced5c2-d787-455d-b115-4f08a699b8c8" providerId="ADAL" clId="{0A60CEB9-85FD-48E1-86F3-E6C1E64EF4FE}" dt="2025-04-09T21:03:52.273" v="421" actId="20577"/>
           <ac:spMkLst>
             <pc:docMk/>
             <pc:sldMk cId="941902522" sldId="284"/>
@@ -323,7 +331,7 @@
           </ac:spMkLst>
         </pc:spChg>
         <pc:spChg chg="mod">
-          <ac:chgData name="JHEYSON FABIAN VILLAVISAN BUITRAGO" userId="e5ced5c2-d787-455d-b115-4f08a699b8c8" providerId="ADAL" clId="{0A60CEB9-85FD-48E1-86F3-E6C1E64EF4FE}" dt="2025-04-01T15:55:15.604" v="131" actId="1076"/>
+          <ac:chgData name="JHEYSON FABIAN VILLAVISAN BUITRAGO" userId="e5ced5c2-d787-455d-b115-4f08a699b8c8" providerId="ADAL" clId="{0A60CEB9-85FD-48E1-86F3-E6C1E64EF4FE}" dt="2025-04-09T21:01:15.068" v="324" actId="1076"/>
           <ac:spMkLst>
             <pc:docMk/>
             <pc:sldMk cId="941902522" sldId="284"/>
@@ -331,7 +339,7 @@
           </ac:spMkLst>
         </pc:spChg>
         <pc:spChg chg="mod">
-          <ac:chgData name="JHEYSON FABIAN VILLAVISAN BUITRAGO" userId="e5ced5c2-d787-455d-b115-4f08a699b8c8" providerId="ADAL" clId="{0A60CEB9-85FD-48E1-86F3-E6C1E64EF4FE}" dt="2025-04-01T15:42:51.803" v="87" actId="20577"/>
+          <ac:chgData name="JHEYSON FABIAN VILLAVISAN BUITRAGO" userId="e5ced5c2-d787-455d-b115-4f08a699b8c8" providerId="ADAL" clId="{0A60CEB9-85FD-48E1-86F3-E6C1E64EF4FE}" dt="2025-04-09T21:05:04.117" v="423" actId="20577"/>
           <ac:spMkLst>
             <pc:docMk/>
             <pc:sldMk cId="941902522" sldId="284"/>
@@ -363,13 +371,13 @@
         </pc:spChg>
       </pc:sldChg>
       <pc:sldChg chg="modSp mod">
-        <pc:chgData name="JHEYSON FABIAN VILLAVISAN BUITRAGO" userId="e5ced5c2-d787-455d-b115-4f08a699b8c8" providerId="ADAL" clId="{0A60CEB9-85FD-48E1-86F3-E6C1E64EF4FE}" dt="2025-04-01T15:42:41.564" v="78" actId="20577"/>
+        <pc:chgData name="JHEYSON FABIAN VILLAVISAN BUITRAGO" userId="e5ced5c2-d787-455d-b115-4f08a699b8c8" providerId="ADAL" clId="{0A60CEB9-85FD-48E1-86F3-E6C1E64EF4FE}" dt="2025-04-09T21:05:11.510" v="427" actId="20577"/>
         <pc:sldMkLst>
           <pc:docMk/>
           <pc:sldMk cId="1411283449" sldId="292"/>
         </pc:sldMkLst>
         <pc:spChg chg="mod">
-          <ac:chgData name="JHEYSON FABIAN VILLAVISAN BUITRAGO" userId="e5ced5c2-d787-455d-b115-4f08a699b8c8" providerId="ADAL" clId="{0A60CEB9-85FD-48E1-86F3-E6C1E64EF4FE}" dt="2025-04-01T15:42:41.564" v="78" actId="20577"/>
+          <ac:chgData name="JHEYSON FABIAN VILLAVISAN BUITRAGO" userId="e5ced5c2-d787-455d-b115-4f08a699b8c8" providerId="ADAL" clId="{0A60CEB9-85FD-48E1-86F3-E6C1E64EF4FE}" dt="2025-04-09T21:05:11.510" v="427" actId="20577"/>
           <ac:spMkLst>
             <pc:docMk/>
             <pc:sldMk cId="1411283449" sldId="292"/>
@@ -378,13 +386,13 @@
         </pc:spChg>
       </pc:sldChg>
       <pc:sldChg chg="modSp mod">
-        <pc:chgData name="JHEYSON FABIAN VILLAVISAN BUITRAGO" userId="e5ced5c2-d787-455d-b115-4f08a699b8c8" providerId="ADAL" clId="{0A60CEB9-85FD-48E1-86F3-E6C1E64EF4FE}" dt="2025-04-01T15:42:45.641" v="82" actId="20577"/>
+        <pc:chgData name="JHEYSON FABIAN VILLAVISAN BUITRAGO" userId="e5ced5c2-d787-455d-b115-4f08a699b8c8" providerId="ADAL" clId="{0A60CEB9-85FD-48E1-86F3-E6C1E64EF4FE}" dt="2025-04-09T21:05:20.907" v="429" actId="20577"/>
         <pc:sldMkLst>
           <pc:docMk/>
           <pc:sldMk cId="1499167107" sldId="293"/>
         </pc:sldMkLst>
         <pc:spChg chg="mod">
-          <ac:chgData name="JHEYSON FABIAN VILLAVISAN BUITRAGO" userId="e5ced5c2-d787-455d-b115-4f08a699b8c8" providerId="ADAL" clId="{0A60CEB9-85FD-48E1-86F3-E6C1E64EF4FE}" dt="2025-04-01T15:42:45.641" v="82" actId="20577"/>
+          <ac:chgData name="JHEYSON FABIAN VILLAVISAN BUITRAGO" userId="e5ced5c2-d787-455d-b115-4f08a699b8c8" providerId="ADAL" clId="{0A60CEB9-85FD-48E1-86F3-E6C1E64EF4FE}" dt="2025-04-09T21:05:20.907" v="429" actId="20577"/>
           <ac:spMkLst>
             <pc:docMk/>
             <pc:sldMk cId="1499167107" sldId="293"/>
@@ -393,13 +401,13 @@
         </pc:spChg>
       </pc:sldChg>
       <pc:sldChg chg="modSp mod">
-        <pc:chgData name="JHEYSON FABIAN VILLAVISAN BUITRAGO" userId="e5ced5c2-d787-455d-b115-4f08a699b8c8" providerId="ADAL" clId="{0A60CEB9-85FD-48E1-86F3-E6C1E64EF4FE}" dt="2025-04-01T15:42:39.988" v="76" actId="20577"/>
+        <pc:chgData name="JHEYSON FABIAN VILLAVISAN BUITRAGO" userId="e5ced5c2-d787-455d-b115-4f08a699b8c8" providerId="ADAL" clId="{0A60CEB9-85FD-48E1-86F3-E6C1E64EF4FE}" dt="2025-04-09T21:05:07.490" v="425" actId="20577"/>
         <pc:sldMkLst>
           <pc:docMk/>
           <pc:sldMk cId="1698574024" sldId="294"/>
         </pc:sldMkLst>
         <pc:spChg chg="mod">
-          <ac:chgData name="JHEYSON FABIAN VILLAVISAN BUITRAGO" userId="e5ced5c2-d787-455d-b115-4f08a699b8c8" providerId="ADAL" clId="{0A60CEB9-85FD-48E1-86F3-E6C1E64EF4FE}" dt="2025-04-01T15:42:39.988" v="76" actId="20577"/>
+          <ac:chgData name="JHEYSON FABIAN VILLAVISAN BUITRAGO" userId="e5ced5c2-d787-455d-b115-4f08a699b8c8" providerId="ADAL" clId="{0A60CEB9-85FD-48E1-86F3-E6C1E64EF4FE}" dt="2025-04-09T21:05:07.490" v="425" actId="20577"/>
           <ac:spMkLst>
             <pc:docMk/>
             <pc:sldMk cId="1698574024" sldId="294"/>
@@ -620,7 +628,7 @@
               <a:pPr>
                 <a:defRPr/>
               </a:pPr>
-              <a:t>1/04/2025</a:t>
+              <a:t>9/04/2025</a:t>
             </a:fld>
             <a:endParaRPr lang="es-CO"/>
           </a:p>
@@ -863,7 +871,7 @@
               <a:pPr>
                 <a:defRPr/>
               </a:pPr>
-              <a:t>1/04/2025</a:t>
+              <a:t>9/04/2025</a:t>
             </a:fld>
             <a:endParaRPr lang="es-CO"/>
           </a:p>
@@ -1543,221 +1551,221 @@
           <a:lstStyle/>
           <a:p>
             <a:r>
-              <a:rPr lang="es-ES" err="1"/>
+              <a:rPr lang="es-ES" dirty="0" err="1"/>
               <a:t>clear</a:t>
             </a:r>
-            <a:endParaRPr lang="en-US"/>
-          </a:p>
-          <a:p>
-            <a:r>
-              <a:rPr lang="es-ES"/>
+            <a:endParaRPr lang="en-US" dirty="0"/>
+          </a:p>
+          <a:p>
+            <a:r>
+              <a:rPr lang="es-ES" dirty="0"/>
               <a:t>% Coeficientes de la función de transferencia en el dominio S</a:t>
             </a:r>
           </a:p>
           <a:p>
             <a:r>
-              <a:rPr lang="es-ES" err="1"/>
+              <a:rPr lang="es-ES" dirty="0" err="1"/>
               <a:t>num_s</a:t>
             </a:r>
             <a:r>
-              <a:rPr lang="es-ES"/>
+              <a:rPr lang="es-ES" dirty="0"/>
               <a:t> = [0.0625];</a:t>
             </a:r>
-            <a:endParaRPr lang="es-ES">
+            <a:endParaRPr lang="es-ES" dirty="0">
               <a:cs typeface="Calibri"/>
             </a:endParaRPr>
           </a:p>
           <a:p>
             <a:r>
-              <a:rPr lang="es-ES" err="1"/>
+              <a:rPr lang="es-ES" dirty="0" err="1"/>
               <a:t>den_s</a:t>
             </a:r>
             <a:r>
-              <a:rPr lang="es-ES"/>
+              <a:rPr lang="es-ES" dirty="0"/>
               <a:t> = [1, -1, 0.25];</a:t>
             </a:r>
           </a:p>
           <a:p>
             <a:r>
-              <a:rPr lang="es-ES"/>
+              <a:rPr lang="es-ES" dirty="0"/>
               <a:t>% Tiempo de muestreo</a:t>
             </a:r>
           </a:p>
           <a:p>
             <a:r>
-              <a:rPr lang="es-ES" err="1"/>
+              <a:rPr lang="es-ES" dirty="0" err="1"/>
               <a:t>Ts</a:t>
             </a:r>
             <a:r>
-              <a:rPr lang="es-ES"/>
+              <a:rPr lang="es-ES" dirty="0"/>
               <a:t> = 1; % Ajusta el tiempo de muestreo según tus necesidades</a:t>
             </a:r>
-            <a:endParaRPr lang="es-ES">
+            <a:endParaRPr lang="es-ES" dirty="0">
               <a:cs typeface="Calibri"/>
             </a:endParaRPr>
           </a:p>
           <a:p>
             <a:r>
-              <a:rPr lang="es-ES"/>
+              <a:rPr lang="es-ES" dirty="0"/>
               <a:t>% Convertir la función de transferencia al dominio Z</a:t>
             </a:r>
           </a:p>
           <a:p>
             <a:r>
-              <a:rPr lang="es-ES" err="1"/>
+              <a:rPr lang="es-ES" dirty="0" err="1"/>
               <a:t>sys_z</a:t>
             </a:r>
             <a:r>
-              <a:rPr lang="es-ES"/>
+              <a:rPr lang="es-ES" dirty="0"/>
               <a:t> = c2d(</a:t>
             </a:r>
             <a:r>
-              <a:rPr lang="es-ES" err="1"/>
+              <a:rPr lang="es-ES" dirty="0" err="1"/>
               <a:t>tf</a:t>
             </a:r>
             <a:r>
-              <a:rPr lang="es-ES"/>
+              <a:rPr lang="es-ES" dirty="0"/>
               <a:t>(</a:t>
             </a:r>
             <a:r>
-              <a:rPr lang="es-ES" err="1"/>
+              <a:rPr lang="es-ES" dirty="0" err="1"/>
               <a:t>num_s</a:t>
             </a:r>
             <a:r>
-              <a:rPr lang="es-ES"/>
+              <a:rPr lang="es-ES" dirty="0"/>
               <a:t>, </a:t>
             </a:r>
             <a:r>
-              <a:rPr lang="es-ES" err="1"/>
+              <a:rPr lang="es-ES" dirty="0" err="1"/>
               <a:t>den_s</a:t>
             </a:r>
             <a:r>
-              <a:rPr lang="es-ES"/>
+              <a:rPr lang="es-ES" dirty="0"/>
               <a:t>), </a:t>
             </a:r>
             <a:r>
-              <a:rPr lang="es-ES" err="1"/>
+              <a:rPr lang="es-ES" dirty="0" err="1"/>
               <a:t>Ts</a:t>
             </a:r>
             <a:r>
-              <a:rPr lang="es-ES"/>
+              <a:rPr lang="es-ES" dirty="0"/>
               <a:t>, '</a:t>
             </a:r>
             <a:r>
-              <a:rPr lang="es-ES" err="1"/>
+              <a:rPr lang="es-ES" dirty="0" err="1"/>
               <a:t>zoh</a:t>
             </a:r>
             <a:r>
-              <a:rPr lang="es-ES"/>
+              <a:rPr lang="es-ES" dirty="0"/>
               <a:t>')</a:t>
             </a:r>
           </a:p>
           <a:p>
             <a:r>
-              <a:rPr lang="es-ES"/>
+              <a:rPr lang="es-ES" dirty="0"/>
               <a:t>% Calcular la respuesta al escalón en el dominio Z</a:t>
             </a:r>
           </a:p>
           <a:p>
             <a:r>
-              <a:rPr lang="es-ES"/>
+              <a:rPr lang="es-ES" dirty="0"/>
               <a:t>n = 0:1:90; % Vector de tiempo discreto</a:t>
             </a:r>
           </a:p>
           <a:p>
             <a:r>
-              <a:rPr lang="es-ES"/>
+              <a:rPr lang="es-ES" dirty="0"/>
               <a:t>[y, n] = step(</a:t>
             </a:r>
             <a:r>
-              <a:rPr lang="es-ES" err="1"/>
+              <a:rPr lang="es-ES" dirty="0" err="1"/>
               <a:t>sys_z</a:t>
             </a:r>
             <a:r>
-              <a:rPr lang="es-ES"/>
+              <a:rPr lang="es-ES" dirty="0"/>
               <a:t>, n);</a:t>
             </a:r>
           </a:p>
           <a:p>
             <a:r>
-              <a:rPr lang="es-ES"/>
+              <a:rPr lang="es-ES" dirty="0"/>
               <a:t>% Graficar la respuesta al escalón en el dominio Z </a:t>
             </a:r>
           </a:p>
           <a:p>
             <a:r>
-              <a:rPr lang="es-ES" err="1"/>
+              <a:rPr lang="es-ES" dirty="0" err="1"/>
               <a:t>stem</a:t>
             </a:r>
             <a:r>
-              <a:rPr lang="es-ES"/>
+              <a:rPr lang="es-ES" dirty="0"/>
               <a:t>(n, y, 'b', '</a:t>
             </a:r>
             <a:r>
-              <a:rPr lang="es-ES" err="1"/>
+              <a:rPr lang="es-ES" dirty="0" err="1"/>
               <a:t>filled</a:t>
             </a:r>
             <a:r>
-              <a:rPr lang="es-ES"/>
+              <a:rPr lang="es-ES" dirty="0"/>
               <a:t>');</a:t>
             </a:r>
           </a:p>
           <a:p>
             <a:r>
-              <a:rPr lang="es-ES" err="1"/>
+              <a:rPr lang="es-ES" dirty="0" err="1"/>
               <a:t>xlabel</a:t>
             </a:r>
             <a:r>
-              <a:rPr lang="es-ES"/>
+              <a:rPr lang="es-ES" dirty="0"/>
               <a:t>('Muestras (n)');</a:t>
             </a:r>
           </a:p>
           <a:p>
             <a:r>
-              <a:rPr lang="es-ES" err="1"/>
+              <a:rPr lang="es-ES" dirty="0" err="1"/>
               <a:t>ylabel</a:t>
             </a:r>
             <a:r>
-              <a:rPr lang="es-ES"/>
+              <a:rPr lang="es-ES" dirty="0"/>
               <a:t>('Respuesta al escalón');</a:t>
             </a:r>
           </a:p>
           <a:p>
             <a:r>
-              <a:rPr lang="es-ES" err="1"/>
+              <a:rPr lang="es-ES" dirty="0" err="1"/>
               <a:t>title</a:t>
             </a:r>
             <a:r>
-              <a:rPr lang="es-ES"/>
+              <a:rPr lang="es-ES" dirty="0"/>
               <a:t>('Respuesta al escalón en el dominio Z');</a:t>
             </a:r>
           </a:p>
           <a:p>
             <a:r>
-              <a:rPr lang="es-ES" err="1"/>
+              <a:rPr lang="es-ES" dirty="0" err="1"/>
               <a:t>grid</a:t>
             </a:r>
             <a:r>
-              <a:rPr lang="es-ES"/>
+              <a:rPr lang="es-ES" dirty="0"/>
               <a:t> </a:t>
             </a:r>
             <a:r>
-              <a:rPr lang="es-ES" err="1"/>
+              <a:rPr lang="es-ES" dirty="0" err="1"/>
               <a:t>on</a:t>
             </a:r>
             <a:r>
-              <a:rPr lang="es-ES"/>
+              <a:rPr lang="es-ES" dirty="0"/>
               <a:t>;</a:t>
             </a:r>
           </a:p>
           <a:p>
-            <a:endParaRPr lang="es-ES" sz="1800" b="0" i="0">
+            <a:endParaRPr lang="es-ES" sz="1800" b="0" i="0" dirty="0">
               <a:effectLst/>
               <a:latin typeface="Menlo"/>
             </a:endParaRPr>
           </a:p>
           <a:p>
-            <a:endParaRPr lang="en-US"/>
+            <a:endParaRPr lang="en-US" dirty="0"/>
           </a:p>
         </p:txBody>
       </p:sp>
@@ -8213,7 +8221,7 @@
         <p:spPr/>
         <p:txBody>
           <a:bodyPr>
-            <a:normAutofit fontScale="55000" lnSpcReduction="20000"/>
+            <a:normAutofit/>
           </a:bodyPr>
           <a:lstStyle/>
           <a:p>
@@ -9316,7 +9324,7 @@
           <a:p>
             <a:fld id="{9CF7635E-2D71-42E7-9E6C-FBB85A15A85F}" type="datetimeFigureOut">
               <a:rPr lang="es-CO" smtClean="0"/>
-              <a:t>1/04/2025</a:t>
+              <a:t>9/04/2025</a:t>
             </a:fld>
             <a:endParaRPr lang="es-CO"/>
           </a:p>
@@ -9582,7 +9590,7 @@
           <a:p>
             <a:fld id="{9CF7635E-2D71-42E7-9E6C-FBB85A15A85F}" type="datetimeFigureOut">
               <a:rPr lang="es-CO" smtClean="0"/>
-              <a:t>1/04/2025</a:t>
+              <a:t>9/04/2025</a:t>
             </a:fld>
             <a:endParaRPr lang="es-CO"/>
           </a:p>
@@ -9798,7 +9806,7 @@
           <a:p>
             <a:fld id="{9CF7635E-2D71-42E7-9E6C-FBB85A15A85F}" type="datetimeFigureOut">
               <a:rPr lang="es-CO" smtClean="0"/>
-              <a:t>1/04/2025</a:t>
+              <a:t>9/04/2025</a:t>
             </a:fld>
             <a:endParaRPr lang="es-CO"/>
           </a:p>
@@ -11427,7 +11435,7 @@
           <a:p>
             <a:fld id="{9CF7635E-2D71-42E7-9E6C-FBB85A15A85F}" type="datetimeFigureOut">
               <a:rPr lang="es-CO" smtClean="0"/>
-              <a:t>1/04/2025</a:t>
+              <a:t>9/04/2025</a:t>
             </a:fld>
             <a:endParaRPr lang="es-CO"/>
           </a:p>
@@ -11874,7 +11882,7 @@
           <a:p>
             <a:fld id="{9CF7635E-2D71-42E7-9E6C-FBB85A15A85F}" type="datetimeFigureOut">
               <a:rPr lang="es-CO" smtClean="0"/>
-              <a:t>1/04/2025</a:t>
+              <a:t>9/04/2025</a:t>
             </a:fld>
             <a:endParaRPr lang="es-CO"/>
           </a:p>
@@ -12148,7 +12156,7 @@
           <a:p>
             <a:fld id="{9CF7635E-2D71-42E7-9E6C-FBB85A15A85F}" type="datetimeFigureOut">
               <a:rPr lang="es-CO" smtClean="0"/>
-              <a:t>1/04/2025</a:t>
+              <a:t>9/04/2025</a:t>
             </a:fld>
             <a:endParaRPr lang="es-CO"/>
           </a:p>
@@ -12569,7 +12577,7 @@
           <a:p>
             <a:fld id="{9CF7635E-2D71-42E7-9E6C-FBB85A15A85F}" type="datetimeFigureOut">
               <a:rPr lang="es-CO" smtClean="0"/>
-              <a:t>1/04/2025</a:t>
+              <a:t>9/04/2025</a:t>
             </a:fld>
             <a:endParaRPr lang="es-CO"/>
           </a:p>
@@ -12717,7 +12725,7 @@
           <a:p>
             <a:fld id="{9CF7635E-2D71-42E7-9E6C-FBB85A15A85F}" type="datetimeFigureOut">
               <a:rPr lang="es-CO" smtClean="0"/>
-              <a:t>1/04/2025</a:t>
+              <a:t>9/04/2025</a:t>
             </a:fld>
             <a:endParaRPr lang="es-CO"/>
           </a:p>
@@ -12836,7 +12844,7 @@
           <a:p>
             <a:fld id="{9CF7635E-2D71-42E7-9E6C-FBB85A15A85F}" type="datetimeFigureOut">
               <a:rPr lang="es-CO" smtClean="0"/>
-              <a:t>1/04/2025</a:t>
+              <a:t>9/04/2025</a:t>
             </a:fld>
             <a:endParaRPr lang="es-CO"/>
           </a:p>
@@ -13155,7 +13163,7 @@
           <a:p>
             <a:fld id="{9CF7635E-2D71-42E7-9E6C-FBB85A15A85F}" type="datetimeFigureOut">
               <a:rPr lang="es-CO" smtClean="0"/>
-              <a:t>1/04/2025</a:t>
+              <a:t>9/04/2025</a:t>
             </a:fld>
             <a:endParaRPr lang="es-CO"/>
           </a:p>
@@ -13450,7 +13458,7 @@
           <a:p>
             <a:fld id="{9CF7635E-2D71-42E7-9E6C-FBB85A15A85F}" type="datetimeFigureOut">
               <a:rPr lang="es-CO" smtClean="0"/>
-              <a:t>1/04/2025</a:t>
+              <a:t>9/04/2025</a:t>
             </a:fld>
             <a:endParaRPr lang="es-CO"/>
           </a:p>
@@ -13699,7 +13707,7 @@
           <a:p>
             <a:fld id="{9CF7635E-2D71-42E7-9E6C-FBB85A15A85F}" type="datetimeFigureOut">
               <a:rPr lang="es-CO" smtClean="0"/>
-              <a:t>1/04/2025</a:t>
+              <a:t>9/04/2025</a:t>
             </a:fld>
             <a:endParaRPr lang="es-CO"/>
           </a:p>
@@ -16438,7 +16446,7 @@
             <a:pPr algn="ctr" eaLnBrk="1" hangingPunct="1"/>
             <a:r>
               <a:rPr lang="es-CO" altLang="es-CO" sz="3600" b="0" dirty="0"/>
-              <a:t>16</a:t>
+              <a:t>12</a:t>
             </a:r>
           </a:p>
         </p:txBody>
@@ -16770,7 +16778,7 @@
             </p:nvSpPr>
             <p:spPr>
               <a:xfrm>
-                <a:off x="1891241" y="4101743"/>
+                <a:off x="1913012" y="4822951"/>
                 <a:ext cx="4580388" cy="667490"/>
               </a:xfrm>
               <a:prstGeom prst="rect">
@@ -16909,17 +16917,7 @@
                               <a:effectLst/>
                               <a:latin typeface="Cambria Math" panose="02040503050406030204" pitchFamily="18" charset="0"/>
                             </a:rPr>
-                            <m:t>0,5</m:t>
-                          </m:r>
-                          <m:r>
-                            <a:rPr lang="es-CO" b="0" i="1" smtClean="0">
-                              <a:solidFill>
-                                <a:schemeClr val="tx1"/>
-                              </a:solidFill>
-                              <a:effectLst/>
-                              <a:latin typeface="Cambria Math" panose="02040503050406030204" pitchFamily="18" charset="0"/>
-                            </a:rPr>
-                            <m:t>)</m:t>
+                            <m:t>0,5)</m:t>
                           </m:r>
                           <m:r>
                             <a:rPr lang="es-ES" b="0" i="1" smtClean="0">
@@ -16958,7 +16956,7 @@
             </p:nvSpPr>
             <p:spPr>
               <a:xfrm>
-                <a:off x="1891241" y="4101743"/>
+                <a:off x="1913012" y="4822951"/>
                 <a:ext cx="4580388" cy="667490"/>
               </a:xfrm>
               <a:prstGeom prst="rect">
@@ -17000,8 +16998,8 @@
         </p:nvSpPr>
         <p:spPr>
           <a:xfrm>
-            <a:off x="969432" y="2901414"/>
-            <a:ext cx="7379307" cy="1200329"/>
+            <a:off x="1023860" y="2651443"/>
+            <a:ext cx="7379307" cy="2585323"/>
           </a:xfrm>
           <a:prstGeom prst="rect">
             <a:avLst/>
@@ -17046,19 +17044,8 @@
                 <a:ea typeface="Calibri"/>
                 <a:cs typeface="Calibri"/>
               </a:rPr>
-              <a:t>Grafique la respuesta al escalón en </a:t>
-            </a:r>
-            <a:r>
-              <a:rPr lang="es-ES" b="1">
-                <a:ea typeface="Calibri"/>
-                <a:cs typeface="Calibri"/>
-              </a:rPr>
-              <a:t>lazo abierto y compare.</a:t>
-            </a:r>
-            <a:endParaRPr lang="es-ES" b="1" dirty="0">
-              <a:ea typeface="Calibri"/>
-              <a:cs typeface="Calibri"/>
-            </a:endParaRPr>
+              <a:t>Grafique la respuesta al escalón en lazo abierto y compare.</a:t>
+            </a:r>
           </a:p>
           <a:p>
             <a:r>
@@ -17066,6 +17053,44 @@
                 <a:latin typeface="Söhne"/>
               </a:rPr>
               <a:t>Dibuje el diagrama de bloques la función de transferencia en lazo cerrado.</a:t>
+            </a:r>
+          </a:p>
+          <a:p>
+            <a:endParaRPr lang="es-ES" b="1" dirty="0">
+              <a:latin typeface="Söhne"/>
+            </a:endParaRPr>
+          </a:p>
+          <a:p>
+            <a:r>
+              <a:rPr lang="es-ES" b="1" dirty="0">
+                <a:latin typeface="Söhne"/>
+              </a:rPr>
+              <a:t>Encuentre la función de transferencia en lazo cerrado para dominio de tiempo continuo y discreto, grafique y compare para </a:t>
+            </a:r>
+            <a:r>
+              <a:rPr lang="es-ES" b="1" dirty="0" err="1">
+                <a:latin typeface="Söhne"/>
+              </a:rPr>
+              <a:t>T_s</a:t>
+            </a:r>
+            <a:r>
+              <a:rPr lang="es-ES" b="1" dirty="0">
+                <a:latin typeface="Söhne"/>
+              </a:rPr>
+              <a:t>=[1, 0.05, 0.2 ]</a:t>
+            </a:r>
+          </a:p>
+          <a:p>
+            <a:endParaRPr lang="es-ES" b="1" dirty="0">
+              <a:latin typeface="Söhne"/>
+            </a:endParaRPr>
+          </a:p>
+          <a:p>
+            <a:r>
+              <a:rPr lang="es-ES" sz="1800" b="1" dirty="0">
+                <a:latin typeface="Söhne"/>
+              </a:rPr>
+              <a:t>	</a:t>
             </a:r>
           </a:p>
           <a:p>
@@ -17336,7 +17361,7 @@
             <a:pPr algn="ctr" eaLnBrk="1" hangingPunct="1"/>
             <a:r>
               <a:rPr lang="es-CO" altLang="es-CO" sz="3600" b="0" dirty="0"/>
-              <a:t>12</a:t>
+              <a:t>13</a:t>
             </a:r>
           </a:p>
         </p:txBody>
@@ -18585,7 +18610,7 @@
             <a:pPr algn="ctr" eaLnBrk="1" hangingPunct="1"/>
             <a:r>
               <a:rPr lang="es-CO" altLang="es-CO" sz="3600" b="0" dirty="0"/>
-              <a:t>13</a:t>
+              <a:t>14</a:t>
             </a:r>
           </a:p>
         </p:txBody>
@@ -19153,7 +19178,7 @@
             <a:pPr algn="ctr" eaLnBrk="1" hangingPunct="1"/>
             <a:r>
               <a:rPr lang="es-CO" altLang="es-CO" sz="3600" b="0" dirty="0"/>
-              <a:t>14</a:t>
+              <a:t>15</a:t>
             </a:r>
           </a:p>
         </p:txBody>
@@ -19766,7 +19791,7 @@
             <a:pPr algn="ctr" eaLnBrk="1" hangingPunct="1"/>
             <a:r>
               <a:rPr lang="es-CO" altLang="es-CO" sz="3600" b="0" dirty="0"/>
-              <a:t>15</a:t>
+              <a:t>16</a:t>
             </a:r>
           </a:p>
         </p:txBody>
@@ -20045,8 +20070,8 @@
           </a:p>
         </p:txBody>
       </p:sp>
-      <mc:AlternateContent xmlns:mc="http://schemas.openxmlformats.org/markup-compatibility/2006">
-        <mc:Choice xmlns:a14="http://schemas.microsoft.com/office/drawing/2010/main" Requires="a14">
+      <mc:AlternateContent xmlns:mc="http://schemas.openxmlformats.org/markup-compatibility/2006" xmlns:a14="http://schemas.microsoft.com/office/drawing/2010/main">
+        <mc:Choice Requires="a14">
           <p:sp>
             <p:nvSpPr>
               <p:cNvPr id="16" name="Título 1">
@@ -20149,7 +20174,7 @@
             </p:txBody>
           </p:sp>
         </mc:Choice>
-        <mc:Fallback>
+        <mc:Fallback xmlns="">
           <p:sp>
             <p:nvSpPr>
               <p:cNvPr id="16" name="Título 1">
@@ -20464,6 +20489,291 @@
           </a:fontRef>
         </p:style>
       </p:cxnSp>
+      <mc:AlternateContent xmlns:mc="http://schemas.openxmlformats.org/markup-compatibility/2006">
+        <mc:Choice xmlns:a14="http://schemas.microsoft.com/office/drawing/2010/main" Requires="a14">
+          <p:sp>
+            <p:nvSpPr>
+              <p:cNvPr id="7" name="CuadroTexto 6">
+                <a:extLst>
+                  <a:ext uri="{FF2B5EF4-FFF2-40B4-BE49-F238E27FC236}">
+                    <a16:creationId xmlns:a16="http://schemas.microsoft.com/office/drawing/2014/main" id="{D96F6873-E45B-DA1A-E23E-96316531E1A6}"/>
+                  </a:ext>
+                </a:extLst>
+              </p:cNvPr>
+              <p:cNvSpPr txBox="1"/>
+              <p:nvPr/>
+            </p:nvSpPr>
+            <p:spPr>
+              <a:xfrm>
+                <a:off x="4289665" y="5741709"/>
+                <a:ext cx="4642756" cy="669542"/>
+              </a:xfrm>
+              <a:prstGeom prst="rect">
+                <a:avLst/>
+              </a:prstGeom>
+              <a:noFill/>
+            </p:spPr>
+            <p:txBody>
+              <a:bodyPr wrap="square">
+                <a:spAutoFit/>
+              </a:bodyPr>
+              <a:lstStyle/>
+              <a:p>
+                <a:pPr/>
+                <a14:m>
+                  <m:oMathPara xmlns:m="http://schemas.openxmlformats.org/officeDocument/2006/math">
+                    <m:oMathParaPr>
+                      <m:jc m:val="centerGroup"/>
+                    </m:oMathParaPr>
+                    <m:oMath xmlns:m="http://schemas.openxmlformats.org/officeDocument/2006/math">
+                      <m:r>
+                        <a:rPr lang="es-ES" b="0" i="1" smtClean="0">
+                          <a:solidFill>
+                            <a:schemeClr val="tx1"/>
+                          </a:solidFill>
+                          <a:effectLst/>
+                          <a:latin typeface="Cambria Math" panose="02040503050406030204" pitchFamily="18" charset="0"/>
+                        </a:rPr>
+                        <m:t>𝐺</m:t>
+                      </m:r>
+                      <m:d>
+                        <m:dPr>
+                          <m:ctrlPr>
+                            <a:rPr lang="es-ES" b="0" i="1" smtClean="0">
+                              <a:solidFill>
+                                <a:schemeClr val="tx1"/>
+                              </a:solidFill>
+                              <a:effectLst/>
+                              <a:latin typeface="Cambria Math" panose="02040503050406030204" pitchFamily="18" charset="0"/>
+                            </a:rPr>
+                          </m:ctrlPr>
+                        </m:dPr>
+                        <m:e>
+                          <m:r>
+                            <a:rPr lang="es-ES" b="0" i="1" smtClean="0">
+                              <a:solidFill>
+                                <a:schemeClr val="tx1"/>
+                              </a:solidFill>
+                              <a:effectLst/>
+                              <a:latin typeface="Cambria Math" panose="02040503050406030204" pitchFamily="18" charset="0"/>
+                            </a:rPr>
+                            <m:t>𝑠</m:t>
+                          </m:r>
+                        </m:e>
+                      </m:d>
+                      <m:r>
+                        <a:rPr lang="es-ES" b="0" i="1" smtClean="0">
+                          <a:solidFill>
+                            <a:schemeClr val="tx1"/>
+                          </a:solidFill>
+                          <a:effectLst/>
+                          <a:latin typeface="Cambria Math" panose="02040503050406030204" pitchFamily="18" charset="0"/>
+                        </a:rPr>
+                        <m:t>=</m:t>
+                      </m:r>
+                      <m:f>
+                        <m:fPr>
+                          <m:ctrlPr>
+                            <a:rPr lang="es-ES" b="0" i="1" smtClean="0">
+                              <a:solidFill>
+                                <a:schemeClr val="tx1"/>
+                              </a:solidFill>
+                              <a:effectLst/>
+                              <a:latin typeface="Cambria Math" panose="02040503050406030204" pitchFamily="18" charset="0"/>
+                            </a:rPr>
+                          </m:ctrlPr>
+                        </m:fPr>
+                        <m:num>
+                          <m:r>
+                            <a:rPr lang="es-CO" b="0" i="1" smtClean="0">
+                              <a:solidFill>
+                                <a:schemeClr val="tx1"/>
+                              </a:solidFill>
+                              <a:effectLst/>
+                              <a:latin typeface="Cambria Math" panose="02040503050406030204" pitchFamily="18" charset="0"/>
+                            </a:rPr>
+                            <m:t>0,0625</m:t>
+                          </m:r>
+                        </m:num>
+                        <m:den>
+                          <m:sSup>
+                            <m:sSupPr>
+                              <m:ctrlPr>
+                                <a:rPr lang="es-ES" b="0" i="1" smtClean="0">
+                                  <a:solidFill>
+                                    <a:schemeClr val="tx1"/>
+                                  </a:solidFill>
+                                  <a:effectLst/>
+                                  <a:latin typeface="Cambria Math" panose="02040503050406030204" pitchFamily="18" charset="0"/>
+                                </a:rPr>
+                              </m:ctrlPr>
+                            </m:sSupPr>
+                            <m:e>
+                              <m:r>
+                                <a:rPr lang="es-ES" b="0" i="1" smtClean="0">
+                                  <a:solidFill>
+                                    <a:schemeClr val="tx1"/>
+                                  </a:solidFill>
+                                  <a:effectLst/>
+                                  <a:latin typeface="Cambria Math" panose="02040503050406030204" pitchFamily="18" charset="0"/>
+                                </a:rPr>
+                                <m:t>𝑠</m:t>
+                              </m:r>
+                            </m:e>
+                            <m:sup>
+                              <m:r>
+                                <a:rPr lang="es-ES" b="0" i="1" smtClean="0">
+                                  <a:solidFill>
+                                    <a:schemeClr val="tx1"/>
+                                  </a:solidFill>
+                                  <a:effectLst/>
+                                  <a:latin typeface="Cambria Math" panose="02040503050406030204" pitchFamily="18" charset="0"/>
+                                </a:rPr>
+                                <m:t>2</m:t>
+                              </m:r>
+                            </m:sup>
+                          </m:sSup>
+                          <m:r>
+                            <a:rPr lang="es-ES" b="0" i="1" smtClean="0">
+                              <a:solidFill>
+                                <a:schemeClr val="tx1"/>
+                              </a:solidFill>
+                              <a:effectLst/>
+                              <a:latin typeface="Cambria Math" panose="02040503050406030204" pitchFamily="18" charset="0"/>
+                            </a:rPr>
+                            <m:t>+2</m:t>
+                          </m:r>
+                          <m:r>
+                            <m:rPr>
+                              <m:sty m:val="p"/>
+                            </m:rPr>
+                            <a:rPr lang="el-GR" b="0" i="1" smtClean="0">
+                              <a:solidFill>
+                                <a:schemeClr val="tx1"/>
+                              </a:solidFill>
+                              <a:effectLst/>
+                              <a:latin typeface="Cambria Math" panose="02040503050406030204" pitchFamily="18" charset="0"/>
+                            </a:rPr>
+                            <m:t>ζ</m:t>
+                          </m:r>
+                          <m:sSub>
+                            <m:sSubPr>
+                              <m:ctrlPr>
+                                <a:rPr lang="es-ES" b="0" i="1" smtClean="0">
+                                  <a:solidFill>
+                                    <a:schemeClr val="tx1"/>
+                                  </a:solidFill>
+                                  <a:effectLst/>
+                                  <a:latin typeface="Cambria Math" panose="02040503050406030204" pitchFamily="18" charset="0"/>
+                                </a:rPr>
+                              </m:ctrlPr>
+                            </m:sSubPr>
+                            <m:e>
+                              <m:r>
+                                <a:rPr lang="es-ES" b="0" i="1" smtClean="0">
+                                  <a:solidFill>
+                                    <a:schemeClr val="tx1"/>
+                                  </a:solidFill>
+                                  <a:effectLst/>
+                                  <a:latin typeface="Cambria Math" panose="02040503050406030204" pitchFamily="18" charset="0"/>
+                                </a:rPr>
+                                <m:t>𝑤</m:t>
+                              </m:r>
+                            </m:e>
+                            <m:sub>
+                              <m:r>
+                                <a:rPr lang="es-ES" b="0" i="1" smtClean="0">
+                                  <a:solidFill>
+                                    <a:schemeClr val="tx1"/>
+                                  </a:solidFill>
+                                  <a:effectLst/>
+                                  <a:latin typeface="Cambria Math" panose="02040503050406030204" pitchFamily="18" charset="0"/>
+                                </a:rPr>
+                                <m:t>𝑛</m:t>
+                              </m:r>
+                            </m:sub>
+                          </m:sSub>
+                          <m:r>
+                            <a:rPr lang="es-ES" b="0" i="1" smtClean="0">
+                              <a:solidFill>
+                                <a:schemeClr val="tx1"/>
+                              </a:solidFill>
+                              <a:effectLst/>
+                              <a:latin typeface="Cambria Math" panose="02040503050406030204" pitchFamily="18" charset="0"/>
+                            </a:rPr>
+                            <m:t>𝑠</m:t>
+                          </m:r>
+                          <m:r>
+                            <a:rPr lang="es-ES" b="0" i="1" smtClean="0">
+                              <a:solidFill>
+                                <a:schemeClr val="tx1"/>
+                              </a:solidFill>
+                              <a:effectLst/>
+                              <a:latin typeface="Cambria Math" panose="02040503050406030204" pitchFamily="18" charset="0"/>
+                            </a:rPr>
+                            <m:t>+0,25</m:t>
+                          </m:r>
+                        </m:den>
+                      </m:f>
+                    </m:oMath>
+                  </m:oMathPara>
+                </a14:m>
+                <a:endParaRPr lang="es-ES" b="0" i="0" dirty="0">
+                  <a:solidFill>
+                    <a:schemeClr val="tx1"/>
+                  </a:solidFill>
+                  <a:effectLst/>
+                  <a:latin typeface="KaTeX_Main"/>
+                </a:endParaRPr>
+              </a:p>
+            </p:txBody>
+          </p:sp>
+        </mc:Choice>
+        <mc:Fallback>
+          <p:sp>
+            <p:nvSpPr>
+              <p:cNvPr id="7" name="CuadroTexto 6">
+                <a:extLst>
+                  <a:ext uri="{FF2B5EF4-FFF2-40B4-BE49-F238E27FC236}">
+                    <a16:creationId xmlns:a16="http://schemas.microsoft.com/office/drawing/2014/main" id="{D96F6873-E45B-DA1A-E23E-96316531E1A6}"/>
+                  </a:ext>
+                </a:extLst>
+              </p:cNvPr>
+              <p:cNvSpPr txBox="1">
+                <a:spLocks noRot="1" noChangeAspect="1" noMove="1" noResize="1" noEditPoints="1" noAdjustHandles="1" noChangeArrowheads="1" noChangeShapeType="1" noTextEdit="1"/>
+              </p:cNvSpPr>
+              <p:nvPr/>
+            </p:nvSpPr>
+            <p:spPr>
+              <a:xfrm>
+                <a:off x="4289665" y="5741709"/>
+                <a:ext cx="4642756" cy="669542"/>
+              </a:xfrm>
+              <a:prstGeom prst="rect">
+                <a:avLst/>
+              </a:prstGeom>
+              <a:blipFill>
+                <a:blip r:embed="rId9"/>
+                <a:stretch>
+                  <a:fillRect/>
+                </a:stretch>
+              </a:blipFill>
+            </p:spPr>
+            <p:txBody>
+              <a:bodyPr/>
+              <a:lstStyle/>
+              <a:p>
+                <a:r>
+                  <a:rPr lang="es-CO">
+                    <a:noFill/>
+                  </a:rPr>
+                  <a:t> </a:t>
+                </a:r>
+              </a:p>
+            </p:txBody>
+          </p:sp>
+        </mc:Fallback>
+      </mc:AlternateContent>
     </p:spTree>
     <p:extLst>
       <p:ext uri="{BB962C8B-B14F-4D97-AF65-F5344CB8AC3E}">
@@ -21010,8 +21320,8 @@
           </a:p>
         </p:txBody>
       </p:sp>
-      <mc:AlternateContent xmlns:mc="http://schemas.openxmlformats.org/markup-compatibility/2006">
-        <mc:Choice xmlns:a14="http://schemas.microsoft.com/office/drawing/2010/main" Requires="a14">
+      <mc:AlternateContent xmlns:mc="http://schemas.openxmlformats.org/markup-compatibility/2006" xmlns:a14="http://schemas.microsoft.com/office/drawing/2010/main">
+        <mc:Choice Requires="a14">
           <p:sp>
             <p:nvSpPr>
               <p:cNvPr id="7" name="CuadroTexto 6">
@@ -21197,7 +21507,7 @@
             </p:txBody>
           </p:sp>
         </mc:Choice>
-        <mc:Fallback>
+        <mc:Fallback xmlns="">
           <p:sp>
             <p:nvSpPr>
               <p:cNvPr id="7" name="CuadroTexto 6">
@@ -34414,20 +34724,20 @@
 </file>
 
 <file path=customXml/item1.xml><?xml version="1.0" encoding="utf-8"?>
-<p:properties xmlns:p="http://schemas.microsoft.com/office/2006/metadata/properties" xmlns:xsi="http://www.w3.org/2001/XMLSchema-instance" xmlns:pc="http://schemas.microsoft.com/office/infopath/2007/PartnerControls">
-  <documentManagement>
-    <_activity xmlns="bdc56f61-abc0-4f7e-bfec-a93ccd1ae886" xsi:nil="true"/>
-  </documentManagement>
-</p:properties>
-</file>
-
-<file path=customXml/item2.xml><?xml version="1.0" encoding="utf-8"?>
 <?mso-contentType ?>
 <FormTemplates xmlns="http://schemas.microsoft.com/sharepoint/v3/contenttype/forms">
   <Display>DocumentLibraryForm</Display>
   <Edit>DocumentLibraryForm</Edit>
   <New>DocumentLibraryForm</New>
 </FormTemplates>
+</file>
+
+<file path=customXml/item2.xml><?xml version="1.0" encoding="utf-8"?>
+<p:properties xmlns:p="http://schemas.microsoft.com/office/2006/metadata/properties" xmlns:xsi="http://www.w3.org/2001/XMLSchema-instance" xmlns:pc="http://schemas.microsoft.com/office/infopath/2007/PartnerControls">
+  <documentManagement>
+    <_activity xmlns="bdc56f61-abc0-4f7e-bfec-a93ccd1ae886" xsi:nil="true"/>
+  </documentManagement>
+</p:properties>
 </file>
 
 <file path=customXml/item3.xml><?xml version="1.0" encoding="utf-8"?>
@@ -34666,6 +34976,14 @@
 </file>
 
 <file path=customXml/itemProps1.xml><?xml version="1.0" encoding="utf-8"?>
+<ds:datastoreItem xmlns:ds="http://schemas.openxmlformats.org/officeDocument/2006/customXml" ds:itemID="{4E8623C8-32E1-48B0-9F0A-13F2E9582B7E}">
+  <ds:schemaRefs>
+    <ds:schemaRef ds:uri="http://schemas.microsoft.com/sharepoint/v3/contenttype/forms"/>
+  </ds:schemaRefs>
+</ds:datastoreItem>
+</file>
+
+<file path=customXml/itemProps2.xml><?xml version="1.0" encoding="utf-8"?>
 <ds:datastoreItem xmlns:ds="http://schemas.openxmlformats.org/officeDocument/2006/customXml" ds:itemID="{0825853C-1B27-4995-A583-4D39F900BB7F}">
   <ds:schemaRefs>
     <ds:schemaRef ds:uri="669280c1-d17e-4d1d-bd7f-b4f14cc6bf1d"/>
@@ -34678,14 +34996,6 @@
     <ds:schemaRef ds:uri="http://schemas.microsoft.com/office/infopath/2007/PartnerControls"/>
     <ds:schemaRef ds:uri="http://schemas.openxmlformats.org/package/2006/metadata/core-properties"/>
     <ds:schemaRef ds:uri="http://www.w3.org/XML/1998/namespace"/>
-  </ds:schemaRefs>
-</ds:datastoreItem>
-</file>
-
-<file path=customXml/itemProps2.xml><?xml version="1.0" encoding="utf-8"?>
-<ds:datastoreItem xmlns:ds="http://schemas.openxmlformats.org/officeDocument/2006/customXml" ds:itemID="{4E8623C8-32E1-48B0-9F0A-13F2E9582B7E}">
-  <ds:schemaRefs>
-    <ds:schemaRef ds:uri="http://schemas.microsoft.com/sharepoint/v3/contenttype/forms"/>
   </ds:schemaRefs>
 </ds:datastoreItem>
 </file>

--- a/Sesión_4/Sistemas de segundo orden Discretos.pptx
+++ b/Sesión_4/Sistemas de segundo orden Discretos.pptx
@@ -221,7 +221,7 @@
   <pc:docChgLst>
     <pc:chgData name="JHEYSON FABIAN VILLAVISAN BUITRAGO" userId="e5ced5c2-d787-455d-b115-4f08a699b8c8" providerId="ADAL" clId="{0A60CEB9-85FD-48E1-86F3-E6C1E64EF4FE}"/>
     <pc:docChg chg="undo redo custSel addSld modSld sldOrd modSection">
-      <pc:chgData name="JHEYSON FABIAN VILLAVISAN BUITRAGO" userId="e5ced5c2-d787-455d-b115-4f08a699b8c8" providerId="ADAL" clId="{0A60CEB9-85FD-48E1-86F3-E6C1E64EF4FE}" dt="2025-04-09T21:07:35.579" v="445" actId="20577"/>
+      <pc:chgData name="JHEYSON FABIAN VILLAVISAN BUITRAGO" userId="e5ced5c2-d787-455d-b115-4f08a699b8c8" providerId="ADAL" clId="{0A60CEB9-85FD-48E1-86F3-E6C1E64EF4FE}" dt="2025-04-09T21:55:41.616" v="823" actId="20577"/>
       <pc:docMkLst>
         <pc:docMk/>
       </pc:docMkLst>
@@ -371,7 +371,7 @@
         </pc:spChg>
       </pc:sldChg>
       <pc:sldChg chg="modSp mod">
-        <pc:chgData name="JHEYSON FABIAN VILLAVISAN BUITRAGO" userId="e5ced5c2-d787-455d-b115-4f08a699b8c8" providerId="ADAL" clId="{0A60CEB9-85FD-48E1-86F3-E6C1E64EF4FE}" dt="2025-04-09T21:05:11.510" v="427" actId="20577"/>
+        <pc:chgData name="JHEYSON FABIAN VILLAVISAN BUITRAGO" userId="e5ced5c2-d787-455d-b115-4f08a699b8c8" providerId="ADAL" clId="{0A60CEB9-85FD-48E1-86F3-E6C1E64EF4FE}" dt="2025-04-09T21:10:10.967" v="446" actId="1076"/>
         <pc:sldMkLst>
           <pc:docMk/>
           <pc:sldMk cId="1411283449" sldId="292"/>
@@ -384,6 +384,14 @@
             <ac:spMk id="10" creationId="{AF4E183E-A171-4923-A99E-D149888CEC37}"/>
           </ac:spMkLst>
         </pc:spChg>
+        <pc:picChg chg="mod">
+          <ac:chgData name="JHEYSON FABIAN VILLAVISAN BUITRAGO" userId="e5ced5c2-d787-455d-b115-4f08a699b8c8" providerId="ADAL" clId="{0A60CEB9-85FD-48E1-86F3-E6C1E64EF4FE}" dt="2025-04-09T21:10:10.967" v="446" actId="1076"/>
+          <ac:picMkLst>
+            <pc:docMk/>
+            <pc:sldMk cId="1411283449" sldId="292"/>
+            <ac:picMk id="13" creationId="{95A23D6D-C464-2248-152F-80DC7C25BB04}"/>
+          </ac:picMkLst>
+        </pc:picChg>
       </pc:sldChg>
       <pc:sldChg chg="modSp mod">
         <pc:chgData name="JHEYSON FABIAN VILLAVISAN BUITRAGO" userId="e5ced5c2-d787-455d-b115-4f08a699b8c8" providerId="ADAL" clId="{0A60CEB9-85FD-48E1-86F3-E6C1E64EF4FE}" dt="2025-04-09T21:05:20.907" v="429" actId="20577"/>
@@ -431,11 +439,27 @@
         </pc:spChg>
       </pc:sldChg>
       <pc:sldChg chg="modSp add mod">
-        <pc:chgData name="JHEYSON FABIAN VILLAVISAN BUITRAGO" userId="e5ced5c2-d787-455d-b115-4f08a699b8c8" providerId="ADAL" clId="{0A60CEB9-85FD-48E1-86F3-E6C1E64EF4FE}" dt="2025-04-01T15:42:53.526" v="89" actId="20577"/>
+        <pc:chgData name="JHEYSON FABIAN VILLAVISAN BUITRAGO" userId="e5ced5c2-d787-455d-b115-4f08a699b8c8" providerId="ADAL" clId="{0A60CEB9-85FD-48E1-86F3-E6C1E64EF4FE}" dt="2025-04-09T21:55:41.616" v="823" actId="20577"/>
         <pc:sldMkLst>
           <pc:docMk/>
           <pc:sldMk cId="1207355727" sldId="296"/>
         </pc:sldMkLst>
+        <pc:spChg chg="mod">
+          <ac:chgData name="JHEYSON FABIAN VILLAVISAN BUITRAGO" userId="e5ced5c2-d787-455d-b115-4f08a699b8c8" providerId="ADAL" clId="{0A60CEB9-85FD-48E1-86F3-E6C1E64EF4FE}" dt="2025-04-09T21:55:41.616" v="823" actId="20577"/>
+          <ac:spMkLst>
+            <pc:docMk/>
+            <pc:sldMk cId="1207355727" sldId="296"/>
+            <ac:spMk id="4" creationId="{C7978332-2485-C96A-0010-2463C218A456}"/>
+          </ac:spMkLst>
+        </pc:spChg>
+        <pc:spChg chg="mod">
+          <ac:chgData name="JHEYSON FABIAN VILLAVISAN BUITRAGO" userId="e5ced5c2-d787-455d-b115-4f08a699b8c8" providerId="ADAL" clId="{0A60CEB9-85FD-48E1-86F3-E6C1E64EF4FE}" dt="2025-04-09T21:54:51.892" v="802" actId="1076"/>
+          <ac:spMkLst>
+            <pc:docMk/>
+            <pc:sldMk cId="1207355727" sldId="296"/>
+            <ac:spMk id="7" creationId="{9140AF52-8491-2536-AF18-4855E8FD7AE9}"/>
+          </ac:spMkLst>
+        </pc:spChg>
         <pc:spChg chg="mod">
           <ac:chgData name="JHEYSON FABIAN VILLAVISAN BUITRAGO" userId="e5ced5c2-d787-455d-b115-4f08a699b8c8" providerId="ADAL" clId="{0A60CEB9-85FD-48E1-86F3-E6C1E64EF4FE}" dt="2025-04-01T15:42:53.526" v="89" actId="20577"/>
           <ac:spMkLst>
@@ -16762,8 +16786,8 @@
           </a:p>
         </p:txBody>
       </p:sp>
-      <mc:AlternateContent xmlns:mc="http://schemas.openxmlformats.org/markup-compatibility/2006">
-        <mc:Choice xmlns:a14="http://schemas.microsoft.com/office/drawing/2010/main" Requires="a14">
+      <mc:AlternateContent xmlns:mc="http://schemas.openxmlformats.org/markup-compatibility/2006" xmlns:a14="http://schemas.microsoft.com/office/drawing/2010/main">
+        <mc:Choice Requires="a14">
           <p:sp>
             <p:nvSpPr>
               <p:cNvPr id="7" name="CuadroTexto 6">
@@ -16939,7 +16963,7 @@
             </p:txBody>
           </p:sp>
         </mc:Choice>
-        <mc:Fallback>
+        <mc:Fallback xmlns="">
           <p:sp>
             <p:nvSpPr>
               <p:cNvPr id="7" name="CuadroTexto 6">
@@ -18910,7 +18934,7 @@
         </p:blipFill>
         <p:spPr>
           <a:xfrm>
-            <a:off x="2163589" y="2002459"/>
+            <a:off x="2163589" y="2013344"/>
             <a:ext cx="4816822" cy="3615082"/>
           </a:xfrm>
           <a:prstGeom prst="rect">
@@ -20489,8 +20513,8 @@
           </a:fontRef>
         </p:style>
       </p:cxnSp>
-      <mc:AlternateContent xmlns:mc="http://schemas.openxmlformats.org/markup-compatibility/2006">
-        <mc:Choice xmlns:a14="http://schemas.microsoft.com/office/drawing/2010/main" Requires="a14">
+      <mc:AlternateContent xmlns:mc="http://schemas.openxmlformats.org/markup-compatibility/2006" xmlns:a14="http://schemas.microsoft.com/office/drawing/2010/main">
+        <mc:Choice Requires="a14">
           <p:sp>
             <p:nvSpPr>
               <p:cNvPr id="7" name="CuadroTexto 6">
@@ -20729,7 +20753,7 @@
             </p:txBody>
           </p:sp>
         </mc:Choice>
-        <mc:Fallback>
+        <mc:Fallback xmlns="">
           <p:sp>
             <p:nvSpPr>
               <p:cNvPr id="7" name="CuadroTexto 6">
@@ -21320,8 +21344,8 @@
           </a:p>
         </p:txBody>
       </p:sp>
-      <mc:AlternateContent xmlns:mc="http://schemas.openxmlformats.org/markup-compatibility/2006" xmlns:a14="http://schemas.microsoft.com/office/drawing/2010/main">
-        <mc:Choice Requires="a14">
+      <mc:AlternateContent xmlns:mc="http://schemas.openxmlformats.org/markup-compatibility/2006">
+        <mc:Choice xmlns:a14="http://schemas.microsoft.com/office/drawing/2010/main" Requires="a14">
           <p:sp>
             <p:nvSpPr>
               <p:cNvPr id="7" name="CuadroTexto 6">
@@ -21336,7 +21360,7 @@
             </p:nvSpPr>
             <p:spPr>
               <a:xfrm>
-                <a:off x="2100181" y="5045895"/>
+                <a:off x="2209596" y="4660897"/>
                 <a:ext cx="4580388" cy="667490"/>
               </a:xfrm>
               <a:prstGeom prst="rect">
@@ -21507,7 +21531,7 @@
             </p:txBody>
           </p:sp>
         </mc:Choice>
-        <mc:Fallback xmlns="">
+        <mc:Fallback>
           <p:sp>
             <p:nvSpPr>
               <p:cNvPr id="7" name="CuadroTexto 6">
@@ -21524,7 +21548,7 @@
             </p:nvSpPr>
             <p:spPr>
               <a:xfrm>
-                <a:off x="2100181" y="5045895"/>
+                <a:off x="2209596" y="4660897"/>
                 <a:ext cx="4580388" cy="667490"/>
               </a:xfrm>
               <a:prstGeom prst="rect">
@@ -21567,7 +21591,7 @@
         <p:spPr>
           <a:xfrm>
             <a:off x="1100384" y="2517318"/>
-            <a:ext cx="7379307" cy="3139321"/>
+            <a:ext cx="7379307" cy="2308324"/>
           </a:xfrm>
           <a:prstGeom prst="rect">
             <a:avLst/>
@@ -21586,7 +21610,7 @@
             </a:pPr>
             <a:r>
               <a:rPr lang="es-ES" b="1" dirty="0"/>
-              <a:t>La función de transferencia para el sistema del sistema en lazo cerrado en dominio s</a:t>
+              <a:t>La función de transferencia para el sistema del sistema en lazo cerrado en dominio s, con retroalimentación unitaria 1. Para p=[14.5, 7.248 ] </a:t>
             </a:r>
           </a:p>
           <a:p>
@@ -21596,12 +21620,24 @@
             </a:pPr>
             <a:r>
               <a:rPr lang="es-ES" b="1" dirty="0"/>
-              <a:t>Grafique los polos en S</a:t>
-            </a:r>
-            <a:endParaRPr lang="es-ES" b="1" dirty="0">
-              <a:ea typeface="Calibri"/>
-              <a:cs typeface="Calibri"/>
-            </a:endParaRPr>
+              <a:t>Halle la función de transferencia en el domino Z para </a:t>
+            </a:r>
+            <a:r>
+              <a:rPr lang="es-ES" b="1" dirty="0" err="1"/>
+              <a:t>T_s</a:t>
+            </a:r>
+            <a:r>
+              <a:rPr lang="es-ES" b="1" dirty="0"/>
+              <a:t>= </a:t>
+            </a:r>
+            <a:r>
+              <a:rPr lang="es-ES" b="1"/>
+              <a:t>[0.01648,0.01</a:t>
+            </a:r>
+            <a:r>
+              <a:rPr lang="es-ES" b="1" dirty="0"/>
+              <a:t>, 0.001] usando retenedor de orden cero</a:t>
+            </a:r>
           </a:p>
           <a:p>
             <a:pPr marL="285750" indent="-285750">
@@ -21609,13 +21645,12 @@
               <a:buChar char="-"/>
             </a:pPr>
             <a:r>
-              <a:rPr lang="es-ES" b="1" dirty="0"/>
-              <a:t>Grafique la función de transferencia para p=181,2 </a:t>
-            </a:r>
-            <a:endParaRPr lang="es-ES" b="1" dirty="0">
-              <a:ea typeface="Calibri"/>
-              <a:cs typeface="Calibri"/>
-            </a:endParaRPr>
+              <a:rPr lang="es-ES" b="1" dirty="0">
+                <a:ea typeface="Calibri"/>
+                <a:cs typeface="Calibri"/>
+              </a:rPr>
+              <a:t>Grafique y compare la respuesta al escalón para los sistemas de lazo cerrado.</a:t>
+            </a:r>
           </a:p>
           <a:p>
             <a:pPr marL="285750" indent="-285750">
@@ -21623,109 +21658,31 @@
               <a:buChar char="-"/>
             </a:pPr>
             <a:r>
-              <a:rPr lang="es-ES" b="1" dirty="0"/>
-              <a:t>Identifique el tiempo de los mínimos y máximos</a:t>
-            </a:r>
+              <a:rPr lang="es-ES" b="1" dirty="0">
+                <a:ea typeface="Calibri"/>
+                <a:cs typeface="Calibri"/>
+              </a:rPr>
+              <a:t>Grafique los polos y mapee la trayectoria según </a:t>
+            </a:r>
+            <a:r>
+              <a:rPr lang="es-ES" b="1" dirty="0" err="1">
+                <a:ea typeface="Calibri"/>
+                <a:cs typeface="Calibri"/>
+              </a:rPr>
+              <a:t>T_s</a:t>
+            </a:r>
+            <a:r>
+              <a:rPr lang="es-ES" b="1" dirty="0">
+                <a:ea typeface="Calibri"/>
+                <a:cs typeface="Calibri"/>
+              </a:rPr>
+              <a:t> en el plano Z.</a:t>
+            </a:r>
+          </a:p>
+          <a:p>
             <a:endParaRPr lang="es-ES" b="1" dirty="0">
               <a:ea typeface="Calibri"/>
               <a:cs typeface="Calibri"/>
-            </a:endParaRPr>
-          </a:p>
-          <a:p>
-            <a:pPr marL="285750" indent="-285750">
-              <a:buFontTx/>
-              <a:buChar char="-"/>
-            </a:pPr>
-            <a:r>
-              <a:rPr lang="es-ES" b="1" dirty="0"/>
-              <a:t>Con base en el </a:t>
-            </a:r>
-            <a:r>
-              <a:rPr lang="es-ES" b="1" dirty="0" err="1"/>
-              <a:t>item</a:t>
-            </a:r>
-            <a:r>
-              <a:rPr lang="es-ES" b="1" dirty="0"/>
-              <a:t> anterior defina </a:t>
-            </a:r>
-            <a:r>
-              <a:rPr lang="es-ES" b="1" dirty="0" err="1"/>
-              <a:t>Ts</a:t>
-            </a:r>
-            <a:endParaRPr lang="es-ES" b="1" dirty="0"/>
-          </a:p>
-          <a:p>
-            <a:pPr marL="285750" indent="-285750">
-              <a:buFontTx/>
-              <a:buChar char="-"/>
-            </a:pPr>
-            <a:r>
-              <a:rPr lang="es-ES" b="1" dirty="0"/>
-              <a:t>Halle la función de transferencia en el domino Z</a:t>
-            </a:r>
-            <a:endParaRPr lang="es-ES" b="1" dirty="0">
-              <a:ea typeface="Calibri"/>
-              <a:cs typeface="Calibri"/>
-            </a:endParaRPr>
-          </a:p>
-          <a:p>
-            <a:pPr marL="285750" indent="-285750">
-              <a:buFontTx/>
-              <a:buChar char="-"/>
-            </a:pPr>
-            <a:r>
-              <a:rPr lang="es-ES" b="1" dirty="0"/>
-              <a:t>Grafique los polos en domino Z variando </a:t>
-            </a:r>
-            <a:r>
-              <a:rPr lang="es-ES" b="1" dirty="0" err="1"/>
-              <a:t>Ts</a:t>
-            </a:r>
-            <a:r>
-              <a:rPr lang="es-ES" b="1" dirty="0"/>
-              <a:t> y </a:t>
-            </a:r>
-            <a:r>
-              <a:rPr lang="es-ES" b="1" dirty="0" err="1"/>
-              <a:t>traze</a:t>
-            </a:r>
-            <a:r>
-              <a:rPr lang="es-ES" b="1" dirty="0"/>
-              <a:t> una trayectoria.</a:t>
-            </a:r>
-            <a:endParaRPr lang="es-ES" b="1" dirty="0">
-              <a:ea typeface="Calibri"/>
-              <a:cs typeface="Calibri"/>
-            </a:endParaRPr>
-          </a:p>
-          <a:p>
-            <a:pPr marL="285750" indent="-285750">
-              <a:buFontTx/>
-              <a:buChar char="-"/>
-            </a:pPr>
-            <a:endParaRPr lang="es-ES" b="1" dirty="0">
-              <a:ea typeface="Calibri"/>
-              <a:cs typeface="Calibri"/>
-            </a:endParaRPr>
-          </a:p>
-          <a:p>
-            <a:pPr marL="285750" indent="-285750">
-              <a:buFontTx/>
-              <a:buChar char="-"/>
-            </a:pPr>
-            <a:endParaRPr lang="es-ES" b="1" dirty="0">
-              <a:ea typeface="Calibri"/>
-              <a:cs typeface="Calibri"/>
-            </a:endParaRPr>
-          </a:p>
-          <a:p>
-            <a:pPr marL="285750" indent="-285750">
-              <a:buFontTx/>
-              <a:buChar char="-"/>
-            </a:pPr>
-            <a:endParaRPr lang="en-US" dirty="0">
-              <a:ea typeface="Calibri" panose="020F0502020204030204"/>
-              <a:cs typeface="Calibri" panose="020F0502020204030204"/>
             </a:endParaRPr>
           </a:p>
         </p:txBody>
@@ -34733,14 +34690,6 @@
 </file>
 
 <file path=customXml/item2.xml><?xml version="1.0" encoding="utf-8"?>
-<p:properties xmlns:p="http://schemas.microsoft.com/office/2006/metadata/properties" xmlns:xsi="http://www.w3.org/2001/XMLSchema-instance" xmlns:pc="http://schemas.microsoft.com/office/infopath/2007/PartnerControls">
-  <documentManagement>
-    <_activity xmlns="bdc56f61-abc0-4f7e-bfec-a93ccd1ae886" xsi:nil="true"/>
-  </documentManagement>
-</p:properties>
-</file>
-
-<file path=customXml/item3.xml><?xml version="1.0" encoding="utf-8"?>
 <ct:contentTypeSchema xmlns:ct="http://schemas.microsoft.com/office/2006/metadata/contentType" xmlns:ma="http://schemas.microsoft.com/office/2006/metadata/properties/metaAttributes" ct:_="" ma:_="" ma:contentTypeName="Documento" ma:contentTypeID="0x0101007A62137D465CE64A8C883A4664514BF8" ma:contentTypeVersion="15" ma:contentTypeDescription="Crear nuevo documento." ma:contentTypeScope="" ma:versionID="a1bd1d59f691eb9bca6952b111268275">
   <xsd:schema xmlns:xsd="http://www.w3.org/2001/XMLSchema" xmlns:xs="http://www.w3.org/2001/XMLSchema" xmlns:p="http://schemas.microsoft.com/office/2006/metadata/properties" xmlns:ns3="669280c1-d17e-4d1d-bd7f-b4f14cc6bf1d" xmlns:ns4="bdc56f61-abc0-4f7e-bfec-a93ccd1ae886" targetNamespace="http://schemas.microsoft.com/office/2006/metadata/properties" ma:root="true" ma:fieldsID="d02990a02f19f0f9fc7b999b1809cae4" ns3:_="" ns4:_="">
     <xsd:import namespace="669280c1-d17e-4d1d-bd7f-b4f14cc6bf1d"/>
@@ -34975,6 +34924,14 @@
 </ct:contentTypeSchema>
 </file>
 
+<file path=customXml/item3.xml><?xml version="1.0" encoding="utf-8"?>
+<p:properties xmlns:p="http://schemas.microsoft.com/office/2006/metadata/properties" xmlns:xsi="http://www.w3.org/2001/XMLSchema-instance" xmlns:pc="http://schemas.microsoft.com/office/infopath/2007/PartnerControls">
+  <documentManagement>
+    <_activity xmlns="bdc56f61-abc0-4f7e-bfec-a93ccd1ae886" xsi:nil="true"/>
+  </documentManagement>
+</p:properties>
+</file>
+
 <file path=customXml/itemProps1.xml><?xml version="1.0" encoding="utf-8"?>
 <ds:datastoreItem xmlns:ds="http://schemas.openxmlformats.org/officeDocument/2006/customXml" ds:itemID="{4E8623C8-32E1-48B0-9F0A-13F2E9582B7E}">
   <ds:schemaRefs>
@@ -34984,23 +34941,6 @@
 </file>
 
 <file path=customXml/itemProps2.xml><?xml version="1.0" encoding="utf-8"?>
-<ds:datastoreItem xmlns:ds="http://schemas.openxmlformats.org/officeDocument/2006/customXml" ds:itemID="{0825853C-1B27-4995-A583-4D39F900BB7F}">
-  <ds:schemaRefs>
-    <ds:schemaRef ds:uri="669280c1-d17e-4d1d-bd7f-b4f14cc6bf1d"/>
-    <ds:schemaRef ds:uri="bdc56f61-abc0-4f7e-bfec-a93ccd1ae886"/>
-    <ds:schemaRef ds:uri="http://purl.org/dc/dcmitype/"/>
-    <ds:schemaRef ds:uri="http://purl.org/dc/elements/1.1/"/>
-    <ds:schemaRef ds:uri="http://purl.org/dc/terms/"/>
-    <ds:schemaRef ds:uri="http://schemas.microsoft.com/office/2006/documentManagement/types"/>
-    <ds:schemaRef ds:uri="http://schemas.microsoft.com/office/2006/metadata/properties"/>
-    <ds:schemaRef ds:uri="http://schemas.microsoft.com/office/infopath/2007/PartnerControls"/>
-    <ds:schemaRef ds:uri="http://schemas.openxmlformats.org/package/2006/metadata/core-properties"/>
-    <ds:schemaRef ds:uri="http://www.w3.org/XML/1998/namespace"/>
-  </ds:schemaRefs>
-</ds:datastoreItem>
-</file>
-
-<file path=customXml/itemProps3.xml><?xml version="1.0" encoding="utf-8"?>
 <ds:datastoreItem xmlns:ds="http://schemas.openxmlformats.org/officeDocument/2006/customXml" ds:itemID="{025820C3-FD82-4EFC-BF14-EAF1F9613F52}">
   <ds:schemaRefs>
     <ds:schemaRef ds:uri="669280c1-d17e-4d1d-bd7f-b4f14cc6bf1d"/>
@@ -35017,4 +34957,21 @@
     <ds:schemaRef ds:uri="http://www.w3.org/2001/XMLSchema"/>
   </ds:schemaRefs>
 </ds:datastoreItem>
+</file>
+
+<file path=customXml/itemProps3.xml><?xml version="1.0" encoding="utf-8"?>
+<ds:datastoreItem xmlns:ds="http://schemas.openxmlformats.org/officeDocument/2006/customXml" ds:itemID="{0825853C-1B27-4995-A583-4D39F900BB7F}">
+  <ds:schemaRefs>
+    <ds:schemaRef ds:uri="669280c1-d17e-4d1d-bd7f-b4f14cc6bf1d"/>
+    <ds:schemaRef ds:uri="bdc56f61-abc0-4f7e-bfec-a93ccd1ae886"/>
+    <ds:schemaRef ds:uri="http://purl.org/dc/dcmitype/"/>
+    <ds:schemaRef ds:uri="http://purl.org/dc/elements/1.1/"/>
+    <ds:schemaRef ds:uri="http://purl.org/dc/terms/"/>
+    <ds:schemaRef ds:uri="http://schemas.microsoft.com/office/2006/documentManagement/types"/>
+    <ds:schemaRef ds:uri="http://schemas.microsoft.com/office/2006/metadata/properties"/>
+    <ds:schemaRef ds:uri="http://schemas.microsoft.com/office/infopath/2007/PartnerControls"/>
+    <ds:schemaRef ds:uri="http://schemas.openxmlformats.org/package/2006/metadata/core-properties"/>
+    <ds:schemaRef ds:uri="http://www.w3.org/XML/1998/namespace"/>
+  </ds:schemaRefs>
+</ds:datastoreItem>
 </file>
--- a/Sesión_4/Sistemas de segundo orden Discretos.pptx
+++ b/Sesión_4/Sistemas de segundo orden Discretos.pptx
@@ -5,10 +5,10 @@
     <p:sldMasterId id="2147483778" r:id="rId4"/>
   </p:sldMasterIdLst>
   <p:notesMasterIdLst>
-    <p:notesMasterId r:id="rId22"/>
+    <p:notesMasterId r:id="rId23"/>
   </p:notesMasterIdLst>
   <p:handoutMasterIdLst>
-    <p:handoutMasterId r:id="rId23"/>
+    <p:handoutMasterId r:id="rId24"/>
   </p:handoutMasterIdLst>
   <p:sldIdLst>
     <p:sldId id="256" r:id="rId5"/>
@@ -28,6 +28,7 @@
     <p:sldId id="293" r:id="rId19"/>
     <p:sldId id="280" r:id="rId20"/>
     <p:sldId id="296" r:id="rId21"/>
+    <p:sldId id="297" r:id="rId22"/>
   </p:sldIdLst>
   <p:sldSz cx="9144000" cy="6858000" type="letter"/>
   <p:notesSz cx="6858000" cy="9144000"/>
@@ -148,6 +149,7 @@
             <p14:sldId id="293"/>
             <p14:sldId id="280"/>
             <p14:sldId id="296"/>
+            <p14:sldId id="297"/>
           </p14:sldIdLst>
         </p14:section>
       </p14:sectionLst>
@@ -187,7 +189,7 @@
 <file path=ppt/revisionInfo.xml><?xml version="1.0" encoding="utf-8"?>
 <p1510:revInfo xmlns:a="http://schemas.openxmlformats.org/drawingml/2006/main" xmlns:r="http://schemas.openxmlformats.org/officeDocument/2006/relationships" xmlns:p1510="http://schemas.microsoft.com/office/powerpoint/2015/10/main">
   <p1510:revLst>
-    <p1510:client id="{0A60CEB9-85FD-48E1-86F3-E6C1E64EF4FE}" v="28" dt="2025-04-09T21:07:35.580"/>
+    <p1510:client id="{0A60CEB9-85FD-48E1-86F3-E6C1E64EF4FE}" v="30" dt="2025-04-10T13:30:36.433"/>
   </p1510:revLst>
 </p1510:revInfo>
 </file>
@@ -221,7 +223,7 @@
   <pc:docChgLst>
     <pc:chgData name="JHEYSON FABIAN VILLAVISAN BUITRAGO" userId="e5ced5c2-d787-455d-b115-4f08a699b8c8" providerId="ADAL" clId="{0A60CEB9-85FD-48E1-86F3-E6C1E64EF4FE}"/>
     <pc:docChg chg="undo redo custSel addSld modSld sldOrd modSection">
-      <pc:chgData name="JHEYSON FABIAN VILLAVISAN BUITRAGO" userId="e5ced5c2-d787-455d-b115-4f08a699b8c8" providerId="ADAL" clId="{0A60CEB9-85FD-48E1-86F3-E6C1E64EF4FE}" dt="2025-04-09T21:55:41.616" v="823" actId="20577"/>
+      <pc:chgData name="JHEYSON FABIAN VILLAVISAN BUITRAGO" userId="e5ced5c2-d787-455d-b115-4f08a699b8c8" providerId="ADAL" clId="{0A60CEB9-85FD-48E1-86F3-E6C1E64EF4FE}" dt="2025-04-10T13:30:59.673" v="1328" actId="20577"/>
       <pc:docMkLst>
         <pc:docMk/>
       </pc:docMkLst>
@@ -469,6 +471,69 @@
           </ac:spMkLst>
         </pc:spChg>
       </pc:sldChg>
+      <pc:sldChg chg="addSp delSp modSp add mod">
+        <pc:chgData name="JHEYSON FABIAN VILLAVISAN BUITRAGO" userId="e5ced5c2-d787-455d-b115-4f08a699b8c8" providerId="ADAL" clId="{0A60CEB9-85FD-48E1-86F3-E6C1E64EF4FE}" dt="2025-04-10T13:30:59.673" v="1328" actId="20577"/>
+        <pc:sldMkLst>
+          <pc:docMk/>
+          <pc:sldMk cId="3566317723" sldId="297"/>
+        </pc:sldMkLst>
+        <pc:spChg chg="add del mod">
+          <ac:chgData name="JHEYSON FABIAN VILLAVISAN BUITRAGO" userId="e5ced5c2-d787-455d-b115-4f08a699b8c8" providerId="ADAL" clId="{0A60CEB9-85FD-48E1-86F3-E6C1E64EF4FE}" dt="2025-04-10T13:30:59.673" v="1328" actId="20577"/>
+          <ac:spMkLst>
+            <pc:docMk/>
+            <pc:sldMk cId="3566317723" sldId="297"/>
+            <ac:spMk id="4" creationId="{35A3EFDE-A711-8199-168D-3CD5E1C79729}"/>
+          </ac:spMkLst>
+        </pc:spChg>
+        <pc:spChg chg="add del">
+          <ac:chgData name="JHEYSON FABIAN VILLAVISAN BUITRAGO" userId="e5ced5c2-d787-455d-b115-4f08a699b8c8" providerId="ADAL" clId="{0A60CEB9-85FD-48E1-86F3-E6C1E64EF4FE}" dt="2025-04-10T13:00:38.039" v="845" actId="478"/>
+          <ac:spMkLst>
+            <pc:docMk/>
+            <pc:sldMk cId="3566317723" sldId="297"/>
+            <ac:spMk id="7" creationId="{073D2B45-BA57-7EF2-F3AB-E05D80361CBB}"/>
+          </ac:spMkLst>
+        </pc:spChg>
+        <pc:spChg chg="add mod">
+          <ac:chgData name="JHEYSON FABIAN VILLAVISAN BUITRAGO" userId="e5ced5c2-d787-455d-b115-4f08a699b8c8" providerId="ADAL" clId="{0A60CEB9-85FD-48E1-86F3-E6C1E64EF4FE}" dt="2025-04-10T13:30:36.433" v="1202" actId="767"/>
+          <ac:spMkLst>
+            <pc:docMk/>
+            <pc:sldMk cId="3566317723" sldId="297"/>
+            <ac:spMk id="9" creationId="{68068940-68B8-0E23-E4BB-BFEF663D9BC2}"/>
+          </ac:spMkLst>
+        </pc:spChg>
+        <pc:spChg chg="mod">
+          <ac:chgData name="JHEYSON FABIAN VILLAVISAN BUITRAGO" userId="e5ced5c2-d787-455d-b115-4f08a699b8c8" providerId="ADAL" clId="{0A60CEB9-85FD-48E1-86F3-E6C1E64EF4FE}" dt="2025-04-10T13:00:02.933" v="826" actId="20577"/>
+          <ac:spMkLst>
+            <pc:docMk/>
+            <pc:sldMk cId="3566317723" sldId="297"/>
+            <ac:spMk id="10" creationId="{0B295C57-F25A-3F4E-13D4-18BA221D9CB7}"/>
+          </ac:spMkLst>
+        </pc:spChg>
+        <pc:spChg chg="mod">
+          <ac:chgData name="JHEYSON FABIAN VILLAVISAN BUITRAGO" userId="e5ced5c2-d787-455d-b115-4f08a699b8c8" providerId="ADAL" clId="{0A60CEB9-85FD-48E1-86F3-E6C1E64EF4FE}" dt="2025-04-10T13:00:22.021" v="835" actId="20577"/>
+          <ac:spMkLst>
+            <pc:docMk/>
+            <pc:sldMk cId="3566317723" sldId="297"/>
+            <ac:spMk id="16" creationId="{A0DBE169-DBA7-ACE8-3484-E52393E402F5}"/>
+          </ac:spMkLst>
+        </pc:spChg>
+        <pc:picChg chg="add del mod">
+          <ac:chgData name="JHEYSON FABIAN VILLAVISAN BUITRAGO" userId="e5ced5c2-d787-455d-b115-4f08a699b8c8" providerId="ADAL" clId="{0A60CEB9-85FD-48E1-86F3-E6C1E64EF4FE}" dt="2025-04-10T13:00:23.003" v="838" actId="22"/>
+          <ac:picMkLst>
+            <pc:docMk/>
+            <pc:sldMk cId="3566317723" sldId="297"/>
+            <ac:picMk id="3" creationId="{04FDE0D3-9A7E-FBC1-C5C8-3F6487B8A120}"/>
+          </ac:picMkLst>
+        </pc:picChg>
+        <pc:picChg chg="add mod modCrop">
+          <ac:chgData name="JHEYSON FABIAN VILLAVISAN BUITRAGO" userId="e5ced5c2-d787-455d-b115-4f08a699b8c8" providerId="ADAL" clId="{0A60CEB9-85FD-48E1-86F3-E6C1E64EF4FE}" dt="2025-04-10T13:02:26.494" v="1199" actId="1076"/>
+          <ac:picMkLst>
+            <pc:docMk/>
+            <pc:sldMk cId="3566317723" sldId="297"/>
+            <ac:picMk id="8" creationId="{ECDDFFA0-CC57-DBA6-B2DE-1D7046E9A7A1}"/>
+          </ac:picMkLst>
+        </pc:picChg>
+      </pc:sldChg>
     </pc:docChg>
   </pc:docChgLst>
   <pc:docChgLst>
@@ -652,7 +717,7 @@
               <a:pPr>
                 <a:defRPr/>
               </a:pPr>
-              <a:t>9/04/2025</a:t>
+              <a:t>10/04/2025</a:t>
             </a:fld>
             <a:endParaRPr lang="es-CO"/>
           </a:p>
@@ -895,7 +960,7 @@
               <a:pPr>
                 <a:defRPr/>
               </a:pPr>
-              <a:t>9/04/2025</a:t>
+              <a:t>10/04/2025</a:t>
             </a:fld>
             <a:endParaRPr lang="es-CO"/>
           </a:p>
@@ -2511,6 +2576,682 @@
 </p:notes>
 </file>
 
+<file path=ppt/notesSlides/notesSlide12.xml><?xml version="1.0" encoding="utf-8"?>
+<p:notes xmlns:a="http://schemas.openxmlformats.org/drawingml/2006/main" xmlns:r="http://schemas.openxmlformats.org/officeDocument/2006/relationships" xmlns:p="http://schemas.openxmlformats.org/presentationml/2006/main">
+  <p:cSld>
+    <p:spTree>
+      <p:nvGrpSpPr>
+        <p:cNvPr id="1" name="">
+          <a:extLst>
+            <a:ext uri="{FF2B5EF4-FFF2-40B4-BE49-F238E27FC236}">
+              <a16:creationId xmlns:a16="http://schemas.microsoft.com/office/drawing/2014/main" id="{68959BA6-547D-B485-38D5-15896AAC9ADD}"/>
+            </a:ext>
+          </a:extLst>
+        </p:cNvPr>
+        <p:cNvGrpSpPr/>
+        <p:nvPr/>
+      </p:nvGrpSpPr>
+      <p:grpSpPr>
+        <a:xfrm>
+          <a:off x="0" y="0"/>
+          <a:ext cx="0" cy="0"/>
+          <a:chOff x="0" y="0"/>
+          <a:chExt cx="0" cy="0"/>
+        </a:xfrm>
+      </p:grpSpPr>
+      <p:sp>
+        <p:nvSpPr>
+          <p:cNvPr id="2" name="Marcador de imagen de diapositiva 1">
+            <a:extLst>
+              <a:ext uri="{FF2B5EF4-FFF2-40B4-BE49-F238E27FC236}">
+                <a16:creationId xmlns:a16="http://schemas.microsoft.com/office/drawing/2014/main" id="{032B2770-0C4F-C3E9-091E-4C1252E8F56B}"/>
+              </a:ext>
+            </a:extLst>
+          </p:cNvPr>
+          <p:cNvSpPr>
+            <a:spLocks noGrp="1" noRot="1" noChangeAspect="1"/>
+          </p:cNvSpPr>
+          <p:nvPr>
+            <p:ph type="sldImg"/>
+          </p:nvPr>
+        </p:nvSpPr>
+        <p:spPr/>
+      </p:sp>
+      <p:sp>
+        <p:nvSpPr>
+          <p:cNvPr id="3" name="Marcador de notas 2">
+            <a:extLst>
+              <a:ext uri="{FF2B5EF4-FFF2-40B4-BE49-F238E27FC236}">
+                <a16:creationId xmlns:a16="http://schemas.microsoft.com/office/drawing/2014/main" id="{794DF1FA-7F07-BB04-20E4-61C8C27893F2}"/>
+              </a:ext>
+            </a:extLst>
+          </p:cNvPr>
+          <p:cNvSpPr>
+            <a:spLocks noGrp="1"/>
+          </p:cNvSpPr>
+          <p:nvPr>
+            <p:ph type="body" idx="1"/>
+          </p:nvPr>
+        </p:nvSpPr>
+        <p:spPr/>
+        <p:txBody>
+          <a:bodyPr>
+            <a:normAutofit fontScale="55000" lnSpcReduction="20000"/>
+          </a:bodyPr>
+          <a:lstStyle/>
+          <a:p>
+            <a:r>
+              <a:rPr lang="es-ES" sz="1800" b="0" i="0" dirty="0" err="1">
+                <a:effectLst/>
+                <a:latin typeface="Menlo"/>
+              </a:rPr>
+              <a:t>clear</a:t>
+            </a:r>
+            <a:endParaRPr lang="es-ES" sz="1800" b="0" i="0" dirty="0">
+              <a:effectLst/>
+              <a:latin typeface="Menlo"/>
+            </a:endParaRPr>
+          </a:p>
+          <a:p>
+            <a:r>
+              <a:rPr lang="es-ES" sz="1800" b="0" i="0" dirty="0">
+                <a:solidFill>
+                  <a:srgbClr val="008013"/>
+                </a:solidFill>
+                <a:effectLst/>
+                <a:latin typeface="Menlo"/>
+              </a:rPr>
+              <a:t>% Coeficientes de la función de transferencia en el dominio S</a:t>
+            </a:r>
+            <a:endParaRPr lang="es-ES" sz="1800" b="0" i="0" dirty="0">
+              <a:effectLst/>
+              <a:latin typeface="Menlo"/>
+            </a:endParaRPr>
+          </a:p>
+          <a:p>
+            <a:r>
+              <a:rPr lang="es-ES" sz="1800" b="0" i="0" dirty="0" err="1">
+                <a:effectLst/>
+                <a:latin typeface="Menlo"/>
+              </a:rPr>
+              <a:t>num_s</a:t>
+            </a:r>
+            <a:r>
+              <a:rPr lang="es-ES" sz="1800" b="0" i="0" dirty="0">
+                <a:effectLst/>
+                <a:latin typeface="Menlo"/>
+              </a:rPr>
+              <a:t> = [];</a:t>
+            </a:r>
+          </a:p>
+          <a:p>
+            <a:r>
+              <a:rPr lang="es-ES" sz="1800" b="0" i="0" dirty="0" err="1">
+                <a:effectLst/>
+                <a:latin typeface="Menlo"/>
+              </a:rPr>
+              <a:t>den_s</a:t>
+            </a:r>
+            <a:r>
+              <a:rPr lang="es-ES" sz="1800" b="0" i="0" dirty="0">
+                <a:effectLst/>
+                <a:latin typeface="Menlo"/>
+              </a:rPr>
+              <a:t> = [];</a:t>
+            </a:r>
+          </a:p>
+          <a:p>
+            <a:br>
+              <a:rPr lang="es-ES" sz="1800" b="0" i="0" dirty="0">
+                <a:effectLst/>
+                <a:latin typeface="Menlo"/>
+              </a:rPr>
+            </a:br>
+            <a:endParaRPr lang="es-ES" sz="1800" b="0" i="0" dirty="0">
+              <a:effectLst/>
+              <a:latin typeface="Menlo"/>
+            </a:endParaRPr>
+          </a:p>
+          <a:p>
+            <a:r>
+              <a:rPr lang="es-ES" sz="1800" b="0" i="0" dirty="0">
+                <a:solidFill>
+                  <a:srgbClr val="008013"/>
+                </a:solidFill>
+                <a:effectLst/>
+                <a:latin typeface="Menlo"/>
+              </a:rPr>
+              <a:t>% Tiempo de muestreo</a:t>
+            </a:r>
+            <a:endParaRPr lang="es-ES" sz="1800" b="0" i="0" dirty="0">
+              <a:effectLst/>
+              <a:latin typeface="Menlo"/>
+            </a:endParaRPr>
+          </a:p>
+          <a:p>
+            <a:r>
+              <a:rPr lang="es-ES" sz="1800" b="0" i="0" dirty="0" err="1">
+                <a:effectLst/>
+                <a:latin typeface="Menlo"/>
+              </a:rPr>
+              <a:t>Ts</a:t>
+            </a:r>
+            <a:r>
+              <a:rPr lang="es-ES" sz="1800" b="0" i="0" dirty="0">
+                <a:effectLst/>
+                <a:latin typeface="Menlo"/>
+              </a:rPr>
+              <a:t> = 1; </a:t>
+            </a:r>
+            <a:r>
+              <a:rPr lang="es-ES" sz="1800" b="0" i="0" dirty="0">
+                <a:solidFill>
+                  <a:srgbClr val="008013"/>
+                </a:solidFill>
+                <a:effectLst/>
+                <a:latin typeface="Menlo"/>
+              </a:rPr>
+              <a:t>% Ajusta el tiempo de muestreo según tus necesidades</a:t>
+            </a:r>
+            <a:endParaRPr lang="es-ES" sz="1800" b="0" i="0" dirty="0">
+              <a:effectLst/>
+              <a:latin typeface="Menlo"/>
+            </a:endParaRPr>
+          </a:p>
+          <a:p>
+            <a:br>
+              <a:rPr lang="es-ES" sz="1800" b="0" i="0" dirty="0">
+                <a:effectLst/>
+                <a:latin typeface="Menlo"/>
+              </a:rPr>
+            </a:br>
+            <a:endParaRPr lang="es-ES" sz="1800" b="0" i="0" dirty="0">
+              <a:effectLst/>
+              <a:latin typeface="Menlo"/>
+            </a:endParaRPr>
+          </a:p>
+          <a:p>
+            <a:r>
+              <a:rPr lang="es-ES" sz="1800" b="0" i="0" dirty="0">
+                <a:solidFill>
+                  <a:srgbClr val="008013"/>
+                </a:solidFill>
+                <a:effectLst/>
+                <a:latin typeface="Menlo"/>
+              </a:rPr>
+              <a:t>% Convertir la función de transferencia al dominio Z</a:t>
+            </a:r>
+            <a:endParaRPr lang="es-ES" sz="1800" b="0" i="0" dirty="0">
+              <a:effectLst/>
+              <a:latin typeface="Menlo"/>
+            </a:endParaRPr>
+          </a:p>
+          <a:p>
+            <a:r>
+              <a:rPr lang="es-ES" sz="1800" b="0" i="0" dirty="0" err="1">
+                <a:effectLst/>
+                <a:latin typeface="Menlo"/>
+              </a:rPr>
+              <a:t>sys_z</a:t>
+            </a:r>
+            <a:r>
+              <a:rPr lang="es-ES" sz="1800" b="0" i="0" dirty="0">
+                <a:effectLst/>
+                <a:latin typeface="Menlo"/>
+              </a:rPr>
+              <a:t> = c2d(</a:t>
+            </a:r>
+            <a:r>
+              <a:rPr lang="es-ES" sz="1800" b="0" i="0" dirty="0" err="1">
+                <a:effectLst/>
+                <a:latin typeface="Menlo"/>
+              </a:rPr>
+              <a:t>tf</a:t>
+            </a:r>
+            <a:r>
+              <a:rPr lang="es-ES" sz="1800" b="0" i="0" dirty="0">
+                <a:effectLst/>
+                <a:latin typeface="Menlo"/>
+              </a:rPr>
+              <a:t>(</a:t>
+            </a:r>
+            <a:r>
+              <a:rPr lang="es-ES" sz="1800" b="0" i="0" dirty="0" err="1">
+                <a:effectLst/>
+                <a:latin typeface="Menlo"/>
+              </a:rPr>
+              <a:t>num_s</a:t>
+            </a:r>
+            <a:r>
+              <a:rPr lang="es-ES" sz="1800" b="0" i="0" dirty="0">
+                <a:effectLst/>
+                <a:latin typeface="Menlo"/>
+              </a:rPr>
+              <a:t>, </a:t>
+            </a:r>
+            <a:r>
+              <a:rPr lang="es-ES" sz="1800" b="0" i="0" dirty="0" err="1">
+                <a:effectLst/>
+                <a:latin typeface="Menlo"/>
+              </a:rPr>
+              <a:t>den_s</a:t>
+            </a:r>
+            <a:r>
+              <a:rPr lang="es-ES" sz="1800" b="0" i="0" dirty="0">
+                <a:effectLst/>
+                <a:latin typeface="Menlo"/>
+              </a:rPr>
+              <a:t>), </a:t>
+            </a:r>
+            <a:r>
+              <a:rPr lang="es-ES" sz="1800" b="0" i="0" dirty="0" err="1">
+                <a:effectLst/>
+                <a:latin typeface="Menlo"/>
+              </a:rPr>
+              <a:t>Ts</a:t>
+            </a:r>
+            <a:r>
+              <a:rPr lang="es-ES" sz="1800" b="0" i="0" dirty="0">
+                <a:effectLst/>
+                <a:latin typeface="Menlo"/>
+              </a:rPr>
+              <a:t>, </a:t>
+            </a:r>
+            <a:r>
+              <a:rPr lang="es-ES" sz="1800" b="0" i="0" dirty="0">
+                <a:solidFill>
+                  <a:srgbClr val="A709F5"/>
+                </a:solidFill>
+                <a:effectLst/>
+                <a:latin typeface="Menlo"/>
+              </a:rPr>
+              <a:t>'</a:t>
+            </a:r>
+            <a:r>
+              <a:rPr lang="es-ES" sz="1800" b="0" i="0" dirty="0" err="1">
+                <a:solidFill>
+                  <a:srgbClr val="A709F5"/>
+                </a:solidFill>
+                <a:effectLst/>
+                <a:latin typeface="Menlo"/>
+              </a:rPr>
+              <a:t>zoh</a:t>
+            </a:r>
+            <a:r>
+              <a:rPr lang="es-ES" sz="1800" b="0" i="0" dirty="0">
+                <a:solidFill>
+                  <a:srgbClr val="A709F5"/>
+                </a:solidFill>
+                <a:effectLst/>
+                <a:latin typeface="Menlo"/>
+              </a:rPr>
+              <a:t>'</a:t>
+            </a:r>
+            <a:r>
+              <a:rPr lang="es-ES" sz="1800" b="0" i="0" dirty="0">
+                <a:effectLst/>
+                <a:latin typeface="Menlo"/>
+              </a:rPr>
+              <a:t>)</a:t>
+            </a:r>
+          </a:p>
+          <a:p>
+            <a:br>
+              <a:rPr lang="es-ES" sz="1800" b="0" i="0" dirty="0">
+                <a:effectLst/>
+                <a:latin typeface="Menlo"/>
+              </a:rPr>
+            </a:br>
+            <a:endParaRPr lang="es-ES" sz="1800" b="0" i="0" dirty="0">
+              <a:effectLst/>
+              <a:latin typeface="Menlo"/>
+            </a:endParaRPr>
+          </a:p>
+          <a:p>
+            <a:r>
+              <a:rPr lang="es-ES" sz="1800" b="0" i="0" dirty="0">
+                <a:solidFill>
+                  <a:srgbClr val="008013"/>
+                </a:solidFill>
+                <a:effectLst/>
+                <a:latin typeface="Menlo"/>
+              </a:rPr>
+              <a:t>% Calcular la respuesta al escalón en el dominio Z</a:t>
+            </a:r>
+            <a:endParaRPr lang="es-ES" sz="1800" b="0" i="0" dirty="0">
+              <a:effectLst/>
+              <a:latin typeface="Menlo"/>
+            </a:endParaRPr>
+          </a:p>
+          <a:p>
+            <a:r>
+              <a:rPr lang="es-ES" sz="1800" b="0" i="0" dirty="0">
+                <a:effectLst/>
+                <a:latin typeface="Menlo"/>
+              </a:rPr>
+              <a:t>n = 0:1:40; </a:t>
+            </a:r>
+            <a:r>
+              <a:rPr lang="es-ES" sz="1800" b="0" i="0" dirty="0">
+                <a:solidFill>
+                  <a:srgbClr val="008013"/>
+                </a:solidFill>
+                <a:effectLst/>
+                <a:latin typeface="Menlo"/>
+              </a:rPr>
+              <a:t>% Vector de tiempo discreto</a:t>
+            </a:r>
+            <a:endParaRPr lang="es-ES" sz="1800" b="0" i="0" dirty="0">
+              <a:effectLst/>
+              <a:latin typeface="Menlo"/>
+            </a:endParaRPr>
+          </a:p>
+          <a:p>
+            <a:r>
+              <a:rPr lang="es-ES" sz="1800" b="0" i="0" dirty="0">
+                <a:effectLst/>
+                <a:latin typeface="Menlo"/>
+              </a:rPr>
+              <a:t>[y, n] = step(</a:t>
+            </a:r>
+            <a:r>
+              <a:rPr lang="es-ES" sz="1800" b="0" i="0" dirty="0" err="1">
+                <a:effectLst/>
+                <a:latin typeface="Menlo"/>
+              </a:rPr>
+              <a:t>sys_z</a:t>
+            </a:r>
+            <a:r>
+              <a:rPr lang="es-ES" sz="1800" b="0" i="0" dirty="0">
+                <a:effectLst/>
+                <a:latin typeface="Menlo"/>
+              </a:rPr>
+              <a:t>, n);</a:t>
+            </a:r>
+          </a:p>
+          <a:p>
+            <a:r>
+              <a:rPr lang="es-ES" sz="1800" b="0" i="0" dirty="0">
+                <a:solidFill>
+                  <a:srgbClr val="008013"/>
+                </a:solidFill>
+                <a:effectLst/>
+                <a:latin typeface="Menlo"/>
+              </a:rPr>
+              <a:t>% Graficar la respuesta al escalón en el dominio Z</a:t>
+            </a:r>
+            <a:endParaRPr lang="es-ES" sz="1800" b="0" i="0" dirty="0">
+              <a:effectLst/>
+              <a:latin typeface="Menlo"/>
+            </a:endParaRPr>
+          </a:p>
+          <a:p>
+            <a:r>
+              <a:rPr lang="es-ES" sz="1800" b="0" i="0" dirty="0" err="1">
+                <a:effectLst/>
+                <a:latin typeface="Menlo"/>
+              </a:rPr>
+              <a:t>stem</a:t>
+            </a:r>
+            <a:r>
+              <a:rPr lang="es-ES" sz="1800" b="0" i="0" dirty="0">
+                <a:effectLst/>
+                <a:latin typeface="Menlo"/>
+              </a:rPr>
+              <a:t>(n, y, </a:t>
+            </a:r>
+            <a:r>
+              <a:rPr lang="es-ES" sz="1800" b="0" i="0" dirty="0">
+                <a:solidFill>
+                  <a:srgbClr val="A709F5"/>
+                </a:solidFill>
+                <a:effectLst/>
+                <a:latin typeface="Menlo"/>
+              </a:rPr>
+              <a:t>'b'</a:t>
+            </a:r>
+            <a:r>
+              <a:rPr lang="es-ES" sz="1800" b="0" i="0" dirty="0">
+                <a:effectLst/>
+                <a:latin typeface="Menlo"/>
+              </a:rPr>
+              <a:t>, </a:t>
+            </a:r>
+            <a:r>
+              <a:rPr lang="es-ES" sz="1800" b="0" i="0" dirty="0">
+                <a:solidFill>
+                  <a:srgbClr val="A709F5"/>
+                </a:solidFill>
+                <a:effectLst/>
+                <a:latin typeface="Menlo"/>
+              </a:rPr>
+              <a:t>'</a:t>
+            </a:r>
+            <a:r>
+              <a:rPr lang="es-ES" sz="1800" b="0" i="0" dirty="0" err="1">
+                <a:solidFill>
+                  <a:srgbClr val="A709F5"/>
+                </a:solidFill>
+                <a:effectLst/>
+                <a:latin typeface="Menlo"/>
+              </a:rPr>
+              <a:t>filled</a:t>
+            </a:r>
+            <a:r>
+              <a:rPr lang="es-ES" sz="1800" b="0" i="0" dirty="0">
+                <a:solidFill>
+                  <a:srgbClr val="A709F5"/>
+                </a:solidFill>
+                <a:effectLst/>
+                <a:latin typeface="Menlo"/>
+              </a:rPr>
+              <a:t>'</a:t>
+            </a:r>
+            <a:r>
+              <a:rPr lang="es-ES" sz="1800" b="0" i="0" dirty="0">
+                <a:effectLst/>
+                <a:latin typeface="Menlo"/>
+              </a:rPr>
+              <a:t>);</a:t>
+            </a:r>
+          </a:p>
+          <a:p>
+            <a:r>
+              <a:rPr lang="es-ES" sz="1800" b="0" i="0" dirty="0" err="1">
+                <a:effectLst/>
+                <a:latin typeface="Menlo"/>
+              </a:rPr>
+              <a:t>xlabel</a:t>
+            </a:r>
+            <a:r>
+              <a:rPr lang="es-ES" sz="1800" b="0" i="0" dirty="0">
+                <a:effectLst/>
+                <a:latin typeface="Menlo"/>
+              </a:rPr>
+              <a:t>(</a:t>
+            </a:r>
+            <a:r>
+              <a:rPr lang="es-ES" sz="1800" b="0" i="0" dirty="0">
+                <a:solidFill>
+                  <a:srgbClr val="A709F5"/>
+                </a:solidFill>
+                <a:effectLst/>
+                <a:latin typeface="Menlo"/>
+              </a:rPr>
+              <a:t>'Muestras (n)'</a:t>
+            </a:r>
+            <a:r>
+              <a:rPr lang="es-ES" sz="1800" b="0" i="0" dirty="0">
+                <a:effectLst/>
+                <a:latin typeface="Menlo"/>
+              </a:rPr>
+              <a:t>);</a:t>
+            </a:r>
+          </a:p>
+          <a:p>
+            <a:r>
+              <a:rPr lang="es-ES" sz="1800" b="0" i="0" dirty="0" err="1">
+                <a:effectLst/>
+                <a:latin typeface="Menlo"/>
+              </a:rPr>
+              <a:t>ylabel</a:t>
+            </a:r>
+            <a:r>
+              <a:rPr lang="es-ES" sz="1800" b="0" i="0" dirty="0">
+                <a:effectLst/>
+                <a:latin typeface="Menlo"/>
+              </a:rPr>
+              <a:t>(</a:t>
+            </a:r>
+            <a:r>
+              <a:rPr lang="es-ES" sz="1800" b="0" i="0" dirty="0">
+                <a:solidFill>
+                  <a:srgbClr val="A709F5"/>
+                </a:solidFill>
+                <a:effectLst/>
+                <a:latin typeface="Menlo"/>
+              </a:rPr>
+              <a:t>'Respuesta al escalón'</a:t>
+            </a:r>
+            <a:r>
+              <a:rPr lang="es-ES" sz="1800" b="0" i="0" dirty="0">
+                <a:effectLst/>
+                <a:latin typeface="Menlo"/>
+              </a:rPr>
+              <a:t>);</a:t>
+            </a:r>
+          </a:p>
+          <a:p>
+            <a:r>
+              <a:rPr lang="es-ES" sz="1800" b="0" i="0" dirty="0" err="1">
+                <a:effectLst/>
+                <a:latin typeface="Menlo"/>
+              </a:rPr>
+              <a:t>title</a:t>
+            </a:r>
+            <a:r>
+              <a:rPr lang="es-ES" sz="1800" b="0" i="0" dirty="0">
+                <a:effectLst/>
+                <a:latin typeface="Menlo"/>
+              </a:rPr>
+              <a:t>(</a:t>
+            </a:r>
+            <a:r>
+              <a:rPr lang="es-ES" sz="1800" b="0" i="0" dirty="0">
+                <a:solidFill>
+                  <a:srgbClr val="A709F5"/>
+                </a:solidFill>
+                <a:effectLst/>
+                <a:latin typeface="Menlo"/>
+              </a:rPr>
+              <a:t>'Respuesta al escalón en el dominio Z'</a:t>
+            </a:r>
+            <a:r>
+              <a:rPr lang="es-ES" sz="1800" b="0" i="0" dirty="0">
+                <a:effectLst/>
+                <a:latin typeface="Menlo"/>
+              </a:rPr>
+              <a:t>);</a:t>
+            </a:r>
+          </a:p>
+          <a:p>
+            <a:r>
+              <a:rPr lang="es-ES" sz="1800" b="0" i="0" dirty="0" err="1">
+                <a:effectLst/>
+                <a:latin typeface="Menlo"/>
+              </a:rPr>
+              <a:t>grid</a:t>
+            </a:r>
+            <a:r>
+              <a:rPr lang="es-ES" sz="1800" b="0" i="0" dirty="0">
+                <a:effectLst/>
+                <a:latin typeface="Menlo"/>
+              </a:rPr>
+              <a:t> </a:t>
+            </a:r>
+            <a:r>
+              <a:rPr lang="es-ES" sz="1800" b="0" i="0" dirty="0" err="1">
+                <a:solidFill>
+                  <a:srgbClr val="A709F5"/>
+                </a:solidFill>
+                <a:effectLst/>
+                <a:latin typeface="Menlo"/>
+              </a:rPr>
+              <a:t>on</a:t>
+            </a:r>
+            <a:r>
+              <a:rPr lang="es-ES" sz="1800" b="0" i="0" dirty="0">
+                <a:effectLst/>
+                <a:latin typeface="Menlo"/>
+              </a:rPr>
+              <a:t>;</a:t>
+            </a:r>
+          </a:p>
+          <a:p>
+            <a:br>
+              <a:rPr lang="es-ES" sz="1800" b="0" i="0" dirty="0">
+                <a:effectLst/>
+                <a:latin typeface="Menlo"/>
+              </a:rPr>
+            </a:br>
+            <a:endParaRPr lang="es-ES" sz="1800" b="0" i="0" dirty="0">
+              <a:effectLst/>
+              <a:latin typeface="Menlo"/>
+            </a:endParaRPr>
+          </a:p>
+          <a:p>
+            <a:endParaRPr lang="en-US" dirty="0"/>
+          </a:p>
+        </p:txBody>
+      </p:sp>
+      <p:sp>
+        <p:nvSpPr>
+          <p:cNvPr id="4" name="Marcador de número de diapositiva 3">
+            <a:extLst>
+              <a:ext uri="{FF2B5EF4-FFF2-40B4-BE49-F238E27FC236}">
+                <a16:creationId xmlns:a16="http://schemas.microsoft.com/office/drawing/2014/main" id="{21FEE2F6-A727-2E30-E9C2-32E34DD6B6B3}"/>
+              </a:ext>
+            </a:extLst>
+          </p:cNvPr>
+          <p:cNvSpPr>
+            <a:spLocks noGrp="1"/>
+          </p:cNvSpPr>
+          <p:nvPr>
+            <p:ph type="sldNum" sz="quarter" idx="5"/>
+          </p:nvPr>
+        </p:nvSpPr>
+        <p:spPr/>
+        <p:txBody>
+          <a:bodyPr/>
+          <a:lstStyle/>
+          <a:p>
+            <a:pPr>
+              <a:defRPr/>
+            </a:pPr>
+            <a:fld id="{2D1E0FDF-8C6F-43B4-8722-700C06D0C414}" type="slidenum">
+              <a:rPr lang="es-CO" altLang="es-CO" smtClean="0"/>
+              <a:pPr>
+                <a:defRPr/>
+              </a:pPr>
+              <a:t>18</a:t>
+            </a:fld>
+            <a:endParaRPr lang="es-CO" altLang="es-CO"/>
+          </a:p>
+        </p:txBody>
+      </p:sp>
+    </p:spTree>
+    <p:extLst>
+      <p:ext uri="{BB962C8B-B14F-4D97-AF65-F5344CB8AC3E}">
+        <p14:creationId xmlns:p14="http://schemas.microsoft.com/office/powerpoint/2010/main" val="3304352201"/>
+      </p:ext>
+    </p:extLst>
+  </p:cSld>
+  <p:clrMapOvr>
+    <a:masterClrMapping/>
+  </p:clrMapOvr>
+</p:notes>
+</file>
+
 <file path=ppt/notesSlides/notesSlide2.xml><?xml version="1.0" encoding="utf-8"?>
 <p:notes xmlns:a="http://schemas.openxmlformats.org/drawingml/2006/main" xmlns:r="http://schemas.openxmlformats.org/officeDocument/2006/relationships" xmlns:p="http://schemas.openxmlformats.org/presentationml/2006/main">
   <p:cSld>
@@ -9348,7 +10089,7 @@
           <a:p>
             <a:fld id="{9CF7635E-2D71-42E7-9E6C-FBB85A15A85F}" type="datetimeFigureOut">
               <a:rPr lang="es-CO" smtClean="0"/>
-              <a:t>9/04/2025</a:t>
+              <a:t>10/04/2025</a:t>
             </a:fld>
             <a:endParaRPr lang="es-CO"/>
           </a:p>
@@ -9614,7 +10355,7 @@
           <a:p>
             <a:fld id="{9CF7635E-2D71-42E7-9E6C-FBB85A15A85F}" type="datetimeFigureOut">
               <a:rPr lang="es-CO" smtClean="0"/>
-              <a:t>9/04/2025</a:t>
+              <a:t>10/04/2025</a:t>
             </a:fld>
             <a:endParaRPr lang="es-CO"/>
           </a:p>
@@ -9830,7 +10571,7 @@
           <a:p>
             <a:fld id="{9CF7635E-2D71-42E7-9E6C-FBB85A15A85F}" type="datetimeFigureOut">
               <a:rPr lang="es-CO" smtClean="0"/>
-              <a:t>9/04/2025</a:t>
+              <a:t>10/04/2025</a:t>
             </a:fld>
             <a:endParaRPr lang="es-CO"/>
           </a:p>
@@ -11459,7 +12200,7 @@
           <a:p>
             <a:fld id="{9CF7635E-2D71-42E7-9E6C-FBB85A15A85F}" type="datetimeFigureOut">
               <a:rPr lang="es-CO" smtClean="0"/>
-              <a:t>9/04/2025</a:t>
+              <a:t>10/04/2025</a:t>
             </a:fld>
             <a:endParaRPr lang="es-CO"/>
           </a:p>
@@ -11906,7 +12647,7 @@
           <a:p>
             <a:fld id="{9CF7635E-2D71-42E7-9E6C-FBB85A15A85F}" type="datetimeFigureOut">
               <a:rPr lang="es-CO" smtClean="0"/>
-              <a:t>9/04/2025</a:t>
+              <a:t>10/04/2025</a:t>
             </a:fld>
             <a:endParaRPr lang="es-CO"/>
           </a:p>
@@ -12180,7 +12921,7 @@
           <a:p>
             <a:fld id="{9CF7635E-2D71-42E7-9E6C-FBB85A15A85F}" type="datetimeFigureOut">
               <a:rPr lang="es-CO" smtClean="0"/>
-              <a:t>9/04/2025</a:t>
+              <a:t>10/04/2025</a:t>
             </a:fld>
             <a:endParaRPr lang="es-CO"/>
           </a:p>
@@ -12601,7 +13342,7 @@
           <a:p>
             <a:fld id="{9CF7635E-2D71-42E7-9E6C-FBB85A15A85F}" type="datetimeFigureOut">
               <a:rPr lang="es-CO" smtClean="0"/>
-              <a:t>9/04/2025</a:t>
+              <a:t>10/04/2025</a:t>
             </a:fld>
             <a:endParaRPr lang="es-CO"/>
           </a:p>
@@ -12749,7 +13490,7 @@
           <a:p>
             <a:fld id="{9CF7635E-2D71-42E7-9E6C-FBB85A15A85F}" type="datetimeFigureOut">
               <a:rPr lang="es-CO" smtClean="0"/>
-              <a:t>9/04/2025</a:t>
+              <a:t>10/04/2025</a:t>
             </a:fld>
             <a:endParaRPr lang="es-CO"/>
           </a:p>
@@ -12868,7 +13609,7 @@
           <a:p>
             <a:fld id="{9CF7635E-2D71-42E7-9E6C-FBB85A15A85F}" type="datetimeFigureOut">
               <a:rPr lang="es-CO" smtClean="0"/>
-              <a:t>9/04/2025</a:t>
+              <a:t>10/04/2025</a:t>
             </a:fld>
             <a:endParaRPr lang="es-CO"/>
           </a:p>
@@ -13187,7 +13928,7 @@
           <a:p>
             <a:fld id="{9CF7635E-2D71-42E7-9E6C-FBB85A15A85F}" type="datetimeFigureOut">
               <a:rPr lang="es-CO" smtClean="0"/>
-              <a:t>9/04/2025</a:t>
+              <a:t>10/04/2025</a:t>
             </a:fld>
             <a:endParaRPr lang="es-CO"/>
           </a:p>
@@ -13482,7 +14223,7 @@
           <a:p>
             <a:fld id="{9CF7635E-2D71-42E7-9E6C-FBB85A15A85F}" type="datetimeFigureOut">
               <a:rPr lang="es-CO" smtClean="0"/>
-              <a:t>9/04/2025</a:t>
+              <a:t>10/04/2025</a:t>
             </a:fld>
             <a:endParaRPr lang="es-CO"/>
           </a:p>
@@ -13731,7 +14472,7 @@
           <a:p>
             <a:fld id="{9CF7635E-2D71-42E7-9E6C-FBB85A15A85F}" type="datetimeFigureOut">
               <a:rPr lang="es-CO" smtClean="0"/>
-              <a:t>9/04/2025</a:t>
+              <a:t>10/04/2025</a:t>
             </a:fld>
             <a:endParaRPr lang="es-CO"/>
           </a:p>
@@ -21344,8 +22085,8 @@
           </a:p>
         </p:txBody>
       </p:sp>
-      <mc:AlternateContent xmlns:mc="http://schemas.openxmlformats.org/markup-compatibility/2006">
-        <mc:Choice xmlns:a14="http://schemas.microsoft.com/office/drawing/2010/main" Requires="a14">
+      <mc:AlternateContent xmlns:mc="http://schemas.openxmlformats.org/markup-compatibility/2006" xmlns:a14="http://schemas.microsoft.com/office/drawing/2010/main">
+        <mc:Choice Requires="a14">
           <p:sp>
             <p:nvSpPr>
               <p:cNvPr id="7" name="CuadroTexto 6">
@@ -21531,7 +22272,7 @@
             </p:txBody>
           </p:sp>
         </mc:Choice>
-        <mc:Fallback>
+        <mc:Fallback xmlns="">
           <p:sp>
             <p:nvSpPr>
               <p:cNvPr id="7" name="CuadroTexto 6">
@@ -21691,6 +22432,772 @@
     <p:extLst>
       <p:ext uri="{BB962C8B-B14F-4D97-AF65-F5344CB8AC3E}">
         <p14:creationId xmlns:p14="http://schemas.microsoft.com/office/powerpoint/2010/main" val="1207355727"/>
+      </p:ext>
+    </p:extLst>
+  </p:cSld>
+  <p:clrMapOvr>
+    <a:masterClrMapping/>
+  </p:clrMapOvr>
+</p:sld>
+</file>
+
+<file path=ppt/slides/slide18.xml><?xml version="1.0" encoding="utf-8"?>
+<p:sld xmlns:a="http://schemas.openxmlformats.org/drawingml/2006/main" xmlns:r="http://schemas.openxmlformats.org/officeDocument/2006/relationships" xmlns:p="http://schemas.openxmlformats.org/presentationml/2006/main">
+  <p:cSld>
+    <p:spTree>
+      <p:nvGrpSpPr>
+        <p:cNvPr id="1" name="">
+          <a:extLst>
+            <a:ext uri="{FF2B5EF4-FFF2-40B4-BE49-F238E27FC236}">
+              <a16:creationId xmlns:a16="http://schemas.microsoft.com/office/drawing/2014/main" id="{325BF121-DEB8-BD8D-1B9B-AAC53CEC9541}"/>
+            </a:ext>
+          </a:extLst>
+        </p:cNvPr>
+        <p:cNvGrpSpPr/>
+        <p:nvPr/>
+      </p:nvGrpSpPr>
+      <p:grpSpPr>
+        <a:xfrm>
+          <a:off x="0" y="0"/>
+          <a:ext cx="0" cy="0"/>
+          <a:chOff x="0" y="0"/>
+          <a:chExt cx="0" cy="0"/>
+        </a:xfrm>
+      </p:grpSpPr>
+      <p:sp>
+        <p:nvSpPr>
+          <p:cNvPr id="10" name="1 Título">
+            <a:extLst>
+              <a:ext uri="{FF2B5EF4-FFF2-40B4-BE49-F238E27FC236}">
+                <a16:creationId xmlns:a16="http://schemas.microsoft.com/office/drawing/2014/main" id="{0B295C57-F25A-3F4E-13D4-18BA221D9CB7}"/>
+              </a:ext>
+            </a:extLst>
+          </p:cNvPr>
+          <p:cNvSpPr txBox="1">
+            <a:spLocks/>
+          </p:cNvSpPr>
+          <p:nvPr/>
+        </p:nvSpPr>
+        <p:spPr bwMode="auto">
+          <a:xfrm>
+            <a:off x="0" y="-28575"/>
+            <a:ext cx="779463" cy="720725"/>
+          </a:xfrm>
+          <a:prstGeom prst="rect">
+            <a:avLst/>
+          </a:prstGeom>
+          <a:noFill/>
+          <a:ln>
+            <a:noFill/>
+          </a:ln>
+          <a:extLst>
+            <a:ext uri="{909E8E84-426E-40DD-AFC4-6F175D3DCCD1}">
+              <a14:hiddenFill xmlns:a14="http://schemas.microsoft.com/office/drawing/2010/main">
+                <a:solidFill>
+                  <a:srgbClr val="FFFFFF"/>
+                </a:solidFill>
+              </a14:hiddenFill>
+            </a:ext>
+            <a:ext uri="{91240B29-F687-4F45-9708-019B960494DF}">
+              <a14:hiddenLine xmlns:a14="http://schemas.microsoft.com/office/drawing/2010/main" w="9525">
+                <a:solidFill>
+                  <a:srgbClr val="000000"/>
+                </a:solidFill>
+                <a:miter lim="800000"/>
+                <a:headEnd/>
+                <a:tailEnd/>
+              </a14:hiddenLine>
+            </a:ext>
+          </a:extLst>
+        </p:spPr>
+        <p:txBody>
+          <a:bodyPr vert="horz" wrap="square" lIns="91440" tIns="45720" rIns="91440" bIns="45720" numCol="1" anchor="b" anchorCtr="0" compatLnSpc="1">
+            <a:prstTxWarp prst="textNoShape">
+              <a:avLst/>
+            </a:prstTxWarp>
+          </a:bodyPr>
+          <a:lstStyle>
+            <a:lvl1pPr algn="l" rtl="0" eaLnBrk="0" fontAlgn="base" hangingPunct="0">
+              <a:spcBef>
+                <a:spcPct val="0"/>
+              </a:spcBef>
+              <a:spcAft>
+                <a:spcPct val="0"/>
+              </a:spcAft>
+              <a:defRPr sz="2000" b="1" kern="1200">
+                <a:solidFill>
+                  <a:schemeClr val="tx1"/>
+                </a:solidFill>
+                <a:latin typeface="Arial" pitchFamily="34" charset="0"/>
+                <a:ea typeface="+mj-ea"/>
+                <a:cs typeface="Arial" pitchFamily="34" charset="0"/>
+              </a:defRPr>
+            </a:lvl1pPr>
+            <a:lvl2pPr algn="l" rtl="0" eaLnBrk="0" fontAlgn="base" hangingPunct="0">
+              <a:spcBef>
+                <a:spcPct val="0"/>
+              </a:spcBef>
+              <a:spcAft>
+                <a:spcPct val="0"/>
+              </a:spcAft>
+              <a:defRPr sz="4400">
+                <a:solidFill>
+                  <a:schemeClr val="tx1"/>
+                </a:solidFill>
+                <a:latin typeface="Arial" charset="0"/>
+                <a:cs typeface="Arial" charset="0"/>
+              </a:defRPr>
+            </a:lvl2pPr>
+            <a:lvl3pPr algn="l" rtl="0" eaLnBrk="0" fontAlgn="base" hangingPunct="0">
+              <a:spcBef>
+                <a:spcPct val="0"/>
+              </a:spcBef>
+              <a:spcAft>
+                <a:spcPct val="0"/>
+              </a:spcAft>
+              <a:defRPr sz="4400">
+                <a:solidFill>
+                  <a:schemeClr val="tx1"/>
+                </a:solidFill>
+                <a:latin typeface="Arial" charset="0"/>
+                <a:cs typeface="Arial" charset="0"/>
+              </a:defRPr>
+            </a:lvl3pPr>
+            <a:lvl4pPr algn="l" rtl="0" eaLnBrk="0" fontAlgn="base" hangingPunct="0">
+              <a:spcBef>
+                <a:spcPct val="0"/>
+              </a:spcBef>
+              <a:spcAft>
+                <a:spcPct val="0"/>
+              </a:spcAft>
+              <a:defRPr sz="4400">
+                <a:solidFill>
+                  <a:schemeClr val="tx1"/>
+                </a:solidFill>
+                <a:latin typeface="Arial" charset="0"/>
+                <a:cs typeface="Arial" charset="0"/>
+              </a:defRPr>
+            </a:lvl4pPr>
+            <a:lvl5pPr algn="l" rtl="0" eaLnBrk="0" fontAlgn="base" hangingPunct="0">
+              <a:spcBef>
+                <a:spcPct val="0"/>
+              </a:spcBef>
+              <a:spcAft>
+                <a:spcPct val="0"/>
+              </a:spcAft>
+              <a:defRPr sz="4400">
+                <a:solidFill>
+                  <a:schemeClr val="tx1"/>
+                </a:solidFill>
+                <a:latin typeface="Arial" charset="0"/>
+                <a:cs typeface="Arial" charset="0"/>
+              </a:defRPr>
+            </a:lvl5pPr>
+            <a:lvl6pPr marL="457200" algn="l" rtl="0" fontAlgn="base">
+              <a:spcBef>
+                <a:spcPct val="0"/>
+              </a:spcBef>
+              <a:spcAft>
+                <a:spcPct val="0"/>
+              </a:spcAft>
+              <a:defRPr sz="4400">
+                <a:solidFill>
+                  <a:schemeClr val="tx1"/>
+                </a:solidFill>
+                <a:latin typeface="Arial" charset="0"/>
+                <a:cs typeface="Arial" charset="0"/>
+              </a:defRPr>
+            </a:lvl6pPr>
+            <a:lvl7pPr marL="914400" algn="l" rtl="0" fontAlgn="base">
+              <a:spcBef>
+                <a:spcPct val="0"/>
+              </a:spcBef>
+              <a:spcAft>
+                <a:spcPct val="0"/>
+              </a:spcAft>
+              <a:defRPr sz="4400">
+                <a:solidFill>
+                  <a:schemeClr val="tx1"/>
+                </a:solidFill>
+                <a:latin typeface="Arial" charset="0"/>
+                <a:cs typeface="Arial" charset="0"/>
+              </a:defRPr>
+            </a:lvl7pPr>
+            <a:lvl8pPr marL="1371600" algn="l" rtl="0" fontAlgn="base">
+              <a:spcBef>
+                <a:spcPct val="0"/>
+              </a:spcBef>
+              <a:spcAft>
+                <a:spcPct val="0"/>
+              </a:spcAft>
+              <a:defRPr sz="4400">
+                <a:solidFill>
+                  <a:schemeClr val="tx1"/>
+                </a:solidFill>
+                <a:latin typeface="Arial" charset="0"/>
+                <a:cs typeface="Arial" charset="0"/>
+              </a:defRPr>
+            </a:lvl8pPr>
+            <a:lvl9pPr marL="1828800" algn="l" rtl="0" fontAlgn="base">
+              <a:spcBef>
+                <a:spcPct val="0"/>
+              </a:spcBef>
+              <a:spcAft>
+                <a:spcPct val="0"/>
+              </a:spcAft>
+              <a:defRPr sz="4400">
+                <a:solidFill>
+                  <a:schemeClr val="tx1"/>
+                </a:solidFill>
+                <a:latin typeface="Arial" charset="0"/>
+                <a:cs typeface="Arial" charset="0"/>
+              </a:defRPr>
+            </a:lvl9pPr>
+          </a:lstStyle>
+          <a:p>
+            <a:pPr algn="ctr" eaLnBrk="1" hangingPunct="1"/>
+            <a:r>
+              <a:rPr lang="es-CO" altLang="es-CO" sz="3600" b="0" dirty="0"/>
+              <a:t>18</a:t>
+            </a:r>
+          </a:p>
+        </p:txBody>
+      </p:sp>
+      <p:pic>
+        <p:nvPicPr>
+          <p:cNvPr id="14" name="Picture 4" descr="Programas - Intranet ETITC">
+            <a:extLst>
+              <a:ext uri="{FF2B5EF4-FFF2-40B4-BE49-F238E27FC236}">
+                <a16:creationId xmlns:a16="http://schemas.microsoft.com/office/drawing/2014/main" id="{90E9C4C6-640A-606B-DBBF-D6CE52F0AB7B}"/>
+              </a:ext>
+            </a:extLst>
+          </p:cNvPr>
+          <p:cNvPicPr>
+            <a:picLocks noChangeAspect="1" noChangeArrowheads="1"/>
+          </p:cNvPicPr>
+          <p:nvPr/>
+        </p:nvPicPr>
+        <p:blipFill>
+          <a:blip r:embed="rId3">
+            <a:extLst>
+              <a:ext uri="{28A0092B-C50C-407E-A947-70E740481C1C}">
+                <a14:useLocalDpi xmlns:a14="http://schemas.microsoft.com/office/drawing/2010/main" val="0"/>
+              </a:ext>
+            </a:extLst>
+          </a:blip>
+          <a:srcRect/>
+          <a:stretch>
+            <a:fillRect/>
+          </a:stretch>
+        </p:blipFill>
+        <p:spPr bwMode="auto">
+          <a:xfrm>
+            <a:off x="795338" y="44758"/>
+            <a:ext cx="2483768" cy="794720"/>
+          </a:xfrm>
+          <a:prstGeom prst="rect">
+            <a:avLst/>
+          </a:prstGeom>
+          <a:noFill/>
+          <a:extLst>
+            <a:ext uri="{909E8E84-426E-40DD-AFC4-6F175D3DCCD1}">
+              <a14:hiddenFill xmlns:a14="http://schemas.microsoft.com/office/drawing/2010/main">
+                <a:solidFill>
+                  <a:srgbClr val="FFFFFF"/>
+                </a:solidFill>
+              </a14:hiddenFill>
+            </a:ext>
+          </a:extLst>
+        </p:spPr>
+      </p:pic>
+      <p:sp>
+        <p:nvSpPr>
+          <p:cNvPr id="5" name="2 Subtítulo">
+            <a:extLst>
+              <a:ext uri="{FF2B5EF4-FFF2-40B4-BE49-F238E27FC236}">
+                <a16:creationId xmlns:a16="http://schemas.microsoft.com/office/drawing/2014/main" id="{EE0CCD23-D81B-11F5-B6BA-4C888727E6D8}"/>
+              </a:ext>
+            </a:extLst>
+          </p:cNvPr>
+          <p:cNvSpPr txBox="1">
+            <a:spLocks/>
+          </p:cNvSpPr>
+          <p:nvPr/>
+        </p:nvSpPr>
+        <p:spPr bwMode="auto">
+          <a:xfrm>
+            <a:off x="2267744" y="259824"/>
+            <a:ext cx="6400800" cy="500063"/>
+          </a:xfrm>
+          <a:prstGeom prst="rect">
+            <a:avLst/>
+          </a:prstGeom>
+          <a:noFill/>
+          <a:ln>
+            <a:noFill/>
+          </a:ln>
+          <a:extLst>
+            <a:ext uri="{909E8E84-426E-40DD-AFC4-6F175D3DCCD1}">
+              <a14:hiddenFill xmlns:a14="http://schemas.microsoft.com/office/drawing/2010/main">
+                <a:solidFill>
+                  <a:srgbClr val="FFFFFF"/>
+                </a:solidFill>
+              </a14:hiddenFill>
+            </a:ext>
+            <a:ext uri="{91240B29-F687-4F45-9708-019B960494DF}">
+              <a14:hiddenLine xmlns:a14="http://schemas.microsoft.com/office/drawing/2010/main" w="9525">
+                <a:solidFill>
+                  <a:srgbClr val="000000"/>
+                </a:solidFill>
+                <a:miter lim="800000"/>
+                <a:headEnd/>
+                <a:tailEnd/>
+              </a14:hiddenLine>
+            </a:ext>
+          </a:extLst>
+        </p:spPr>
+        <p:txBody>
+          <a:bodyPr vert="horz" wrap="square" lIns="91440" tIns="45720" rIns="91440" bIns="45720" numCol="1" rtlCol="0" anchor="t" anchorCtr="0" compatLnSpc="1">
+            <a:prstTxWarp prst="textNoShape">
+              <a:avLst/>
+            </a:prstTxWarp>
+            <a:noAutofit/>
+          </a:bodyPr>
+          <a:lstStyle>
+            <a:lvl1pPr marL="342900" indent="-342900" algn="l" rtl="0" eaLnBrk="0" fontAlgn="base" hangingPunct="0">
+              <a:spcBef>
+                <a:spcPct val="20000"/>
+              </a:spcBef>
+              <a:spcAft>
+                <a:spcPct val="0"/>
+              </a:spcAft>
+              <a:buFont typeface="Arial" panose="020B0604020202020204" pitchFamily="34" charset="0"/>
+              <a:buChar char="•"/>
+              <a:defRPr sz="3200" kern="1200">
+                <a:solidFill>
+                  <a:schemeClr val="tx1"/>
+                </a:solidFill>
+                <a:latin typeface="Arial" pitchFamily="34" charset="0"/>
+                <a:ea typeface="+mn-ea"/>
+                <a:cs typeface="Arial" pitchFamily="34" charset="0"/>
+              </a:defRPr>
+            </a:lvl1pPr>
+            <a:lvl2pPr marL="742950" indent="-285750" algn="l" rtl="0" eaLnBrk="0" fontAlgn="base" hangingPunct="0">
+              <a:spcBef>
+                <a:spcPct val="20000"/>
+              </a:spcBef>
+              <a:spcAft>
+                <a:spcPct val="0"/>
+              </a:spcAft>
+              <a:buFont typeface="Arial" panose="020B0604020202020204" pitchFamily="34" charset="0"/>
+              <a:buChar char="–"/>
+              <a:defRPr sz="2800" kern="1200">
+                <a:solidFill>
+                  <a:schemeClr val="tx1"/>
+                </a:solidFill>
+                <a:latin typeface="Arial" pitchFamily="34" charset="0"/>
+                <a:ea typeface="+mn-ea"/>
+                <a:cs typeface="Arial" pitchFamily="34" charset="0"/>
+              </a:defRPr>
+            </a:lvl2pPr>
+            <a:lvl3pPr marL="1143000" indent="-228600" algn="l" rtl="0" eaLnBrk="0" fontAlgn="base" hangingPunct="0">
+              <a:spcBef>
+                <a:spcPct val="20000"/>
+              </a:spcBef>
+              <a:spcAft>
+                <a:spcPct val="0"/>
+              </a:spcAft>
+              <a:buFont typeface="Arial" panose="020B0604020202020204" pitchFamily="34" charset="0"/>
+              <a:buChar char="•"/>
+              <a:defRPr sz="2400" kern="1200">
+                <a:solidFill>
+                  <a:schemeClr val="tx1"/>
+                </a:solidFill>
+                <a:latin typeface="Arial" pitchFamily="34" charset="0"/>
+                <a:ea typeface="+mn-ea"/>
+                <a:cs typeface="Arial" pitchFamily="34" charset="0"/>
+              </a:defRPr>
+            </a:lvl3pPr>
+            <a:lvl4pPr marL="1600200" indent="-228600" algn="l" rtl="0" eaLnBrk="0" fontAlgn="base" hangingPunct="0">
+              <a:spcBef>
+                <a:spcPct val="20000"/>
+              </a:spcBef>
+              <a:spcAft>
+                <a:spcPct val="0"/>
+              </a:spcAft>
+              <a:buFont typeface="Arial" panose="020B0604020202020204" pitchFamily="34" charset="0"/>
+              <a:buChar char="–"/>
+              <a:defRPr sz="2000" kern="1200">
+                <a:solidFill>
+                  <a:schemeClr val="tx1"/>
+                </a:solidFill>
+                <a:latin typeface="Arial" pitchFamily="34" charset="0"/>
+                <a:ea typeface="+mn-ea"/>
+                <a:cs typeface="Arial" pitchFamily="34" charset="0"/>
+              </a:defRPr>
+            </a:lvl4pPr>
+            <a:lvl5pPr marL="2057400" indent="-228600" algn="l" rtl="0" eaLnBrk="0" fontAlgn="base" hangingPunct="0">
+              <a:spcBef>
+                <a:spcPct val="20000"/>
+              </a:spcBef>
+              <a:spcAft>
+                <a:spcPct val="0"/>
+              </a:spcAft>
+              <a:buFont typeface="Arial" panose="020B0604020202020204" pitchFamily="34" charset="0"/>
+              <a:buChar char="»"/>
+              <a:defRPr sz="2000" kern="1200">
+                <a:solidFill>
+                  <a:schemeClr val="tx1"/>
+                </a:solidFill>
+                <a:latin typeface="Arial" pitchFamily="34" charset="0"/>
+                <a:ea typeface="+mn-ea"/>
+                <a:cs typeface="Arial" pitchFamily="34" charset="0"/>
+              </a:defRPr>
+            </a:lvl5pPr>
+            <a:lvl6pPr marL="2514600" indent="-228600" algn="l" defTabSz="914400" rtl="0" eaLnBrk="1" latinLnBrk="0" hangingPunct="1">
+              <a:spcBef>
+                <a:spcPct val="20000"/>
+              </a:spcBef>
+              <a:buFont typeface="Arial" pitchFamily="34" charset="0"/>
+              <a:buChar char="•"/>
+              <a:defRPr sz="2000" kern="1200">
+                <a:solidFill>
+                  <a:schemeClr val="tx1"/>
+                </a:solidFill>
+                <a:latin typeface="+mn-lt"/>
+                <a:ea typeface="+mn-ea"/>
+                <a:cs typeface="+mn-cs"/>
+              </a:defRPr>
+            </a:lvl6pPr>
+            <a:lvl7pPr marL="2971800" indent="-228600" algn="l" defTabSz="914400" rtl="0" eaLnBrk="1" latinLnBrk="0" hangingPunct="1">
+              <a:spcBef>
+                <a:spcPct val="20000"/>
+              </a:spcBef>
+              <a:buFont typeface="Arial" pitchFamily="34" charset="0"/>
+              <a:buChar char="•"/>
+              <a:defRPr sz="2000" kern="1200">
+                <a:solidFill>
+                  <a:schemeClr val="tx1"/>
+                </a:solidFill>
+                <a:latin typeface="+mn-lt"/>
+                <a:ea typeface="+mn-ea"/>
+                <a:cs typeface="+mn-cs"/>
+              </a:defRPr>
+            </a:lvl7pPr>
+            <a:lvl8pPr marL="3429000" indent="-228600" algn="l" defTabSz="914400" rtl="0" eaLnBrk="1" latinLnBrk="0" hangingPunct="1">
+              <a:spcBef>
+                <a:spcPct val="20000"/>
+              </a:spcBef>
+              <a:buFont typeface="Arial" pitchFamily="34" charset="0"/>
+              <a:buChar char="•"/>
+              <a:defRPr sz="2000" kern="1200">
+                <a:solidFill>
+                  <a:schemeClr val="tx1"/>
+                </a:solidFill>
+                <a:latin typeface="+mn-lt"/>
+                <a:ea typeface="+mn-ea"/>
+                <a:cs typeface="+mn-cs"/>
+              </a:defRPr>
+            </a:lvl8pPr>
+            <a:lvl9pPr marL="3886200" indent="-228600" algn="l" defTabSz="914400" rtl="0" eaLnBrk="1" latinLnBrk="0" hangingPunct="1">
+              <a:spcBef>
+                <a:spcPct val="20000"/>
+              </a:spcBef>
+              <a:buFont typeface="Arial" pitchFamily="34" charset="0"/>
+              <a:buChar char="•"/>
+              <a:defRPr sz="2000" kern="1200">
+                <a:solidFill>
+                  <a:schemeClr val="tx1"/>
+                </a:solidFill>
+                <a:latin typeface="+mn-lt"/>
+                <a:ea typeface="+mn-ea"/>
+                <a:cs typeface="+mn-cs"/>
+              </a:defRPr>
+            </a:lvl9pPr>
+          </a:lstStyle>
+          <a:p>
+            <a:pPr marL="0" indent="0" algn="r" eaLnBrk="1" fontAlgn="auto" hangingPunct="1">
+              <a:spcAft>
+                <a:spcPts val="0"/>
+              </a:spcAft>
+              <a:buNone/>
+              <a:defRPr/>
+            </a:pPr>
+            <a:r>
+              <a:rPr lang="es-CO" sz="2000" b="1">
+                <a:solidFill>
+                  <a:schemeClr val="tx1">
+                    <a:lumMod val="75000"/>
+                    <a:lumOff val="25000"/>
+                  </a:schemeClr>
+                </a:solidFill>
+              </a:rPr>
+              <a:t> 6065 SISTEMAS DE CONTROL II</a:t>
+            </a:r>
+          </a:p>
+        </p:txBody>
+      </p:sp>
+      <p:sp>
+        <p:nvSpPr>
+          <p:cNvPr id="16" name="Título 1">
+            <a:extLst>
+              <a:ext uri="{FF2B5EF4-FFF2-40B4-BE49-F238E27FC236}">
+                <a16:creationId xmlns:a16="http://schemas.microsoft.com/office/drawing/2014/main" id="{A0DBE169-DBA7-ACE8-3484-E52393E402F5}"/>
+              </a:ext>
+            </a:extLst>
+          </p:cNvPr>
+          <p:cNvSpPr>
+            <a:spLocks noGrp="1"/>
+          </p:cNvSpPr>
+          <p:nvPr>
+            <p:ph type="title"/>
+          </p:nvPr>
+        </p:nvSpPr>
+        <p:spPr>
+          <a:xfrm>
+            <a:off x="1771498" y="1349210"/>
+            <a:ext cx="5456585" cy="1162050"/>
+          </a:xfrm>
+        </p:spPr>
+        <p:txBody>
+          <a:bodyPr>
+            <a:normAutofit/>
+          </a:bodyPr>
+          <a:lstStyle/>
+          <a:p>
+            <a:pPr algn="ctr"/>
+            <a:r>
+              <a:rPr lang="es-ES" b="1" dirty="0"/>
+              <a:t>TALLER</a:t>
+            </a:r>
+            <a:endParaRPr lang="es-CO" b="1" dirty="0"/>
+          </a:p>
+        </p:txBody>
+      </p:sp>
+      <p:sp>
+        <p:nvSpPr>
+          <p:cNvPr id="4" name="CuadroTexto 3">
+            <a:extLst>
+              <a:ext uri="{FF2B5EF4-FFF2-40B4-BE49-F238E27FC236}">
+                <a16:creationId xmlns:a16="http://schemas.microsoft.com/office/drawing/2014/main" id="{35A3EFDE-A711-8199-168D-3CD5E1C79729}"/>
+              </a:ext>
+            </a:extLst>
+          </p:cNvPr>
+          <p:cNvSpPr txBox="1"/>
+          <p:nvPr/>
+        </p:nvSpPr>
+        <p:spPr>
+          <a:xfrm>
+            <a:off x="1100384" y="2517318"/>
+            <a:ext cx="7379307" cy="4524315"/>
+          </a:xfrm>
+          <a:prstGeom prst="rect">
+            <a:avLst/>
+          </a:prstGeom>
+          <a:noFill/>
+        </p:spPr>
+        <p:txBody>
+          <a:bodyPr wrap="square" lIns="91440" tIns="45720" rIns="91440" bIns="45720" anchor="t">
+            <a:spAutoFit/>
+          </a:bodyPr>
+          <a:lstStyle/>
+          <a:p>
+            <a:pPr marL="285750" indent="-285750">
+              <a:buFontTx/>
+              <a:buChar char="-"/>
+            </a:pPr>
+            <a:r>
+              <a:rPr lang="es-ES" b="1" dirty="0"/>
+              <a:t>En la figura se muestra el diagrama de bloque de un sistema de control muestreados.</a:t>
+            </a:r>
+          </a:p>
+          <a:p>
+            <a:pPr marL="285750" indent="-285750">
+              <a:buFontTx/>
+              <a:buChar char="-"/>
+            </a:pPr>
+            <a:r>
+              <a:rPr lang="es-ES" b="1" dirty="0">
+                <a:ea typeface="Calibri"/>
+                <a:cs typeface="Calibri"/>
+              </a:rPr>
+              <a:t>A) 	</a:t>
+            </a:r>
+          </a:p>
+          <a:p>
+            <a:pPr marL="285750" indent="-285750">
+              <a:buFontTx/>
+              <a:buChar char="-"/>
+            </a:pPr>
+            <a:r>
+              <a:rPr lang="es-ES" b="1" dirty="0">
+                <a:ea typeface="Calibri"/>
+                <a:cs typeface="Calibri"/>
+              </a:rPr>
+              <a:t>B) Calcule la respuesta al escalón unitario para k= 0 a 100.</a:t>
+            </a:r>
+          </a:p>
+          <a:p>
+            <a:pPr marL="285750" indent="-285750">
+              <a:buFontTx/>
+              <a:buChar char="-"/>
+            </a:pPr>
+            <a:r>
+              <a:rPr lang="es-ES" b="1" dirty="0">
+                <a:ea typeface="Calibri"/>
+                <a:cs typeface="Calibri"/>
+              </a:rPr>
+              <a:t>C) Repita las partes a y b para </a:t>
+            </a:r>
+            <a:r>
+              <a:rPr lang="es-ES" b="1" dirty="0" err="1">
+                <a:ea typeface="Calibri"/>
+                <a:cs typeface="Calibri"/>
+              </a:rPr>
+              <a:t>T_s</a:t>
+            </a:r>
+            <a:r>
+              <a:rPr lang="es-ES" b="1" dirty="0">
+                <a:ea typeface="Calibri"/>
+                <a:cs typeface="Calibri"/>
+              </a:rPr>
+              <a:t>=0,05s</a:t>
+            </a:r>
+          </a:p>
+          <a:p>
+            <a:pPr marL="285750" indent="-285750">
+              <a:buFontTx/>
+              <a:buChar char="-"/>
+            </a:pPr>
+            <a:endParaRPr lang="es-ES" b="1" dirty="0">
+              <a:ea typeface="Calibri"/>
+              <a:cs typeface="Calibri"/>
+            </a:endParaRPr>
+          </a:p>
+          <a:p>
+            <a:pPr marL="285750" indent="-285750">
+              <a:buFontTx/>
+              <a:buChar char="-"/>
+            </a:pPr>
+            <a:endParaRPr lang="es-ES" b="1" dirty="0">
+              <a:ea typeface="Calibri"/>
+              <a:cs typeface="Calibri"/>
+            </a:endParaRPr>
+          </a:p>
+          <a:p>
+            <a:pPr marL="285750" indent="-285750">
+              <a:buFontTx/>
+              <a:buChar char="-"/>
+            </a:pPr>
+            <a:endParaRPr lang="es-ES" b="1" dirty="0">
+              <a:ea typeface="Calibri"/>
+              <a:cs typeface="Calibri"/>
+            </a:endParaRPr>
+          </a:p>
+          <a:p>
+            <a:pPr marL="285750" indent="-285750">
+              <a:buFontTx/>
+              <a:buChar char="-"/>
+            </a:pPr>
+            <a:endParaRPr lang="es-ES" b="1" dirty="0">
+              <a:ea typeface="Calibri"/>
+              <a:cs typeface="Calibri"/>
+            </a:endParaRPr>
+          </a:p>
+          <a:p>
+            <a:pPr marL="285750" indent="-285750">
+              <a:buFontTx/>
+              <a:buChar char="-"/>
+            </a:pPr>
+            <a:endParaRPr lang="es-ES" b="1" dirty="0">
+              <a:ea typeface="Calibri"/>
+              <a:cs typeface="Calibri"/>
+            </a:endParaRPr>
+          </a:p>
+          <a:p>
+            <a:pPr marL="285750" indent="-285750">
+              <a:buFontTx/>
+              <a:buChar char="-"/>
+            </a:pPr>
+            <a:endParaRPr lang="es-ES" b="1" dirty="0">
+              <a:ea typeface="Calibri"/>
+              <a:cs typeface="Calibri"/>
+            </a:endParaRPr>
+          </a:p>
+          <a:p>
+            <a:pPr marL="285750" indent="-285750">
+              <a:buFontTx/>
+              <a:buChar char="-"/>
+            </a:pPr>
+            <a:endParaRPr lang="es-ES" b="1" dirty="0">
+              <a:ea typeface="Calibri"/>
+              <a:cs typeface="Calibri"/>
+            </a:endParaRPr>
+          </a:p>
+          <a:p>
+            <a:pPr marL="285750" indent="-285750">
+              <a:buFontTx/>
+              <a:buChar char="-"/>
+            </a:pPr>
+            <a:endParaRPr lang="es-ES" b="1" dirty="0">
+              <a:ea typeface="Calibri"/>
+              <a:cs typeface="Calibri"/>
+            </a:endParaRPr>
+          </a:p>
+          <a:p>
+            <a:pPr marL="285750" indent="-285750">
+              <a:buFontTx/>
+              <a:buChar char="-"/>
+            </a:pPr>
+            <a:r>
+              <a:rPr lang="es-ES" b="1" dirty="0">
+                <a:ea typeface="Calibri"/>
+                <a:cs typeface="Calibri"/>
+              </a:rPr>
+              <a:t>Usted puede verificar sus resultados usando los scripts de Matlab disponibles en el repositorio.</a:t>
+            </a:r>
+          </a:p>
+          <a:p>
+            <a:endParaRPr lang="es-ES" b="1" dirty="0">
+              <a:ea typeface="Calibri"/>
+              <a:cs typeface="Calibri"/>
+            </a:endParaRPr>
+          </a:p>
+        </p:txBody>
+      </p:sp>
+      <p:pic>
+        <p:nvPicPr>
+          <p:cNvPr id="8" name="Imagen 7">
+            <a:extLst>
+              <a:ext uri="{FF2B5EF4-FFF2-40B4-BE49-F238E27FC236}">
+                <a16:creationId xmlns:a16="http://schemas.microsoft.com/office/drawing/2014/main" id="{ECDDFFA0-CC57-DBA6-B2DE-1D7046E9A7A1}"/>
+              </a:ext>
+            </a:extLst>
+          </p:cNvPr>
+          <p:cNvPicPr>
+            <a:picLocks noChangeAspect="1"/>
+          </p:cNvPicPr>
+          <p:nvPr/>
+        </p:nvPicPr>
+        <p:blipFill>
+          <a:blip r:embed="rId4"/>
+          <a:srcRect t="58219"/>
+          <a:stretch/>
+        </p:blipFill>
+        <p:spPr>
+          <a:xfrm>
+            <a:off x="1771498" y="4441226"/>
+            <a:ext cx="6315956" cy="1405002"/>
+          </a:xfrm>
+          <a:prstGeom prst="rect">
+            <a:avLst/>
+          </a:prstGeom>
+        </p:spPr>
+      </p:pic>
+    </p:spTree>
+    <p:extLst>
+      <p:ext uri="{BB962C8B-B14F-4D97-AF65-F5344CB8AC3E}">
+        <p14:creationId xmlns:p14="http://schemas.microsoft.com/office/powerpoint/2010/main" val="3566317723"/>
       </p:ext>
     </p:extLst>
   </p:cSld>
@@ -34681,12 +36188,11 @@
 </file>
 
 <file path=customXml/item1.xml><?xml version="1.0" encoding="utf-8"?>
-<?mso-contentType ?>
-<FormTemplates xmlns="http://schemas.microsoft.com/sharepoint/v3/contenttype/forms">
-  <Display>DocumentLibraryForm</Display>
-  <Edit>DocumentLibraryForm</Edit>
-  <New>DocumentLibraryForm</New>
-</FormTemplates>
+<p:properties xmlns:p="http://schemas.microsoft.com/office/2006/metadata/properties" xmlns:xsi="http://www.w3.org/2001/XMLSchema-instance" xmlns:pc="http://schemas.microsoft.com/office/infopath/2007/PartnerControls">
+  <documentManagement>
+    <_activity xmlns="bdc56f61-abc0-4f7e-bfec-a93ccd1ae886" xsi:nil="true"/>
+  </documentManagement>
+</p:properties>
 </file>
 
 <file path=customXml/item2.xml><?xml version="1.0" encoding="utf-8"?>
@@ -34925,17 +36431,27 @@
 </file>
 
 <file path=customXml/item3.xml><?xml version="1.0" encoding="utf-8"?>
-<p:properties xmlns:p="http://schemas.microsoft.com/office/2006/metadata/properties" xmlns:xsi="http://www.w3.org/2001/XMLSchema-instance" xmlns:pc="http://schemas.microsoft.com/office/infopath/2007/PartnerControls">
-  <documentManagement>
-    <_activity xmlns="bdc56f61-abc0-4f7e-bfec-a93ccd1ae886" xsi:nil="true"/>
-  </documentManagement>
-</p:properties>
+<?mso-contentType ?>
+<FormTemplates xmlns="http://schemas.microsoft.com/sharepoint/v3/contenttype/forms">
+  <Display>DocumentLibraryForm</Display>
+  <Edit>DocumentLibraryForm</Edit>
+  <New>DocumentLibraryForm</New>
+</FormTemplates>
 </file>
 
 <file path=customXml/itemProps1.xml><?xml version="1.0" encoding="utf-8"?>
-<ds:datastoreItem xmlns:ds="http://schemas.openxmlformats.org/officeDocument/2006/customXml" ds:itemID="{4E8623C8-32E1-48B0-9F0A-13F2E9582B7E}">
+<ds:datastoreItem xmlns:ds="http://schemas.openxmlformats.org/officeDocument/2006/customXml" ds:itemID="{0825853C-1B27-4995-A583-4D39F900BB7F}">
   <ds:schemaRefs>
-    <ds:schemaRef ds:uri="http://schemas.microsoft.com/sharepoint/v3/contenttype/forms"/>
+    <ds:schemaRef ds:uri="669280c1-d17e-4d1d-bd7f-b4f14cc6bf1d"/>
+    <ds:schemaRef ds:uri="bdc56f61-abc0-4f7e-bfec-a93ccd1ae886"/>
+    <ds:schemaRef ds:uri="http://purl.org/dc/dcmitype/"/>
+    <ds:schemaRef ds:uri="http://purl.org/dc/elements/1.1/"/>
+    <ds:schemaRef ds:uri="http://purl.org/dc/terms/"/>
+    <ds:schemaRef ds:uri="http://schemas.microsoft.com/office/2006/documentManagement/types"/>
+    <ds:schemaRef ds:uri="http://schemas.microsoft.com/office/2006/metadata/properties"/>
+    <ds:schemaRef ds:uri="http://schemas.microsoft.com/office/infopath/2007/PartnerControls"/>
+    <ds:schemaRef ds:uri="http://schemas.openxmlformats.org/package/2006/metadata/core-properties"/>
+    <ds:schemaRef ds:uri="http://www.w3.org/XML/1998/namespace"/>
   </ds:schemaRefs>
 </ds:datastoreItem>
 </file>
@@ -34960,18 +36476,9 @@
 </file>
 
 <file path=customXml/itemProps3.xml><?xml version="1.0" encoding="utf-8"?>
-<ds:datastoreItem xmlns:ds="http://schemas.openxmlformats.org/officeDocument/2006/customXml" ds:itemID="{0825853C-1B27-4995-A583-4D39F900BB7F}">
+<ds:datastoreItem xmlns:ds="http://schemas.openxmlformats.org/officeDocument/2006/customXml" ds:itemID="{4E8623C8-32E1-48B0-9F0A-13F2E9582B7E}">
   <ds:schemaRefs>
-    <ds:schemaRef ds:uri="669280c1-d17e-4d1d-bd7f-b4f14cc6bf1d"/>
-    <ds:schemaRef ds:uri="bdc56f61-abc0-4f7e-bfec-a93ccd1ae886"/>
-    <ds:schemaRef ds:uri="http://purl.org/dc/dcmitype/"/>
-    <ds:schemaRef ds:uri="http://purl.org/dc/elements/1.1/"/>
-    <ds:schemaRef ds:uri="http://purl.org/dc/terms/"/>
-    <ds:schemaRef ds:uri="http://schemas.microsoft.com/office/2006/documentManagement/types"/>
-    <ds:schemaRef ds:uri="http://schemas.microsoft.com/office/2006/metadata/properties"/>
-    <ds:schemaRef ds:uri="http://schemas.microsoft.com/office/infopath/2007/PartnerControls"/>
-    <ds:schemaRef ds:uri="http://schemas.openxmlformats.org/package/2006/metadata/core-properties"/>
-    <ds:schemaRef ds:uri="http://www.w3.org/XML/1998/namespace"/>
+    <ds:schemaRef ds:uri="http://schemas.microsoft.com/sharepoint/v3/contenttype/forms"/>
   </ds:schemaRefs>
 </ds:datastoreItem>
 </file>
--- a/Sesión_4/Sistemas de segundo orden Discretos.pptx
+++ b/Sesión_4/Sistemas de segundo orden Discretos.pptx
@@ -223,7 +223,7 @@
   <pc:docChgLst>
     <pc:chgData name="JHEYSON FABIAN VILLAVISAN BUITRAGO" userId="e5ced5c2-d787-455d-b115-4f08a699b8c8" providerId="ADAL" clId="{0A60CEB9-85FD-48E1-86F3-E6C1E64EF4FE}"/>
     <pc:docChg chg="undo redo custSel addSld modSld sldOrd modSection">
-      <pc:chgData name="JHEYSON FABIAN VILLAVISAN BUITRAGO" userId="e5ced5c2-d787-455d-b115-4f08a699b8c8" providerId="ADAL" clId="{0A60CEB9-85FD-48E1-86F3-E6C1E64EF4FE}" dt="2025-04-10T13:30:59.673" v="1328" actId="20577"/>
+      <pc:chgData name="JHEYSON FABIAN VILLAVISAN BUITRAGO" userId="e5ced5c2-d787-455d-b115-4f08a699b8c8" providerId="ADAL" clId="{0A60CEB9-85FD-48E1-86F3-E6C1E64EF4FE}" dt="2025-04-10T17:18:08.714" v="1420" actId="20577"/>
       <pc:docMkLst>
         <pc:docMk/>
       </pc:docMkLst>
@@ -472,13 +472,13 @@
         </pc:spChg>
       </pc:sldChg>
       <pc:sldChg chg="addSp delSp modSp add mod">
-        <pc:chgData name="JHEYSON FABIAN VILLAVISAN BUITRAGO" userId="e5ced5c2-d787-455d-b115-4f08a699b8c8" providerId="ADAL" clId="{0A60CEB9-85FD-48E1-86F3-E6C1E64EF4FE}" dt="2025-04-10T13:30:59.673" v="1328" actId="20577"/>
+        <pc:chgData name="JHEYSON FABIAN VILLAVISAN BUITRAGO" userId="e5ced5c2-d787-455d-b115-4f08a699b8c8" providerId="ADAL" clId="{0A60CEB9-85FD-48E1-86F3-E6C1E64EF4FE}" dt="2025-04-10T17:18:08.714" v="1420" actId="20577"/>
         <pc:sldMkLst>
           <pc:docMk/>
           <pc:sldMk cId="3566317723" sldId="297"/>
         </pc:sldMkLst>
         <pc:spChg chg="add del mod">
-          <ac:chgData name="JHEYSON FABIAN VILLAVISAN BUITRAGO" userId="e5ced5c2-d787-455d-b115-4f08a699b8c8" providerId="ADAL" clId="{0A60CEB9-85FD-48E1-86F3-E6C1E64EF4FE}" dt="2025-04-10T13:30:59.673" v="1328" actId="20577"/>
+          <ac:chgData name="JHEYSON FABIAN VILLAVISAN BUITRAGO" userId="e5ced5c2-d787-455d-b115-4f08a699b8c8" providerId="ADAL" clId="{0A60CEB9-85FD-48E1-86F3-E6C1E64EF4FE}" dt="2025-04-10T17:18:08.714" v="1420" actId="20577"/>
           <ac:spMkLst>
             <pc:docMk/>
             <pc:sldMk cId="3566317723" sldId="297"/>
@@ -23021,7 +23021,16 @@
                 <a:ea typeface="Calibri"/>
                 <a:cs typeface="Calibri"/>
               </a:rPr>
-              <a:t>A) 	</a:t>
+              <a:t>A) </a:t>
+            </a:r>
+            <a:r>
+              <a:rPr lang="es-CO" sz="1800" b="1" dirty="0">
+                <a:effectLst/>
+                <a:latin typeface="Calibri" panose="020F0502020204030204" pitchFamily="34" charset="0"/>
+                <a:ea typeface="Times New Roman" panose="02020603050405020304" pitchFamily="18" charset="0"/>
+                <a:cs typeface="Times New Roman" panose="02020603050405020304" pitchFamily="18" charset="0"/>
+              </a:rPr>
+              <a:t>Encuentre la función de transferencia en lazo cerrado.</a:t>
             </a:r>
           </a:p>
           <a:p>
@@ -36188,14 +36197,6 @@
 </file>
 
 <file path=customXml/item1.xml><?xml version="1.0" encoding="utf-8"?>
-<p:properties xmlns:p="http://schemas.microsoft.com/office/2006/metadata/properties" xmlns:xsi="http://www.w3.org/2001/XMLSchema-instance" xmlns:pc="http://schemas.microsoft.com/office/infopath/2007/PartnerControls">
-  <documentManagement>
-    <_activity xmlns="bdc56f61-abc0-4f7e-bfec-a93ccd1ae886" xsi:nil="true"/>
-  </documentManagement>
-</p:properties>
-</file>
-
-<file path=customXml/item2.xml><?xml version="1.0" encoding="utf-8"?>
 <ct:contentTypeSchema xmlns:ct="http://schemas.microsoft.com/office/2006/metadata/contentType" xmlns:ma="http://schemas.microsoft.com/office/2006/metadata/properties/metaAttributes" ct:_="" ma:_="" ma:contentTypeName="Documento" ma:contentTypeID="0x0101007A62137D465CE64A8C883A4664514BF8" ma:contentTypeVersion="15" ma:contentTypeDescription="Crear nuevo documento." ma:contentTypeScope="" ma:versionID="a1bd1d59f691eb9bca6952b111268275">
   <xsd:schema xmlns:xsd="http://www.w3.org/2001/XMLSchema" xmlns:xs="http://www.w3.org/2001/XMLSchema" xmlns:p="http://schemas.microsoft.com/office/2006/metadata/properties" xmlns:ns3="669280c1-d17e-4d1d-bd7f-b4f14cc6bf1d" xmlns:ns4="bdc56f61-abc0-4f7e-bfec-a93ccd1ae886" targetNamespace="http://schemas.microsoft.com/office/2006/metadata/properties" ma:root="true" ma:fieldsID="d02990a02f19f0f9fc7b999b1809cae4" ns3:_="" ns4:_="">
     <xsd:import namespace="669280c1-d17e-4d1d-bd7f-b4f14cc6bf1d"/>
@@ -36430,6 +36431,14 @@
 </ct:contentTypeSchema>
 </file>
 
+<file path=customXml/item2.xml><?xml version="1.0" encoding="utf-8"?>
+<p:properties xmlns:p="http://schemas.microsoft.com/office/2006/metadata/properties" xmlns:xsi="http://www.w3.org/2001/XMLSchema-instance" xmlns:pc="http://schemas.microsoft.com/office/infopath/2007/PartnerControls">
+  <documentManagement>
+    <_activity xmlns="bdc56f61-abc0-4f7e-bfec-a93ccd1ae886" xsi:nil="true"/>
+  </documentManagement>
+</p:properties>
+</file>
+
 <file path=customXml/item3.xml><?xml version="1.0" encoding="utf-8"?>
 <?mso-contentType ?>
 <FormTemplates xmlns="http://schemas.microsoft.com/sharepoint/v3/contenttype/forms">
@@ -36440,23 +36449,6 @@
 </file>
 
 <file path=customXml/itemProps1.xml><?xml version="1.0" encoding="utf-8"?>
-<ds:datastoreItem xmlns:ds="http://schemas.openxmlformats.org/officeDocument/2006/customXml" ds:itemID="{0825853C-1B27-4995-A583-4D39F900BB7F}">
-  <ds:schemaRefs>
-    <ds:schemaRef ds:uri="669280c1-d17e-4d1d-bd7f-b4f14cc6bf1d"/>
-    <ds:schemaRef ds:uri="bdc56f61-abc0-4f7e-bfec-a93ccd1ae886"/>
-    <ds:schemaRef ds:uri="http://purl.org/dc/dcmitype/"/>
-    <ds:schemaRef ds:uri="http://purl.org/dc/elements/1.1/"/>
-    <ds:schemaRef ds:uri="http://purl.org/dc/terms/"/>
-    <ds:schemaRef ds:uri="http://schemas.microsoft.com/office/2006/documentManagement/types"/>
-    <ds:schemaRef ds:uri="http://schemas.microsoft.com/office/2006/metadata/properties"/>
-    <ds:schemaRef ds:uri="http://schemas.microsoft.com/office/infopath/2007/PartnerControls"/>
-    <ds:schemaRef ds:uri="http://schemas.openxmlformats.org/package/2006/metadata/core-properties"/>
-    <ds:schemaRef ds:uri="http://www.w3.org/XML/1998/namespace"/>
-  </ds:schemaRefs>
-</ds:datastoreItem>
-</file>
-
-<file path=customXml/itemProps2.xml><?xml version="1.0" encoding="utf-8"?>
 <ds:datastoreItem xmlns:ds="http://schemas.openxmlformats.org/officeDocument/2006/customXml" ds:itemID="{025820C3-FD82-4EFC-BF14-EAF1F9613F52}">
   <ds:schemaRefs>
     <ds:schemaRef ds:uri="669280c1-d17e-4d1d-bd7f-b4f14cc6bf1d"/>
@@ -36475,6 +36467,23 @@
 </ds:datastoreItem>
 </file>
 
+<file path=customXml/itemProps2.xml><?xml version="1.0" encoding="utf-8"?>
+<ds:datastoreItem xmlns:ds="http://schemas.openxmlformats.org/officeDocument/2006/customXml" ds:itemID="{0825853C-1B27-4995-A583-4D39F900BB7F}">
+  <ds:schemaRefs>
+    <ds:schemaRef ds:uri="669280c1-d17e-4d1d-bd7f-b4f14cc6bf1d"/>
+    <ds:schemaRef ds:uri="bdc56f61-abc0-4f7e-bfec-a93ccd1ae886"/>
+    <ds:schemaRef ds:uri="http://purl.org/dc/dcmitype/"/>
+    <ds:schemaRef ds:uri="http://purl.org/dc/elements/1.1/"/>
+    <ds:schemaRef ds:uri="http://purl.org/dc/terms/"/>
+    <ds:schemaRef ds:uri="http://schemas.microsoft.com/office/2006/documentManagement/types"/>
+    <ds:schemaRef ds:uri="http://schemas.microsoft.com/office/2006/metadata/properties"/>
+    <ds:schemaRef ds:uri="http://schemas.microsoft.com/office/infopath/2007/PartnerControls"/>
+    <ds:schemaRef ds:uri="http://schemas.openxmlformats.org/package/2006/metadata/core-properties"/>
+    <ds:schemaRef ds:uri="http://www.w3.org/XML/1998/namespace"/>
+  </ds:schemaRefs>
+</ds:datastoreItem>
+</file>
+
 <file path=customXml/itemProps3.xml><?xml version="1.0" encoding="utf-8"?>
 <ds:datastoreItem xmlns:ds="http://schemas.openxmlformats.org/officeDocument/2006/customXml" ds:itemID="{4E8623C8-32E1-48B0-9F0A-13F2E9582B7E}">
   <ds:schemaRefs>
